--- a/images/IOLabWebImages.pptx
+++ b/images/IOLabWebImages.pptx
@@ -259,7 +259,7 @@
           <a:p>
             <a:fld id="{3166A43E-CA75-4AF3-8026-58F4B8954506}" type="datetimeFigureOut">
               <a:rPr lang="en-US" smtClean="0"/>
-              <a:t>2/11/2021</a:t>
+              <a:t>2/18/21</a:t>
             </a:fld>
             <a:endParaRPr lang="en-US"/>
           </a:p>
@@ -457,7 +457,7 @@
           <a:p>
             <a:fld id="{3166A43E-CA75-4AF3-8026-58F4B8954506}" type="datetimeFigureOut">
               <a:rPr lang="en-US" smtClean="0"/>
-              <a:t>2/11/2021</a:t>
+              <a:t>2/18/21</a:t>
             </a:fld>
             <a:endParaRPr lang="en-US"/>
           </a:p>
@@ -665,7 +665,7 @@
           <a:p>
             <a:fld id="{3166A43E-CA75-4AF3-8026-58F4B8954506}" type="datetimeFigureOut">
               <a:rPr lang="en-US" smtClean="0"/>
-              <a:t>2/11/2021</a:t>
+              <a:t>2/18/21</a:t>
             </a:fld>
             <a:endParaRPr lang="en-US"/>
           </a:p>
@@ -863,7 +863,7 @@
           <a:p>
             <a:fld id="{3166A43E-CA75-4AF3-8026-58F4B8954506}" type="datetimeFigureOut">
               <a:rPr lang="en-US" smtClean="0"/>
-              <a:t>2/11/2021</a:t>
+              <a:t>2/18/21</a:t>
             </a:fld>
             <a:endParaRPr lang="en-US"/>
           </a:p>
@@ -1138,7 +1138,7 @@
           <a:p>
             <a:fld id="{3166A43E-CA75-4AF3-8026-58F4B8954506}" type="datetimeFigureOut">
               <a:rPr lang="en-US" smtClean="0"/>
-              <a:t>2/11/2021</a:t>
+              <a:t>2/18/21</a:t>
             </a:fld>
             <a:endParaRPr lang="en-US"/>
           </a:p>
@@ -1403,7 +1403,7 @@
           <a:p>
             <a:fld id="{3166A43E-CA75-4AF3-8026-58F4B8954506}" type="datetimeFigureOut">
               <a:rPr lang="en-US" smtClean="0"/>
-              <a:t>2/11/2021</a:t>
+              <a:t>2/18/21</a:t>
             </a:fld>
             <a:endParaRPr lang="en-US"/>
           </a:p>
@@ -1815,7 +1815,7 @@
           <a:p>
             <a:fld id="{3166A43E-CA75-4AF3-8026-58F4B8954506}" type="datetimeFigureOut">
               <a:rPr lang="en-US" smtClean="0"/>
-              <a:t>2/11/2021</a:t>
+              <a:t>2/18/21</a:t>
             </a:fld>
             <a:endParaRPr lang="en-US"/>
           </a:p>
@@ -1956,7 +1956,7 @@
           <a:p>
             <a:fld id="{3166A43E-CA75-4AF3-8026-58F4B8954506}" type="datetimeFigureOut">
               <a:rPr lang="en-US" smtClean="0"/>
-              <a:t>2/11/2021</a:t>
+              <a:t>2/18/21</a:t>
             </a:fld>
             <a:endParaRPr lang="en-US"/>
           </a:p>
@@ -2069,7 +2069,7 @@
           <a:p>
             <a:fld id="{3166A43E-CA75-4AF3-8026-58F4B8954506}" type="datetimeFigureOut">
               <a:rPr lang="en-US" smtClean="0"/>
-              <a:t>2/11/2021</a:t>
+              <a:t>2/18/21</a:t>
             </a:fld>
             <a:endParaRPr lang="en-US"/>
           </a:p>
@@ -2380,7 +2380,7 @@
           <a:p>
             <a:fld id="{3166A43E-CA75-4AF3-8026-58F4B8954506}" type="datetimeFigureOut">
               <a:rPr lang="en-US" smtClean="0"/>
-              <a:t>2/11/2021</a:t>
+              <a:t>2/18/21</a:t>
             </a:fld>
             <a:endParaRPr lang="en-US"/>
           </a:p>
@@ -2668,7 +2668,7 @@
           <a:p>
             <a:fld id="{3166A43E-CA75-4AF3-8026-58F4B8954506}" type="datetimeFigureOut">
               <a:rPr lang="en-US" smtClean="0"/>
-              <a:t>2/11/2021</a:t>
+              <a:t>2/18/21</a:t>
             </a:fld>
             <a:endParaRPr lang="en-US"/>
           </a:p>
@@ -2909,7 +2909,7 @@
           <a:p>
             <a:fld id="{3166A43E-CA75-4AF3-8026-58F4B8954506}" type="datetimeFigureOut">
               <a:rPr lang="en-US" smtClean="0"/>
-              <a:t>2/11/2021</a:t>
+              <a:t>2/18/21</a:t>
             </a:fld>
             <a:endParaRPr lang="en-US"/>
           </a:p>
@@ -7899,6 +7899,544 @@
           </a:p>
         </p:txBody>
       </p:sp>
+      <p:grpSp>
+        <p:nvGrpSpPr>
+          <p:cNvPr id="34" name="Group 33">
+            <a:extLst>
+              <a:ext uri="{FF2B5EF4-FFF2-40B4-BE49-F238E27FC236}">
+                <a16:creationId xmlns:a16="http://schemas.microsoft.com/office/drawing/2014/main" id="{982F5BC9-CA94-2546-85C5-381513A0D0EB}"/>
+              </a:ext>
+            </a:extLst>
+          </p:cNvPr>
+          <p:cNvGrpSpPr/>
+          <p:nvPr/>
+        </p:nvGrpSpPr>
+        <p:grpSpPr>
+          <a:xfrm rot="2671967">
+            <a:off x="6289069" y="1700255"/>
+            <a:ext cx="475401" cy="139708"/>
+            <a:chOff x="6472489" y="1754416"/>
+            <a:chExt cx="475401" cy="139708"/>
+          </a:xfrm>
+        </p:grpSpPr>
+        <p:sp>
+          <p:nvSpPr>
+            <p:cNvPr id="71" name="Oval 70">
+              <a:extLst>
+                <a:ext uri="{FF2B5EF4-FFF2-40B4-BE49-F238E27FC236}">
+                  <a16:creationId xmlns:a16="http://schemas.microsoft.com/office/drawing/2014/main" id="{7967CBA7-869C-9C45-95B9-DCDA2F67A633}"/>
+                </a:ext>
+              </a:extLst>
+            </p:cNvPr>
+            <p:cNvSpPr/>
+            <p:nvPr/>
+          </p:nvSpPr>
+          <p:spPr>
+            <a:xfrm>
+              <a:off x="6472489" y="1754416"/>
+              <a:ext cx="268766" cy="130605"/>
+            </a:xfrm>
+            <a:prstGeom prst="ellipse">
+              <a:avLst/>
+            </a:prstGeom>
+            <a:noFill/>
+            <a:ln w="38100">
+              <a:solidFill>
+                <a:schemeClr val="accent1"/>
+              </a:solidFill>
+            </a:ln>
+          </p:spPr>
+          <p:style>
+            <a:lnRef idx="2">
+              <a:schemeClr val="accent1">
+                <a:shade val="50000"/>
+              </a:schemeClr>
+            </a:lnRef>
+            <a:fillRef idx="1">
+              <a:schemeClr val="accent1"/>
+            </a:fillRef>
+            <a:effectRef idx="0">
+              <a:schemeClr val="accent1"/>
+            </a:effectRef>
+            <a:fontRef idx="minor">
+              <a:schemeClr val="lt1"/>
+            </a:fontRef>
+          </p:style>
+          <p:txBody>
+            <a:bodyPr rtlCol="0" anchor="ctr"/>
+            <a:lstStyle/>
+            <a:p>
+              <a:pPr algn="ctr"/>
+              <a:endParaRPr lang="en-US" dirty="0"/>
+            </a:p>
+          </p:txBody>
+        </p:sp>
+        <p:sp>
+          <p:nvSpPr>
+            <p:cNvPr id="72" name="Oval 71">
+              <a:extLst>
+                <a:ext uri="{FF2B5EF4-FFF2-40B4-BE49-F238E27FC236}">
+                  <a16:creationId xmlns:a16="http://schemas.microsoft.com/office/drawing/2014/main" id="{AE83B895-1C07-1847-B58A-B49C35D2E357}"/>
+                </a:ext>
+              </a:extLst>
+            </p:cNvPr>
+            <p:cNvSpPr/>
+            <p:nvPr/>
+          </p:nvSpPr>
+          <p:spPr>
+            <a:xfrm>
+              <a:off x="6679124" y="1764542"/>
+              <a:ext cx="268766" cy="120705"/>
+            </a:xfrm>
+            <a:prstGeom prst="ellipse">
+              <a:avLst/>
+            </a:prstGeom>
+            <a:noFill/>
+            <a:ln w="38100">
+              <a:solidFill>
+                <a:schemeClr val="accent1"/>
+              </a:solidFill>
+            </a:ln>
+          </p:spPr>
+          <p:style>
+            <a:lnRef idx="2">
+              <a:schemeClr val="accent1">
+                <a:shade val="50000"/>
+              </a:schemeClr>
+            </a:lnRef>
+            <a:fillRef idx="1">
+              <a:schemeClr val="accent1"/>
+            </a:fillRef>
+            <a:effectRef idx="0">
+              <a:schemeClr val="accent1"/>
+            </a:effectRef>
+            <a:fontRef idx="minor">
+              <a:schemeClr val="lt1"/>
+            </a:fontRef>
+          </p:style>
+          <p:txBody>
+            <a:bodyPr rtlCol="0" anchor="ctr"/>
+            <a:lstStyle/>
+            <a:p>
+              <a:pPr algn="ctr"/>
+              <a:endParaRPr lang="en-US" dirty="0"/>
+            </a:p>
+          </p:txBody>
+        </p:sp>
+        <p:cxnSp>
+          <p:nvCxnSpPr>
+            <p:cNvPr id="5" name="Straight Connector 4">
+              <a:extLst>
+                <a:ext uri="{FF2B5EF4-FFF2-40B4-BE49-F238E27FC236}">
+                  <a16:creationId xmlns:a16="http://schemas.microsoft.com/office/drawing/2014/main" id="{BA5AC35F-13CA-0247-8789-ECB4A568EE65}"/>
+                </a:ext>
+              </a:extLst>
+            </p:cNvPr>
+            <p:cNvCxnSpPr>
+              <a:cxnSpLocks/>
+            </p:cNvCxnSpPr>
+            <p:nvPr/>
+          </p:nvCxnSpPr>
+          <p:spPr>
+            <a:xfrm>
+              <a:off x="6654201" y="1846485"/>
+              <a:ext cx="72252" cy="47639"/>
+            </a:xfrm>
+            <a:prstGeom prst="line">
+              <a:avLst/>
+            </a:prstGeom>
+            <a:ln>
+              <a:solidFill>
+                <a:schemeClr val="bg1"/>
+              </a:solidFill>
+            </a:ln>
+          </p:spPr>
+          <p:style>
+            <a:lnRef idx="1">
+              <a:schemeClr val="accent1"/>
+            </a:lnRef>
+            <a:fillRef idx="0">
+              <a:schemeClr val="accent1"/>
+            </a:fillRef>
+            <a:effectRef idx="0">
+              <a:schemeClr val="accent1"/>
+            </a:effectRef>
+            <a:fontRef idx="minor">
+              <a:schemeClr val="tx1"/>
+            </a:fontRef>
+          </p:style>
+        </p:cxnSp>
+        <p:cxnSp>
+          <p:nvCxnSpPr>
+            <p:cNvPr id="76" name="Straight Connector 75">
+              <a:extLst>
+                <a:ext uri="{FF2B5EF4-FFF2-40B4-BE49-F238E27FC236}">
+                  <a16:creationId xmlns:a16="http://schemas.microsoft.com/office/drawing/2014/main" id="{FF248500-7D23-CF4B-9A0D-221ABC4F246A}"/>
+                </a:ext>
+              </a:extLst>
+            </p:cNvPr>
+            <p:cNvCxnSpPr>
+              <a:cxnSpLocks/>
+            </p:cNvCxnSpPr>
+            <p:nvPr/>
+          </p:nvCxnSpPr>
+          <p:spPr>
+            <a:xfrm>
+              <a:off x="6674452" y="1785193"/>
+              <a:ext cx="48978" cy="32671"/>
+            </a:xfrm>
+            <a:prstGeom prst="line">
+              <a:avLst/>
+            </a:prstGeom>
+            <a:ln>
+              <a:solidFill>
+                <a:schemeClr val="bg1"/>
+              </a:solidFill>
+            </a:ln>
+          </p:spPr>
+          <p:style>
+            <a:lnRef idx="1">
+              <a:schemeClr val="accent1"/>
+            </a:lnRef>
+            <a:fillRef idx="0">
+              <a:schemeClr val="accent1"/>
+            </a:fillRef>
+            <a:effectRef idx="0">
+              <a:schemeClr val="accent1"/>
+            </a:effectRef>
+            <a:fontRef idx="minor">
+              <a:schemeClr val="tx1"/>
+            </a:fontRef>
+          </p:style>
+        </p:cxnSp>
+      </p:grpSp>
+      <p:sp>
+        <p:nvSpPr>
+          <p:cNvPr id="99" name="Rectangle 98">
+            <a:extLst>
+              <a:ext uri="{FF2B5EF4-FFF2-40B4-BE49-F238E27FC236}">
+                <a16:creationId xmlns:a16="http://schemas.microsoft.com/office/drawing/2014/main" id="{1B815C0D-2E5C-E44D-BA05-25C05AC53041}"/>
+              </a:ext>
+            </a:extLst>
+          </p:cNvPr>
+          <p:cNvSpPr>
+            <a:spLocks noChangeAspect="1"/>
+          </p:cNvSpPr>
+          <p:nvPr/>
+        </p:nvSpPr>
+        <p:spPr>
+          <a:xfrm>
+            <a:off x="6279437" y="1531779"/>
+            <a:ext cx="473462" cy="474256"/>
+          </a:xfrm>
+          <a:prstGeom prst="rect">
+            <a:avLst/>
+          </a:prstGeom>
+          <a:noFill/>
+          <a:ln w="9525">
+            <a:solidFill>
+              <a:schemeClr val="tx1"/>
+            </a:solidFill>
+            <a:prstDash val="solid"/>
+          </a:ln>
+        </p:spPr>
+        <p:style>
+          <a:lnRef idx="2">
+            <a:schemeClr val="accent1">
+              <a:shade val="50000"/>
+            </a:schemeClr>
+          </a:lnRef>
+          <a:fillRef idx="1">
+            <a:schemeClr val="accent1"/>
+          </a:fillRef>
+          <a:effectRef idx="0">
+            <a:schemeClr val="accent1"/>
+          </a:effectRef>
+          <a:fontRef idx="minor">
+            <a:schemeClr val="lt1"/>
+          </a:fontRef>
+        </p:style>
+        <p:txBody>
+          <a:bodyPr rtlCol="0" anchor="ctr"/>
+          <a:lstStyle/>
+          <a:p>
+            <a:pPr algn="ctr"/>
+            <a:endParaRPr lang="en-US"/>
+          </a:p>
+        </p:txBody>
+      </p:sp>
+      <p:grpSp>
+        <p:nvGrpSpPr>
+          <p:cNvPr id="100" name="Group 99">
+            <a:extLst>
+              <a:ext uri="{FF2B5EF4-FFF2-40B4-BE49-F238E27FC236}">
+                <a16:creationId xmlns:a16="http://schemas.microsoft.com/office/drawing/2014/main" id="{A58A6EE8-A741-AD43-89ED-841940F8DB83}"/>
+              </a:ext>
+            </a:extLst>
+          </p:cNvPr>
+          <p:cNvGrpSpPr/>
+          <p:nvPr/>
+        </p:nvGrpSpPr>
+        <p:grpSpPr>
+          <a:xfrm rot="2671967">
+            <a:off x="6286854" y="2443338"/>
+            <a:ext cx="475401" cy="139708"/>
+            <a:chOff x="6472489" y="1754416"/>
+            <a:chExt cx="475401" cy="139708"/>
+          </a:xfrm>
+        </p:grpSpPr>
+        <p:sp>
+          <p:nvSpPr>
+            <p:cNvPr id="101" name="Oval 100">
+              <a:extLst>
+                <a:ext uri="{FF2B5EF4-FFF2-40B4-BE49-F238E27FC236}">
+                  <a16:creationId xmlns:a16="http://schemas.microsoft.com/office/drawing/2014/main" id="{1E7E30B5-6F59-114E-ACBF-63BDBF4C4712}"/>
+                </a:ext>
+              </a:extLst>
+            </p:cNvPr>
+            <p:cNvSpPr/>
+            <p:nvPr/>
+          </p:nvSpPr>
+          <p:spPr>
+            <a:xfrm>
+              <a:off x="6472489" y="1754416"/>
+              <a:ext cx="268766" cy="130605"/>
+            </a:xfrm>
+            <a:prstGeom prst="ellipse">
+              <a:avLst/>
+            </a:prstGeom>
+            <a:noFill/>
+            <a:ln w="38100">
+              <a:solidFill>
+                <a:schemeClr val="bg2">
+                  <a:lumMod val="90000"/>
+                </a:schemeClr>
+              </a:solidFill>
+            </a:ln>
+          </p:spPr>
+          <p:style>
+            <a:lnRef idx="2">
+              <a:schemeClr val="accent1">
+                <a:shade val="50000"/>
+              </a:schemeClr>
+            </a:lnRef>
+            <a:fillRef idx="1">
+              <a:schemeClr val="accent1"/>
+            </a:fillRef>
+            <a:effectRef idx="0">
+              <a:schemeClr val="accent1"/>
+            </a:effectRef>
+            <a:fontRef idx="minor">
+              <a:schemeClr val="lt1"/>
+            </a:fontRef>
+          </p:style>
+          <p:txBody>
+            <a:bodyPr rtlCol="0" anchor="ctr"/>
+            <a:lstStyle/>
+            <a:p>
+              <a:pPr algn="ctr"/>
+              <a:endParaRPr lang="en-US" dirty="0"/>
+            </a:p>
+          </p:txBody>
+        </p:sp>
+        <p:sp>
+          <p:nvSpPr>
+            <p:cNvPr id="102" name="Oval 101">
+              <a:extLst>
+                <a:ext uri="{FF2B5EF4-FFF2-40B4-BE49-F238E27FC236}">
+                  <a16:creationId xmlns:a16="http://schemas.microsoft.com/office/drawing/2014/main" id="{F3A368E0-21F7-E544-B40D-EBEFEA6EF998}"/>
+                </a:ext>
+              </a:extLst>
+            </p:cNvPr>
+            <p:cNvSpPr/>
+            <p:nvPr/>
+          </p:nvSpPr>
+          <p:spPr>
+            <a:xfrm>
+              <a:off x="6679124" y="1764542"/>
+              <a:ext cx="268766" cy="120705"/>
+            </a:xfrm>
+            <a:prstGeom prst="ellipse">
+              <a:avLst/>
+            </a:prstGeom>
+            <a:noFill/>
+            <a:ln w="38100">
+              <a:solidFill>
+                <a:schemeClr val="bg2">
+                  <a:lumMod val="90000"/>
+                </a:schemeClr>
+              </a:solidFill>
+            </a:ln>
+          </p:spPr>
+          <p:style>
+            <a:lnRef idx="2">
+              <a:schemeClr val="accent1">
+                <a:shade val="50000"/>
+              </a:schemeClr>
+            </a:lnRef>
+            <a:fillRef idx="1">
+              <a:schemeClr val="accent1"/>
+            </a:fillRef>
+            <a:effectRef idx="0">
+              <a:schemeClr val="accent1"/>
+            </a:effectRef>
+            <a:fontRef idx="minor">
+              <a:schemeClr val="lt1"/>
+            </a:fontRef>
+          </p:style>
+          <p:txBody>
+            <a:bodyPr rtlCol="0" anchor="ctr"/>
+            <a:lstStyle/>
+            <a:p>
+              <a:pPr algn="ctr"/>
+              <a:endParaRPr lang="en-US" dirty="0"/>
+            </a:p>
+          </p:txBody>
+        </p:sp>
+        <p:cxnSp>
+          <p:nvCxnSpPr>
+            <p:cNvPr id="103" name="Straight Connector 102">
+              <a:extLst>
+                <a:ext uri="{FF2B5EF4-FFF2-40B4-BE49-F238E27FC236}">
+                  <a16:creationId xmlns:a16="http://schemas.microsoft.com/office/drawing/2014/main" id="{D16B9356-E041-D641-81BA-F21BC051C575}"/>
+                </a:ext>
+              </a:extLst>
+            </p:cNvPr>
+            <p:cNvCxnSpPr>
+              <a:cxnSpLocks/>
+            </p:cNvCxnSpPr>
+            <p:nvPr/>
+          </p:nvCxnSpPr>
+          <p:spPr>
+            <a:xfrm>
+              <a:off x="6654201" y="1846485"/>
+              <a:ext cx="72252" cy="47639"/>
+            </a:xfrm>
+            <a:prstGeom prst="line">
+              <a:avLst/>
+            </a:prstGeom>
+            <a:ln>
+              <a:solidFill>
+                <a:schemeClr val="bg1"/>
+              </a:solidFill>
+            </a:ln>
+          </p:spPr>
+          <p:style>
+            <a:lnRef idx="1">
+              <a:schemeClr val="accent1"/>
+            </a:lnRef>
+            <a:fillRef idx="0">
+              <a:schemeClr val="accent1"/>
+            </a:fillRef>
+            <a:effectRef idx="0">
+              <a:schemeClr val="accent1"/>
+            </a:effectRef>
+            <a:fontRef idx="minor">
+              <a:schemeClr val="tx1"/>
+            </a:fontRef>
+          </p:style>
+        </p:cxnSp>
+        <p:cxnSp>
+          <p:nvCxnSpPr>
+            <p:cNvPr id="104" name="Straight Connector 103">
+              <a:extLst>
+                <a:ext uri="{FF2B5EF4-FFF2-40B4-BE49-F238E27FC236}">
+                  <a16:creationId xmlns:a16="http://schemas.microsoft.com/office/drawing/2014/main" id="{863E9F4A-5B88-174F-863B-2E3427B18080}"/>
+                </a:ext>
+              </a:extLst>
+            </p:cNvPr>
+            <p:cNvCxnSpPr>
+              <a:cxnSpLocks/>
+            </p:cNvCxnSpPr>
+            <p:nvPr/>
+          </p:nvCxnSpPr>
+          <p:spPr>
+            <a:xfrm>
+              <a:off x="6674452" y="1785193"/>
+              <a:ext cx="48978" cy="32671"/>
+            </a:xfrm>
+            <a:prstGeom prst="line">
+              <a:avLst/>
+            </a:prstGeom>
+            <a:ln>
+              <a:solidFill>
+                <a:schemeClr val="bg1"/>
+              </a:solidFill>
+            </a:ln>
+          </p:spPr>
+          <p:style>
+            <a:lnRef idx="1">
+              <a:schemeClr val="accent1"/>
+            </a:lnRef>
+            <a:fillRef idx="0">
+              <a:schemeClr val="accent1"/>
+            </a:fillRef>
+            <a:effectRef idx="0">
+              <a:schemeClr val="accent1"/>
+            </a:effectRef>
+            <a:fontRef idx="minor">
+              <a:schemeClr val="tx1"/>
+            </a:fontRef>
+          </p:style>
+        </p:cxnSp>
+      </p:grpSp>
+      <p:sp>
+        <p:nvSpPr>
+          <p:cNvPr id="106" name="Rectangle 105">
+            <a:extLst>
+              <a:ext uri="{FF2B5EF4-FFF2-40B4-BE49-F238E27FC236}">
+                <a16:creationId xmlns:a16="http://schemas.microsoft.com/office/drawing/2014/main" id="{EAD6B0E1-D291-6C4C-A222-C5619426B18B}"/>
+              </a:ext>
+            </a:extLst>
+          </p:cNvPr>
+          <p:cNvSpPr>
+            <a:spLocks noChangeAspect="1"/>
+          </p:cNvSpPr>
+          <p:nvPr/>
+        </p:nvSpPr>
+        <p:spPr>
+          <a:xfrm>
+            <a:off x="6277822" y="2270310"/>
+            <a:ext cx="473462" cy="474256"/>
+          </a:xfrm>
+          <a:prstGeom prst="rect">
+            <a:avLst/>
+          </a:prstGeom>
+          <a:noFill/>
+          <a:ln w="9525">
+            <a:solidFill>
+              <a:schemeClr val="bg1">
+                <a:lumMod val="75000"/>
+              </a:schemeClr>
+            </a:solidFill>
+            <a:prstDash val="solid"/>
+          </a:ln>
+        </p:spPr>
+        <p:style>
+          <a:lnRef idx="2">
+            <a:schemeClr val="accent1">
+              <a:shade val="50000"/>
+            </a:schemeClr>
+          </a:lnRef>
+          <a:fillRef idx="1">
+            <a:schemeClr val="accent1"/>
+          </a:fillRef>
+          <a:effectRef idx="0">
+            <a:schemeClr val="accent1"/>
+          </a:effectRef>
+          <a:fontRef idx="minor">
+            <a:schemeClr val="lt1"/>
+          </a:fontRef>
+        </p:style>
+        <p:txBody>
+          <a:bodyPr rtlCol="0" anchor="ctr"/>
+          <a:lstStyle/>
+          <a:p>
+            <a:pPr algn="ctr"/>
+            <a:endParaRPr lang="en-US"/>
+          </a:p>
+        </p:txBody>
+      </p:sp>
     </p:spTree>
     <p:extLst>
       <p:ext uri="{BB962C8B-B14F-4D97-AF65-F5344CB8AC3E}">

--- a/images/IOLabWebImages.pptx
+++ b/images/IOLabWebImages.pptx
@@ -259,7 +259,7 @@
           <a:p>
             <a:fld id="{3166A43E-CA75-4AF3-8026-58F4B8954506}" type="datetimeFigureOut">
               <a:rPr lang="en-US" smtClean="0"/>
-              <a:t>2/18/21</a:t>
+              <a:t>3/17/2021</a:t>
             </a:fld>
             <a:endParaRPr lang="en-US"/>
           </a:p>
@@ -457,7 +457,7 @@
           <a:p>
             <a:fld id="{3166A43E-CA75-4AF3-8026-58F4B8954506}" type="datetimeFigureOut">
               <a:rPr lang="en-US" smtClean="0"/>
-              <a:t>2/18/21</a:t>
+              <a:t>3/17/2021</a:t>
             </a:fld>
             <a:endParaRPr lang="en-US"/>
           </a:p>
@@ -665,7 +665,7 @@
           <a:p>
             <a:fld id="{3166A43E-CA75-4AF3-8026-58F4B8954506}" type="datetimeFigureOut">
               <a:rPr lang="en-US" smtClean="0"/>
-              <a:t>2/18/21</a:t>
+              <a:t>3/17/2021</a:t>
             </a:fld>
             <a:endParaRPr lang="en-US"/>
           </a:p>
@@ -863,7 +863,7 @@
           <a:p>
             <a:fld id="{3166A43E-CA75-4AF3-8026-58F4B8954506}" type="datetimeFigureOut">
               <a:rPr lang="en-US" smtClean="0"/>
-              <a:t>2/18/21</a:t>
+              <a:t>3/17/2021</a:t>
             </a:fld>
             <a:endParaRPr lang="en-US"/>
           </a:p>
@@ -1138,7 +1138,7 @@
           <a:p>
             <a:fld id="{3166A43E-CA75-4AF3-8026-58F4B8954506}" type="datetimeFigureOut">
               <a:rPr lang="en-US" smtClean="0"/>
-              <a:t>2/18/21</a:t>
+              <a:t>3/17/2021</a:t>
             </a:fld>
             <a:endParaRPr lang="en-US"/>
           </a:p>
@@ -1403,7 +1403,7 @@
           <a:p>
             <a:fld id="{3166A43E-CA75-4AF3-8026-58F4B8954506}" type="datetimeFigureOut">
               <a:rPr lang="en-US" smtClean="0"/>
-              <a:t>2/18/21</a:t>
+              <a:t>3/17/2021</a:t>
             </a:fld>
             <a:endParaRPr lang="en-US"/>
           </a:p>
@@ -1815,7 +1815,7 @@
           <a:p>
             <a:fld id="{3166A43E-CA75-4AF3-8026-58F4B8954506}" type="datetimeFigureOut">
               <a:rPr lang="en-US" smtClean="0"/>
-              <a:t>2/18/21</a:t>
+              <a:t>3/17/2021</a:t>
             </a:fld>
             <a:endParaRPr lang="en-US"/>
           </a:p>
@@ -1956,7 +1956,7 @@
           <a:p>
             <a:fld id="{3166A43E-CA75-4AF3-8026-58F4B8954506}" type="datetimeFigureOut">
               <a:rPr lang="en-US" smtClean="0"/>
-              <a:t>2/18/21</a:t>
+              <a:t>3/17/2021</a:t>
             </a:fld>
             <a:endParaRPr lang="en-US"/>
           </a:p>
@@ -2069,7 +2069,7 @@
           <a:p>
             <a:fld id="{3166A43E-CA75-4AF3-8026-58F4B8954506}" type="datetimeFigureOut">
               <a:rPr lang="en-US" smtClean="0"/>
-              <a:t>2/18/21</a:t>
+              <a:t>3/17/2021</a:t>
             </a:fld>
             <a:endParaRPr lang="en-US"/>
           </a:p>
@@ -2380,7 +2380,7 @@
           <a:p>
             <a:fld id="{3166A43E-CA75-4AF3-8026-58F4B8954506}" type="datetimeFigureOut">
               <a:rPr lang="en-US" smtClean="0"/>
-              <a:t>2/18/21</a:t>
+              <a:t>3/17/2021</a:t>
             </a:fld>
             <a:endParaRPr lang="en-US"/>
           </a:p>
@@ -2668,7 +2668,7 @@
           <a:p>
             <a:fld id="{3166A43E-CA75-4AF3-8026-58F4B8954506}" type="datetimeFigureOut">
               <a:rPr lang="en-US" smtClean="0"/>
-              <a:t>2/18/21</a:t>
+              <a:t>3/17/2021</a:t>
             </a:fld>
             <a:endParaRPr lang="en-US"/>
           </a:p>
@@ -2909,7 +2909,7 @@
           <a:p>
             <a:fld id="{3166A43E-CA75-4AF3-8026-58F4B8954506}" type="datetimeFigureOut">
               <a:rPr lang="en-US" smtClean="0"/>
-              <a:t>2/18/21</a:t>
+              <a:t>3/17/2021</a:t>
             </a:fld>
             <a:endParaRPr lang="en-US"/>
           </a:p>
@@ -8437,6 +8437,856 @@
           </a:p>
         </p:txBody>
       </p:sp>
+      <p:sp>
+        <p:nvSpPr>
+          <p:cNvPr id="110" name="Rectangle 109">
+            <a:extLst>
+              <a:ext uri="{FF2B5EF4-FFF2-40B4-BE49-F238E27FC236}">
+                <a16:creationId xmlns:a16="http://schemas.microsoft.com/office/drawing/2014/main" id="{331CEFE3-BD52-4141-ACCF-78FBEA82BB25}"/>
+              </a:ext>
+            </a:extLst>
+          </p:cNvPr>
+          <p:cNvSpPr>
+            <a:spLocks noChangeAspect="1"/>
+          </p:cNvSpPr>
+          <p:nvPr/>
+        </p:nvSpPr>
+        <p:spPr>
+          <a:xfrm>
+            <a:off x="7090810" y="1531779"/>
+            <a:ext cx="665195" cy="335038"/>
+          </a:xfrm>
+          <a:prstGeom prst="rect">
+            <a:avLst/>
+          </a:prstGeom>
+          <a:noFill/>
+          <a:ln w="9525">
+            <a:solidFill>
+              <a:schemeClr val="tx1"/>
+            </a:solidFill>
+            <a:prstDash val="solid"/>
+          </a:ln>
+        </p:spPr>
+        <p:style>
+          <a:lnRef idx="2">
+            <a:schemeClr val="accent1">
+              <a:shade val="50000"/>
+            </a:schemeClr>
+          </a:lnRef>
+          <a:fillRef idx="1">
+            <a:schemeClr val="accent1"/>
+          </a:fillRef>
+          <a:effectRef idx="0">
+            <a:schemeClr val="accent1"/>
+          </a:effectRef>
+          <a:fontRef idx="minor">
+            <a:schemeClr val="lt1"/>
+          </a:fontRef>
+        </p:style>
+        <p:txBody>
+          <a:bodyPr rtlCol="0" anchor="ctr"/>
+          <a:lstStyle/>
+          <a:p>
+            <a:pPr algn="ctr"/>
+            <a:endParaRPr lang="en-US"/>
+          </a:p>
+        </p:txBody>
+      </p:sp>
+      <p:sp>
+        <p:nvSpPr>
+          <p:cNvPr id="118" name="Rectangle 117">
+            <a:extLst>
+              <a:ext uri="{FF2B5EF4-FFF2-40B4-BE49-F238E27FC236}">
+                <a16:creationId xmlns:a16="http://schemas.microsoft.com/office/drawing/2014/main" id="{F2A52ECA-8E4F-4EAC-8CF6-ACCDF95F4599}"/>
+              </a:ext>
+            </a:extLst>
+          </p:cNvPr>
+          <p:cNvSpPr>
+            <a:spLocks noChangeAspect="1"/>
+          </p:cNvSpPr>
+          <p:nvPr/>
+        </p:nvSpPr>
+        <p:spPr>
+          <a:xfrm>
+            <a:off x="7898894" y="1532249"/>
+            <a:ext cx="708920" cy="335038"/>
+          </a:xfrm>
+          <a:prstGeom prst="rect">
+            <a:avLst/>
+          </a:prstGeom>
+          <a:noFill/>
+          <a:ln w="9525">
+            <a:solidFill>
+              <a:schemeClr val="tx1"/>
+            </a:solidFill>
+            <a:prstDash val="solid"/>
+          </a:ln>
+        </p:spPr>
+        <p:style>
+          <a:lnRef idx="2">
+            <a:schemeClr val="accent1">
+              <a:shade val="50000"/>
+            </a:schemeClr>
+          </a:lnRef>
+          <a:fillRef idx="1">
+            <a:schemeClr val="accent1"/>
+          </a:fillRef>
+          <a:effectRef idx="0">
+            <a:schemeClr val="accent1"/>
+          </a:effectRef>
+          <a:fontRef idx="minor">
+            <a:schemeClr val="lt1"/>
+          </a:fontRef>
+        </p:style>
+        <p:txBody>
+          <a:bodyPr rtlCol="0" anchor="ctr"/>
+          <a:lstStyle/>
+          <a:p>
+            <a:pPr algn="ctr"/>
+            <a:endParaRPr lang="en-US"/>
+          </a:p>
+        </p:txBody>
+      </p:sp>
+      <mc:AlternateContent xmlns:mc="http://schemas.openxmlformats.org/markup-compatibility/2006">
+        <mc:Choice xmlns:a14="http://schemas.microsoft.com/office/drawing/2010/main" Requires="a14">
+          <p:sp>
+            <p:nvSpPr>
+              <p:cNvPr id="4" name="TextBox 3">
+                <a:extLst>
+                  <a:ext uri="{FF2B5EF4-FFF2-40B4-BE49-F238E27FC236}">
+                    <a16:creationId xmlns:a16="http://schemas.microsoft.com/office/drawing/2014/main" id="{C0E6A29C-BD76-4B51-B804-05AB5CF708C3}"/>
+                  </a:ext>
+                </a:extLst>
+              </p:cNvPr>
+              <p:cNvSpPr txBox="1"/>
+              <p:nvPr/>
+            </p:nvSpPr>
+            <p:spPr>
+              <a:xfrm>
+                <a:off x="7917872" y="1539107"/>
+                <a:ext cx="665195" cy="310598"/>
+              </a:xfrm>
+              <a:prstGeom prst="rect">
+                <a:avLst/>
+              </a:prstGeom>
+              <a:noFill/>
+            </p:spPr>
+            <p:txBody>
+              <a:bodyPr wrap="square" lIns="0" tIns="0" rIns="0" bIns="0" rtlCol="0">
+                <a:spAutoFit/>
+              </a:bodyPr>
+              <a:lstStyle/>
+              <a:p>
+                <a14:m>
+                  <m:oMathPara xmlns:m="http://schemas.openxmlformats.org/officeDocument/2006/math">
+                    <m:oMathParaPr>
+                      <m:jc m:val="centerGroup"/>
+                    </m:oMathParaPr>
+                    <m:oMath xmlns:m="http://schemas.openxmlformats.org/officeDocument/2006/math">
+                      <m:acc>
+                        <m:accPr>
+                          <m:chr m:val="⃗"/>
+                          <m:ctrlPr>
+                            <a:rPr lang="en-US" i="1" smtClean="0">
+                              <a:solidFill>
+                                <a:srgbClr val="0070C0"/>
+                              </a:solidFill>
+                              <a:latin typeface="Cambria Math" panose="02040503050406030204" pitchFamily="18" charset="0"/>
+                            </a:rPr>
+                          </m:ctrlPr>
+                        </m:accPr>
+                        <m:e>
+                          <m:r>
+                            <a:rPr lang="en-US" b="0" i="1" smtClean="0">
+                              <a:solidFill>
+                                <a:srgbClr val="0070C0"/>
+                              </a:solidFill>
+                              <a:latin typeface="Cambria Math" panose="02040503050406030204" pitchFamily="18" charset="0"/>
+                            </a:rPr>
+                            <m:t>𝑎</m:t>
+                          </m:r>
+                        </m:e>
+                      </m:acc>
+                      <m:r>
+                        <a:rPr lang="en-US" b="0" i="1" smtClean="0">
+                          <a:solidFill>
+                            <a:srgbClr val="0070C0"/>
+                          </a:solidFill>
+                          <a:latin typeface="Cambria Math" panose="02040503050406030204" pitchFamily="18" charset="0"/>
+                        </a:rPr>
+                        <m:t>  </m:t>
+                      </m:r>
+                      <m:acc>
+                        <m:accPr>
+                          <m:chr m:val="⃗"/>
+                          <m:ctrlPr>
+                            <a:rPr lang="en-US" i="1">
+                              <a:solidFill>
+                                <a:srgbClr val="0070C0"/>
+                              </a:solidFill>
+                              <a:latin typeface="Cambria Math" panose="02040503050406030204" pitchFamily="18" charset="0"/>
+                            </a:rPr>
+                          </m:ctrlPr>
+                        </m:accPr>
+                        <m:e>
+                          <m:r>
+                            <a:rPr lang="en-US" b="0" i="1" smtClean="0">
+                              <a:solidFill>
+                                <a:srgbClr val="0070C0"/>
+                              </a:solidFill>
+                              <a:latin typeface="Cambria Math" panose="02040503050406030204" pitchFamily="18" charset="0"/>
+                            </a:rPr>
+                            <m:t>𝐵</m:t>
+                          </m:r>
+                        </m:e>
+                      </m:acc>
+                      <m:r>
+                        <a:rPr lang="en-US" b="0" i="1" smtClean="0">
+                          <a:solidFill>
+                            <a:srgbClr val="0070C0"/>
+                          </a:solidFill>
+                          <a:latin typeface="Cambria Math" panose="02040503050406030204" pitchFamily="18" charset="0"/>
+                        </a:rPr>
+                        <m:t> </m:t>
+                      </m:r>
+                      <m:acc>
+                        <m:accPr>
+                          <m:chr m:val="⃗"/>
+                          <m:ctrlPr>
+                            <a:rPr lang="en-US" i="1">
+                              <a:solidFill>
+                                <a:srgbClr val="0070C0"/>
+                              </a:solidFill>
+                              <a:latin typeface="Cambria Math" panose="02040503050406030204" pitchFamily="18" charset="0"/>
+                            </a:rPr>
+                          </m:ctrlPr>
+                        </m:accPr>
+                        <m:e>
+                          <m:r>
+                            <a:rPr lang="en-US" i="1" smtClean="0">
+                              <a:solidFill>
+                                <a:srgbClr val="0070C0"/>
+                              </a:solidFill>
+                              <a:latin typeface="Cambria Math" panose="02040503050406030204" pitchFamily="18" charset="0"/>
+                              <a:ea typeface="Cambria Math" panose="02040503050406030204" pitchFamily="18" charset="0"/>
+                            </a:rPr>
+                            <m:t>𝜔</m:t>
+                          </m:r>
+                        </m:e>
+                      </m:acc>
+                    </m:oMath>
+                  </m:oMathPara>
+                </a14:m>
+                <a:endParaRPr lang="en-US" dirty="0">
+                  <a:solidFill>
+                    <a:srgbClr val="0070C0"/>
+                  </a:solidFill>
+                </a:endParaRPr>
+              </a:p>
+            </p:txBody>
+          </p:sp>
+        </mc:Choice>
+        <mc:Fallback>
+          <p:sp>
+            <p:nvSpPr>
+              <p:cNvPr id="4" name="TextBox 3">
+                <a:extLst>
+                  <a:ext uri="{FF2B5EF4-FFF2-40B4-BE49-F238E27FC236}">
+                    <a16:creationId xmlns:a16="http://schemas.microsoft.com/office/drawing/2014/main" id="{C0E6A29C-BD76-4B51-B804-05AB5CF708C3}"/>
+                  </a:ext>
+                </a:extLst>
+              </p:cNvPr>
+              <p:cNvSpPr txBox="1">
+                <a:spLocks noRot="1" noChangeAspect="1" noMove="1" noResize="1" noEditPoints="1" noAdjustHandles="1" noChangeArrowheads="1" noChangeShapeType="1" noTextEdit="1"/>
+              </p:cNvSpPr>
+              <p:nvPr/>
+            </p:nvSpPr>
+            <p:spPr>
+              <a:xfrm>
+                <a:off x="7917872" y="1539107"/>
+                <a:ext cx="665195" cy="310598"/>
+              </a:xfrm>
+              <a:prstGeom prst="rect">
+                <a:avLst/>
+              </a:prstGeom>
+              <a:blipFill>
+                <a:blip r:embed="rId2"/>
+                <a:stretch>
+                  <a:fillRect l="-10092" t="-29412" r="-5505" b="-9804"/>
+                </a:stretch>
+              </a:blipFill>
+            </p:spPr>
+            <p:txBody>
+              <a:bodyPr/>
+              <a:lstStyle/>
+              <a:p>
+                <a:r>
+                  <a:rPr lang="en-US">
+                    <a:noFill/>
+                  </a:rPr>
+                  <a:t> </a:t>
+                </a:r>
+              </a:p>
+            </p:txBody>
+          </p:sp>
+        </mc:Fallback>
+      </mc:AlternateContent>
+      <mc:AlternateContent xmlns:mc="http://schemas.openxmlformats.org/markup-compatibility/2006">
+        <mc:Choice xmlns:a14="http://schemas.microsoft.com/office/drawing/2010/main" Requires="a14">
+          <p:sp>
+            <p:nvSpPr>
+              <p:cNvPr id="120" name="TextBox 119">
+                <a:extLst>
+                  <a:ext uri="{FF2B5EF4-FFF2-40B4-BE49-F238E27FC236}">
+                    <a16:creationId xmlns:a16="http://schemas.microsoft.com/office/drawing/2014/main" id="{2097A4CF-04CD-47EE-BDCB-1A5AD539ED7B}"/>
+                  </a:ext>
+                </a:extLst>
+              </p:cNvPr>
+              <p:cNvSpPr txBox="1"/>
+              <p:nvPr/>
+            </p:nvSpPr>
+            <p:spPr>
+              <a:xfrm>
+                <a:off x="7082535" y="1543363"/>
+                <a:ext cx="665195" cy="310598"/>
+              </a:xfrm>
+              <a:prstGeom prst="rect">
+                <a:avLst/>
+              </a:prstGeom>
+              <a:noFill/>
+            </p:spPr>
+            <p:txBody>
+              <a:bodyPr wrap="square" lIns="0" tIns="0" rIns="0" bIns="0" rtlCol="0">
+                <a:spAutoFit/>
+              </a:bodyPr>
+              <a:lstStyle/>
+              <a:p>
+                <a14:m>
+                  <m:oMathPara xmlns:m="http://schemas.openxmlformats.org/officeDocument/2006/math">
+                    <m:oMathParaPr>
+                      <m:jc m:val="centerGroup"/>
+                    </m:oMathParaPr>
+                    <m:oMath xmlns:m="http://schemas.openxmlformats.org/officeDocument/2006/math">
+                      <m:acc>
+                        <m:accPr>
+                          <m:chr m:val="⃗"/>
+                          <m:ctrlPr>
+                            <a:rPr lang="en-US" i="1" smtClean="0">
+                              <a:solidFill>
+                                <a:srgbClr val="0070C0"/>
+                              </a:solidFill>
+                              <a:latin typeface="Cambria Math" panose="02040503050406030204" pitchFamily="18" charset="0"/>
+                            </a:rPr>
+                          </m:ctrlPr>
+                        </m:accPr>
+                        <m:e>
+                          <m:r>
+                            <a:rPr lang="en-US" b="0" i="1" smtClean="0">
+                              <a:solidFill>
+                                <a:srgbClr val="0070C0"/>
+                              </a:solidFill>
+                              <a:latin typeface="Cambria Math" panose="02040503050406030204" pitchFamily="18" charset="0"/>
+                            </a:rPr>
+                            <m:t>𝐹</m:t>
+                          </m:r>
+                        </m:e>
+                      </m:acc>
+                    </m:oMath>
+                  </m:oMathPara>
+                </a14:m>
+                <a:endParaRPr lang="en-US" dirty="0">
+                  <a:solidFill>
+                    <a:srgbClr val="0070C0"/>
+                  </a:solidFill>
+                </a:endParaRPr>
+              </a:p>
+            </p:txBody>
+          </p:sp>
+        </mc:Choice>
+        <mc:Fallback>
+          <p:sp>
+            <p:nvSpPr>
+              <p:cNvPr id="120" name="TextBox 119">
+                <a:extLst>
+                  <a:ext uri="{FF2B5EF4-FFF2-40B4-BE49-F238E27FC236}">
+                    <a16:creationId xmlns:a16="http://schemas.microsoft.com/office/drawing/2014/main" id="{2097A4CF-04CD-47EE-BDCB-1A5AD539ED7B}"/>
+                  </a:ext>
+                </a:extLst>
+              </p:cNvPr>
+              <p:cNvSpPr txBox="1">
+                <a:spLocks noRot="1" noChangeAspect="1" noMove="1" noResize="1" noEditPoints="1" noAdjustHandles="1" noChangeArrowheads="1" noChangeShapeType="1" noTextEdit="1"/>
+              </p:cNvSpPr>
+              <p:nvPr/>
+            </p:nvSpPr>
+            <p:spPr>
+              <a:xfrm>
+                <a:off x="7082535" y="1543363"/>
+                <a:ext cx="665195" cy="310598"/>
+              </a:xfrm>
+              <a:prstGeom prst="rect">
+                <a:avLst/>
+              </a:prstGeom>
+              <a:blipFill>
+                <a:blip r:embed="rId3"/>
+                <a:stretch>
+                  <a:fillRect t="-43137" r="-16514" b="-7843"/>
+                </a:stretch>
+              </a:blipFill>
+            </p:spPr>
+            <p:txBody>
+              <a:bodyPr/>
+              <a:lstStyle/>
+              <a:p>
+                <a:r>
+                  <a:rPr lang="en-US">
+                    <a:noFill/>
+                  </a:rPr>
+                  <a:t> </a:t>
+                </a:r>
+              </a:p>
+            </p:txBody>
+          </p:sp>
+        </mc:Fallback>
+      </mc:AlternateContent>
+      <p:sp>
+        <p:nvSpPr>
+          <p:cNvPr id="121" name="Rectangle 120">
+            <a:extLst>
+              <a:ext uri="{FF2B5EF4-FFF2-40B4-BE49-F238E27FC236}">
+                <a16:creationId xmlns:a16="http://schemas.microsoft.com/office/drawing/2014/main" id="{EB59293C-0BB9-4FCD-85F3-8A65EF76893F}"/>
+              </a:ext>
+            </a:extLst>
+          </p:cNvPr>
+          <p:cNvSpPr>
+            <a:spLocks noChangeAspect="1"/>
+          </p:cNvSpPr>
+          <p:nvPr/>
+        </p:nvSpPr>
+        <p:spPr>
+          <a:xfrm>
+            <a:off x="7090810" y="2267128"/>
+            <a:ext cx="665195" cy="335038"/>
+          </a:xfrm>
+          <a:prstGeom prst="rect">
+            <a:avLst/>
+          </a:prstGeom>
+          <a:noFill/>
+          <a:ln w="9525">
+            <a:solidFill>
+              <a:schemeClr val="bg1">
+                <a:lumMod val="75000"/>
+              </a:schemeClr>
+            </a:solidFill>
+            <a:prstDash val="solid"/>
+          </a:ln>
+        </p:spPr>
+        <p:style>
+          <a:lnRef idx="2">
+            <a:schemeClr val="accent1">
+              <a:shade val="50000"/>
+            </a:schemeClr>
+          </a:lnRef>
+          <a:fillRef idx="1">
+            <a:schemeClr val="accent1"/>
+          </a:fillRef>
+          <a:effectRef idx="0">
+            <a:schemeClr val="accent1"/>
+          </a:effectRef>
+          <a:fontRef idx="minor">
+            <a:schemeClr val="lt1"/>
+          </a:fontRef>
+        </p:style>
+        <p:txBody>
+          <a:bodyPr rtlCol="0" anchor="ctr"/>
+          <a:lstStyle/>
+          <a:p>
+            <a:pPr algn="ctr"/>
+            <a:endParaRPr lang="en-US"/>
+          </a:p>
+        </p:txBody>
+      </p:sp>
+      <p:sp>
+        <p:nvSpPr>
+          <p:cNvPr id="122" name="Rectangle 121">
+            <a:extLst>
+              <a:ext uri="{FF2B5EF4-FFF2-40B4-BE49-F238E27FC236}">
+                <a16:creationId xmlns:a16="http://schemas.microsoft.com/office/drawing/2014/main" id="{78BC679A-3A03-42D5-8950-C68CB3D10582}"/>
+              </a:ext>
+            </a:extLst>
+          </p:cNvPr>
+          <p:cNvSpPr>
+            <a:spLocks noChangeAspect="1"/>
+          </p:cNvSpPr>
+          <p:nvPr/>
+        </p:nvSpPr>
+        <p:spPr>
+          <a:xfrm>
+            <a:off x="7898894" y="2267598"/>
+            <a:ext cx="708920" cy="335038"/>
+          </a:xfrm>
+          <a:prstGeom prst="rect">
+            <a:avLst/>
+          </a:prstGeom>
+          <a:noFill/>
+          <a:ln w="9525">
+            <a:solidFill>
+              <a:schemeClr val="bg1">
+                <a:lumMod val="75000"/>
+              </a:schemeClr>
+            </a:solidFill>
+            <a:prstDash val="solid"/>
+          </a:ln>
+        </p:spPr>
+        <p:style>
+          <a:lnRef idx="2">
+            <a:schemeClr val="accent1">
+              <a:shade val="50000"/>
+            </a:schemeClr>
+          </a:lnRef>
+          <a:fillRef idx="1">
+            <a:schemeClr val="accent1"/>
+          </a:fillRef>
+          <a:effectRef idx="0">
+            <a:schemeClr val="accent1"/>
+          </a:effectRef>
+          <a:fontRef idx="minor">
+            <a:schemeClr val="lt1"/>
+          </a:fontRef>
+        </p:style>
+        <p:txBody>
+          <a:bodyPr rtlCol="0" anchor="ctr"/>
+          <a:lstStyle/>
+          <a:p>
+            <a:pPr algn="ctr"/>
+            <a:endParaRPr lang="en-US"/>
+          </a:p>
+        </p:txBody>
+      </p:sp>
+      <mc:AlternateContent xmlns:mc="http://schemas.openxmlformats.org/markup-compatibility/2006">
+        <mc:Choice xmlns:a14="http://schemas.microsoft.com/office/drawing/2010/main" Requires="a14">
+          <p:sp>
+            <p:nvSpPr>
+              <p:cNvPr id="123" name="TextBox 122">
+                <a:extLst>
+                  <a:ext uri="{FF2B5EF4-FFF2-40B4-BE49-F238E27FC236}">
+                    <a16:creationId xmlns:a16="http://schemas.microsoft.com/office/drawing/2014/main" id="{E7B72CE6-DEB7-444A-8101-62DC009982C5}"/>
+                  </a:ext>
+                </a:extLst>
+              </p:cNvPr>
+              <p:cNvSpPr txBox="1"/>
+              <p:nvPr/>
+            </p:nvSpPr>
+            <p:spPr>
+              <a:xfrm>
+                <a:off x="7917872" y="2274456"/>
+                <a:ext cx="665195" cy="310598"/>
+              </a:xfrm>
+              <a:prstGeom prst="rect">
+                <a:avLst/>
+              </a:prstGeom>
+              <a:noFill/>
+            </p:spPr>
+            <p:txBody>
+              <a:bodyPr wrap="square" lIns="0" tIns="0" rIns="0" bIns="0" rtlCol="0">
+                <a:spAutoFit/>
+              </a:bodyPr>
+              <a:lstStyle/>
+              <a:p>
+                <a14:m>
+                  <m:oMathPara xmlns:m="http://schemas.openxmlformats.org/officeDocument/2006/math">
+                    <m:oMathParaPr>
+                      <m:jc m:val="centerGroup"/>
+                    </m:oMathParaPr>
+                    <m:oMath xmlns:m="http://schemas.openxmlformats.org/officeDocument/2006/math">
+                      <m:acc>
+                        <m:accPr>
+                          <m:chr m:val="⃗"/>
+                          <m:ctrlPr>
+                            <a:rPr lang="en-US" i="1" smtClean="0">
+                              <a:solidFill>
+                                <a:schemeClr val="bg1">
+                                  <a:lumMod val="75000"/>
+                                </a:schemeClr>
+                              </a:solidFill>
+                              <a:latin typeface="Cambria Math" panose="02040503050406030204" pitchFamily="18" charset="0"/>
+                            </a:rPr>
+                          </m:ctrlPr>
+                        </m:accPr>
+                        <m:e>
+                          <m:r>
+                            <a:rPr lang="en-US" b="0" i="1" smtClean="0">
+                              <a:solidFill>
+                                <a:schemeClr val="bg1">
+                                  <a:lumMod val="75000"/>
+                                </a:schemeClr>
+                              </a:solidFill>
+                              <a:latin typeface="Cambria Math" panose="02040503050406030204" pitchFamily="18" charset="0"/>
+                            </a:rPr>
+                            <m:t>𝑎</m:t>
+                          </m:r>
+                        </m:e>
+                      </m:acc>
+                      <m:r>
+                        <a:rPr lang="en-US" b="0" i="1" smtClean="0">
+                          <a:solidFill>
+                            <a:schemeClr val="bg1">
+                              <a:lumMod val="75000"/>
+                            </a:schemeClr>
+                          </a:solidFill>
+                          <a:latin typeface="Cambria Math" panose="02040503050406030204" pitchFamily="18" charset="0"/>
+                        </a:rPr>
+                        <m:t>  </m:t>
+                      </m:r>
+                      <m:acc>
+                        <m:accPr>
+                          <m:chr m:val="⃗"/>
+                          <m:ctrlPr>
+                            <a:rPr lang="en-US" i="1">
+                              <a:solidFill>
+                                <a:schemeClr val="bg1">
+                                  <a:lumMod val="75000"/>
+                                </a:schemeClr>
+                              </a:solidFill>
+                              <a:latin typeface="Cambria Math" panose="02040503050406030204" pitchFamily="18" charset="0"/>
+                            </a:rPr>
+                          </m:ctrlPr>
+                        </m:accPr>
+                        <m:e>
+                          <m:r>
+                            <a:rPr lang="en-US" b="0" i="1" smtClean="0">
+                              <a:solidFill>
+                                <a:schemeClr val="bg1">
+                                  <a:lumMod val="75000"/>
+                                </a:schemeClr>
+                              </a:solidFill>
+                              <a:latin typeface="Cambria Math" panose="02040503050406030204" pitchFamily="18" charset="0"/>
+                            </a:rPr>
+                            <m:t>𝐵</m:t>
+                          </m:r>
+                        </m:e>
+                      </m:acc>
+                      <m:r>
+                        <a:rPr lang="en-US" b="0" i="1" smtClean="0">
+                          <a:solidFill>
+                            <a:schemeClr val="bg1">
+                              <a:lumMod val="75000"/>
+                            </a:schemeClr>
+                          </a:solidFill>
+                          <a:latin typeface="Cambria Math" panose="02040503050406030204" pitchFamily="18" charset="0"/>
+                        </a:rPr>
+                        <m:t> </m:t>
+                      </m:r>
+                      <m:acc>
+                        <m:accPr>
+                          <m:chr m:val="⃗"/>
+                          <m:ctrlPr>
+                            <a:rPr lang="en-US" i="1">
+                              <a:solidFill>
+                                <a:schemeClr val="bg1">
+                                  <a:lumMod val="75000"/>
+                                </a:schemeClr>
+                              </a:solidFill>
+                              <a:latin typeface="Cambria Math" panose="02040503050406030204" pitchFamily="18" charset="0"/>
+                            </a:rPr>
+                          </m:ctrlPr>
+                        </m:accPr>
+                        <m:e>
+                          <m:r>
+                            <a:rPr lang="en-US" i="1" smtClean="0">
+                              <a:solidFill>
+                                <a:schemeClr val="bg1">
+                                  <a:lumMod val="75000"/>
+                                </a:schemeClr>
+                              </a:solidFill>
+                              <a:latin typeface="Cambria Math" panose="02040503050406030204" pitchFamily="18" charset="0"/>
+                              <a:ea typeface="Cambria Math" panose="02040503050406030204" pitchFamily="18" charset="0"/>
+                            </a:rPr>
+                            <m:t>𝜔</m:t>
+                          </m:r>
+                        </m:e>
+                      </m:acc>
+                    </m:oMath>
+                  </m:oMathPara>
+                </a14:m>
+                <a:endParaRPr lang="en-US" dirty="0">
+                  <a:solidFill>
+                    <a:schemeClr val="bg1">
+                      <a:lumMod val="75000"/>
+                    </a:schemeClr>
+                  </a:solidFill>
+                </a:endParaRPr>
+              </a:p>
+            </p:txBody>
+          </p:sp>
+        </mc:Choice>
+        <mc:Fallback>
+          <p:sp>
+            <p:nvSpPr>
+              <p:cNvPr id="123" name="TextBox 122">
+                <a:extLst>
+                  <a:ext uri="{FF2B5EF4-FFF2-40B4-BE49-F238E27FC236}">
+                    <a16:creationId xmlns:a16="http://schemas.microsoft.com/office/drawing/2014/main" id="{E7B72CE6-DEB7-444A-8101-62DC009982C5}"/>
+                  </a:ext>
+                </a:extLst>
+              </p:cNvPr>
+              <p:cNvSpPr txBox="1">
+                <a:spLocks noRot="1" noChangeAspect="1" noMove="1" noResize="1" noEditPoints="1" noAdjustHandles="1" noChangeArrowheads="1" noChangeShapeType="1" noTextEdit="1"/>
+              </p:cNvSpPr>
+              <p:nvPr/>
+            </p:nvSpPr>
+            <p:spPr>
+              <a:xfrm>
+                <a:off x="7917872" y="2274456"/>
+                <a:ext cx="665195" cy="310598"/>
+              </a:xfrm>
+              <a:prstGeom prst="rect">
+                <a:avLst/>
+              </a:prstGeom>
+              <a:blipFill>
+                <a:blip r:embed="rId4"/>
+                <a:stretch>
+                  <a:fillRect l="-10092" t="-29412" r="-5505" b="-9804"/>
+                </a:stretch>
+              </a:blipFill>
+            </p:spPr>
+            <p:txBody>
+              <a:bodyPr/>
+              <a:lstStyle/>
+              <a:p>
+                <a:r>
+                  <a:rPr lang="en-US">
+                    <a:noFill/>
+                  </a:rPr>
+                  <a:t> </a:t>
+                </a:r>
+              </a:p>
+            </p:txBody>
+          </p:sp>
+        </mc:Fallback>
+      </mc:AlternateContent>
+      <mc:AlternateContent xmlns:mc="http://schemas.openxmlformats.org/markup-compatibility/2006">
+        <mc:Choice xmlns:a14="http://schemas.microsoft.com/office/drawing/2010/main" Requires="a14">
+          <p:sp>
+            <p:nvSpPr>
+              <p:cNvPr id="124" name="TextBox 123">
+                <a:extLst>
+                  <a:ext uri="{FF2B5EF4-FFF2-40B4-BE49-F238E27FC236}">
+                    <a16:creationId xmlns:a16="http://schemas.microsoft.com/office/drawing/2014/main" id="{60C60063-B371-44A8-95ED-715742C11251}"/>
+                  </a:ext>
+                </a:extLst>
+              </p:cNvPr>
+              <p:cNvSpPr txBox="1"/>
+              <p:nvPr/>
+            </p:nvSpPr>
+            <p:spPr>
+              <a:xfrm>
+                <a:off x="7082535" y="2278712"/>
+                <a:ext cx="665195" cy="310598"/>
+              </a:xfrm>
+              <a:prstGeom prst="rect">
+                <a:avLst/>
+              </a:prstGeom>
+              <a:noFill/>
+            </p:spPr>
+            <p:txBody>
+              <a:bodyPr wrap="square" lIns="0" tIns="0" rIns="0" bIns="0" rtlCol="0">
+                <a:spAutoFit/>
+              </a:bodyPr>
+              <a:lstStyle/>
+              <a:p>
+                <a14:m>
+                  <m:oMathPara xmlns:m="http://schemas.openxmlformats.org/officeDocument/2006/math">
+                    <m:oMathParaPr>
+                      <m:jc m:val="centerGroup"/>
+                    </m:oMathParaPr>
+                    <m:oMath xmlns:m="http://schemas.openxmlformats.org/officeDocument/2006/math">
+                      <m:acc>
+                        <m:accPr>
+                          <m:chr m:val="⃗"/>
+                          <m:ctrlPr>
+                            <a:rPr lang="en-US" i="1" smtClean="0">
+                              <a:solidFill>
+                                <a:schemeClr val="bg1">
+                                  <a:lumMod val="75000"/>
+                                </a:schemeClr>
+                              </a:solidFill>
+                              <a:latin typeface="Cambria Math" panose="02040503050406030204" pitchFamily="18" charset="0"/>
+                            </a:rPr>
+                          </m:ctrlPr>
+                        </m:accPr>
+                        <m:e>
+                          <m:r>
+                            <a:rPr lang="en-US" b="0" i="1" smtClean="0">
+                              <a:solidFill>
+                                <a:schemeClr val="bg1">
+                                  <a:lumMod val="75000"/>
+                                </a:schemeClr>
+                              </a:solidFill>
+                              <a:latin typeface="Cambria Math" panose="02040503050406030204" pitchFamily="18" charset="0"/>
+                            </a:rPr>
+                            <m:t>𝐹</m:t>
+                          </m:r>
+                        </m:e>
+                      </m:acc>
+                    </m:oMath>
+                  </m:oMathPara>
+                </a14:m>
+                <a:endParaRPr lang="en-US" dirty="0">
+                  <a:solidFill>
+                    <a:schemeClr val="bg1">
+                      <a:lumMod val="75000"/>
+                    </a:schemeClr>
+                  </a:solidFill>
+                </a:endParaRPr>
+              </a:p>
+            </p:txBody>
+          </p:sp>
+        </mc:Choice>
+        <mc:Fallback>
+          <p:sp>
+            <p:nvSpPr>
+              <p:cNvPr id="124" name="TextBox 123">
+                <a:extLst>
+                  <a:ext uri="{FF2B5EF4-FFF2-40B4-BE49-F238E27FC236}">
+                    <a16:creationId xmlns:a16="http://schemas.microsoft.com/office/drawing/2014/main" id="{60C60063-B371-44A8-95ED-715742C11251}"/>
+                  </a:ext>
+                </a:extLst>
+              </p:cNvPr>
+              <p:cNvSpPr txBox="1">
+                <a:spLocks noRot="1" noChangeAspect="1" noMove="1" noResize="1" noEditPoints="1" noAdjustHandles="1" noChangeArrowheads="1" noChangeShapeType="1" noTextEdit="1"/>
+              </p:cNvSpPr>
+              <p:nvPr/>
+            </p:nvSpPr>
+            <p:spPr>
+              <a:xfrm>
+                <a:off x="7082535" y="2278712"/>
+                <a:ext cx="665195" cy="310598"/>
+              </a:xfrm>
+              <a:prstGeom prst="rect">
+                <a:avLst/>
+              </a:prstGeom>
+              <a:blipFill>
+                <a:blip r:embed="rId5"/>
+                <a:stretch>
+                  <a:fillRect t="-45098" r="-16514" b="-5882"/>
+                </a:stretch>
+              </a:blipFill>
+            </p:spPr>
+            <p:txBody>
+              <a:bodyPr/>
+              <a:lstStyle/>
+              <a:p>
+                <a:r>
+                  <a:rPr lang="en-US">
+                    <a:noFill/>
+                  </a:rPr>
+                  <a:t> </a:t>
+                </a:r>
+              </a:p>
+            </p:txBody>
+          </p:sp>
+        </mc:Fallback>
+      </mc:AlternateContent>
     </p:spTree>
     <p:extLst>
       <p:ext uri="{BB962C8B-B14F-4D97-AF65-F5344CB8AC3E}">

--- a/images/IOLabWebImages.pptx
+++ b/images/IOLabWebImages.pptx
@@ -3340,7 +3340,7 @@
         </p:nvGrpSpPr>
         <p:grpSpPr>
           <a:xfrm>
-            <a:off x="2926080" y="862693"/>
+            <a:off x="943173" y="977133"/>
             <a:ext cx="353147" cy="356997"/>
             <a:chOff x="2926080" y="862693"/>
             <a:chExt cx="353147" cy="356997"/>
@@ -3513,7 +3513,7 @@
         </p:nvGrpSpPr>
         <p:grpSpPr>
           <a:xfrm>
-            <a:off x="2201143" y="1531779"/>
+            <a:off x="3688420" y="642095"/>
             <a:ext cx="459996" cy="445274"/>
             <a:chOff x="1551091" y="813707"/>
             <a:chExt cx="432955" cy="419100"/>
@@ -3622,7 +3622,7 @@
         </p:nvGrpSpPr>
         <p:grpSpPr>
           <a:xfrm rot="2776341">
-            <a:off x="1627251" y="1488618"/>
+            <a:off x="3114528" y="598934"/>
             <a:ext cx="311032" cy="531596"/>
             <a:chOff x="1589320" y="1646470"/>
             <a:chExt cx="299346" cy="511623"/>
@@ -3747,7 +3747,7 @@
         </p:nvGrpSpPr>
         <p:grpSpPr>
           <a:xfrm rot="2776341">
-            <a:off x="1627251" y="2154878"/>
+            <a:off x="3114528" y="1265194"/>
             <a:ext cx="311032" cy="531596"/>
             <a:chOff x="1589320" y="1646470"/>
             <a:chExt cx="299346" cy="511623"/>
@@ -3876,7 +3876,7 @@
         </p:nvGrpSpPr>
         <p:grpSpPr>
           <a:xfrm>
-            <a:off x="2194647" y="2172105"/>
+            <a:off x="3681924" y="1282421"/>
             <a:ext cx="459996" cy="445274"/>
             <a:chOff x="1551091" y="813707"/>
             <a:chExt cx="432955" cy="419100"/>
@@ -3989,7 +3989,7 @@
         </p:nvSpPr>
         <p:spPr>
           <a:xfrm>
-            <a:off x="1571681" y="1495864"/>
+            <a:off x="3058958" y="606180"/>
             <a:ext cx="473462" cy="474256"/>
           </a:xfrm>
           <a:prstGeom prst="rect">
@@ -4044,7 +4044,7 @@
         </p:nvSpPr>
         <p:spPr>
           <a:xfrm>
-            <a:off x="1571621" y="2163028"/>
+            <a:off x="3058898" y="1273344"/>
             <a:ext cx="473462" cy="474256"/>
           </a:xfrm>
           <a:prstGeom prst="rect">
@@ -4099,7 +4099,7 @@
         </p:nvSpPr>
         <p:spPr>
           <a:xfrm>
-            <a:off x="2192040" y="1521697"/>
+            <a:off x="3679317" y="632013"/>
             <a:ext cx="478197" cy="464911"/>
           </a:xfrm>
           <a:prstGeom prst="rect">
@@ -4154,7 +4154,7 @@
         </p:nvSpPr>
         <p:spPr>
           <a:xfrm>
-            <a:off x="2188043" y="2161286"/>
+            <a:off x="3675320" y="1271602"/>
             <a:ext cx="478197" cy="464911"/>
           </a:xfrm>
           <a:prstGeom prst="rect">
@@ -4209,7 +4209,7 @@
         </p:nvGrpSpPr>
         <p:grpSpPr>
           <a:xfrm>
-            <a:off x="2725938" y="1539107"/>
+            <a:off x="4213215" y="649423"/>
             <a:ext cx="804423" cy="442151"/>
             <a:chOff x="2725938" y="1539107"/>
             <a:chExt cx="804423" cy="442151"/>
@@ -4862,7 +4862,7 @@
         </p:nvSpPr>
         <p:spPr>
           <a:xfrm>
-            <a:off x="2867881" y="1577528"/>
+            <a:off x="4355158" y="687844"/>
             <a:ext cx="512423" cy="391787"/>
           </a:xfrm>
           <a:prstGeom prst="rect">
@@ -4917,7 +4917,7 @@
         </p:nvGrpSpPr>
         <p:grpSpPr>
           <a:xfrm>
-            <a:off x="2725938" y="2156944"/>
+            <a:off x="4213215" y="1267260"/>
             <a:ext cx="804423" cy="442151"/>
             <a:chOff x="2725938" y="1539107"/>
             <a:chExt cx="804423" cy="442151"/>
@@ -5581,7 +5581,7 @@
         </p:nvSpPr>
         <p:spPr>
           <a:xfrm>
-            <a:off x="2867881" y="2195365"/>
+            <a:off x="4355158" y="1305681"/>
             <a:ext cx="512423" cy="391787"/>
           </a:xfrm>
           <a:prstGeom prst="rect">
@@ -5636,7 +5636,7 @@
         </p:nvGrpSpPr>
         <p:grpSpPr>
           <a:xfrm rot="2776341">
-            <a:off x="4684980" y="1558446"/>
+            <a:off x="6172257" y="668762"/>
             <a:ext cx="268766" cy="459358"/>
             <a:chOff x="1589320" y="1646470"/>
             <a:chExt cx="299346" cy="511623"/>
@@ -5763,7 +5763,7 @@
         </p:nvSpPr>
         <p:spPr>
           <a:xfrm>
-            <a:off x="4609388" y="1529838"/>
+            <a:off x="6096665" y="640154"/>
             <a:ext cx="475488" cy="475488"/>
           </a:xfrm>
           <a:prstGeom prst="rect">
@@ -5816,7 +5816,7 @@
         </p:nvGrpSpPr>
         <p:grpSpPr>
           <a:xfrm>
-            <a:off x="5464651" y="1511902"/>
+            <a:off x="6951928" y="622218"/>
             <a:ext cx="751083" cy="487900"/>
             <a:chOff x="2736098" y="1539107"/>
             <a:chExt cx="751083" cy="442151"/>
@@ -6469,7 +6469,7 @@
         </p:nvSpPr>
         <p:spPr>
           <a:xfrm>
-            <a:off x="2125226" y="3034602"/>
+            <a:off x="2312598" y="1022569"/>
             <a:ext cx="433132" cy="369332"/>
           </a:xfrm>
           <a:prstGeom prst="rect">
@@ -6504,7 +6504,7 @@
         </p:nvSpPr>
         <p:spPr>
           <a:xfrm>
-            <a:off x="5108764" y="3034602"/>
+            <a:off x="5535256" y="1037399"/>
             <a:ext cx="433132" cy="369332"/>
           </a:xfrm>
           <a:prstGeom prst="rect">
@@ -6541,7 +6541,7 @@
         </p:nvSpPr>
         <p:spPr>
           <a:xfrm>
-            <a:off x="5105075" y="1531779"/>
+            <a:off x="6592352" y="642095"/>
             <a:ext cx="473462" cy="474256"/>
           </a:xfrm>
           <a:prstGeom prst="rect">
@@ -6596,7 +6596,7 @@
         </p:nvSpPr>
         <p:spPr>
           <a:xfrm>
-            <a:off x="5599740" y="1531779"/>
+            <a:off x="7087017" y="642095"/>
             <a:ext cx="473462" cy="474256"/>
           </a:xfrm>
           <a:prstGeom prst="rect">
@@ -6649,7 +6649,7 @@
         </p:nvGrpSpPr>
         <p:grpSpPr>
           <a:xfrm>
-            <a:off x="5126278" y="1549880"/>
+            <a:off x="6613555" y="660196"/>
             <a:ext cx="430850" cy="445274"/>
             <a:chOff x="1564807" y="813707"/>
             <a:chExt cx="405522" cy="419100"/>
@@ -6758,7 +6758,7 @@
         </p:nvSpPr>
         <p:spPr>
           <a:xfrm>
-            <a:off x="5634207" y="1683430"/>
+            <a:off x="7121484" y="793746"/>
             <a:ext cx="401072" cy="261610"/>
           </a:xfrm>
           <a:prstGeom prst="rect">
@@ -6793,7 +6793,7 @@
         </p:nvGrpSpPr>
         <p:grpSpPr>
           <a:xfrm rot="2776341">
-            <a:off x="4678732" y="2292673"/>
+            <a:off x="6166009" y="1402989"/>
             <a:ext cx="268766" cy="459358"/>
             <a:chOff x="1589320" y="1646470"/>
             <a:chExt cx="299346" cy="511623"/>
@@ -6924,7 +6924,7 @@
         </p:nvSpPr>
         <p:spPr>
           <a:xfrm>
-            <a:off x="4603140" y="2264065"/>
+            <a:off x="6090417" y="1374381"/>
             <a:ext cx="475488" cy="475488"/>
           </a:xfrm>
           <a:prstGeom prst="rect">
@@ -6979,7 +6979,7 @@
         </p:nvGrpSpPr>
         <p:grpSpPr>
           <a:xfrm>
-            <a:off x="5458403" y="2246129"/>
+            <a:off x="6945680" y="1356445"/>
             <a:ext cx="751083" cy="487900"/>
             <a:chOff x="2736098" y="1539107"/>
             <a:chExt cx="751083" cy="442151"/>
@@ -7647,7 +7647,7 @@
         </p:nvSpPr>
         <p:spPr>
           <a:xfrm>
-            <a:off x="5098827" y="2266006"/>
+            <a:off x="6586104" y="1376322"/>
             <a:ext cx="473462" cy="474256"/>
           </a:xfrm>
           <a:prstGeom prst="rect">
@@ -7704,7 +7704,7 @@
         </p:nvSpPr>
         <p:spPr>
           <a:xfrm>
-            <a:off x="5593492" y="2266006"/>
+            <a:off x="7080769" y="1376322"/>
             <a:ext cx="473462" cy="474256"/>
           </a:xfrm>
           <a:prstGeom prst="rect">
@@ -7759,7 +7759,7 @@
         </p:nvGrpSpPr>
         <p:grpSpPr>
           <a:xfrm>
-            <a:off x="5120030" y="2284107"/>
+            <a:off x="6607307" y="1394423"/>
             <a:ext cx="430850" cy="445274"/>
             <a:chOff x="1564807" y="813707"/>
             <a:chExt cx="405522" cy="419100"/>
@@ -7872,7 +7872,7 @@
         </p:nvSpPr>
         <p:spPr>
           <a:xfrm>
-            <a:off x="5627959" y="2417657"/>
+            <a:off x="7115236" y="1527973"/>
             <a:ext cx="401072" cy="261610"/>
           </a:xfrm>
           <a:prstGeom prst="rect">
@@ -7913,7 +7913,7 @@
         </p:nvGrpSpPr>
         <p:grpSpPr>
           <a:xfrm rot="2671967">
-            <a:off x="6289069" y="1700255"/>
+            <a:off x="7776346" y="810571"/>
             <a:ext cx="475401" cy="139708"/>
             <a:chOff x="6472489" y="1754416"/>
             <a:chExt cx="475401" cy="139708"/>
@@ -8126,7 +8126,7 @@
         </p:nvSpPr>
         <p:spPr>
           <a:xfrm>
-            <a:off x="6279437" y="1531779"/>
+            <a:off x="7766714" y="642095"/>
             <a:ext cx="473462" cy="474256"/>
           </a:xfrm>
           <a:prstGeom prst="rect">
@@ -8179,7 +8179,7 @@
         </p:nvGrpSpPr>
         <p:grpSpPr>
           <a:xfrm rot="2671967">
-            <a:off x="6286854" y="2443338"/>
+            <a:off x="7774131" y="1553654"/>
             <a:ext cx="475401" cy="139708"/>
             <a:chOff x="6472489" y="1754416"/>
             <a:chExt cx="475401" cy="139708"/>
@@ -8396,7 +8396,7 @@
         </p:nvSpPr>
         <p:spPr>
           <a:xfrm>
-            <a:off x="6277822" y="2270310"/>
+            <a:off x="7765099" y="1380626"/>
             <a:ext cx="473462" cy="474256"/>
           </a:xfrm>
           <a:prstGeom prst="rect">
@@ -8453,14 +8453,19 @@
         </p:nvSpPr>
         <p:spPr>
           <a:xfrm>
-            <a:off x="7090810" y="1531779"/>
+            <a:off x="8578087" y="642095"/>
             <a:ext cx="665195" cy="335038"/>
           </a:xfrm>
           <a:prstGeom prst="rect">
             <a:avLst/>
           </a:prstGeom>
-          <a:noFill/>
-          <a:ln w="9525">
+          <a:solidFill>
+            <a:schemeClr val="accent4">
+              <a:lumMod val="20000"/>
+              <a:lumOff val="80000"/>
+            </a:schemeClr>
+          </a:solidFill>
+          <a:ln w="19050">
             <a:solidFill>
               <a:schemeClr val="tx1"/>
             </a:solidFill>
@@ -8508,14 +8513,19 @@
         </p:nvSpPr>
         <p:spPr>
           <a:xfrm>
-            <a:off x="7898894" y="1532249"/>
+            <a:off x="9386171" y="642565"/>
             <a:ext cx="708920" cy="335038"/>
           </a:xfrm>
           <a:prstGeom prst="rect">
             <a:avLst/>
           </a:prstGeom>
-          <a:noFill/>
-          <a:ln w="9525">
+          <a:solidFill>
+            <a:schemeClr val="accent4">
+              <a:lumMod val="20000"/>
+              <a:lumOff val="80000"/>
+            </a:schemeClr>
+          </a:solidFill>
+          <a:ln w="19050">
             <a:solidFill>
               <a:schemeClr val="tx1"/>
             </a:solidFill>
@@ -8547,8 +8557,8 @@
           </a:p>
         </p:txBody>
       </p:sp>
-      <mc:AlternateContent xmlns:mc="http://schemas.openxmlformats.org/markup-compatibility/2006">
-        <mc:Choice xmlns:a14="http://schemas.microsoft.com/office/drawing/2010/main" Requires="a14">
+      <mc:AlternateContent xmlns:mc="http://schemas.openxmlformats.org/markup-compatibility/2006" xmlns:a14="http://schemas.microsoft.com/office/drawing/2010/main">
+        <mc:Choice Requires="a14">
           <p:sp>
             <p:nvSpPr>
               <p:cNvPr id="4" name="TextBox 3">
@@ -8563,7 +8573,7 @@
             </p:nvSpPr>
             <p:spPr>
               <a:xfrm>
-                <a:off x="7917872" y="1539107"/>
+                <a:off x="9405149" y="649423"/>
                 <a:ext cx="665195" cy="310598"/>
               </a:xfrm>
               <a:prstGeom prst="rect">
@@ -8577,6 +8587,7 @@
               </a:bodyPr>
               <a:lstStyle/>
               <a:p>
+                <a:pPr/>
                 <a14:m>
                   <m:oMathPara xmlns:m="http://schemas.openxmlformats.org/officeDocument/2006/math">
                     <m:oMathParaPr>
@@ -8686,7 +8697,7 @@
             </p:txBody>
           </p:sp>
         </mc:Choice>
-        <mc:Fallback>
+        <mc:Fallback xmlns="">
           <p:sp>
             <p:nvSpPr>
               <p:cNvPr id="4" name="TextBox 3">
@@ -8703,7 +8714,7 @@
             </p:nvSpPr>
             <p:spPr>
               <a:xfrm>
-                <a:off x="7917872" y="1539107"/>
+                <a:off x="9405149" y="649423"/>
                 <a:ext cx="665195" cy="310598"/>
               </a:xfrm>
               <a:prstGeom prst="rect">
@@ -8712,7 +8723,7 @@
               <a:blipFill>
                 <a:blip r:embed="rId2"/>
                 <a:stretch>
-                  <a:fillRect l="-10092" t="-29412" r="-5505" b="-9804"/>
+                  <a:fillRect l="-10092" t="-32000" r="-5505" b="-10000"/>
                 </a:stretch>
               </a:blipFill>
             </p:spPr>
@@ -8731,8 +8742,8 @@
           </p:sp>
         </mc:Fallback>
       </mc:AlternateContent>
-      <mc:AlternateContent xmlns:mc="http://schemas.openxmlformats.org/markup-compatibility/2006">
-        <mc:Choice xmlns:a14="http://schemas.microsoft.com/office/drawing/2010/main" Requires="a14">
+      <mc:AlternateContent xmlns:mc="http://schemas.openxmlformats.org/markup-compatibility/2006" xmlns:a14="http://schemas.microsoft.com/office/drawing/2010/main">
+        <mc:Choice Requires="a14">
           <p:sp>
             <p:nvSpPr>
               <p:cNvPr id="120" name="TextBox 119">
@@ -8747,7 +8758,7 @@
             </p:nvSpPr>
             <p:spPr>
               <a:xfrm>
-                <a:off x="7082535" y="1543363"/>
+                <a:off x="8569812" y="653679"/>
                 <a:ext cx="665195" cy="310598"/>
               </a:xfrm>
               <a:prstGeom prst="rect">
@@ -8761,6 +8772,7 @@
               </a:bodyPr>
               <a:lstStyle/>
               <a:p>
+                <a:pPr/>
                 <a14:m>
                   <m:oMathPara xmlns:m="http://schemas.openxmlformats.org/officeDocument/2006/math">
                     <m:oMathParaPr>
@@ -8803,7 +8815,7 @@
             </p:txBody>
           </p:sp>
         </mc:Choice>
-        <mc:Fallback>
+        <mc:Fallback xmlns="">
           <p:sp>
             <p:nvSpPr>
               <p:cNvPr id="120" name="TextBox 119">
@@ -8820,7 +8832,7 @@
             </p:nvSpPr>
             <p:spPr>
               <a:xfrm>
-                <a:off x="7082535" y="1543363"/>
+                <a:off x="8569812" y="653679"/>
                 <a:ext cx="665195" cy="310598"/>
               </a:xfrm>
               <a:prstGeom prst="rect">
@@ -8864,14 +8876,14 @@
         </p:nvSpPr>
         <p:spPr>
           <a:xfrm>
-            <a:off x="7090810" y="2267128"/>
+            <a:off x="8578087" y="1377444"/>
             <a:ext cx="665195" cy="335038"/>
           </a:xfrm>
           <a:prstGeom prst="rect">
             <a:avLst/>
           </a:prstGeom>
           <a:noFill/>
-          <a:ln w="9525">
+          <a:ln w="19050">
             <a:solidFill>
               <a:schemeClr val="bg1">
                 <a:lumMod val="75000"/>
@@ -8921,14 +8933,14 @@
         </p:nvSpPr>
         <p:spPr>
           <a:xfrm>
-            <a:off x="7898894" y="2267598"/>
+            <a:off x="9386171" y="1377914"/>
             <a:ext cx="708920" cy="335038"/>
           </a:xfrm>
           <a:prstGeom prst="rect">
             <a:avLst/>
           </a:prstGeom>
           <a:noFill/>
-          <a:ln w="9525">
+          <a:ln w="19050">
             <a:solidFill>
               <a:schemeClr val="bg1">
                 <a:lumMod val="75000"/>
@@ -8962,8 +8974,8 @@
           </a:p>
         </p:txBody>
       </p:sp>
-      <mc:AlternateContent xmlns:mc="http://schemas.openxmlformats.org/markup-compatibility/2006">
-        <mc:Choice xmlns:a14="http://schemas.microsoft.com/office/drawing/2010/main" Requires="a14">
+      <mc:AlternateContent xmlns:mc="http://schemas.openxmlformats.org/markup-compatibility/2006" xmlns:a14="http://schemas.microsoft.com/office/drawing/2010/main">
+        <mc:Choice Requires="a14">
           <p:sp>
             <p:nvSpPr>
               <p:cNvPr id="123" name="TextBox 122">
@@ -8978,7 +8990,7 @@
             </p:nvSpPr>
             <p:spPr>
               <a:xfrm>
-                <a:off x="7917872" y="2274456"/>
+                <a:off x="9405149" y="1384772"/>
                 <a:ext cx="665195" cy="310598"/>
               </a:xfrm>
               <a:prstGeom prst="rect">
@@ -8992,6 +9004,7 @@
               </a:bodyPr>
               <a:lstStyle/>
               <a:p>
+                <a:pPr/>
                 <a14:m>
                   <m:oMathPara xmlns:m="http://schemas.openxmlformats.org/officeDocument/2006/math">
                     <m:oMathParaPr>
@@ -9119,7 +9132,7 @@
             </p:txBody>
           </p:sp>
         </mc:Choice>
-        <mc:Fallback>
+        <mc:Fallback xmlns="">
           <p:sp>
             <p:nvSpPr>
               <p:cNvPr id="123" name="TextBox 122">
@@ -9136,7 +9149,7 @@
             </p:nvSpPr>
             <p:spPr>
               <a:xfrm>
-                <a:off x="7917872" y="2274456"/>
+                <a:off x="9405149" y="1384772"/>
                 <a:ext cx="665195" cy="310598"/>
               </a:xfrm>
               <a:prstGeom prst="rect">
@@ -9164,8 +9177,8 @@
           </p:sp>
         </mc:Fallback>
       </mc:AlternateContent>
-      <mc:AlternateContent xmlns:mc="http://schemas.openxmlformats.org/markup-compatibility/2006">
-        <mc:Choice xmlns:a14="http://schemas.microsoft.com/office/drawing/2010/main" Requires="a14">
+      <mc:AlternateContent xmlns:mc="http://schemas.openxmlformats.org/markup-compatibility/2006" xmlns:a14="http://schemas.microsoft.com/office/drawing/2010/main">
+        <mc:Choice Requires="a14">
           <p:sp>
             <p:nvSpPr>
               <p:cNvPr id="124" name="TextBox 123">
@@ -9180,7 +9193,7 @@
             </p:nvSpPr>
             <p:spPr>
               <a:xfrm>
-                <a:off x="7082535" y="2278712"/>
+                <a:off x="8569812" y="1389028"/>
                 <a:ext cx="665195" cy="310598"/>
               </a:xfrm>
               <a:prstGeom prst="rect">
@@ -9194,6 +9207,7 @@
               </a:bodyPr>
               <a:lstStyle/>
               <a:p>
+                <a:pPr/>
                 <a14:m>
                   <m:oMathPara xmlns:m="http://schemas.openxmlformats.org/officeDocument/2006/math">
                     <m:oMathParaPr>
@@ -9242,7 +9256,7 @@
             </p:txBody>
           </p:sp>
         </mc:Choice>
-        <mc:Fallback>
+        <mc:Fallback xmlns="">
           <p:sp>
             <p:nvSpPr>
               <p:cNvPr id="124" name="TextBox 123">
@@ -9259,7 +9273,7 @@
             </p:nvSpPr>
             <p:spPr>
               <a:xfrm>
-                <a:off x="7082535" y="2278712"/>
+                <a:off x="8569812" y="1389028"/>
                 <a:ext cx="665195" cy="310598"/>
               </a:xfrm>
               <a:prstGeom prst="rect">

--- a/images/IOLabWebImages.pptx
+++ b/images/IOLabWebImages.pptx
@@ -106,7 +106,18 @@
   </p:defaultTextStyle>
   <p:extLst>
     <p:ext uri="{EFAFB233-063F-42B5-8137-9DF3F51BA10A}">
-      <p15:sldGuideLst xmlns:p15="http://schemas.microsoft.com/office/powerpoint/2012/main"/>
+      <p15:sldGuideLst xmlns:p15="http://schemas.microsoft.com/office/powerpoint/2012/main">
+        <p15:guide id="1" orient="horz" pos="2160" userDrawn="1">
+          <p15:clr>
+            <a:srgbClr val="A4A3A4"/>
+          </p15:clr>
+        </p15:guide>
+        <p15:guide id="2" pos="3840" userDrawn="1">
+          <p15:clr>
+            <a:srgbClr val="A4A3A4"/>
+          </p15:clr>
+        </p15:guide>
+      </p15:sldGuideLst>
     </p:ext>
   </p:extLst>
 </p:presentation>
@@ -259,7 +270,7 @@
           <a:p>
             <a:fld id="{3166A43E-CA75-4AF3-8026-58F4B8954506}" type="datetimeFigureOut">
               <a:rPr lang="en-US" smtClean="0"/>
-              <a:t>3/17/2021</a:t>
+              <a:t>3/20/2021</a:t>
             </a:fld>
             <a:endParaRPr lang="en-US"/>
           </a:p>
@@ -457,7 +468,7 @@
           <a:p>
             <a:fld id="{3166A43E-CA75-4AF3-8026-58F4B8954506}" type="datetimeFigureOut">
               <a:rPr lang="en-US" smtClean="0"/>
-              <a:t>3/17/2021</a:t>
+              <a:t>3/20/2021</a:t>
             </a:fld>
             <a:endParaRPr lang="en-US"/>
           </a:p>
@@ -665,7 +676,7 @@
           <a:p>
             <a:fld id="{3166A43E-CA75-4AF3-8026-58F4B8954506}" type="datetimeFigureOut">
               <a:rPr lang="en-US" smtClean="0"/>
-              <a:t>3/17/2021</a:t>
+              <a:t>3/20/2021</a:t>
             </a:fld>
             <a:endParaRPr lang="en-US"/>
           </a:p>
@@ -863,7 +874,7 @@
           <a:p>
             <a:fld id="{3166A43E-CA75-4AF3-8026-58F4B8954506}" type="datetimeFigureOut">
               <a:rPr lang="en-US" smtClean="0"/>
-              <a:t>3/17/2021</a:t>
+              <a:t>3/20/2021</a:t>
             </a:fld>
             <a:endParaRPr lang="en-US"/>
           </a:p>
@@ -1138,7 +1149,7 @@
           <a:p>
             <a:fld id="{3166A43E-CA75-4AF3-8026-58F4B8954506}" type="datetimeFigureOut">
               <a:rPr lang="en-US" smtClean="0"/>
-              <a:t>3/17/2021</a:t>
+              <a:t>3/20/2021</a:t>
             </a:fld>
             <a:endParaRPr lang="en-US"/>
           </a:p>
@@ -1403,7 +1414,7 @@
           <a:p>
             <a:fld id="{3166A43E-CA75-4AF3-8026-58F4B8954506}" type="datetimeFigureOut">
               <a:rPr lang="en-US" smtClean="0"/>
-              <a:t>3/17/2021</a:t>
+              <a:t>3/20/2021</a:t>
             </a:fld>
             <a:endParaRPr lang="en-US"/>
           </a:p>
@@ -1815,7 +1826,7 @@
           <a:p>
             <a:fld id="{3166A43E-CA75-4AF3-8026-58F4B8954506}" type="datetimeFigureOut">
               <a:rPr lang="en-US" smtClean="0"/>
-              <a:t>3/17/2021</a:t>
+              <a:t>3/20/2021</a:t>
             </a:fld>
             <a:endParaRPr lang="en-US"/>
           </a:p>
@@ -1956,7 +1967,7 @@
           <a:p>
             <a:fld id="{3166A43E-CA75-4AF3-8026-58F4B8954506}" type="datetimeFigureOut">
               <a:rPr lang="en-US" smtClean="0"/>
-              <a:t>3/17/2021</a:t>
+              <a:t>3/20/2021</a:t>
             </a:fld>
             <a:endParaRPr lang="en-US"/>
           </a:p>
@@ -2069,7 +2080,7 @@
           <a:p>
             <a:fld id="{3166A43E-CA75-4AF3-8026-58F4B8954506}" type="datetimeFigureOut">
               <a:rPr lang="en-US" smtClean="0"/>
-              <a:t>3/17/2021</a:t>
+              <a:t>3/20/2021</a:t>
             </a:fld>
             <a:endParaRPr lang="en-US"/>
           </a:p>
@@ -2380,7 +2391,7 @@
           <a:p>
             <a:fld id="{3166A43E-CA75-4AF3-8026-58F4B8954506}" type="datetimeFigureOut">
               <a:rPr lang="en-US" smtClean="0"/>
-              <a:t>3/17/2021</a:t>
+              <a:t>3/20/2021</a:t>
             </a:fld>
             <a:endParaRPr lang="en-US"/>
           </a:p>
@@ -2668,7 +2679,7 @@
           <a:p>
             <a:fld id="{3166A43E-CA75-4AF3-8026-58F4B8954506}" type="datetimeFigureOut">
               <a:rPr lang="en-US" smtClean="0"/>
-              <a:t>3/17/2021</a:t>
+              <a:t>3/20/2021</a:t>
             </a:fld>
             <a:endParaRPr lang="en-US"/>
           </a:p>
@@ -2909,7 +2920,7 @@
           <a:p>
             <a:fld id="{3166A43E-CA75-4AF3-8026-58F4B8954506}" type="datetimeFigureOut">
               <a:rPr lang="en-US" smtClean="0"/>
-              <a:t>3/17/2021</a:t>
+              <a:t>3/20/2021</a:t>
             </a:fld>
             <a:endParaRPr lang="en-US"/>
           </a:p>
@@ -9301,6 +9312,2115 @@
           </p:sp>
         </mc:Fallback>
       </mc:AlternateContent>
+      <p:grpSp>
+        <p:nvGrpSpPr>
+          <p:cNvPr id="49" name="Group 48">
+            <a:extLst>
+              <a:ext uri="{FF2B5EF4-FFF2-40B4-BE49-F238E27FC236}">
+                <a16:creationId xmlns:a16="http://schemas.microsoft.com/office/drawing/2014/main" id="{76BDF57B-9828-4227-88DA-AC71FF87D66B}"/>
+              </a:ext>
+            </a:extLst>
+          </p:cNvPr>
+          <p:cNvGrpSpPr/>
+          <p:nvPr/>
+        </p:nvGrpSpPr>
+        <p:grpSpPr>
+          <a:xfrm>
+            <a:off x="2438401" y="2362199"/>
+            <a:ext cx="3047999" cy="552511"/>
+            <a:chOff x="2438401" y="2362199"/>
+            <a:chExt cx="3047999" cy="552511"/>
+          </a:xfrm>
+        </p:grpSpPr>
+        <p:sp>
+          <p:nvSpPr>
+            <p:cNvPr id="9" name="Rectangle 8">
+              <a:extLst>
+                <a:ext uri="{FF2B5EF4-FFF2-40B4-BE49-F238E27FC236}">
+                  <a16:creationId xmlns:a16="http://schemas.microsoft.com/office/drawing/2014/main" id="{19658DED-BC3D-4CA9-925D-17EBA936C699}"/>
+                </a:ext>
+              </a:extLst>
+            </p:cNvPr>
+            <p:cNvSpPr/>
+            <p:nvPr/>
+          </p:nvSpPr>
+          <p:spPr>
+            <a:xfrm>
+              <a:off x="2438401" y="2362199"/>
+              <a:ext cx="3047999" cy="530319"/>
+            </a:xfrm>
+            <a:prstGeom prst="rect">
+              <a:avLst/>
+            </a:prstGeom>
+            <a:solidFill>
+              <a:srgbClr val="FFFF00"/>
+            </a:solidFill>
+            <a:ln w="12700">
+              <a:solidFill>
+                <a:schemeClr val="tx1"/>
+              </a:solidFill>
+            </a:ln>
+          </p:spPr>
+          <p:style>
+            <a:lnRef idx="2">
+              <a:schemeClr val="accent1">
+                <a:shade val="50000"/>
+              </a:schemeClr>
+            </a:lnRef>
+            <a:fillRef idx="1">
+              <a:schemeClr val="accent1"/>
+            </a:fillRef>
+            <a:effectRef idx="0">
+              <a:schemeClr val="accent1"/>
+            </a:effectRef>
+            <a:fontRef idx="minor">
+              <a:schemeClr val="lt1"/>
+            </a:fontRef>
+          </p:style>
+          <p:txBody>
+            <a:bodyPr rtlCol="0" anchor="ctr"/>
+            <a:lstStyle/>
+            <a:p>
+              <a:pPr algn="ctr"/>
+              <a:endParaRPr lang="en-US"/>
+            </a:p>
+          </p:txBody>
+        </p:sp>
+        <p:cxnSp>
+          <p:nvCxnSpPr>
+            <p:cNvPr id="16" name="Straight Connector 15">
+              <a:extLst>
+                <a:ext uri="{FF2B5EF4-FFF2-40B4-BE49-F238E27FC236}">
+                  <a16:creationId xmlns:a16="http://schemas.microsoft.com/office/drawing/2014/main" id="{8AFBB55D-443A-4A3A-9BDE-9977A59FB228}"/>
+                </a:ext>
+              </a:extLst>
+            </p:cNvPr>
+            <p:cNvCxnSpPr>
+              <a:cxnSpLocks/>
+            </p:cNvCxnSpPr>
+            <p:nvPr/>
+          </p:nvCxnSpPr>
+          <p:spPr>
+            <a:xfrm flipV="1">
+              <a:off x="2745730" y="2362200"/>
+              <a:ext cx="0" cy="152400"/>
+            </a:xfrm>
+            <a:prstGeom prst="line">
+              <a:avLst/>
+            </a:prstGeom>
+            <a:ln w="12700">
+              <a:solidFill>
+                <a:schemeClr val="tx1"/>
+              </a:solidFill>
+            </a:ln>
+          </p:spPr>
+          <p:style>
+            <a:lnRef idx="1">
+              <a:schemeClr val="accent1"/>
+            </a:lnRef>
+            <a:fillRef idx="0">
+              <a:schemeClr val="accent1"/>
+            </a:fillRef>
+            <a:effectRef idx="0">
+              <a:schemeClr val="accent1"/>
+            </a:effectRef>
+            <a:fontRef idx="minor">
+              <a:schemeClr val="tx1"/>
+            </a:fontRef>
+          </p:style>
+        </p:cxnSp>
+        <p:cxnSp>
+          <p:nvCxnSpPr>
+            <p:cNvPr id="98" name="Straight Connector 97">
+              <a:extLst>
+                <a:ext uri="{FF2B5EF4-FFF2-40B4-BE49-F238E27FC236}">
+                  <a16:creationId xmlns:a16="http://schemas.microsoft.com/office/drawing/2014/main" id="{AF28BAE2-4E73-4D8D-8719-77E04D58F910}"/>
+                </a:ext>
+              </a:extLst>
+            </p:cNvPr>
+            <p:cNvCxnSpPr>
+              <a:cxnSpLocks/>
+            </p:cNvCxnSpPr>
+            <p:nvPr/>
+          </p:nvCxnSpPr>
+          <p:spPr>
+            <a:xfrm flipV="1">
+              <a:off x="3053322" y="2362200"/>
+              <a:ext cx="0" cy="228600"/>
+            </a:xfrm>
+            <a:prstGeom prst="line">
+              <a:avLst/>
+            </a:prstGeom>
+            <a:ln w="12700">
+              <a:solidFill>
+                <a:schemeClr val="tx1"/>
+              </a:solidFill>
+            </a:ln>
+          </p:spPr>
+          <p:style>
+            <a:lnRef idx="1">
+              <a:schemeClr val="accent1"/>
+            </a:lnRef>
+            <a:fillRef idx="0">
+              <a:schemeClr val="accent1"/>
+            </a:fillRef>
+            <a:effectRef idx="0">
+              <a:schemeClr val="accent1"/>
+            </a:effectRef>
+            <a:fontRef idx="minor">
+              <a:schemeClr val="tx1"/>
+            </a:fontRef>
+          </p:style>
+        </p:cxnSp>
+        <p:cxnSp>
+          <p:nvCxnSpPr>
+            <p:cNvPr id="107" name="Straight Connector 106">
+              <a:extLst>
+                <a:ext uri="{FF2B5EF4-FFF2-40B4-BE49-F238E27FC236}">
+                  <a16:creationId xmlns:a16="http://schemas.microsoft.com/office/drawing/2014/main" id="{ABEBFBF8-705B-4CF5-944B-3C31C1CC86A8}"/>
+                </a:ext>
+              </a:extLst>
+            </p:cNvPr>
+            <p:cNvCxnSpPr>
+              <a:cxnSpLocks/>
+            </p:cNvCxnSpPr>
+            <p:nvPr/>
+          </p:nvCxnSpPr>
+          <p:spPr>
+            <a:xfrm flipV="1">
+              <a:off x="2590800" y="2362200"/>
+              <a:ext cx="0" cy="76200"/>
+            </a:xfrm>
+            <a:prstGeom prst="line">
+              <a:avLst/>
+            </a:prstGeom>
+            <a:ln w="12700">
+              <a:solidFill>
+                <a:schemeClr val="tx1"/>
+              </a:solidFill>
+            </a:ln>
+          </p:spPr>
+          <p:style>
+            <a:lnRef idx="1">
+              <a:schemeClr val="accent1"/>
+            </a:lnRef>
+            <a:fillRef idx="0">
+              <a:schemeClr val="accent1"/>
+            </a:fillRef>
+            <a:effectRef idx="0">
+              <a:schemeClr val="accent1"/>
+            </a:effectRef>
+            <a:fontRef idx="minor">
+              <a:schemeClr val="tx1"/>
+            </a:fontRef>
+          </p:style>
+        </p:cxnSp>
+        <p:cxnSp>
+          <p:nvCxnSpPr>
+            <p:cNvPr id="108" name="Straight Connector 107">
+              <a:extLst>
+                <a:ext uri="{FF2B5EF4-FFF2-40B4-BE49-F238E27FC236}">
+                  <a16:creationId xmlns:a16="http://schemas.microsoft.com/office/drawing/2014/main" id="{4276308A-6834-4490-BAA3-35BD50AB0983}"/>
+                </a:ext>
+              </a:extLst>
+            </p:cNvPr>
+            <p:cNvCxnSpPr>
+              <a:cxnSpLocks/>
+            </p:cNvCxnSpPr>
+            <p:nvPr/>
+          </p:nvCxnSpPr>
+          <p:spPr>
+            <a:xfrm flipV="1">
+              <a:off x="2895600" y="2362200"/>
+              <a:ext cx="0" cy="76200"/>
+            </a:xfrm>
+            <a:prstGeom prst="line">
+              <a:avLst/>
+            </a:prstGeom>
+            <a:ln w="12700">
+              <a:solidFill>
+                <a:schemeClr val="tx1"/>
+              </a:solidFill>
+            </a:ln>
+          </p:spPr>
+          <p:style>
+            <a:lnRef idx="1">
+              <a:schemeClr val="accent1"/>
+            </a:lnRef>
+            <a:fillRef idx="0">
+              <a:schemeClr val="accent1"/>
+            </a:fillRef>
+            <a:effectRef idx="0">
+              <a:schemeClr val="accent1"/>
+            </a:effectRef>
+            <a:fontRef idx="minor">
+              <a:schemeClr val="tx1"/>
+            </a:fontRef>
+          </p:style>
+        </p:cxnSp>
+        <p:cxnSp>
+          <p:nvCxnSpPr>
+            <p:cNvPr id="109" name="Straight Connector 108">
+              <a:extLst>
+                <a:ext uri="{FF2B5EF4-FFF2-40B4-BE49-F238E27FC236}">
+                  <a16:creationId xmlns:a16="http://schemas.microsoft.com/office/drawing/2014/main" id="{8CB06297-E322-4DDD-91F8-3C58AE6D5424}"/>
+                </a:ext>
+              </a:extLst>
+            </p:cNvPr>
+            <p:cNvCxnSpPr>
+              <a:cxnSpLocks/>
+            </p:cNvCxnSpPr>
+            <p:nvPr/>
+          </p:nvCxnSpPr>
+          <p:spPr>
+            <a:xfrm flipV="1">
+              <a:off x="3350008" y="2362200"/>
+              <a:ext cx="0" cy="152400"/>
+            </a:xfrm>
+            <a:prstGeom prst="line">
+              <a:avLst/>
+            </a:prstGeom>
+            <a:ln w="12700">
+              <a:solidFill>
+                <a:schemeClr val="tx1"/>
+              </a:solidFill>
+            </a:ln>
+          </p:spPr>
+          <p:style>
+            <a:lnRef idx="1">
+              <a:schemeClr val="accent1"/>
+            </a:lnRef>
+            <a:fillRef idx="0">
+              <a:schemeClr val="accent1"/>
+            </a:fillRef>
+            <a:effectRef idx="0">
+              <a:schemeClr val="accent1"/>
+            </a:effectRef>
+            <a:fontRef idx="minor">
+              <a:schemeClr val="tx1"/>
+            </a:fontRef>
+          </p:style>
+        </p:cxnSp>
+        <p:cxnSp>
+          <p:nvCxnSpPr>
+            <p:cNvPr id="111" name="Straight Connector 110">
+              <a:extLst>
+                <a:ext uri="{FF2B5EF4-FFF2-40B4-BE49-F238E27FC236}">
+                  <a16:creationId xmlns:a16="http://schemas.microsoft.com/office/drawing/2014/main" id="{9BA332F8-A683-446B-AAE9-EC5C223E15E4}"/>
+                </a:ext>
+              </a:extLst>
+            </p:cNvPr>
+            <p:cNvCxnSpPr>
+              <a:cxnSpLocks/>
+            </p:cNvCxnSpPr>
+            <p:nvPr/>
+          </p:nvCxnSpPr>
+          <p:spPr>
+            <a:xfrm flipV="1">
+              <a:off x="3657600" y="2362200"/>
+              <a:ext cx="0" cy="228600"/>
+            </a:xfrm>
+            <a:prstGeom prst="line">
+              <a:avLst/>
+            </a:prstGeom>
+            <a:ln w="12700">
+              <a:solidFill>
+                <a:schemeClr val="tx1"/>
+              </a:solidFill>
+            </a:ln>
+          </p:spPr>
+          <p:style>
+            <a:lnRef idx="1">
+              <a:schemeClr val="accent1"/>
+            </a:lnRef>
+            <a:fillRef idx="0">
+              <a:schemeClr val="accent1"/>
+            </a:fillRef>
+            <a:effectRef idx="0">
+              <a:schemeClr val="accent1"/>
+            </a:effectRef>
+            <a:fontRef idx="minor">
+              <a:schemeClr val="tx1"/>
+            </a:fontRef>
+          </p:style>
+        </p:cxnSp>
+        <p:cxnSp>
+          <p:nvCxnSpPr>
+            <p:cNvPr id="112" name="Straight Connector 111">
+              <a:extLst>
+                <a:ext uri="{FF2B5EF4-FFF2-40B4-BE49-F238E27FC236}">
+                  <a16:creationId xmlns:a16="http://schemas.microsoft.com/office/drawing/2014/main" id="{85721BDF-8199-44ED-A7B9-842ADB86E170}"/>
+                </a:ext>
+              </a:extLst>
+            </p:cNvPr>
+            <p:cNvCxnSpPr>
+              <a:cxnSpLocks/>
+            </p:cNvCxnSpPr>
+            <p:nvPr/>
+          </p:nvCxnSpPr>
+          <p:spPr>
+            <a:xfrm flipV="1">
+              <a:off x="3195078" y="2362200"/>
+              <a:ext cx="0" cy="76200"/>
+            </a:xfrm>
+            <a:prstGeom prst="line">
+              <a:avLst/>
+            </a:prstGeom>
+            <a:ln w="12700">
+              <a:solidFill>
+                <a:schemeClr val="tx1"/>
+              </a:solidFill>
+            </a:ln>
+          </p:spPr>
+          <p:style>
+            <a:lnRef idx="1">
+              <a:schemeClr val="accent1"/>
+            </a:lnRef>
+            <a:fillRef idx="0">
+              <a:schemeClr val="accent1"/>
+            </a:fillRef>
+            <a:effectRef idx="0">
+              <a:schemeClr val="accent1"/>
+            </a:effectRef>
+            <a:fontRef idx="minor">
+              <a:schemeClr val="tx1"/>
+            </a:fontRef>
+          </p:style>
+        </p:cxnSp>
+        <p:cxnSp>
+          <p:nvCxnSpPr>
+            <p:cNvPr id="113" name="Straight Connector 112">
+              <a:extLst>
+                <a:ext uri="{FF2B5EF4-FFF2-40B4-BE49-F238E27FC236}">
+                  <a16:creationId xmlns:a16="http://schemas.microsoft.com/office/drawing/2014/main" id="{CB7893EE-C3FF-4B8A-961D-5AD7BF673A79}"/>
+                </a:ext>
+              </a:extLst>
+            </p:cNvPr>
+            <p:cNvCxnSpPr>
+              <a:cxnSpLocks/>
+            </p:cNvCxnSpPr>
+            <p:nvPr/>
+          </p:nvCxnSpPr>
+          <p:spPr>
+            <a:xfrm flipV="1">
+              <a:off x="3499878" y="2362200"/>
+              <a:ext cx="0" cy="76200"/>
+            </a:xfrm>
+            <a:prstGeom prst="line">
+              <a:avLst/>
+            </a:prstGeom>
+            <a:ln w="12700">
+              <a:solidFill>
+                <a:schemeClr val="tx1"/>
+              </a:solidFill>
+            </a:ln>
+          </p:spPr>
+          <p:style>
+            <a:lnRef idx="1">
+              <a:schemeClr val="accent1"/>
+            </a:lnRef>
+            <a:fillRef idx="0">
+              <a:schemeClr val="accent1"/>
+            </a:fillRef>
+            <a:effectRef idx="0">
+              <a:schemeClr val="accent1"/>
+            </a:effectRef>
+            <a:fontRef idx="minor">
+              <a:schemeClr val="tx1"/>
+            </a:fontRef>
+          </p:style>
+        </p:cxnSp>
+        <p:cxnSp>
+          <p:nvCxnSpPr>
+            <p:cNvPr id="114" name="Straight Connector 113">
+              <a:extLst>
+                <a:ext uri="{FF2B5EF4-FFF2-40B4-BE49-F238E27FC236}">
+                  <a16:creationId xmlns:a16="http://schemas.microsoft.com/office/drawing/2014/main" id="{CE08D8D1-BCAF-4CC0-8AE6-50F89FE53D6D}"/>
+                </a:ext>
+              </a:extLst>
+            </p:cNvPr>
+            <p:cNvCxnSpPr>
+              <a:cxnSpLocks/>
+            </p:cNvCxnSpPr>
+            <p:nvPr/>
+          </p:nvCxnSpPr>
+          <p:spPr>
+            <a:xfrm flipV="1">
+              <a:off x="3959608" y="2362200"/>
+              <a:ext cx="0" cy="152400"/>
+            </a:xfrm>
+            <a:prstGeom prst="line">
+              <a:avLst/>
+            </a:prstGeom>
+            <a:ln w="12700">
+              <a:solidFill>
+                <a:schemeClr val="tx1"/>
+              </a:solidFill>
+            </a:ln>
+          </p:spPr>
+          <p:style>
+            <a:lnRef idx="1">
+              <a:schemeClr val="accent1"/>
+            </a:lnRef>
+            <a:fillRef idx="0">
+              <a:schemeClr val="accent1"/>
+            </a:fillRef>
+            <a:effectRef idx="0">
+              <a:schemeClr val="accent1"/>
+            </a:effectRef>
+            <a:fontRef idx="minor">
+              <a:schemeClr val="tx1"/>
+            </a:fontRef>
+          </p:style>
+        </p:cxnSp>
+        <p:cxnSp>
+          <p:nvCxnSpPr>
+            <p:cNvPr id="115" name="Straight Connector 114">
+              <a:extLst>
+                <a:ext uri="{FF2B5EF4-FFF2-40B4-BE49-F238E27FC236}">
+                  <a16:creationId xmlns:a16="http://schemas.microsoft.com/office/drawing/2014/main" id="{423C0890-4B4B-4C0C-8ABB-23E66C690CC2}"/>
+                </a:ext>
+              </a:extLst>
+            </p:cNvPr>
+            <p:cNvCxnSpPr>
+              <a:cxnSpLocks/>
+            </p:cNvCxnSpPr>
+            <p:nvPr/>
+          </p:nvCxnSpPr>
+          <p:spPr>
+            <a:xfrm flipV="1">
+              <a:off x="4267200" y="2362200"/>
+              <a:ext cx="0" cy="228600"/>
+            </a:xfrm>
+            <a:prstGeom prst="line">
+              <a:avLst/>
+            </a:prstGeom>
+            <a:ln w="12700">
+              <a:solidFill>
+                <a:schemeClr val="tx1"/>
+              </a:solidFill>
+            </a:ln>
+          </p:spPr>
+          <p:style>
+            <a:lnRef idx="1">
+              <a:schemeClr val="accent1"/>
+            </a:lnRef>
+            <a:fillRef idx="0">
+              <a:schemeClr val="accent1"/>
+            </a:fillRef>
+            <a:effectRef idx="0">
+              <a:schemeClr val="accent1"/>
+            </a:effectRef>
+            <a:fontRef idx="minor">
+              <a:schemeClr val="tx1"/>
+            </a:fontRef>
+          </p:style>
+        </p:cxnSp>
+        <p:cxnSp>
+          <p:nvCxnSpPr>
+            <p:cNvPr id="116" name="Straight Connector 115">
+              <a:extLst>
+                <a:ext uri="{FF2B5EF4-FFF2-40B4-BE49-F238E27FC236}">
+                  <a16:creationId xmlns:a16="http://schemas.microsoft.com/office/drawing/2014/main" id="{C9D971DA-CB80-4E47-A328-3DBD48E86452}"/>
+                </a:ext>
+              </a:extLst>
+            </p:cNvPr>
+            <p:cNvCxnSpPr>
+              <a:cxnSpLocks/>
+            </p:cNvCxnSpPr>
+            <p:nvPr/>
+          </p:nvCxnSpPr>
+          <p:spPr>
+            <a:xfrm flipV="1">
+              <a:off x="3804678" y="2362200"/>
+              <a:ext cx="0" cy="76200"/>
+            </a:xfrm>
+            <a:prstGeom prst="line">
+              <a:avLst/>
+            </a:prstGeom>
+            <a:ln w="12700">
+              <a:solidFill>
+                <a:schemeClr val="tx1"/>
+              </a:solidFill>
+            </a:ln>
+          </p:spPr>
+          <p:style>
+            <a:lnRef idx="1">
+              <a:schemeClr val="accent1"/>
+            </a:lnRef>
+            <a:fillRef idx="0">
+              <a:schemeClr val="accent1"/>
+            </a:fillRef>
+            <a:effectRef idx="0">
+              <a:schemeClr val="accent1"/>
+            </a:effectRef>
+            <a:fontRef idx="minor">
+              <a:schemeClr val="tx1"/>
+            </a:fontRef>
+          </p:style>
+        </p:cxnSp>
+        <p:cxnSp>
+          <p:nvCxnSpPr>
+            <p:cNvPr id="117" name="Straight Connector 116">
+              <a:extLst>
+                <a:ext uri="{FF2B5EF4-FFF2-40B4-BE49-F238E27FC236}">
+                  <a16:creationId xmlns:a16="http://schemas.microsoft.com/office/drawing/2014/main" id="{3EA507C4-8D80-457B-B556-9D45A7D08E04}"/>
+                </a:ext>
+              </a:extLst>
+            </p:cNvPr>
+            <p:cNvCxnSpPr>
+              <a:cxnSpLocks/>
+            </p:cNvCxnSpPr>
+            <p:nvPr/>
+          </p:nvCxnSpPr>
+          <p:spPr>
+            <a:xfrm flipV="1">
+              <a:off x="4114800" y="2362200"/>
+              <a:ext cx="0" cy="76200"/>
+            </a:xfrm>
+            <a:prstGeom prst="line">
+              <a:avLst/>
+            </a:prstGeom>
+            <a:ln w="12700">
+              <a:solidFill>
+                <a:schemeClr val="tx1"/>
+              </a:solidFill>
+            </a:ln>
+          </p:spPr>
+          <p:style>
+            <a:lnRef idx="1">
+              <a:schemeClr val="accent1"/>
+            </a:lnRef>
+            <a:fillRef idx="0">
+              <a:schemeClr val="accent1"/>
+            </a:fillRef>
+            <a:effectRef idx="0">
+              <a:schemeClr val="accent1"/>
+            </a:effectRef>
+            <a:fontRef idx="minor">
+              <a:schemeClr val="tx1"/>
+            </a:fontRef>
+          </p:style>
+        </p:cxnSp>
+        <p:cxnSp>
+          <p:nvCxnSpPr>
+            <p:cNvPr id="119" name="Straight Connector 118">
+              <a:extLst>
+                <a:ext uri="{FF2B5EF4-FFF2-40B4-BE49-F238E27FC236}">
+                  <a16:creationId xmlns:a16="http://schemas.microsoft.com/office/drawing/2014/main" id="{57BEF4ED-743A-43CA-AB0A-48A277AFAF8C}"/>
+                </a:ext>
+              </a:extLst>
+            </p:cNvPr>
+            <p:cNvCxnSpPr>
+              <a:cxnSpLocks/>
+            </p:cNvCxnSpPr>
+            <p:nvPr/>
+          </p:nvCxnSpPr>
+          <p:spPr>
+            <a:xfrm flipV="1">
+              <a:off x="4572000" y="2362200"/>
+              <a:ext cx="0" cy="152400"/>
+            </a:xfrm>
+            <a:prstGeom prst="line">
+              <a:avLst/>
+            </a:prstGeom>
+            <a:ln w="12700">
+              <a:solidFill>
+                <a:schemeClr val="tx1"/>
+              </a:solidFill>
+            </a:ln>
+          </p:spPr>
+          <p:style>
+            <a:lnRef idx="1">
+              <a:schemeClr val="accent1"/>
+            </a:lnRef>
+            <a:fillRef idx="0">
+              <a:schemeClr val="accent1"/>
+            </a:fillRef>
+            <a:effectRef idx="0">
+              <a:schemeClr val="accent1"/>
+            </a:effectRef>
+            <a:fontRef idx="minor">
+              <a:schemeClr val="tx1"/>
+            </a:fontRef>
+          </p:style>
+        </p:cxnSp>
+        <p:cxnSp>
+          <p:nvCxnSpPr>
+            <p:cNvPr id="125" name="Straight Connector 124">
+              <a:extLst>
+                <a:ext uri="{FF2B5EF4-FFF2-40B4-BE49-F238E27FC236}">
+                  <a16:creationId xmlns:a16="http://schemas.microsoft.com/office/drawing/2014/main" id="{9E557E0F-5A5F-4329-955A-50A5E91FC90F}"/>
+                </a:ext>
+              </a:extLst>
+            </p:cNvPr>
+            <p:cNvCxnSpPr>
+              <a:cxnSpLocks/>
+            </p:cNvCxnSpPr>
+            <p:nvPr/>
+          </p:nvCxnSpPr>
+          <p:spPr>
+            <a:xfrm flipV="1">
+              <a:off x="4871371" y="2362200"/>
+              <a:ext cx="0" cy="228600"/>
+            </a:xfrm>
+            <a:prstGeom prst="line">
+              <a:avLst/>
+            </a:prstGeom>
+            <a:ln w="12700">
+              <a:solidFill>
+                <a:schemeClr val="tx1"/>
+              </a:solidFill>
+            </a:ln>
+          </p:spPr>
+          <p:style>
+            <a:lnRef idx="1">
+              <a:schemeClr val="accent1"/>
+            </a:lnRef>
+            <a:fillRef idx="0">
+              <a:schemeClr val="accent1"/>
+            </a:fillRef>
+            <a:effectRef idx="0">
+              <a:schemeClr val="accent1"/>
+            </a:effectRef>
+            <a:fontRef idx="minor">
+              <a:schemeClr val="tx1"/>
+            </a:fontRef>
+          </p:style>
+        </p:cxnSp>
+        <p:cxnSp>
+          <p:nvCxnSpPr>
+            <p:cNvPr id="126" name="Straight Connector 125">
+              <a:extLst>
+                <a:ext uri="{FF2B5EF4-FFF2-40B4-BE49-F238E27FC236}">
+                  <a16:creationId xmlns:a16="http://schemas.microsoft.com/office/drawing/2014/main" id="{9B0D1FDC-8F8B-4DE3-8C6B-5541EC21D764}"/>
+                </a:ext>
+              </a:extLst>
+            </p:cNvPr>
+            <p:cNvCxnSpPr>
+              <a:cxnSpLocks/>
+            </p:cNvCxnSpPr>
+            <p:nvPr/>
+          </p:nvCxnSpPr>
+          <p:spPr>
+            <a:xfrm flipV="1">
+              <a:off x="4419600" y="2362200"/>
+              <a:ext cx="0" cy="76200"/>
+            </a:xfrm>
+            <a:prstGeom prst="line">
+              <a:avLst/>
+            </a:prstGeom>
+            <a:ln w="12700">
+              <a:solidFill>
+                <a:schemeClr val="tx1"/>
+              </a:solidFill>
+            </a:ln>
+          </p:spPr>
+          <p:style>
+            <a:lnRef idx="1">
+              <a:schemeClr val="accent1"/>
+            </a:lnRef>
+            <a:fillRef idx="0">
+              <a:schemeClr val="accent1"/>
+            </a:fillRef>
+            <a:effectRef idx="0">
+              <a:schemeClr val="accent1"/>
+            </a:effectRef>
+            <a:fontRef idx="minor">
+              <a:schemeClr val="tx1"/>
+            </a:fontRef>
+          </p:style>
+        </p:cxnSp>
+        <p:cxnSp>
+          <p:nvCxnSpPr>
+            <p:cNvPr id="127" name="Straight Connector 126">
+              <a:extLst>
+                <a:ext uri="{FF2B5EF4-FFF2-40B4-BE49-F238E27FC236}">
+                  <a16:creationId xmlns:a16="http://schemas.microsoft.com/office/drawing/2014/main" id="{E4643A84-3F66-45FE-80EC-EC4F9FD6DFE3}"/>
+                </a:ext>
+              </a:extLst>
+            </p:cNvPr>
+            <p:cNvCxnSpPr>
+              <a:cxnSpLocks/>
+            </p:cNvCxnSpPr>
+            <p:nvPr/>
+          </p:nvCxnSpPr>
+          <p:spPr>
+            <a:xfrm flipV="1">
+              <a:off x="4724400" y="2362200"/>
+              <a:ext cx="0" cy="76200"/>
+            </a:xfrm>
+            <a:prstGeom prst="line">
+              <a:avLst/>
+            </a:prstGeom>
+            <a:ln w="12700">
+              <a:solidFill>
+                <a:schemeClr val="tx1"/>
+              </a:solidFill>
+            </a:ln>
+          </p:spPr>
+          <p:style>
+            <a:lnRef idx="1">
+              <a:schemeClr val="accent1"/>
+            </a:lnRef>
+            <a:fillRef idx="0">
+              <a:schemeClr val="accent1"/>
+            </a:fillRef>
+            <a:effectRef idx="0">
+              <a:schemeClr val="accent1"/>
+            </a:effectRef>
+            <a:fontRef idx="minor">
+              <a:schemeClr val="tx1"/>
+            </a:fontRef>
+          </p:style>
+        </p:cxnSp>
+        <p:cxnSp>
+          <p:nvCxnSpPr>
+            <p:cNvPr id="128" name="Straight Connector 127">
+              <a:extLst>
+                <a:ext uri="{FF2B5EF4-FFF2-40B4-BE49-F238E27FC236}">
+                  <a16:creationId xmlns:a16="http://schemas.microsoft.com/office/drawing/2014/main" id="{C44AA57A-199C-4545-9421-84A119024F2F}"/>
+                </a:ext>
+              </a:extLst>
+            </p:cNvPr>
+            <p:cNvCxnSpPr>
+              <a:cxnSpLocks/>
+            </p:cNvCxnSpPr>
+            <p:nvPr/>
+          </p:nvCxnSpPr>
+          <p:spPr>
+            <a:xfrm flipV="1">
+              <a:off x="5178808" y="2362200"/>
+              <a:ext cx="0" cy="152400"/>
+            </a:xfrm>
+            <a:prstGeom prst="line">
+              <a:avLst/>
+            </a:prstGeom>
+            <a:ln w="12700">
+              <a:solidFill>
+                <a:schemeClr val="tx1"/>
+              </a:solidFill>
+            </a:ln>
+          </p:spPr>
+          <p:style>
+            <a:lnRef idx="1">
+              <a:schemeClr val="accent1"/>
+            </a:lnRef>
+            <a:fillRef idx="0">
+              <a:schemeClr val="accent1"/>
+            </a:fillRef>
+            <a:effectRef idx="0">
+              <a:schemeClr val="accent1"/>
+            </a:effectRef>
+            <a:fontRef idx="minor">
+              <a:schemeClr val="tx1"/>
+            </a:fontRef>
+          </p:style>
+        </p:cxnSp>
+        <p:cxnSp>
+          <p:nvCxnSpPr>
+            <p:cNvPr id="130" name="Straight Connector 129">
+              <a:extLst>
+                <a:ext uri="{FF2B5EF4-FFF2-40B4-BE49-F238E27FC236}">
+                  <a16:creationId xmlns:a16="http://schemas.microsoft.com/office/drawing/2014/main" id="{714553DD-CE17-4DD5-9C93-2C4E5AF6CF22}"/>
+                </a:ext>
+              </a:extLst>
+            </p:cNvPr>
+            <p:cNvCxnSpPr>
+              <a:cxnSpLocks/>
+            </p:cNvCxnSpPr>
+            <p:nvPr/>
+          </p:nvCxnSpPr>
+          <p:spPr>
+            <a:xfrm flipV="1">
+              <a:off x="5029200" y="2362200"/>
+              <a:ext cx="0" cy="76200"/>
+            </a:xfrm>
+            <a:prstGeom prst="line">
+              <a:avLst/>
+            </a:prstGeom>
+            <a:ln w="12700">
+              <a:solidFill>
+                <a:schemeClr val="tx1"/>
+              </a:solidFill>
+            </a:ln>
+          </p:spPr>
+          <p:style>
+            <a:lnRef idx="1">
+              <a:schemeClr val="accent1"/>
+            </a:lnRef>
+            <a:fillRef idx="0">
+              <a:schemeClr val="accent1"/>
+            </a:fillRef>
+            <a:effectRef idx="0">
+              <a:schemeClr val="accent1"/>
+            </a:effectRef>
+            <a:fontRef idx="minor">
+              <a:schemeClr val="tx1"/>
+            </a:fontRef>
+          </p:style>
+        </p:cxnSp>
+        <p:cxnSp>
+          <p:nvCxnSpPr>
+            <p:cNvPr id="131" name="Straight Connector 130">
+              <a:extLst>
+                <a:ext uri="{FF2B5EF4-FFF2-40B4-BE49-F238E27FC236}">
+                  <a16:creationId xmlns:a16="http://schemas.microsoft.com/office/drawing/2014/main" id="{6170CB3D-F8D4-4B55-9EA6-1A955BA319A9}"/>
+                </a:ext>
+              </a:extLst>
+            </p:cNvPr>
+            <p:cNvCxnSpPr>
+              <a:cxnSpLocks/>
+            </p:cNvCxnSpPr>
+            <p:nvPr/>
+          </p:nvCxnSpPr>
+          <p:spPr>
+            <a:xfrm flipV="1">
+              <a:off x="5328678" y="2362200"/>
+              <a:ext cx="0" cy="76200"/>
+            </a:xfrm>
+            <a:prstGeom prst="line">
+              <a:avLst/>
+            </a:prstGeom>
+            <a:ln w="12700">
+              <a:solidFill>
+                <a:schemeClr val="tx1"/>
+              </a:solidFill>
+            </a:ln>
+          </p:spPr>
+          <p:style>
+            <a:lnRef idx="1">
+              <a:schemeClr val="accent1"/>
+            </a:lnRef>
+            <a:fillRef idx="0">
+              <a:schemeClr val="accent1"/>
+            </a:fillRef>
+            <a:effectRef idx="0">
+              <a:schemeClr val="accent1"/>
+            </a:effectRef>
+            <a:fontRef idx="minor">
+              <a:schemeClr val="tx1"/>
+            </a:fontRef>
+          </p:style>
+        </p:cxnSp>
+        <p:sp>
+          <p:nvSpPr>
+            <p:cNvPr id="48" name="TextBox 47">
+              <a:extLst>
+                <a:ext uri="{FF2B5EF4-FFF2-40B4-BE49-F238E27FC236}">
+                  <a16:creationId xmlns:a16="http://schemas.microsoft.com/office/drawing/2014/main" id="{23E88D82-9F87-4407-89DE-79B4D27EE907}"/>
+                </a:ext>
+              </a:extLst>
+            </p:cNvPr>
+            <p:cNvSpPr txBox="1"/>
+            <p:nvPr/>
+          </p:nvSpPr>
+          <p:spPr>
+            <a:xfrm>
+              <a:off x="2900272" y="2514600"/>
+              <a:ext cx="314510" cy="400110"/>
+            </a:xfrm>
+            <a:prstGeom prst="rect">
+              <a:avLst/>
+            </a:prstGeom>
+            <a:noFill/>
+          </p:spPr>
+          <p:txBody>
+            <a:bodyPr wrap="none" rtlCol="0">
+              <a:spAutoFit/>
+            </a:bodyPr>
+            <a:lstStyle/>
+            <a:p>
+              <a:r>
+                <a:rPr lang="en-US" sz="2000" dirty="0"/>
+                <a:t>1</a:t>
+              </a:r>
+            </a:p>
+          </p:txBody>
+        </p:sp>
+        <p:sp>
+          <p:nvSpPr>
+            <p:cNvPr id="132" name="TextBox 131">
+              <a:extLst>
+                <a:ext uri="{FF2B5EF4-FFF2-40B4-BE49-F238E27FC236}">
+                  <a16:creationId xmlns:a16="http://schemas.microsoft.com/office/drawing/2014/main" id="{689D353A-7957-4F32-9D48-C27414EF70AA}"/>
+                </a:ext>
+              </a:extLst>
+            </p:cNvPr>
+            <p:cNvSpPr txBox="1"/>
+            <p:nvPr/>
+          </p:nvSpPr>
+          <p:spPr>
+            <a:xfrm>
+              <a:off x="3512079" y="2514600"/>
+              <a:ext cx="314510" cy="400110"/>
+            </a:xfrm>
+            <a:prstGeom prst="rect">
+              <a:avLst/>
+            </a:prstGeom>
+            <a:noFill/>
+          </p:spPr>
+          <p:txBody>
+            <a:bodyPr wrap="none" rtlCol="0">
+              <a:spAutoFit/>
+            </a:bodyPr>
+            <a:lstStyle/>
+            <a:p>
+              <a:r>
+                <a:rPr lang="en-US" sz="2000" dirty="0"/>
+                <a:t>2</a:t>
+              </a:r>
+            </a:p>
+          </p:txBody>
+        </p:sp>
+        <p:sp>
+          <p:nvSpPr>
+            <p:cNvPr id="133" name="TextBox 132">
+              <a:extLst>
+                <a:ext uri="{FF2B5EF4-FFF2-40B4-BE49-F238E27FC236}">
+                  <a16:creationId xmlns:a16="http://schemas.microsoft.com/office/drawing/2014/main" id="{E4384382-962A-4760-A85F-266A8D5F903B}"/>
+                </a:ext>
+              </a:extLst>
+            </p:cNvPr>
+            <p:cNvSpPr txBox="1"/>
+            <p:nvPr/>
+          </p:nvSpPr>
+          <p:spPr>
+            <a:xfrm>
+              <a:off x="4119676" y="2514600"/>
+              <a:ext cx="314510" cy="400110"/>
+            </a:xfrm>
+            <a:prstGeom prst="rect">
+              <a:avLst/>
+            </a:prstGeom>
+            <a:noFill/>
+          </p:spPr>
+          <p:txBody>
+            <a:bodyPr wrap="none" rtlCol="0">
+              <a:spAutoFit/>
+            </a:bodyPr>
+            <a:lstStyle/>
+            <a:p>
+              <a:r>
+                <a:rPr lang="en-US" sz="2000" dirty="0"/>
+                <a:t>3</a:t>
+              </a:r>
+            </a:p>
+          </p:txBody>
+        </p:sp>
+        <p:sp>
+          <p:nvSpPr>
+            <p:cNvPr id="134" name="TextBox 133">
+              <a:extLst>
+                <a:ext uri="{FF2B5EF4-FFF2-40B4-BE49-F238E27FC236}">
+                  <a16:creationId xmlns:a16="http://schemas.microsoft.com/office/drawing/2014/main" id="{856B3491-2BC1-40F2-A1C0-2BEA916822DD}"/>
+                </a:ext>
+              </a:extLst>
+            </p:cNvPr>
+            <p:cNvSpPr txBox="1"/>
+            <p:nvPr/>
+          </p:nvSpPr>
+          <p:spPr>
+            <a:xfrm>
+              <a:off x="4719160" y="2514600"/>
+              <a:ext cx="314510" cy="400110"/>
+            </a:xfrm>
+            <a:prstGeom prst="rect">
+              <a:avLst/>
+            </a:prstGeom>
+            <a:noFill/>
+          </p:spPr>
+          <p:txBody>
+            <a:bodyPr wrap="none" rtlCol="0">
+              <a:spAutoFit/>
+            </a:bodyPr>
+            <a:lstStyle/>
+            <a:p>
+              <a:r>
+                <a:rPr lang="en-US" sz="2000" dirty="0"/>
+                <a:t>4</a:t>
+              </a:r>
+            </a:p>
+          </p:txBody>
+        </p:sp>
+      </p:grpSp>
+      <p:sp>
+        <p:nvSpPr>
+          <p:cNvPr id="135" name="Rectangle 134">
+            <a:extLst>
+              <a:ext uri="{FF2B5EF4-FFF2-40B4-BE49-F238E27FC236}">
+                <a16:creationId xmlns:a16="http://schemas.microsoft.com/office/drawing/2014/main" id="{65C3397C-B3B4-42B0-B797-B108D60EFF9B}"/>
+              </a:ext>
+            </a:extLst>
+          </p:cNvPr>
+          <p:cNvSpPr/>
+          <p:nvPr/>
+        </p:nvSpPr>
+        <p:spPr>
+          <a:xfrm>
+            <a:off x="2394415" y="3310305"/>
+            <a:ext cx="3047999" cy="530319"/>
+          </a:xfrm>
+          <a:prstGeom prst="rect">
+            <a:avLst/>
+          </a:prstGeom>
+          <a:solidFill>
+            <a:schemeClr val="bg1">
+              <a:lumMod val="95000"/>
+            </a:schemeClr>
+          </a:solidFill>
+          <a:ln w="12700">
+            <a:solidFill>
+              <a:schemeClr val="bg1">
+                <a:lumMod val="65000"/>
+              </a:schemeClr>
+            </a:solidFill>
+          </a:ln>
+        </p:spPr>
+        <p:style>
+          <a:lnRef idx="2">
+            <a:schemeClr val="accent1">
+              <a:shade val="50000"/>
+            </a:schemeClr>
+          </a:lnRef>
+          <a:fillRef idx="1">
+            <a:schemeClr val="accent1"/>
+          </a:fillRef>
+          <a:effectRef idx="0">
+            <a:schemeClr val="accent1"/>
+          </a:effectRef>
+          <a:fontRef idx="minor">
+            <a:schemeClr val="lt1"/>
+          </a:fontRef>
+        </p:style>
+        <p:txBody>
+          <a:bodyPr rtlCol="0" anchor="ctr"/>
+          <a:lstStyle/>
+          <a:p>
+            <a:pPr algn="ctr"/>
+            <a:endParaRPr lang="en-US"/>
+          </a:p>
+        </p:txBody>
+      </p:sp>
+      <p:cxnSp>
+        <p:nvCxnSpPr>
+          <p:cNvPr id="136" name="Straight Connector 135">
+            <a:extLst>
+              <a:ext uri="{FF2B5EF4-FFF2-40B4-BE49-F238E27FC236}">
+                <a16:creationId xmlns:a16="http://schemas.microsoft.com/office/drawing/2014/main" id="{C23ADCC3-82A3-4451-ACE2-AD7532A05706}"/>
+              </a:ext>
+            </a:extLst>
+          </p:cNvPr>
+          <p:cNvCxnSpPr>
+            <a:cxnSpLocks/>
+          </p:cNvCxnSpPr>
+          <p:nvPr/>
+        </p:nvCxnSpPr>
+        <p:spPr>
+          <a:xfrm flipV="1">
+            <a:off x="2701744" y="3310306"/>
+            <a:ext cx="0" cy="152400"/>
+          </a:xfrm>
+          <a:prstGeom prst="line">
+            <a:avLst/>
+          </a:prstGeom>
+          <a:ln w="12700">
+            <a:solidFill>
+              <a:schemeClr val="bg1">
+                <a:lumMod val="65000"/>
+              </a:schemeClr>
+            </a:solidFill>
+          </a:ln>
+        </p:spPr>
+        <p:style>
+          <a:lnRef idx="1">
+            <a:schemeClr val="accent1"/>
+          </a:lnRef>
+          <a:fillRef idx="0">
+            <a:schemeClr val="accent1"/>
+          </a:fillRef>
+          <a:effectRef idx="0">
+            <a:schemeClr val="accent1"/>
+          </a:effectRef>
+          <a:fontRef idx="minor">
+            <a:schemeClr val="tx1"/>
+          </a:fontRef>
+        </p:style>
+      </p:cxnSp>
+      <p:cxnSp>
+        <p:nvCxnSpPr>
+          <p:cNvPr id="137" name="Straight Connector 136">
+            <a:extLst>
+              <a:ext uri="{FF2B5EF4-FFF2-40B4-BE49-F238E27FC236}">
+                <a16:creationId xmlns:a16="http://schemas.microsoft.com/office/drawing/2014/main" id="{2291D61D-7604-499C-8B20-110C2A534349}"/>
+              </a:ext>
+            </a:extLst>
+          </p:cNvPr>
+          <p:cNvCxnSpPr>
+            <a:cxnSpLocks/>
+          </p:cNvCxnSpPr>
+          <p:nvPr/>
+        </p:nvCxnSpPr>
+        <p:spPr>
+          <a:xfrm flipV="1">
+            <a:off x="3009336" y="3310306"/>
+            <a:ext cx="0" cy="228600"/>
+          </a:xfrm>
+          <a:prstGeom prst="line">
+            <a:avLst/>
+          </a:prstGeom>
+          <a:ln w="12700">
+            <a:solidFill>
+              <a:schemeClr val="bg1">
+                <a:lumMod val="65000"/>
+              </a:schemeClr>
+            </a:solidFill>
+          </a:ln>
+        </p:spPr>
+        <p:style>
+          <a:lnRef idx="1">
+            <a:schemeClr val="accent1"/>
+          </a:lnRef>
+          <a:fillRef idx="0">
+            <a:schemeClr val="accent1"/>
+          </a:fillRef>
+          <a:effectRef idx="0">
+            <a:schemeClr val="accent1"/>
+          </a:effectRef>
+          <a:fontRef idx="minor">
+            <a:schemeClr val="tx1"/>
+          </a:fontRef>
+        </p:style>
+      </p:cxnSp>
+      <p:cxnSp>
+        <p:nvCxnSpPr>
+          <p:cNvPr id="138" name="Straight Connector 137">
+            <a:extLst>
+              <a:ext uri="{FF2B5EF4-FFF2-40B4-BE49-F238E27FC236}">
+                <a16:creationId xmlns:a16="http://schemas.microsoft.com/office/drawing/2014/main" id="{B8749299-851C-4FF8-BCB7-CCE8C5308A33}"/>
+              </a:ext>
+            </a:extLst>
+          </p:cNvPr>
+          <p:cNvCxnSpPr>
+            <a:cxnSpLocks/>
+          </p:cNvCxnSpPr>
+          <p:nvPr/>
+        </p:nvCxnSpPr>
+        <p:spPr>
+          <a:xfrm flipV="1">
+            <a:off x="2546814" y="3310306"/>
+            <a:ext cx="0" cy="76200"/>
+          </a:xfrm>
+          <a:prstGeom prst="line">
+            <a:avLst/>
+          </a:prstGeom>
+          <a:ln w="12700">
+            <a:solidFill>
+              <a:schemeClr val="bg1">
+                <a:lumMod val="65000"/>
+              </a:schemeClr>
+            </a:solidFill>
+          </a:ln>
+        </p:spPr>
+        <p:style>
+          <a:lnRef idx="1">
+            <a:schemeClr val="accent1"/>
+          </a:lnRef>
+          <a:fillRef idx="0">
+            <a:schemeClr val="accent1"/>
+          </a:fillRef>
+          <a:effectRef idx="0">
+            <a:schemeClr val="accent1"/>
+          </a:effectRef>
+          <a:fontRef idx="minor">
+            <a:schemeClr val="tx1"/>
+          </a:fontRef>
+        </p:style>
+      </p:cxnSp>
+      <p:cxnSp>
+        <p:nvCxnSpPr>
+          <p:cNvPr id="139" name="Straight Connector 138">
+            <a:extLst>
+              <a:ext uri="{FF2B5EF4-FFF2-40B4-BE49-F238E27FC236}">
+                <a16:creationId xmlns:a16="http://schemas.microsoft.com/office/drawing/2014/main" id="{76A16623-F893-4AC2-881F-30C654793DF9}"/>
+              </a:ext>
+            </a:extLst>
+          </p:cNvPr>
+          <p:cNvCxnSpPr>
+            <a:cxnSpLocks/>
+          </p:cNvCxnSpPr>
+          <p:nvPr/>
+        </p:nvCxnSpPr>
+        <p:spPr>
+          <a:xfrm flipV="1">
+            <a:off x="2851614" y="3310306"/>
+            <a:ext cx="0" cy="76200"/>
+          </a:xfrm>
+          <a:prstGeom prst="line">
+            <a:avLst/>
+          </a:prstGeom>
+          <a:ln w="12700">
+            <a:solidFill>
+              <a:schemeClr val="bg1">
+                <a:lumMod val="65000"/>
+              </a:schemeClr>
+            </a:solidFill>
+          </a:ln>
+        </p:spPr>
+        <p:style>
+          <a:lnRef idx="1">
+            <a:schemeClr val="accent1"/>
+          </a:lnRef>
+          <a:fillRef idx="0">
+            <a:schemeClr val="accent1"/>
+          </a:fillRef>
+          <a:effectRef idx="0">
+            <a:schemeClr val="accent1"/>
+          </a:effectRef>
+          <a:fontRef idx="minor">
+            <a:schemeClr val="tx1"/>
+          </a:fontRef>
+        </p:style>
+      </p:cxnSp>
+      <p:cxnSp>
+        <p:nvCxnSpPr>
+          <p:cNvPr id="140" name="Straight Connector 139">
+            <a:extLst>
+              <a:ext uri="{FF2B5EF4-FFF2-40B4-BE49-F238E27FC236}">
+                <a16:creationId xmlns:a16="http://schemas.microsoft.com/office/drawing/2014/main" id="{CE3801D5-815C-4070-8AA4-0A8ECDCC8273}"/>
+              </a:ext>
+            </a:extLst>
+          </p:cNvPr>
+          <p:cNvCxnSpPr>
+            <a:cxnSpLocks/>
+          </p:cNvCxnSpPr>
+          <p:nvPr/>
+        </p:nvCxnSpPr>
+        <p:spPr>
+          <a:xfrm flipV="1">
+            <a:off x="3306022" y="3310306"/>
+            <a:ext cx="0" cy="152400"/>
+          </a:xfrm>
+          <a:prstGeom prst="line">
+            <a:avLst/>
+          </a:prstGeom>
+          <a:ln w="12700">
+            <a:solidFill>
+              <a:schemeClr val="bg1">
+                <a:lumMod val="65000"/>
+              </a:schemeClr>
+            </a:solidFill>
+          </a:ln>
+        </p:spPr>
+        <p:style>
+          <a:lnRef idx="1">
+            <a:schemeClr val="accent1"/>
+          </a:lnRef>
+          <a:fillRef idx="0">
+            <a:schemeClr val="accent1"/>
+          </a:fillRef>
+          <a:effectRef idx="0">
+            <a:schemeClr val="accent1"/>
+          </a:effectRef>
+          <a:fontRef idx="minor">
+            <a:schemeClr val="tx1"/>
+          </a:fontRef>
+        </p:style>
+      </p:cxnSp>
+      <p:cxnSp>
+        <p:nvCxnSpPr>
+          <p:cNvPr id="141" name="Straight Connector 140">
+            <a:extLst>
+              <a:ext uri="{FF2B5EF4-FFF2-40B4-BE49-F238E27FC236}">
+                <a16:creationId xmlns:a16="http://schemas.microsoft.com/office/drawing/2014/main" id="{B7C250C0-0FF1-4BC6-9D68-FE26CBE33642}"/>
+              </a:ext>
+            </a:extLst>
+          </p:cNvPr>
+          <p:cNvCxnSpPr>
+            <a:cxnSpLocks/>
+          </p:cNvCxnSpPr>
+          <p:nvPr/>
+        </p:nvCxnSpPr>
+        <p:spPr>
+          <a:xfrm flipV="1">
+            <a:off x="3613614" y="3310306"/>
+            <a:ext cx="0" cy="228600"/>
+          </a:xfrm>
+          <a:prstGeom prst="line">
+            <a:avLst/>
+          </a:prstGeom>
+          <a:ln w="12700">
+            <a:solidFill>
+              <a:schemeClr val="bg1">
+                <a:lumMod val="65000"/>
+              </a:schemeClr>
+            </a:solidFill>
+          </a:ln>
+        </p:spPr>
+        <p:style>
+          <a:lnRef idx="1">
+            <a:schemeClr val="accent1"/>
+          </a:lnRef>
+          <a:fillRef idx="0">
+            <a:schemeClr val="accent1"/>
+          </a:fillRef>
+          <a:effectRef idx="0">
+            <a:schemeClr val="accent1"/>
+          </a:effectRef>
+          <a:fontRef idx="minor">
+            <a:schemeClr val="tx1"/>
+          </a:fontRef>
+        </p:style>
+      </p:cxnSp>
+      <p:cxnSp>
+        <p:nvCxnSpPr>
+          <p:cNvPr id="142" name="Straight Connector 141">
+            <a:extLst>
+              <a:ext uri="{FF2B5EF4-FFF2-40B4-BE49-F238E27FC236}">
+                <a16:creationId xmlns:a16="http://schemas.microsoft.com/office/drawing/2014/main" id="{569534AC-402F-4810-B6D4-0BF8DF6D1C3F}"/>
+              </a:ext>
+            </a:extLst>
+          </p:cNvPr>
+          <p:cNvCxnSpPr>
+            <a:cxnSpLocks/>
+          </p:cNvCxnSpPr>
+          <p:nvPr/>
+        </p:nvCxnSpPr>
+        <p:spPr>
+          <a:xfrm flipV="1">
+            <a:off x="3151092" y="3310306"/>
+            <a:ext cx="0" cy="76200"/>
+          </a:xfrm>
+          <a:prstGeom prst="line">
+            <a:avLst/>
+          </a:prstGeom>
+          <a:ln w="12700">
+            <a:solidFill>
+              <a:schemeClr val="bg1">
+                <a:lumMod val="65000"/>
+              </a:schemeClr>
+            </a:solidFill>
+          </a:ln>
+        </p:spPr>
+        <p:style>
+          <a:lnRef idx="1">
+            <a:schemeClr val="accent1"/>
+          </a:lnRef>
+          <a:fillRef idx="0">
+            <a:schemeClr val="accent1"/>
+          </a:fillRef>
+          <a:effectRef idx="0">
+            <a:schemeClr val="accent1"/>
+          </a:effectRef>
+          <a:fontRef idx="minor">
+            <a:schemeClr val="tx1"/>
+          </a:fontRef>
+        </p:style>
+      </p:cxnSp>
+      <p:cxnSp>
+        <p:nvCxnSpPr>
+          <p:cNvPr id="143" name="Straight Connector 142">
+            <a:extLst>
+              <a:ext uri="{FF2B5EF4-FFF2-40B4-BE49-F238E27FC236}">
+                <a16:creationId xmlns:a16="http://schemas.microsoft.com/office/drawing/2014/main" id="{DEC47C09-F652-43D7-B6FD-29107BA03BB3}"/>
+              </a:ext>
+            </a:extLst>
+          </p:cNvPr>
+          <p:cNvCxnSpPr>
+            <a:cxnSpLocks/>
+          </p:cNvCxnSpPr>
+          <p:nvPr/>
+        </p:nvCxnSpPr>
+        <p:spPr>
+          <a:xfrm flipV="1">
+            <a:off x="3455892" y="3310306"/>
+            <a:ext cx="0" cy="76200"/>
+          </a:xfrm>
+          <a:prstGeom prst="line">
+            <a:avLst/>
+          </a:prstGeom>
+          <a:ln w="12700">
+            <a:solidFill>
+              <a:schemeClr val="bg1">
+                <a:lumMod val="65000"/>
+              </a:schemeClr>
+            </a:solidFill>
+          </a:ln>
+        </p:spPr>
+        <p:style>
+          <a:lnRef idx="1">
+            <a:schemeClr val="accent1"/>
+          </a:lnRef>
+          <a:fillRef idx="0">
+            <a:schemeClr val="accent1"/>
+          </a:fillRef>
+          <a:effectRef idx="0">
+            <a:schemeClr val="accent1"/>
+          </a:effectRef>
+          <a:fontRef idx="minor">
+            <a:schemeClr val="tx1"/>
+          </a:fontRef>
+        </p:style>
+      </p:cxnSp>
+      <p:cxnSp>
+        <p:nvCxnSpPr>
+          <p:cNvPr id="144" name="Straight Connector 143">
+            <a:extLst>
+              <a:ext uri="{FF2B5EF4-FFF2-40B4-BE49-F238E27FC236}">
+                <a16:creationId xmlns:a16="http://schemas.microsoft.com/office/drawing/2014/main" id="{0F846857-B496-4A48-AF49-32A35D90AC51}"/>
+              </a:ext>
+            </a:extLst>
+          </p:cNvPr>
+          <p:cNvCxnSpPr>
+            <a:cxnSpLocks/>
+          </p:cNvCxnSpPr>
+          <p:nvPr/>
+        </p:nvCxnSpPr>
+        <p:spPr>
+          <a:xfrm flipV="1">
+            <a:off x="3915622" y="3310306"/>
+            <a:ext cx="0" cy="152400"/>
+          </a:xfrm>
+          <a:prstGeom prst="line">
+            <a:avLst/>
+          </a:prstGeom>
+          <a:ln w="12700">
+            <a:solidFill>
+              <a:schemeClr val="bg1">
+                <a:lumMod val="65000"/>
+              </a:schemeClr>
+            </a:solidFill>
+          </a:ln>
+        </p:spPr>
+        <p:style>
+          <a:lnRef idx="1">
+            <a:schemeClr val="accent1"/>
+          </a:lnRef>
+          <a:fillRef idx="0">
+            <a:schemeClr val="accent1"/>
+          </a:fillRef>
+          <a:effectRef idx="0">
+            <a:schemeClr val="accent1"/>
+          </a:effectRef>
+          <a:fontRef idx="minor">
+            <a:schemeClr val="tx1"/>
+          </a:fontRef>
+        </p:style>
+      </p:cxnSp>
+      <p:cxnSp>
+        <p:nvCxnSpPr>
+          <p:cNvPr id="145" name="Straight Connector 144">
+            <a:extLst>
+              <a:ext uri="{FF2B5EF4-FFF2-40B4-BE49-F238E27FC236}">
+                <a16:creationId xmlns:a16="http://schemas.microsoft.com/office/drawing/2014/main" id="{95AD3D94-BA90-47FF-A691-D3A2DB7C1716}"/>
+              </a:ext>
+            </a:extLst>
+          </p:cNvPr>
+          <p:cNvCxnSpPr>
+            <a:cxnSpLocks/>
+          </p:cNvCxnSpPr>
+          <p:nvPr/>
+        </p:nvCxnSpPr>
+        <p:spPr>
+          <a:xfrm flipV="1">
+            <a:off x="4223214" y="3310306"/>
+            <a:ext cx="0" cy="228600"/>
+          </a:xfrm>
+          <a:prstGeom prst="line">
+            <a:avLst/>
+          </a:prstGeom>
+          <a:ln w="12700">
+            <a:solidFill>
+              <a:schemeClr val="bg1">
+                <a:lumMod val="65000"/>
+              </a:schemeClr>
+            </a:solidFill>
+          </a:ln>
+        </p:spPr>
+        <p:style>
+          <a:lnRef idx="1">
+            <a:schemeClr val="accent1"/>
+          </a:lnRef>
+          <a:fillRef idx="0">
+            <a:schemeClr val="accent1"/>
+          </a:fillRef>
+          <a:effectRef idx="0">
+            <a:schemeClr val="accent1"/>
+          </a:effectRef>
+          <a:fontRef idx="minor">
+            <a:schemeClr val="tx1"/>
+          </a:fontRef>
+        </p:style>
+      </p:cxnSp>
+      <p:cxnSp>
+        <p:nvCxnSpPr>
+          <p:cNvPr id="146" name="Straight Connector 145">
+            <a:extLst>
+              <a:ext uri="{FF2B5EF4-FFF2-40B4-BE49-F238E27FC236}">
+                <a16:creationId xmlns:a16="http://schemas.microsoft.com/office/drawing/2014/main" id="{B6BF37F4-CE6E-4905-850C-263CA6500439}"/>
+              </a:ext>
+            </a:extLst>
+          </p:cNvPr>
+          <p:cNvCxnSpPr>
+            <a:cxnSpLocks/>
+          </p:cNvCxnSpPr>
+          <p:nvPr/>
+        </p:nvCxnSpPr>
+        <p:spPr>
+          <a:xfrm flipV="1">
+            <a:off x="3760692" y="3310306"/>
+            <a:ext cx="0" cy="76200"/>
+          </a:xfrm>
+          <a:prstGeom prst="line">
+            <a:avLst/>
+          </a:prstGeom>
+          <a:ln w="12700">
+            <a:solidFill>
+              <a:schemeClr val="bg1">
+                <a:lumMod val="65000"/>
+              </a:schemeClr>
+            </a:solidFill>
+          </a:ln>
+        </p:spPr>
+        <p:style>
+          <a:lnRef idx="1">
+            <a:schemeClr val="accent1"/>
+          </a:lnRef>
+          <a:fillRef idx="0">
+            <a:schemeClr val="accent1"/>
+          </a:fillRef>
+          <a:effectRef idx="0">
+            <a:schemeClr val="accent1"/>
+          </a:effectRef>
+          <a:fontRef idx="minor">
+            <a:schemeClr val="tx1"/>
+          </a:fontRef>
+        </p:style>
+      </p:cxnSp>
+      <p:cxnSp>
+        <p:nvCxnSpPr>
+          <p:cNvPr id="147" name="Straight Connector 146">
+            <a:extLst>
+              <a:ext uri="{FF2B5EF4-FFF2-40B4-BE49-F238E27FC236}">
+                <a16:creationId xmlns:a16="http://schemas.microsoft.com/office/drawing/2014/main" id="{8B6866F5-D94E-44E0-A655-2566D380CAC3}"/>
+              </a:ext>
+            </a:extLst>
+          </p:cNvPr>
+          <p:cNvCxnSpPr>
+            <a:cxnSpLocks/>
+          </p:cNvCxnSpPr>
+          <p:nvPr/>
+        </p:nvCxnSpPr>
+        <p:spPr>
+          <a:xfrm flipV="1">
+            <a:off x="4070814" y="3310306"/>
+            <a:ext cx="0" cy="76200"/>
+          </a:xfrm>
+          <a:prstGeom prst="line">
+            <a:avLst/>
+          </a:prstGeom>
+          <a:ln w="12700">
+            <a:solidFill>
+              <a:schemeClr val="bg1">
+                <a:lumMod val="65000"/>
+              </a:schemeClr>
+            </a:solidFill>
+          </a:ln>
+        </p:spPr>
+        <p:style>
+          <a:lnRef idx="1">
+            <a:schemeClr val="accent1"/>
+          </a:lnRef>
+          <a:fillRef idx="0">
+            <a:schemeClr val="accent1"/>
+          </a:fillRef>
+          <a:effectRef idx="0">
+            <a:schemeClr val="accent1"/>
+          </a:effectRef>
+          <a:fontRef idx="minor">
+            <a:schemeClr val="tx1"/>
+          </a:fontRef>
+        </p:style>
+      </p:cxnSp>
+      <p:cxnSp>
+        <p:nvCxnSpPr>
+          <p:cNvPr id="148" name="Straight Connector 147">
+            <a:extLst>
+              <a:ext uri="{FF2B5EF4-FFF2-40B4-BE49-F238E27FC236}">
+                <a16:creationId xmlns:a16="http://schemas.microsoft.com/office/drawing/2014/main" id="{43B8884A-4202-46B7-A7C9-824A240B54FA}"/>
+              </a:ext>
+            </a:extLst>
+          </p:cNvPr>
+          <p:cNvCxnSpPr>
+            <a:cxnSpLocks/>
+          </p:cNvCxnSpPr>
+          <p:nvPr/>
+        </p:nvCxnSpPr>
+        <p:spPr>
+          <a:xfrm flipV="1">
+            <a:off x="4528014" y="3310306"/>
+            <a:ext cx="0" cy="152400"/>
+          </a:xfrm>
+          <a:prstGeom prst="line">
+            <a:avLst/>
+          </a:prstGeom>
+          <a:ln w="12700">
+            <a:solidFill>
+              <a:schemeClr val="bg1">
+                <a:lumMod val="65000"/>
+              </a:schemeClr>
+            </a:solidFill>
+          </a:ln>
+        </p:spPr>
+        <p:style>
+          <a:lnRef idx="1">
+            <a:schemeClr val="accent1"/>
+          </a:lnRef>
+          <a:fillRef idx="0">
+            <a:schemeClr val="accent1"/>
+          </a:fillRef>
+          <a:effectRef idx="0">
+            <a:schemeClr val="accent1"/>
+          </a:effectRef>
+          <a:fontRef idx="minor">
+            <a:schemeClr val="tx1"/>
+          </a:fontRef>
+        </p:style>
+      </p:cxnSp>
+      <p:cxnSp>
+        <p:nvCxnSpPr>
+          <p:cNvPr id="149" name="Straight Connector 148">
+            <a:extLst>
+              <a:ext uri="{FF2B5EF4-FFF2-40B4-BE49-F238E27FC236}">
+                <a16:creationId xmlns:a16="http://schemas.microsoft.com/office/drawing/2014/main" id="{F4D59B54-EB17-44B3-B8B5-52E49774145B}"/>
+              </a:ext>
+            </a:extLst>
+          </p:cNvPr>
+          <p:cNvCxnSpPr>
+            <a:cxnSpLocks/>
+          </p:cNvCxnSpPr>
+          <p:nvPr/>
+        </p:nvCxnSpPr>
+        <p:spPr>
+          <a:xfrm flipV="1">
+            <a:off x="4827385" y="3310306"/>
+            <a:ext cx="0" cy="228600"/>
+          </a:xfrm>
+          <a:prstGeom prst="line">
+            <a:avLst/>
+          </a:prstGeom>
+          <a:ln w="12700">
+            <a:solidFill>
+              <a:schemeClr val="bg1">
+                <a:lumMod val="65000"/>
+              </a:schemeClr>
+            </a:solidFill>
+          </a:ln>
+        </p:spPr>
+        <p:style>
+          <a:lnRef idx="1">
+            <a:schemeClr val="accent1"/>
+          </a:lnRef>
+          <a:fillRef idx="0">
+            <a:schemeClr val="accent1"/>
+          </a:fillRef>
+          <a:effectRef idx="0">
+            <a:schemeClr val="accent1"/>
+          </a:effectRef>
+          <a:fontRef idx="minor">
+            <a:schemeClr val="tx1"/>
+          </a:fontRef>
+        </p:style>
+      </p:cxnSp>
+      <p:cxnSp>
+        <p:nvCxnSpPr>
+          <p:cNvPr id="150" name="Straight Connector 149">
+            <a:extLst>
+              <a:ext uri="{FF2B5EF4-FFF2-40B4-BE49-F238E27FC236}">
+                <a16:creationId xmlns:a16="http://schemas.microsoft.com/office/drawing/2014/main" id="{40816482-7FEB-4AAB-9F7F-58E3294DC59E}"/>
+              </a:ext>
+            </a:extLst>
+          </p:cNvPr>
+          <p:cNvCxnSpPr>
+            <a:cxnSpLocks/>
+          </p:cNvCxnSpPr>
+          <p:nvPr/>
+        </p:nvCxnSpPr>
+        <p:spPr>
+          <a:xfrm flipV="1">
+            <a:off x="4375614" y="3310306"/>
+            <a:ext cx="0" cy="76200"/>
+          </a:xfrm>
+          <a:prstGeom prst="line">
+            <a:avLst/>
+          </a:prstGeom>
+          <a:ln w="12700">
+            <a:solidFill>
+              <a:schemeClr val="bg1">
+                <a:lumMod val="65000"/>
+              </a:schemeClr>
+            </a:solidFill>
+          </a:ln>
+        </p:spPr>
+        <p:style>
+          <a:lnRef idx="1">
+            <a:schemeClr val="accent1"/>
+          </a:lnRef>
+          <a:fillRef idx="0">
+            <a:schemeClr val="accent1"/>
+          </a:fillRef>
+          <a:effectRef idx="0">
+            <a:schemeClr val="accent1"/>
+          </a:effectRef>
+          <a:fontRef idx="minor">
+            <a:schemeClr val="tx1"/>
+          </a:fontRef>
+        </p:style>
+      </p:cxnSp>
+      <p:cxnSp>
+        <p:nvCxnSpPr>
+          <p:cNvPr id="151" name="Straight Connector 150">
+            <a:extLst>
+              <a:ext uri="{FF2B5EF4-FFF2-40B4-BE49-F238E27FC236}">
+                <a16:creationId xmlns:a16="http://schemas.microsoft.com/office/drawing/2014/main" id="{FA7A95AC-9654-4AEB-843C-695B4403DEE8}"/>
+              </a:ext>
+            </a:extLst>
+          </p:cNvPr>
+          <p:cNvCxnSpPr>
+            <a:cxnSpLocks/>
+          </p:cNvCxnSpPr>
+          <p:nvPr/>
+        </p:nvCxnSpPr>
+        <p:spPr>
+          <a:xfrm flipV="1">
+            <a:off x="4680414" y="3310306"/>
+            <a:ext cx="0" cy="76200"/>
+          </a:xfrm>
+          <a:prstGeom prst="line">
+            <a:avLst/>
+          </a:prstGeom>
+          <a:ln w="12700">
+            <a:solidFill>
+              <a:schemeClr val="bg1">
+                <a:lumMod val="65000"/>
+              </a:schemeClr>
+            </a:solidFill>
+          </a:ln>
+        </p:spPr>
+        <p:style>
+          <a:lnRef idx="1">
+            <a:schemeClr val="accent1"/>
+          </a:lnRef>
+          <a:fillRef idx="0">
+            <a:schemeClr val="accent1"/>
+          </a:fillRef>
+          <a:effectRef idx="0">
+            <a:schemeClr val="accent1"/>
+          </a:effectRef>
+          <a:fontRef idx="minor">
+            <a:schemeClr val="tx1"/>
+          </a:fontRef>
+        </p:style>
+      </p:cxnSp>
+      <p:cxnSp>
+        <p:nvCxnSpPr>
+          <p:cNvPr id="152" name="Straight Connector 151">
+            <a:extLst>
+              <a:ext uri="{FF2B5EF4-FFF2-40B4-BE49-F238E27FC236}">
+                <a16:creationId xmlns:a16="http://schemas.microsoft.com/office/drawing/2014/main" id="{1A166F3B-9919-47E6-857A-5396F22C0102}"/>
+              </a:ext>
+            </a:extLst>
+          </p:cNvPr>
+          <p:cNvCxnSpPr>
+            <a:cxnSpLocks/>
+          </p:cNvCxnSpPr>
+          <p:nvPr/>
+        </p:nvCxnSpPr>
+        <p:spPr>
+          <a:xfrm flipV="1">
+            <a:off x="5134822" y="3310306"/>
+            <a:ext cx="0" cy="152400"/>
+          </a:xfrm>
+          <a:prstGeom prst="line">
+            <a:avLst/>
+          </a:prstGeom>
+          <a:ln w="12700">
+            <a:solidFill>
+              <a:schemeClr val="bg1">
+                <a:lumMod val="65000"/>
+              </a:schemeClr>
+            </a:solidFill>
+          </a:ln>
+        </p:spPr>
+        <p:style>
+          <a:lnRef idx="1">
+            <a:schemeClr val="accent1"/>
+          </a:lnRef>
+          <a:fillRef idx="0">
+            <a:schemeClr val="accent1"/>
+          </a:fillRef>
+          <a:effectRef idx="0">
+            <a:schemeClr val="accent1"/>
+          </a:effectRef>
+          <a:fontRef idx="minor">
+            <a:schemeClr val="tx1"/>
+          </a:fontRef>
+        </p:style>
+      </p:cxnSp>
+      <p:cxnSp>
+        <p:nvCxnSpPr>
+          <p:cNvPr id="153" name="Straight Connector 152">
+            <a:extLst>
+              <a:ext uri="{FF2B5EF4-FFF2-40B4-BE49-F238E27FC236}">
+                <a16:creationId xmlns:a16="http://schemas.microsoft.com/office/drawing/2014/main" id="{B4755B38-D138-4837-ADAB-5E176C78187E}"/>
+              </a:ext>
+            </a:extLst>
+          </p:cNvPr>
+          <p:cNvCxnSpPr>
+            <a:cxnSpLocks/>
+          </p:cNvCxnSpPr>
+          <p:nvPr/>
+        </p:nvCxnSpPr>
+        <p:spPr>
+          <a:xfrm flipV="1">
+            <a:off x="4985214" y="3310306"/>
+            <a:ext cx="0" cy="76200"/>
+          </a:xfrm>
+          <a:prstGeom prst="line">
+            <a:avLst/>
+          </a:prstGeom>
+          <a:ln w="12700">
+            <a:solidFill>
+              <a:schemeClr val="bg1">
+                <a:lumMod val="65000"/>
+              </a:schemeClr>
+            </a:solidFill>
+          </a:ln>
+        </p:spPr>
+        <p:style>
+          <a:lnRef idx="1">
+            <a:schemeClr val="accent1"/>
+          </a:lnRef>
+          <a:fillRef idx="0">
+            <a:schemeClr val="accent1"/>
+          </a:fillRef>
+          <a:effectRef idx="0">
+            <a:schemeClr val="accent1"/>
+          </a:effectRef>
+          <a:fontRef idx="minor">
+            <a:schemeClr val="tx1"/>
+          </a:fontRef>
+        </p:style>
+      </p:cxnSp>
+      <p:cxnSp>
+        <p:nvCxnSpPr>
+          <p:cNvPr id="154" name="Straight Connector 153">
+            <a:extLst>
+              <a:ext uri="{FF2B5EF4-FFF2-40B4-BE49-F238E27FC236}">
+                <a16:creationId xmlns:a16="http://schemas.microsoft.com/office/drawing/2014/main" id="{E694C8A6-32C7-4789-8E5F-3000AC32A553}"/>
+              </a:ext>
+            </a:extLst>
+          </p:cNvPr>
+          <p:cNvCxnSpPr>
+            <a:cxnSpLocks/>
+          </p:cNvCxnSpPr>
+          <p:nvPr/>
+        </p:nvCxnSpPr>
+        <p:spPr>
+          <a:xfrm flipV="1">
+            <a:off x="5284692" y="3310306"/>
+            <a:ext cx="0" cy="76200"/>
+          </a:xfrm>
+          <a:prstGeom prst="line">
+            <a:avLst/>
+          </a:prstGeom>
+          <a:ln w="12700">
+            <a:solidFill>
+              <a:schemeClr val="bg1">
+                <a:lumMod val="65000"/>
+              </a:schemeClr>
+            </a:solidFill>
+          </a:ln>
+        </p:spPr>
+        <p:style>
+          <a:lnRef idx="1">
+            <a:schemeClr val="accent1"/>
+          </a:lnRef>
+          <a:fillRef idx="0">
+            <a:schemeClr val="accent1"/>
+          </a:fillRef>
+          <a:effectRef idx="0">
+            <a:schemeClr val="accent1"/>
+          </a:effectRef>
+          <a:fontRef idx="minor">
+            <a:schemeClr val="tx1"/>
+          </a:fontRef>
+        </p:style>
+      </p:cxnSp>
+      <p:sp>
+        <p:nvSpPr>
+          <p:cNvPr id="155" name="TextBox 154">
+            <a:extLst>
+              <a:ext uri="{FF2B5EF4-FFF2-40B4-BE49-F238E27FC236}">
+                <a16:creationId xmlns:a16="http://schemas.microsoft.com/office/drawing/2014/main" id="{13B1EC85-CB40-4198-A486-087D95A49B23}"/>
+              </a:ext>
+            </a:extLst>
+          </p:cNvPr>
+          <p:cNvSpPr txBox="1"/>
+          <p:nvPr/>
+        </p:nvSpPr>
+        <p:spPr>
+          <a:xfrm>
+            <a:off x="2856286" y="3462706"/>
+            <a:ext cx="314510" cy="400110"/>
+          </a:xfrm>
+          <a:prstGeom prst="rect">
+            <a:avLst/>
+          </a:prstGeom>
+          <a:noFill/>
+        </p:spPr>
+        <p:txBody>
+          <a:bodyPr wrap="none" rtlCol="0">
+            <a:spAutoFit/>
+          </a:bodyPr>
+          <a:lstStyle/>
+          <a:p>
+            <a:r>
+              <a:rPr lang="en-US" sz="2000" dirty="0">
+                <a:solidFill>
+                  <a:schemeClr val="bg1">
+                    <a:lumMod val="65000"/>
+                  </a:schemeClr>
+                </a:solidFill>
+              </a:rPr>
+              <a:t>1</a:t>
+            </a:r>
+          </a:p>
+        </p:txBody>
+      </p:sp>
+      <p:sp>
+        <p:nvSpPr>
+          <p:cNvPr id="156" name="TextBox 155">
+            <a:extLst>
+              <a:ext uri="{FF2B5EF4-FFF2-40B4-BE49-F238E27FC236}">
+                <a16:creationId xmlns:a16="http://schemas.microsoft.com/office/drawing/2014/main" id="{B3C3D97A-456A-421A-9892-CDFD17FC3D65}"/>
+              </a:ext>
+            </a:extLst>
+          </p:cNvPr>
+          <p:cNvSpPr txBox="1"/>
+          <p:nvPr/>
+        </p:nvSpPr>
+        <p:spPr>
+          <a:xfrm>
+            <a:off x="3468093" y="3462706"/>
+            <a:ext cx="314510" cy="400110"/>
+          </a:xfrm>
+          <a:prstGeom prst="rect">
+            <a:avLst/>
+          </a:prstGeom>
+          <a:noFill/>
+        </p:spPr>
+        <p:txBody>
+          <a:bodyPr wrap="none" rtlCol="0">
+            <a:spAutoFit/>
+          </a:bodyPr>
+          <a:lstStyle/>
+          <a:p>
+            <a:r>
+              <a:rPr lang="en-US" sz="2000" dirty="0">
+                <a:solidFill>
+                  <a:schemeClr val="bg1">
+                    <a:lumMod val="65000"/>
+                  </a:schemeClr>
+                </a:solidFill>
+              </a:rPr>
+              <a:t>2</a:t>
+            </a:r>
+          </a:p>
+        </p:txBody>
+      </p:sp>
+      <p:sp>
+        <p:nvSpPr>
+          <p:cNvPr id="157" name="TextBox 156">
+            <a:extLst>
+              <a:ext uri="{FF2B5EF4-FFF2-40B4-BE49-F238E27FC236}">
+                <a16:creationId xmlns:a16="http://schemas.microsoft.com/office/drawing/2014/main" id="{1FDD7525-07EA-49AB-9215-FE6FD24ADA21}"/>
+              </a:ext>
+            </a:extLst>
+          </p:cNvPr>
+          <p:cNvSpPr txBox="1"/>
+          <p:nvPr/>
+        </p:nvSpPr>
+        <p:spPr>
+          <a:xfrm>
+            <a:off x="4075690" y="3462706"/>
+            <a:ext cx="314510" cy="400110"/>
+          </a:xfrm>
+          <a:prstGeom prst="rect">
+            <a:avLst/>
+          </a:prstGeom>
+          <a:noFill/>
+        </p:spPr>
+        <p:txBody>
+          <a:bodyPr wrap="none" rtlCol="0">
+            <a:spAutoFit/>
+          </a:bodyPr>
+          <a:lstStyle/>
+          <a:p>
+            <a:r>
+              <a:rPr lang="en-US" sz="2000" dirty="0">
+                <a:solidFill>
+                  <a:schemeClr val="bg1">
+                    <a:lumMod val="65000"/>
+                  </a:schemeClr>
+                </a:solidFill>
+              </a:rPr>
+              <a:t>3</a:t>
+            </a:r>
+          </a:p>
+        </p:txBody>
+      </p:sp>
+      <p:sp>
+        <p:nvSpPr>
+          <p:cNvPr id="158" name="TextBox 157">
+            <a:extLst>
+              <a:ext uri="{FF2B5EF4-FFF2-40B4-BE49-F238E27FC236}">
+                <a16:creationId xmlns:a16="http://schemas.microsoft.com/office/drawing/2014/main" id="{9B46CFD6-C67F-459D-A730-9B29627635F2}"/>
+              </a:ext>
+            </a:extLst>
+          </p:cNvPr>
+          <p:cNvSpPr txBox="1"/>
+          <p:nvPr/>
+        </p:nvSpPr>
+        <p:spPr>
+          <a:xfrm>
+            <a:off x="4675174" y="3462706"/>
+            <a:ext cx="314510" cy="400110"/>
+          </a:xfrm>
+          <a:prstGeom prst="rect">
+            <a:avLst/>
+          </a:prstGeom>
+          <a:noFill/>
+        </p:spPr>
+        <p:txBody>
+          <a:bodyPr wrap="none" rtlCol="0">
+            <a:spAutoFit/>
+          </a:bodyPr>
+          <a:lstStyle/>
+          <a:p>
+            <a:r>
+              <a:rPr lang="en-US" sz="2000" dirty="0">
+                <a:solidFill>
+                  <a:schemeClr val="bg1">
+                    <a:lumMod val="65000"/>
+                  </a:schemeClr>
+                </a:solidFill>
+              </a:rPr>
+              <a:t>4</a:t>
+            </a:r>
+          </a:p>
+        </p:txBody>
+      </p:sp>
     </p:spTree>
     <p:extLst>
       <p:ext uri="{BB962C8B-B14F-4D97-AF65-F5344CB8AC3E}">

--- a/images/IOLabWebImages.pptx
+++ b/images/IOLabWebImages.pptx
@@ -270,7 +270,7 @@
           <a:p>
             <a:fld id="{3166A43E-CA75-4AF3-8026-58F4B8954506}" type="datetimeFigureOut">
               <a:rPr lang="en-US" smtClean="0"/>
-              <a:t>3/20/2021</a:t>
+              <a:t>3/21/2021</a:t>
             </a:fld>
             <a:endParaRPr lang="en-US"/>
           </a:p>
@@ -468,7 +468,7 @@
           <a:p>
             <a:fld id="{3166A43E-CA75-4AF3-8026-58F4B8954506}" type="datetimeFigureOut">
               <a:rPr lang="en-US" smtClean="0"/>
-              <a:t>3/20/2021</a:t>
+              <a:t>3/21/2021</a:t>
             </a:fld>
             <a:endParaRPr lang="en-US"/>
           </a:p>
@@ -676,7 +676,7 @@
           <a:p>
             <a:fld id="{3166A43E-CA75-4AF3-8026-58F4B8954506}" type="datetimeFigureOut">
               <a:rPr lang="en-US" smtClean="0"/>
-              <a:t>3/20/2021</a:t>
+              <a:t>3/21/2021</a:t>
             </a:fld>
             <a:endParaRPr lang="en-US"/>
           </a:p>
@@ -874,7 +874,7 @@
           <a:p>
             <a:fld id="{3166A43E-CA75-4AF3-8026-58F4B8954506}" type="datetimeFigureOut">
               <a:rPr lang="en-US" smtClean="0"/>
-              <a:t>3/20/2021</a:t>
+              <a:t>3/21/2021</a:t>
             </a:fld>
             <a:endParaRPr lang="en-US"/>
           </a:p>
@@ -1149,7 +1149,7 @@
           <a:p>
             <a:fld id="{3166A43E-CA75-4AF3-8026-58F4B8954506}" type="datetimeFigureOut">
               <a:rPr lang="en-US" smtClean="0"/>
-              <a:t>3/20/2021</a:t>
+              <a:t>3/21/2021</a:t>
             </a:fld>
             <a:endParaRPr lang="en-US"/>
           </a:p>
@@ -1414,7 +1414,7 @@
           <a:p>
             <a:fld id="{3166A43E-CA75-4AF3-8026-58F4B8954506}" type="datetimeFigureOut">
               <a:rPr lang="en-US" smtClean="0"/>
-              <a:t>3/20/2021</a:t>
+              <a:t>3/21/2021</a:t>
             </a:fld>
             <a:endParaRPr lang="en-US"/>
           </a:p>
@@ -1826,7 +1826,7 @@
           <a:p>
             <a:fld id="{3166A43E-CA75-4AF3-8026-58F4B8954506}" type="datetimeFigureOut">
               <a:rPr lang="en-US" smtClean="0"/>
-              <a:t>3/20/2021</a:t>
+              <a:t>3/21/2021</a:t>
             </a:fld>
             <a:endParaRPr lang="en-US"/>
           </a:p>
@@ -1967,7 +1967,7 @@
           <a:p>
             <a:fld id="{3166A43E-CA75-4AF3-8026-58F4B8954506}" type="datetimeFigureOut">
               <a:rPr lang="en-US" smtClean="0"/>
-              <a:t>3/20/2021</a:t>
+              <a:t>3/21/2021</a:t>
             </a:fld>
             <a:endParaRPr lang="en-US"/>
           </a:p>
@@ -2080,7 +2080,7 @@
           <a:p>
             <a:fld id="{3166A43E-CA75-4AF3-8026-58F4B8954506}" type="datetimeFigureOut">
               <a:rPr lang="en-US" smtClean="0"/>
-              <a:t>3/20/2021</a:t>
+              <a:t>3/21/2021</a:t>
             </a:fld>
             <a:endParaRPr lang="en-US"/>
           </a:p>
@@ -2391,7 +2391,7 @@
           <a:p>
             <a:fld id="{3166A43E-CA75-4AF3-8026-58F4B8954506}" type="datetimeFigureOut">
               <a:rPr lang="en-US" smtClean="0"/>
-              <a:t>3/20/2021</a:t>
+              <a:t>3/21/2021</a:t>
             </a:fld>
             <a:endParaRPr lang="en-US"/>
           </a:p>
@@ -2679,7 +2679,7 @@
           <a:p>
             <a:fld id="{3166A43E-CA75-4AF3-8026-58F4B8954506}" type="datetimeFigureOut">
               <a:rPr lang="en-US" smtClean="0"/>
-              <a:t>3/20/2021</a:t>
+              <a:t>3/21/2021</a:t>
             </a:fld>
             <a:endParaRPr lang="en-US"/>
           </a:p>
@@ -2920,7 +2920,7 @@
           <a:p>
             <a:fld id="{3166A43E-CA75-4AF3-8026-58F4B8954506}" type="datetimeFigureOut">
               <a:rPr lang="en-US" smtClean="0"/>
-              <a:t>3/20/2021</a:t>
+              <a:t>3/21/2021</a:t>
             </a:fld>
             <a:endParaRPr lang="en-US"/>
           </a:p>
@@ -11421,6 +11421,304 @@
           </a:p>
         </p:txBody>
       </p:sp>
+      <p:sp>
+        <p:nvSpPr>
+          <p:cNvPr id="17" name="Rectangle 16">
+            <a:extLst>
+              <a:ext uri="{FF2B5EF4-FFF2-40B4-BE49-F238E27FC236}">
+                <a16:creationId xmlns:a16="http://schemas.microsoft.com/office/drawing/2014/main" id="{FC73B19F-E085-4D36-837E-650BE40170C0}"/>
+              </a:ext>
+            </a:extLst>
+          </p:cNvPr>
+          <p:cNvSpPr/>
+          <p:nvPr/>
+        </p:nvSpPr>
+        <p:spPr>
+          <a:xfrm>
+            <a:off x="8528538" y="2838298"/>
+            <a:ext cx="346402" cy="465864"/>
+          </a:xfrm>
+          <a:prstGeom prst="rect">
+            <a:avLst/>
+          </a:prstGeom>
+          <a:solidFill>
+            <a:schemeClr val="bg2">
+              <a:lumMod val="90000"/>
+            </a:schemeClr>
+          </a:solidFill>
+          <a:ln>
+            <a:solidFill>
+              <a:schemeClr val="tx1"/>
+            </a:solidFill>
+          </a:ln>
+        </p:spPr>
+        <p:style>
+          <a:lnRef idx="2">
+            <a:schemeClr val="accent1">
+              <a:shade val="50000"/>
+            </a:schemeClr>
+          </a:lnRef>
+          <a:fillRef idx="1">
+            <a:schemeClr val="accent1"/>
+          </a:fillRef>
+          <a:effectRef idx="0">
+            <a:schemeClr val="accent1"/>
+          </a:effectRef>
+          <a:fontRef idx="minor">
+            <a:schemeClr val="lt1"/>
+          </a:fontRef>
+        </p:style>
+        <p:txBody>
+          <a:bodyPr rtlCol="0" anchor="ctr"/>
+          <a:lstStyle/>
+          <a:p>
+            <a:pPr algn="ctr"/>
+            <a:endParaRPr lang="en-US"/>
+          </a:p>
+        </p:txBody>
+      </p:sp>
+      <p:sp>
+        <p:nvSpPr>
+          <p:cNvPr id="12" name="Rectangle: Rounded Corners 11">
+            <a:extLst>
+              <a:ext uri="{FF2B5EF4-FFF2-40B4-BE49-F238E27FC236}">
+                <a16:creationId xmlns:a16="http://schemas.microsoft.com/office/drawing/2014/main" id="{50874E18-61A0-4FEC-A70E-356FC7797F35}"/>
+              </a:ext>
+            </a:extLst>
+          </p:cNvPr>
+          <p:cNvSpPr/>
+          <p:nvPr/>
+        </p:nvSpPr>
+        <p:spPr>
+          <a:xfrm>
+            <a:off x="7038157" y="2743200"/>
+            <a:ext cx="1531655" cy="643306"/>
+          </a:xfrm>
+          <a:prstGeom prst="roundRect">
+            <a:avLst/>
+          </a:prstGeom>
+          <a:solidFill>
+            <a:srgbClr val="FF0000"/>
+          </a:solidFill>
+          <a:ln>
+            <a:solidFill>
+              <a:schemeClr val="tx1"/>
+            </a:solidFill>
+          </a:ln>
+        </p:spPr>
+        <p:style>
+          <a:lnRef idx="2">
+            <a:schemeClr val="accent1">
+              <a:shade val="50000"/>
+            </a:schemeClr>
+          </a:lnRef>
+          <a:fillRef idx="1">
+            <a:schemeClr val="accent1"/>
+          </a:fillRef>
+          <a:effectRef idx="0">
+            <a:schemeClr val="accent1"/>
+          </a:effectRef>
+          <a:fontRef idx="minor">
+            <a:schemeClr val="lt1"/>
+          </a:fontRef>
+        </p:style>
+        <p:txBody>
+          <a:bodyPr rtlCol="0" anchor="ctr"/>
+          <a:lstStyle/>
+          <a:p>
+            <a:pPr algn="ctr"/>
+            <a:endParaRPr lang="en-US" dirty="0"/>
+          </a:p>
+        </p:txBody>
+      </p:sp>
+      <p:sp>
+        <p:nvSpPr>
+          <p:cNvPr id="18" name="TextBox 17">
+            <a:extLst>
+              <a:ext uri="{FF2B5EF4-FFF2-40B4-BE49-F238E27FC236}">
+                <a16:creationId xmlns:a16="http://schemas.microsoft.com/office/drawing/2014/main" id="{54954F8A-944A-4288-95CD-19BE402FA3F3}"/>
+              </a:ext>
+            </a:extLst>
+          </p:cNvPr>
+          <p:cNvSpPr txBox="1"/>
+          <p:nvPr/>
+        </p:nvSpPr>
+        <p:spPr>
+          <a:xfrm>
+            <a:off x="6986954" y="2807677"/>
+            <a:ext cx="1599092" cy="523220"/>
+          </a:xfrm>
+          <a:prstGeom prst="rect">
+            <a:avLst/>
+          </a:prstGeom>
+          <a:noFill/>
+        </p:spPr>
+        <p:txBody>
+          <a:bodyPr wrap="none" rtlCol="0">
+            <a:spAutoFit/>
+          </a:bodyPr>
+          <a:lstStyle/>
+          <a:p>
+            <a:r>
+              <a:rPr lang="en-US" sz="2800" b="1" i="1" dirty="0">
+                <a:solidFill>
+                  <a:schemeClr val="bg1"/>
+                </a:solidFill>
+              </a:rPr>
+              <a:t>CONNECT</a:t>
+            </a:r>
+          </a:p>
+        </p:txBody>
+      </p:sp>
+      <p:sp>
+        <p:nvSpPr>
+          <p:cNvPr id="159" name="Rectangle 158">
+            <a:extLst>
+              <a:ext uri="{FF2B5EF4-FFF2-40B4-BE49-F238E27FC236}">
+                <a16:creationId xmlns:a16="http://schemas.microsoft.com/office/drawing/2014/main" id="{0845F3D5-2145-433B-9A98-6C84FF490B96}"/>
+              </a:ext>
+            </a:extLst>
+          </p:cNvPr>
+          <p:cNvSpPr/>
+          <p:nvPr/>
+        </p:nvSpPr>
+        <p:spPr>
+          <a:xfrm>
+            <a:off x="8537509" y="3707700"/>
+            <a:ext cx="346402" cy="465864"/>
+          </a:xfrm>
+          <a:prstGeom prst="rect">
+            <a:avLst/>
+          </a:prstGeom>
+          <a:solidFill>
+            <a:schemeClr val="bg2">
+              <a:lumMod val="90000"/>
+            </a:schemeClr>
+          </a:solidFill>
+          <a:ln>
+            <a:solidFill>
+              <a:schemeClr val="tx1"/>
+            </a:solidFill>
+          </a:ln>
+        </p:spPr>
+        <p:style>
+          <a:lnRef idx="2">
+            <a:schemeClr val="accent1">
+              <a:shade val="50000"/>
+            </a:schemeClr>
+          </a:lnRef>
+          <a:fillRef idx="1">
+            <a:schemeClr val="accent1"/>
+          </a:fillRef>
+          <a:effectRef idx="0">
+            <a:schemeClr val="accent1"/>
+          </a:effectRef>
+          <a:fontRef idx="minor">
+            <a:schemeClr val="lt1"/>
+          </a:fontRef>
+        </p:style>
+        <p:txBody>
+          <a:bodyPr rtlCol="0" anchor="ctr"/>
+          <a:lstStyle/>
+          <a:p>
+            <a:pPr algn="ctr"/>
+            <a:endParaRPr lang="en-US"/>
+          </a:p>
+        </p:txBody>
+      </p:sp>
+      <p:sp>
+        <p:nvSpPr>
+          <p:cNvPr id="160" name="Rectangle: Rounded Corners 159">
+            <a:extLst>
+              <a:ext uri="{FF2B5EF4-FFF2-40B4-BE49-F238E27FC236}">
+                <a16:creationId xmlns:a16="http://schemas.microsoft.com/office/drawing/2014/main" id="{671F53F2-0773-415C-B5D8-DF6B03B0C2BA}"/>
+              </a:ext>
+            </a:extLst>
+          </p:cNvPr>
+          <p:cNvSpPr/>
+          <p:nvPr/>
+        </p:nvSpPr>
+        <p:spPr>
+          <a:xfrm>
+            <a:off x="7047128" y="3612602"/>
+            <a:ext cx="1531655" cy="643306"/>
+          </a:xfrm>
+          <a:prstGeom prst="roundRect">
+            <a:avLst/>
+          </a:prstGeom>
+          <a:solidFill>
+            <a:srgbClr val="FF0000"/>
+          </a:solidFill>
+          <a:ln>
+            <a:solidFill>
+              <a:schemeClr val="tx1"/>
+            </a:solidFill>
+          </a:ln>
+        </p:spPr>
+        <p:style>
+          <a:lnRef idx="2">
+            <a:schemeClr val="accent1">
+              <a:shade val="50000"/>
+            </a:schemeClr>
+          </a:lnRef>
+          <a:fillRef idx="1">
+            <a:schemeClr val="accent1"/>
+          </a:fillRef>
+          <a:effectRef idx="0">
+            <a:schemeClr val="accent1"/>
+          </a:effectRef>
+          <a:fontRef idx="minor">
+            <a:schemeClr val="lt1"/>
+          </a:fontRef>
+        </p:style>
+        <p:txBody>
+          <a:bodyPr rtlCol="0" anchor="ctr"/>
+          <a:lstStyle/>
+          <a:p>
+            <a:pPr algn="ctr"/>
+            <a:endParaRPr lang="en-US" dirty="0"/>
+          </a:p>
+        </p:txBody>
+      </p:sp>
+      <p:sp>
+        <p:nvSpPr>
+          <p:cNvPr id="161" name="TextBox 160">
+            <a:extLst>
+              <a:ext uri="{FF2B5EF4-FFF2-40B4-BE49-F238E27FC236}">
+                <a16:creationId xmlns:a16="http://schemas.microsoft.com/office/drawing/2014/main" id="{E4AB17E2-86CF-41AB-836B-D43882928628}"/>
+              </a:ext>
+            </a:extLst>
+          </p:cNvPr>
+          <p:cNvSpPr txBox="1"/>
+          <p:nvPr/>
+        </p:nvSpPr>
+        <p:spPr>
+          <a:xfrm>
+            <a:off x="7086600" y="3677079"/>
+            <a:ext cx="1443472" cy="523220"/>
+          </a:xfrm>
+          <a:prstGeom prst="rect">
+            <a:avLst/>
+          </a:prstGeom>
+          <a:noFill/>
+        </p:spPr>
+        <p:txBody>
+          <a:bodyPr wrap="none" rtlCol="0">
+            <a:spAutoFit/>
+          </a:bodyPr>
+          <a:lstStyle/>
+          <a:p>
+            <a:r>
+              <a:rPr lang="en-US" sz="2800" b="1" i="1" dirty="0">
+                <a:solidFill>
+                  <a:schemeClr val="bg1"/>
+                </a:solidFill>
+              </a:rPr>
+              <a:t>RELEASE</a:t>
+            </a:r>
+          </a:p>
+        </p:txBody>
+      </p:sp>
     </p:spTree>
     <p:extLst>
       <p:ext uri="{BB962C8B-B14F-4D97-AF65-F5344CB8AC3E}">

--- a/images/IOLabWebImages.pptx
+++ b/images/IOLabWebImages.pptx
@@ -3337,6 +3337,380 @@
           <a:chExt cx="0" cy="0"/>
         </a:xfrm>
       </p:grpSpPr>
+      <p:grpSp>
+        <p:nvGrpSpPr>
+          <p:cNvPr id="164" name="Group 163">
+            <a:extLst>
+              <a:ext uri="{FF2B5EF4-FFF2-40B4-BE49-F238E27FC236}">
+                <a16:creationId xmlns:a16="http://schemas.microsoft.com/office/drawing/2014/main" id="{69209D72-41DC-4411-96F4-6C6E928918EE}"/>
+              </a:ext>
+            </a:extLst>
+          </p:cNvPr>
+          <p:cNvGrpSpPr/>
+          <p:nvPr/>
+        </p:nvGrpSpPr>
+        <p:grpSpPr>
+          <a:xfrm>
+            <a:off x="8528537" y="3707700"/>
+            <a:ext cx="565813" cy="465864"/>
+            <a:chOff x="8528537" y="2838298"/>
+            <a:chExt cx="565813" cy="465864"/>
+          </a:xfrm>
+        </p:grpSpPr>
+        <p:sp>
+          <p:nvSpPr>
+            <p:cNvPr id="165" name="Rectangle 164">
+              <a:extLst>
+                <a:ext uri="{FF2B5EF4-FFF2-40B4-BE49-F238E27FC236}">
+                  <a16:creationId xmlns:a16="http://schemas.microsoft.com/office/drawing/2014/main" id="{8E569D6E-0413-4E9B-9ABD-4E00B030D15C}"/>
+                </a:ext>
+              </a:extLst>
+            </p:cNvPr>
+            <p:cNvSpPr/>
+            <p:nvPr/>
+          </p:nvSpPr>
+          <p:spPr>
+            <a:xfrm>
+              <a:off x="8528537" y="2838298"/>
+              <a:ext cx="565813" cy="465864"/>
+            </a:xfrm>
+            <a:prstGeom prst="rect">
+              <a:avLst/>
+            </a:prstGeom>
+            <a:solidFill>
+              <a:schemeClr val="bg2">
+                <a:lumMod val="90000"/>
+              </a:schemeClr>
+            </a:solidFill>
+            <a:ln>
+              <a:solidFill>
+                <a:schemeClr val="tx1"/>
+              </a:solidFill>
+            </a:ln>
+          </p:spPr>
+          <p:style>
+            <a:lnRef idx="2">
+              <a:schemeClr val="accent1">
+                <a:shade val="50000"/>
+              </a:schemeClr>
+            </a:lnRef>
+            <a:fillRef idx="1">
+              <a:schemeClr val="accent1"/>
+            </a:fillRef>
+            <a:effectRef idx="0">
+              <a:schemeClr val="accent1"/>
+            </a:effectRef>
+            <a:fontRef idx="minor">
+              <a:schemeClr val="lt1"/>
+            </a:fontRef>
+          </p:style>
+          <p:txBody>
+            <a:bodyPr rtlCol="0" anchor="ctr"/>
+            <a:lstStyle/>
+            <a:p>
+              <a:pPr algn="ctr"/>
+              <a:endParaRPr lang="en-US"/>
+            </a:p>
+          </p:txBody>
+        </p:sp>
+        <p:sp>
+          <p:nvSpPr>
+            <p:cNvPr id="166" name="Rectangle 165">
+              <a:extLst>
+                <a:ext uri="{FF2B5EF4-FFF2-40B4-BE49-F238E27FC236}">
+                  <a16:creationId xmlns:a16="http://schemas.microsoft.com/office/drawing/2014/main" id="{627FB65D-88CF-4FDD-9187-68AF0DB3D27F}"/>
+                </a:ext>
+              </a:extLst>
+            </p:cNvPr>
+            <p:cNvSpPr/>
+            <p:nvPr/>
+          </p:nvSpPr>
+          <p:spPr>
+            <a:xfrm>
+              <a:off x="8791049" y="2895600"/>
+              <a:ext cx="82063" cy="91184"/>
+            </a:xfrm>
+            <a:prstGeom prst="rect">
+              <a:avLst/>
+            </a:prstGeom>
+            <a:solidFill>
+              <a:schemeClr val="tx1">
+                <a:lumMod val="75000"/>
+                <a:lumOff val="25000"/>
+              </a:schemeClr>
+            </a:solidFill>
+            <a:ln>
+              <a:noFill/>
+            </a:ln>
+          </p:spPr>
+          <p:style>
+            <a:lnRef idx="2">
+              <a:schemeClr val="accent1">
+                <a:shade val="50000"/>
+              </a:schemeClr>
+            </a:lnRef>
+            <a:fillRef idx="1">
+              <a:schemeClr val="accent1"/>
+            </a:fillRef>
+            <a:effectRef idx="0">
+              <a:schemeClr val="accent1"/>
+            </a:effectRef>
+            <a:fontRef idx="minor">
+              <a:schemeClr val="lt1"/>
+            </a:fontRef>
+          </p:style>
+          <p:txBody>
+            <a:bodyPr rtlCol="0" anchor="ctr"/>
+            <a:lstStyle/>
+            <a:p>
+              <a:pPr algn="ctr"/>
+              <a:endParaRPr lang="en-US"/>
+            </a:p>
+          </p:txBody>
+        </p:sp>
+        <p:sp>
+          <p:nvSpPr>
+            <p:cNvPr id="167" name="Rectangle 166">
+              <a:extLst>
+                <a:ext uri="{FF2B5EF4-FFF2-40B4-BE49-F238E27FC236}">
+                  <a16:creationId xmlns:a16="http://schemas.microsoft.com/office/drawing/2014/main" id="{C80A7857-77E8-45D5-957A-6CB8E3740B60}"/>
+                </a:ext>
+              </a:extLst>
+            </p:cNvPr>
+            <p:cNvSpPr/>
+            <p:nvPr/>
+          </p:nvSpPr>
+          <p:spPr>
+            <a:xfrm>
+              <a:off x="8791049" y="3157889"/>
+              <a:ext cx="82063" cy="91184"/>
+            </a:xfrm>
+            <a:prstGeom prst="rect">
+              <a:avLst/>
+            </a:prstGeom>
+            <a:solidFill>
+              <a:schemeClr val="tx1">
+                <a:lumMod val="75000"/>
+                <a:lumOff val="25000"/>
+              </a:schemeClr>
+            </a:solidFill>
+            <a:ln>
+              <a:noFill/>
+            </a:ln>
+          </p:spPr>
+          <p:style>
+            <a:lnRef idx="2">
+              <a:schemeClr val="accent1">
+                <a:shade val="50000"/>
+              </a:schemeClr>
+            </a:lnRef>
+            <a:fillRef idx="1">
+              <a:schemeClr val="accent1"/>
+            </a:fillRef>
+            <a:effectRef idx="0">
+              <a:schemeClr val="accent1"/>
+            </a:effectRef>
+            <a:fontRef idx="minor">
+              <a:schemeClr val="lt1"/>
+            </a:fontRef>
+          </p:style>
+          <p:txBody>
+            <a:bodyPr rtlCol="0" anchor="ctr"/>
+            <a:lstStyle/>
+            <a:p>
+              <a:pPr algn="ctr"/>
+              <a:endParaRPr lang="en-US"/>
+            </a:p>
+          </p:txBody>
+        </p:sp>
+      </p:grpSp>
+      <p:grpSp>
+        <p:nvGrpSpPr>
+          <p:cNvPr id="25" name="Group 24">
+            <a:extLst>
+              <a:ext uri="{FF2B5EF4-FFF2-40B4-BE49-F238E27FC236}">
+                <a16:creationId xmlns:a16="http://schemas.microsoft.com/office/drawing/2014/main" id="{63FAB84D-29D8-4AAF-B280-A4224817EF21}"/>
+              </a:ext>
+            </a:extLst>
+          </p:cNvPr>
+          <p:cNvGrpSpPr/>
+          <p:nvPr/>
+        </p:nvGrpSpPr>
+        <p:grpSpPr>
+          <a:xfrm>
+            <a:off x="8528537" y="2838298"/>
+            <a:ext cx="565813" cy="465864"/>
+            <a:chOff x="8528537" y="2838298"/>
+            <a:chExt cx="565813" cy="465864"/>
+          </a:xfrm>
+        </p:grpSpPr>
+        <p:sp>
+          <p:nvSpPr>
+            <p:cNvPr id="17" name="Rectangle 16">
+              <a:extLst>
+                <a:ext uri="{FF2B5EF4-FFF2-40B4-BE49-F238E27FC236}">
+                  <a16:creationId xmlns:a16="http://schemas.microsoft.com/office/drawing/2014/main" id="{FC73B19F-E085-4D36-837E-650BE40170C0}"/>
+                </a:ext>
+              </a:extLst>
+            </p:cNvPr>
+            <p:cNvSpPr/>
+            <p:nvPr/>
+          </p:nvSpPr>
+          <p:spPr>
+            <a:xfrm>
+              <a:off x="8528537" y="2838298"/>
+              <a:ext cx="565813" cy="465864"/>
+            </a:xfrm>
+            <a:prstGeom prst="rect">
+              <a:avLst/>
+            </a:prstGeom>
+            <a:solidFill>
+              <a:schemeClr val="bg2">
+                <a:lumMod val="90000"/>
+              </a:schemeClr>
+            </a:solidFill>
+            <a:ln>
+              <a:solidFill>
+                <a:schemeClr val="tx1"/>
+              </a:solidFill>
+            </a:ln>
+          </p:spPr>
+          <p:style>
+            <a:lnRef idx="2">
+              <a:schemeClr val="accent1">
+                <a:shade val="50000"/>
+              </a:schemeClr>
+            </a:lnRef>
+            <a:fillRef idx="1">
+              <a:schemeClr val="accent1"/>
+            </a:fillRef>
+            <a:effectRef idx="0">
+              <a:schemeClr val="accent1"/>
+            </a:effectRef>
+            <a:fontRef idx="minor">
+              <a:schemeClr val="lt1"/>
+            </a:fontRef>
+          </p:style>
+          <p:txBody>
+            <a:bodyPr rtlCol="0" anchor="ctr"/>
+            <a:lstStyle/>
+            <a:p>
+              <a:pPr algn="ctr"/>
+              <a:endParaRPr lang="en-US"/>
+            </a:p>
+          </p:txBody>
+        </p:sp>
+        <p:sp>
+          <p:nvSpPr>
+            <p:cNvPr id="162" name="Rectangle 161">
+              <a:extLst>
+                <a:ext uri="{FF2B5EF4-FFF2-40B4-BE49-F238E27FC236}">
+                  <a16:creationId xmlns:a16="http://schemas.microsoft.com/office/drawing/2014/main" id="{20C5E1FD-8D53-41FC-A18F-145FDB8D7310}"/>
+                </a:ext>
+              </a:extLst>
+            </p:cNvPr>
+            <p:cNvSpPr/>
+            <p:nvPr/>
+          </p:nvSpPr>
+          <p:spPr>
+            <a:xfrm>
+              <a:off x="8791049" y="2895600"/>
+              <a:ext cx="82063" cy="91184"/>
+            </a:xfrm>
+            <a:prstGeom prst="rect">
+              <a:avLst/>
+            </a:prstGeom>
+            <a:solidFill>
+              <a:schemeClr val="tx1">
+                <a:lumMod val="75000"/>
+                <a:lumOff val="25000"/>
+              </a:schemeClr>
+            </a:solidFill>
+            <a:ln>
+              <a:noFill/>
+            </a:ln>
+          </p:spPr>
+          <p:style>
+            <a:lnRef idx="2">
+              <a:schemeClr val="accent1">
+                <a:shade val="50000"/>
+              </a:schemeClr>
+            </a:lnRef>
+            <a:fillRef idx="1">
+              <a:schemeClr val="accent1"/>
+            </a:fillRef>
+            <a:effectRef idx="0">
+              <a:schemeClr val="accent1"/>
+            </a:effectRef>
+            <a:fontRef idx="minor">
+              <a:schemeClr val="lt1"/>
+            </a:fontRef>
+          </p:style>
+          <p:txBody>
+            <a:bodyPr rtlCol="0" anchor="ctr"/>
+            <a:lstStyle/>
+            <a:p>
+              <a:pPr algn="ctr"/>
+              <a:endParaRPr lang="en-US"/>
+            </a:p>
+          </p:txBody>
+        </p:sp>
+        <p:sp>
+          <p:nvSpPr>
+            <p:cNvPr id="163" name="Rectangle 162">
+              <a:extLst>
+                <a:ext uri="{FF2B5EF4-FFF2-40B4-BE49-F238E27FC236}">
+                  <a16:creationId xmlns:a16="http://schemas.microsoft.com/office/drawing/2014/main" id="{89B18E81-BC79-4E46-AB1D-9EF84AA4ED3E}"/>
+                </a:ext>
+              </a:extLst>
+            </p:cNvPr>
+            <p:cNvSpPr/>
+            <p:nvPr/>
+          </p:nvSpPr>
+          <p:spPr>
+            <a:xfrm>
+              <a:off x="8791049" y="3157889"/>
+              <a:ext cx="82063" cy="91184"/>
+            </a:xfrm>
+            <a:prstGeom prst="rect">
+              <a:avLst/>
+            </a:prstGeom>
+            <a:solidFill>
+              <a:schemeClr val="tx1">
+                <a:lumMod val="75000"/>
+                <a:lumOff val="25000"/>
+              </a:schemeClr>
+            </a:solidFill>
+            <a:ln>
+              <a:noFill/>
+            </a:ln>
+          </p:spPr>
+          <p:style>
+            <a:lnRef idx="2">
+              <a:schemeClr val="accent1">
+                <a:shade val="50000"/>
+              </a:schemeClr>
+            </a:lnRef>
+            <a:fillRef idx="1">
+              <a:schemeClr val="accent1"/>
+            </a:fillRef>
+            <a:effectRef idx="0">
+              <a:schemeClr val="accent1"/>
+            </a:effectRef>
+            <a:fontRef idx="minor">
+              <a:schemeClr val="lt1"/>
+            </a:fontRef>
+          </p:style>
+          <p:txBody>
+            <a:bodyPr rtlCol="0" anchor="ctr"/>
+            <a:lstStyle/>
+            <a:p>
+              <a:pPr algn="ctr"/>
+              <a:endParaRPr lang="en-US"/>
+            </a:p>
+          </p:txBody>
+        </p:sp>
+      </p:grpSp>
       <p:grpSp>
         <p:nvGrpSpPr>
           <p:cNvPr id="27" name="Group 26">
@@ -11423,10 +11797,10 @@
       </p:sp>
       <p:sp>
         <p:nvSpPr>
-          <p:cNvPr id="17" name="Rectangle 16">
-            <a:extLst>
-              <a:ext uri="{FF2B5EF4-FFF2-40B4-BE49-F238E27FC236}">
-                <a16:creationId xmlns:a16="http://schemas.microsoft.com/office/drawing/2014/main" id="{FC73B19F-E085-4D36-837E-650BE40170C0}"/>
+          <p:cNvPr id="12" name="Rectangle: Rounded Corners 11">
+            <a:extLst>
+              <a:ext uri="{FF2B5EF4-FFF2-40B4-BE49-F238E27FC236}">
+                <a16:creationId xmlns:a16="http://schemas.microsoft.com/office/drawing/2014/main" id="{50874E18-61A0-4FEC-A70E-356FC7797F35}"/>
               </a:ext>
             </a:extLst>
           </p:cNvPr>
@@ -11435,64 +11809,8 @@
         </p:nvSpPr>
         <p:spPr>
           <a:xfrm>
-            <a:off x="8528538" y="2838298"/>
-            <a:ext cx="346402" cy="465864"/>
-          </a:xfrm>
-          <a:prstGeom prst="rect">
-            <a:avLst/>
-          </a:prstGeom>
-          <a:solidFill>
-            <a:schemeClr val="bg2">
-              <a:lumMod val="90000"/>
-            </a:schemeClr>
-          </a:solidFill>
-          <a:ln>
-            <a:solidFill>
-              <a:schemeClr val="tx1"/>
-            </a:solidFill>
-          </a:ln>
-        </p:spPr>
-        <p:style>
-          <a:lnRef idx="2">
-            <a:schemeClr val="accent1">
-              <a:shade val="50000"/>
-            </a:schemeClr>
-          </a:lnRef>
-          <a:fillRef idx="1">
-            <a:schemeClr val="accent1"/>
-          </a:fillRef>
-          <a:effectRef idx="0">
-            <a:schemeClr val="accent1"/>
-          </a:effectRef>
-          <a:fontRef idx="minor">
-            <a:schemeClr val="lt1"/>
-          </a:fontRef>
-        </p:style>
-        <p:txBody>
-          <a:bodyPr rtlCol="0" anchor="ctr"/>
-          <a:lstStyle/>
-          <a:p>
-            <a:pPr algn="ctr"/>
-            <a:endParaRPr lang="en-US"/>
-          </a:p>
-        </p:txBody>
-      </p:sp>
-      <p:sp>
-        <p:nvSpPr>
-          <p:cNvPr id="12" name="Rectangle: Rounded Corners 11">
-            <a:extLst>
-              <a:ext uri="{FF2B5EF4-FFF2-40B4-BE49-F238E27FC236}">
-                <a16:creationId xmlns:a16="http://schemas.microsoft.com/office/drawing/2014/main" id="{50874E18-61A0-4FEC-A70E-356FC7797F35}"/>
-              </a:ext>
-            </a:extLst>
-          </p:cNvPr>
-          <p:cNvSpPr/>
-          <p:nvPr/>
-        </p:nvSpPr>
-        <p:spPr>
-          <a:xfrm>
-            <a:off x="7038157" y="2743200"/>
-            <a:ext cx="1531655" cy="643306"/>
+            <a:off x="6822733" y="2743200"/>
+            <a:ext cx="1747080" cy="643306"/>
           </a:xfrm>
           <a:prstGeom prst="roundRect">
             <a:avLst/>
@@ -11545,7 +11863,7 @@
         </p:nvSpPr>
         <p:spPr>
           <a:xfrm>
-            <a:off x="6986954" y="2807677"/>
+            <a:off x="6858000" y="2807677"/>
             <a:ext cx="1599092" cy="523220"/>
           </a:xfrm>
           <a:prstGeom prst="rect">
@@ -11572,10 +11890,10 @@
       </p:sp>
       <p:sp>
         <p:nvSpPr>
-          <p:cNvPr id="159" name="Rectangle 158">
-            <a:extLst>
-              <a:ext uri="{FF2B5EF4-FFF2-40B4-BE49-F238E27FC236}">
-                <a16:creationId xmlns:a16="http://schemas.microsoft.com/office/drawing/2014/main" id="{0845F3D5-2145-433B-9A98-6C84FF490B96}"/>
+          <p:cNvPr id="160" name="Rectangle: Rounded Corners 159">
+            <a:extLst>
+              <a:ext uri="{FF2B5EF4-FFF2-40B4-BE49-F238E27FC236}">
+                <a16:creationId xmlns:a16="http://schemas.microsoft.com/office/drawing/2014/main" id="{671F53F2-0773-415C-B5D8-DF6B03B0C2BA}"/>
               </a:ext>
             </a:extLst>
           </p:cNvPr>
@@ -11584,64 +11902,8 @@
         </p:nvSpPr>
         <p:spPr>
           <a:xfrm>
-            <a:off x="8537509" y="3707700"/>
-            <a:ext cx="346402" cy="465864"/>
-          </a:xfrm>
-          <a:prstGeom prst="rect">
-            <a:avLst/>
-          </a:prstGeom>
-          <a:solidFill>
-            <a:schemeClr val="bg2">
-              <a:lumMod val="90000"/>
-            </a:schemeClr>
-          </a:solidFill>
-          <a:ln>
-            <a:solidFill>
-              <a:schemeClr val="tx1"/>
-            </a:solidFill>
-          </a:ln>
-        </p:spPr>
-        <p:style>
-          <a:lnRef idx="2">
-            <a:schemeClr val="accent1">
-              <a:shade val="50000"/>
-            </a:schemeClr>
-          </a:lnRef>
-          <a:fillRef idx="1">
-            <a:schemeClr val="accent1"/>
-          </a:fillRef>
-          <a:effectRef idx="0">
-            <a:schemeClr val="accent1"/>
-          </a:effectRef>
-          <a:fontRef idx="minor">
-            <a:schemeClr val="lt1"/>
-          </a:fontRef>
-        </p:style>
-        <p:txBody>
-          <a:bodyPr rtlCol="0" anchor="ctr"/>
-          <a:lstStyle/>
-          <a:p>
-            <a:pPr algn="ctr"/>
-            <a:endParaRPr lang="en-US"/>
-          </a:p>
-        </p:txBody>
-      </p:sp>
-      <p:sp>
-        <p:nvSpPr>
-          <p:cNvPr id="160" name="Rectangle: Rounded Corners 159">
-            <a:extLst>
-              <a:ext uri="{FF2B5EF4-FFF2-40B4-BE49-F238E27FC236}">
-                <a16:creationId xmlns:a16="http://schemas.microsoft.com/office/drawing/2014/main" id="{671F53F2-0773-415C-B5D8-DF6B03B0C2BA}"/>
-              </a:ext>
-            </a:extLst>
-          </p:cNvPr>
-          <p:cNvSpPr/>
-          <p:nvPr/>
-        </p:nvSpPr>
-        <p:spPr>
-          <a:xfrm>
-            <a:off x="7047128" y="3612602"/>
-            <a:ext cx="1531655" cy="643306"/>
+            <a:off x="6822732" y="3612602"/>
+            <a:ext cx="1756051" cy="643306"/>
           </a:xfrm>
           <a:prstGeom prst="roundRect">
             <a:avLst/>
@@ -11694,8 +11956,8 @@
         </p:nvSpPr>
         <p:spPr>
           <a:xfrm>
-            <a:off x="7086600" y="3677079"/>
-            <a:ext cx="1443472" cy="523220"/>
+            <a:off x="6781792" y="3707700"/>
+            <a:ext cx="1828962" cy="461665"/>
           </a:xfrm>
           <a:prstGeom prst="rect">
             <a:avLst/>
@@ -11709,12 +11971,12 @@
           <a:lstStyle/>
           <a:p>
             <a:r>
-              <a:rPr lang="en-US" sz="2800" b="1" i="1" dirty="0">
+              <a:rPr lang="en-US" sz="2400" b="1" i="1" dirty="0">
                 <a:solidFill>
                   <a:schemeClr val="bg1"/>
                 </a:solidFill>
               </a:rPr>
-              <a:t>RELEASE</a:t>
+              <a:t>DISCONNECT</a:t>
             </a:r>
           </a:p>
         </p:txBody>

--- a/images/IOLabWebImages.pptx
+++ b/images/IOLabWebImages.pptx
@@ -270,7 +270,7 @@
           <a:p>
             <a:fld id="{3166A43E-CA75-4AF3-8026-58F4B8954506}" type="datetimeFigureOut">
               <a:rPr lang="en-US" smtClean="0"/>
-              <a:t>3/21/2021</a:t>
+              <a:t>3/25/21</a:t>
             </a:fld>
             <a:endParaRPr lang="en-US"/>
           </a:p>
@@ -468,7 +468,7 @@
           <a:p>
             <a:fld id="{3166A43E-CA75-4AF3-8026-58F4B8954506}" type="datetimeFigureOut">
               <a:rPr lang="en-US" smtClean="0"/>
-              <a:t>3/21/2021</a:t>
+              <a:t>3/25/21</a:t>
             </a:fld>
             <a:endParaRPr lang="en-US"/>
           </a:p>
@@ -676,7 +676,7 @@
           <a:p>
             <a:fld id="{3166A43E-CA75-4AF3-8026-58F4B8954506}" type="datetimeFigureOut">
               <a:rPr lang="en-US" smtClean="0"/>
-              <a:t>3/21/2021</a:t>
+              <a:t>3/25/21</a:t>
             </a:fld>
             <a:endParaRPr lang="en-US"/>
           </a:p>
@@ -874,7 +874,7 @@
           <a:p>
             <a:fld id="{3166A43E-CA75-4AF3-8026-58F4B8954506}" type="datetimeFigureOut">
               <a:rPr lang="en-US" smtClean="0"/>
-              <a:t>3/21/2021</a:t>
+              <a:t>3/25/21</a:t>
             </a:fld>
             <a:endParaRPr lang="en-US"/>
           </a:p>
@@ -1149,7 +1149,7 @@
           <a:p>
             <a:fld id="{3166A43E-CA75-4AF3-8026-58F4B8954506}" type="datetimeFigureOut">
               <a:rPr lang="en-US" smtClean="0"/>
-              <a:t>3/21/2021</a:t>
+              <a:t>3/25/21</a:t>
             </a:fld>
             <a:endParaRPr lang="en-US"/>
           </a:p>
@@ -1414,7 +1414,7 @@
           <a:p>
             <a:fld id="{3166A43E-CA75-4AF3-8026-58F4B8954506}" type="datetimeFigureOut">
               <a:rPr lang="en-US" smtClean="0"/>
-              <a:t>3/21/2021</a:t>
+              <a:t>3/25/21</a:t>
             </a:fld>
             <a:endParaRPr lang="en-US"/>
           </a:p>
@@ -1826,7 +1826,7 @@
           <a:p>
             <a:fld id="{3166A43E-CA75-4AF3-8026-58F4B8954506}" type="datetimeFigureOut">
               <a:rPr lang="en-US" smtClean="0"/>
-              <a:t>3/21/2021</a:t>
+              <a:t>3/25/21</a:t>
             </a:fld>
             <a:endParaRPr lang="en-US"/>
           </a:p>
@@ -1967,7 +1967,7 @@
           <a:p>
             <a:fld id="{3166A43E-CA75-4AF3-8026-58F4B8954506}" type="datetimeFigureOut">
               <a:rPr lang="en-US" smtClean="0"/>
-              <a:t>3/21/2021</a:t>
+              <a:t>3/25/21</a:t>
             </a:fld>
             <a:endParaRPr lang="en-US"/>
           </a:p>
@@ -2080,7 +2080,7 @@
           <a:p>
             <a:fld id="{3166A43E-CA75-4AF3-8026-58F4B8954506}" type="datetimeFigureOut">
               <a:rPr lang="en-US" smtClean="0"/>
-              <a:t>3/21/2021</a:t>
+              <a:t>3/25/21</a:t>
             </a:fld>
             <a:endParaRPr lang="en-US"/>
           </a:p>
@@ -2391,7 +2391,7 @@
           <a:p>
             <a:fld id="{3166A43E-CA75-4AF3-8026-58F4B8954506}" type="datetimeFigureOut">
               <a:rPr lang="en-US" smtClean="0"/>
-              <a:t>3/21/2021</a:t>
+              <a:t>3/25/21</a:t>
             </a:fld>
             <a:endParaRPr lang="en-US"/>
           </a:p>
@@ -2679,7 +2679,7 @@
           <a:p>
             <a:fld id="{3166A43E-CA75-4AF3-8026-58F4B8954506}" type="datetimeFigureOut">
               <a:rPr lang="en-US" smtClean="0"/>
-              <a:t>3/21/2021</a:t>
+              <a:t>3/25/21</a:t>
             </a:fld>
             <a:endParaRPr lang="en-US"/>
           </a:p>
@@ -2920,7 +2920,7 @@
           <a:p>
             <a:fld id="{3166A43E-CA75-4AF3-8026-58F4B8954506}" type="datetimeFigureOut">
               <a:rPr lang="en-US" smtClean="0"/>
-              <a:t>3/21/2021</a:t>
+              <a:t>3/25/21</a:t>
             </a:fld>
             <a:endParaRPr lang="en-US"/>
           </a:p>
@@ -11981,6 +11981,312 @@
           </a:p>
         </p:txBody>
       </p:sp>
+      <p:sp>
+        <p:nvSpPr>
+          <p:cNvPr id="159" name="Rectangle 158">
+            <a:extLst>
+              <a:ext uri="{FF2B5EF4-FFF2-40B4-BE49-F238E27FC236}">
+                <a16:creationId xmlns:a16="http://schemas.microsoft.com/office/drawing/2014/main" id="{3A5616F9-2C96-8B42-BCED-478AFAE3E04D}"/>
+              </a:ext>
+            </a:extLst>
+          </p:cNvPr>
+          <p:cNvSpPr/>
+          <p:nvPr/>
+        </p:nvSpPr>
+        <p:spPr>
+          <a:xfrm>
+            <a:off x="2629500" y="4590004"/>
+            <a:ext cx="759672" cy="923330"/>
+          </a:xfrm>
+          <a:prstGeom prst="rect">
+            <a:avLst/>
+          </a:prstGeom>
+          <a:noFill/>
+        </p:spPr>
+        <p:txBody>
+          <a:bodyPr wrap="square" lIns="91440" tIns="45720" rIns="91440" bIns="45720">
+            <a:spAutoFit/>
+          </a:bodyPr>
+          <a:lstStyle/>
+          <a:p>
+            <a:pPr algn="ctr"/>
+            <a:r>
+              <a:rPr lang="en-US" sz="5400" dirty="0">
+                <a:ln w="0"/>
+                <a:solidFill>
+                  <a:srgbClr val="00B050"/>
+                </a:solidFill>
+                <a:latin typeface="Cambria Math" panose="02040503050406030204" pitchFamily="18" charset="0"/>
+                <a:ea typeface="Cambria Math" panose="02040503050406030204" pitchFamily="18" charset="0"/>
+                <a:cs typeface="Consolas" panose="020B0609020204030204" pitchFamily="49" charset="0"/>
+              </a:rPr>
+              <a:t>0</a:t>
+            </a:r>
+          </a:p>
+        </p:txBody>
+      </p:sp>
+      <p:sp>
+        <p:nvSpPr>
+          <p:cNvPr id="35" name="Right Arrow 34">
+            <a:extLst>
+              <a:ext uri="{FF2B5EF4-FFF2-40B4-BE49-F238E27FC236}">
+                <a16:creationId xmlns:a16="http://schemas.microsoft.com/office/drawing/2014/main" id="{A514A200-0EEF-414A-873A-FE963037BED9}"/>
+              </a:ext>
+            </a:extLst>
+          </p:cNvPr>
+          <p:cNvSpPr/>
+          <p:nvPr/>
+        </p:nvSpPr>
+        <p:spPr>
+          <a:xfrm>
+            <a:off x="2400900" y="4840146"/>
+            <a:ext cx="457199" cy="403469"/>
+          </a:xfrm>
+          <a:prstGeom prst="rightArrow">
+            <a:avLst/>
+          </a:prstGeom>
+          <a:noFill/>
+          <a:ln w="28575">
+            <a:solidFill>
+              <a:srgbClr val="00B050"/>
+            </a:solidFill>
+          </a:ln>
+        </p:spPr>
+        <p:style>
+          <a:lnRef idx="2">
+            <a:schemeClr val="accent1">
+              <a:shade val="50000"/>
+            </a:schemeClr>
+          </a:lnRef>
+          <a:fillRef idx="1">
+            <a:schemeClr val="accent1"/>
+          </a:fillRef>
+          <a:effectRef idx="0">
+            <a:schemeClr val="accent1"/>
+          </a:effectRef>
+          <a:fontRef idx="minor">
+            <a:schemeClr val="lt1"/>
+          </a:fontRef>
+        </p:style>
+        <p:txBody>
+          <a:bodyPr rtlCol="0" anchor="ctr"/>
+          <a:lstStyle/>
+          <a:p>
+            <a:pPr algn="ctr"/>
+            <a:endParaRPr lang="en-US" dirty="0"/>
+          </a:p>
+        </p:txBody>
+      </p:sp>
+      <p:sp>
+        <p:nvSpPr>
+          <p:cNvPr id="169" name="Rectangle 168">
+            <a:extLst>
+              <a:ext uri="{FF2B5EF4-FFF2-40B4-BE49-F238E27FC236}">
+                <a16:creationId xmlns:a16="http://schemas.microsoft.com/office/drawing/2014/main" id="{0A8733A2-FE66-9346-93A8-025338B2804C}"/>
+              </a:ext>
+            </a:extLst>
+          </p:cNvPr>
+          <p:cNvSpPr>
+            <a:spLocks noChangeAspect="1"/>
+          </p:cNvSpPr>
+          <p:nvPr/>
+        </p:nvSpPr>
+        <p:spPr>
+          <a:xfrm>
+            <a:off x="2343352" y="4776720"/>
+            <a:ext cx="857047" cy="530319"/>
+          </a:xfrm>
+          <a:prstGeom prst="rect">
+            <a:avLst/>
+          </a:prstGeom>
+          <a:noFill/>
+          <a:ln w="9525">
+            <a:solidFill>
+              <a:schemeClr val="tx1"/>
+            </a:solidFill>
+            <a:prstDash val="solid"/>
+          </a:ln>
+        </p:spPr>
+        <p:style>
+          <a:lnRef idx="2">
+            <a:schemeClr val="accent1">
+              <a:shade val="50000"/>
+            </a:schemeClr>
+          </a:lnRef>
+          <a:fillRef idx="1">
+            <a:schemeClr val="accent1"/>
+          </a:fillRef>
+          <a:effectRef idx="0">
+            <a:schemeClr val="accent1"/>
+          </a:effectRef>
+          <a:fontRef idx="minor">
+            <a:schemeClr val="lt1"/>
+          </a:fontRef>
+        </p:style>
+        <p:txBody>
+          <a:bodyPr rtlCol="0" anchor="ctr"/>
+          <a:lstStyle/>
+          <a:p>
+            <a:pPr algn="ctr"/>
+            <a:endParaRPr lang="en-US"/>
+          </a:p>
+        </p:txBody>
+      </p:sp>
+      <p:sp>
+        <p:nvSpPr>
+          <p:cNvPr id="173" name="Rectangle 172">
+            <a:extLst>
+              <a:ext uri="{FF2B5EF4-FFF2-40B4-BE49-F238E27FC236}">
+                <a16:creationId xmlns:a16="http://schemas.microsoft.com/office/drawing/2014/main" id="{F84D1E90-5424-AC47-8581-30A049F11E80}"/>
+              </a:ext>
+            </a:extLst>
+          </p:cNvPr>
+          <p:cNvSpPr/>
+          <p:nvPr/>
+        </p:nvSpPr>
+        <p:spPr>
+          <a:xfrm>
+            <a:off x="3773246" y="4587931"/>
+            <a:ext cx="759672" cy="923330"/>
+          </a:xfrm>
+          <a:prstGeom prst="rect">
+            <a:avLst/>
+          </a:prstGeom>
+          <a:noFill/>
+        </p:spPr>
+        <p:txBody>
+          <a:bodyPr wrap="square" lIns="91440" tIns="45720" rIns="91440" bIns="45720">
+            <a:spAutoFit/>
+          </a:bodyPr>
+          <a:lstStyle/>
+          <a:p>
+            <a:pPr algn="ctr"/>
+            <a:r>
+              <a:rPr lang="en-US" sz="5400" dirty="0">
+                <a:ln w="0"/>
+                <a:solidFill>
+                  <a:schemeClr val="bg1">
+                    <a:lumMod val="85000"/>
+                  </a:schemeClr>
+                </a:solidFill>
+                <a:latin typeface="Cambria Math" panose="02040503050406030204" pitchFamily="18" charset="0"/>
+                <a:ea typeface="Cambria Math" panose="02040503050406030204" pitchFamily="18" charset="0"/>
+                <a:cs typeface="Consolas" panose="020B0609020204030204" pitchFamily="49" charset="0"/>
+              </a:rPr>
+              <a:t>0</a:t>
+            </a:r>
+          </a:p>
+        </p:txBody>
+      </p:sp>
+      <p:sp>
+        <p:nvSpPr>
+          <p:cNvPr id="174" name="Right Arrow 173">
+            <a:extLst>
+              <a:ext uri="{FF2B5EF4-FFF2-40B4-BE49-F238E27FC236}">
+                <a16:creationId xmlns:a16="http://schemas.microsoft.com/office/drawing/2014/main" id="{41E30CE2-FE76-6A4C-95C9-5ADF0D236EBE}"/>
+              </a:ext>
+            </a:extLst>
+          </p:cNvPr>
+          <p:cNvSpPr/>
+          <p:nvPr/>
+        </p:nvSpPr>
+        <p:spPr>
+          <a:xfrm>
+            <a:off x="3544646" y="4838073"/>
+            <a:ext cx="457199" cy="403469"/>
+          </a:xfrm>
+          <a:prstGeom prst="rightArrow">
+            <a:avLst/>
+          </a:prstGeom>
+          <a:noFill/>
+          <a:ln w="28575">
+            <a:solidFill>
+              <a:schemeClr val="bg1">
+                <a:lumMod val="85000"/>
+              </a:schemeClr>
+            </a:solidFill>
+          </a:ln>
+        </p:spPr>
+        <p:style>
+          <a:lnRef idx="2">
+            <a:schemeClr val="accent1">
+              <a:shade val="50000"/>
+            </a:schemeClr>
+          </a:lnRef>
+          <a:fillRef idx="1">
+            <a:schemeClr val="accent1"/>
+          </a:fillRef>
+          <a:effectRef idx="0">
+            <a:schemeClr val="accent1"/>
+          </a:effectRef>
+          <a:fontRef idx="minor">
+            <a:schemeClr val="lt1"/>
+          </a:fontRef>
+        </p:style>
+        <p:txBody>
+          <a:bodyPr rtlCol="0" anchor="ctr"/>
+          <a:lstStyle/>
+          <a:p>
+            <a:pPr algn="ctr"/>
+            <a:endParaRPr lang="en-US" dirty="0"/>
+          </a:p>
+        </p:txBody>
+      </p:sp>
+      <p:sp>
+        <p:nvSpPr>
+          <p:cNvPr id="175" name="Rectangle 174">
+            <a:extLst>
+              <a:ext uri="{FF2B5EF4-FFF2-40B4-BE49-F238E27FC236}">
+                <a16:creationId xmlns:a16="http://schemas.microsoft.com/office/drawing/2014/main" id="{40FF490E-610A-E94E-A089-A6A8D111AB2F}"/>
+              </a:ext>
+            </a:extLst>
+          </p:cNvPr>
+          <p:cNvSpPr>
+            <a:spLocks noChangeAspect="1"/>
+          </p:cNvSpPr>
+          <p:nvPr/>
+        </p:nvSpPr>
+        <p:spPr>
+          <a:xfrm>
+            <a:off x="3487098" y="4774647"/>
+            <a:ext cx="857047" cy="530319"/>
+          </a:xfrm>
+          <a:prstGeom prst="rect">
+            <a:avLst/>
+          </a:prstGeom>
+          <a:noFill/>
+          <a:ln w="9525">
+            <a:solidFill>
+              <a:schemeClr val="tx1"/>
+            </a:solidFill>
+            <a:prstDash val="solid"/>
+          </a:ln>
+        </p:spPr>
+        <p:style>
+          <a:lnRef idx="2">
+            <a:schemeClr val="accent1">
+              <a:shade val="50000"/>
+            </a:schemeClr>
+          </a:lnRef>
+          <a:fillRef idx="1">
+            <a:schemeClr val="accent1"/>
+          </a:fillRef>
+          <a:effectRef idx="0">
+            <a:schemeClr val="accent1"/>
+          </a:effectRef>
+          <a:fontRef idx="minor">
+            <a:schemeClr val="lt1"/>
+          </a:fontRef>
+        </p:style>
+        <p:txBody>
+          <a:bodyPr rtlCol="0" anchor="ctr"/>
+          <a:lstStyle/>
+          <a:p>
+            <a:pPr algn="ctr"/>
+            <a:endParaRPr lang="en-US"/>
+          </a:p>
+        </p:txBody>
+      </p:sp>
     </p:spTree>
     <p:extLst>
       <p:ext uri="{BB962C8B-B14F-4D97-AF65-F5344CB8AC3E}">

--- a/images/IOLabWebImages.pptx
+++ b/images/IOLabWebImages.pptx
@@ -270,7 +270,7 @@
           <a:p>
             <a:fld id="{3166A43E-CA75-4AF3-8026-58F4B8954506}" type="datetimeFigureOut">
               <a:rPr lang="en-US" smtClean="0"/>
-              <a:t>3/25/21</a:t>
+              <a:t>3/26/2021</a:t>
             </a:fld>
             <a:endParaRPr lang="en-US"/>
           </a:p>
@@ -468,7 +468,7 @@
           <a:p>
             <a:fld id="{3166A43E-CA75-4AF3-8026-58F4B8954506}" type="datetimeFigureOut">
               <a:rPr lang="en-US" smtClean="0"/>
-              <a:t>3/25/21</a:t>
+              <a:t>3/26/2021</a:t>
             </a:fld>
             <a:endParaRPr lang="en-US"/>
           </a:p>
@@ -676,7 +676,7 @@
           <a:p>
             <a:fld id="{3166A43E-CA75-4AF3-8026-58F4B8954506}" type="datetimeFigureOut">
               <a:rPr lang="en-US" smtClean="0"/>
-              <a:t>3/25/21</a:t>
+              <a:t>3/26/2021</a:t>
             </a:fld>
             <a:endParaRPr lang="en-US"/>
           </a:p>
@@ -874,7 +874,7 @@
           <a:p>
             <a:fld id="{3166A43E-CA75-4AF3-8026-58F4B8954506}" type="datetimeFigureOut">
               <a:rPr lang="en-US" smtClean="0"/>
-              <a:t>3/25/21</a:t>
+              <a:t>3/26/2021</a:t>
             </a:fld>
             <a:endParaRPr lang="en-US"/>
           </a:p>
@@ -1149,7 +1149,7 @@
           <a:p>
             <a:fld id="{3166A43E-CA75-4AF3-8026-58F4B8954506}" type="datetimeFigureOut">
               <a:rPr lang="en-US" smtClean="0"/>
-              <a:t>3/25/21</a:t>
+              <a:t>3/26/2021</a:t>
             </a:fld>
             <a:endParaRPr lang="en-US"/>
           </a:p>
@@ -1414,7 +1414,7 @@
           <a:p>
             <a:fld id="{3166A43E-CA75-4AF3-8026-58F4B8954506}" type="datetimeFigureOut">
               <a:rPr lang="en-US" smtClean="0"/>
-              <a:t>3/25/21</a:t>
+              <a:t>3/26/2021</a:t>
             </a:fld>
             <a:endParaRPr lang="en-US"/>
           </a:p>
@@ -1826,7 +1826,7 @@
           <a:p>
             <a:fld id="{3166A43E-CA75-4AF3-8026-58F4B8954506}" type="datetimeFigureOut">
               <a:rPr lang="en-US" smtClean="0"/>
-              <a:t>3/25/21</a:t>
+              <a:t>3/26/2021</a:t>
             </a:fld>
             <a:endParaRPr lang="en-US"/>
           </a:p>
@@ -1967,7 +1967,7 @@
           <a:p>
             <a:fld id="{3166A43E-CA75-4AF3-8026-58F4B8954506}" type="datetimeFigureOut">
               <a:rPr lang="en-US" smtClean="0"/>
-              <a:t>3/25/21</a:t>
+              <a:t>3/26/2021</a:t>
             </a:fld>
             <a:endParaRPr lang="en-US"/>
           </a:p>
@@ -2080,7 +2080,7 @@
           <a:p>
             <a:fld id="{3166A43E-CA75-4AF3-8026-58F4B8954506}" type="datetimeFigureOut">
               <a:rPr lang="en-US" smtClean="0"/>
-              <a:t>3/25/21</a:t>
+              <a:t>3/26/2021</a:t>
             </a:fld>
             <a:endParaRPr lang="en-US"/>
           </a:p>
@@ -2391,7 +2391,7 @@
           <a:p>
             <a:fld id="{3166A43E-CA75-4AF3-8026-58F4B8954506}" type="datetimeFigureOut">
               <a:rPr lang="en-US" smtClean="0"/>
-              <a:t>3/25/21</a:t>
+              <a:t>3/26/2021</a:t>
             </a:fld>
             <a:endParaRPr lang="en-US"/>
           </a:p>
@@ -2679,7 +2679,7 @@
           <a:p>
             <a:fld id="{3166A43E-CA75-4AF3-8026-58F4B8954506}" type="datetimeFigureOut">
               <a:rPr lang="en-US" smtClean="0"/>
-              <a:t>3/25/21</a:t>
+              <a:t>3/26/2021</a:t>
             </a:fld>
             <a:endParaRPr lang="en-US"/>
           </a:p>
@@ -2920,7 +2920,7 @@
           <a:p>
             <a:fld id="{3166A43E-CA75-4AF3-8026-58F4B8954506}" type="datetimeFigureOut">
               <a:rPr lang="en-US" smtClean="0"/>
-              <a:t>3/25/21</a:t>
+              <a:t>3/26/2021</a:t>
             </a:fld>
             <a:endParaRPr lang="en-US"/>
           </a:p>
@@ -11995,7 +11995,7 @@
         </p:nvSpPr>
         <p:spPr>
           <a:xfrm>
-            <a:off x="2629500" y="4590004"/>
+            <a:off x="3004670" y="4171438"/>
             <a:ext cx="759672" cy="923330"/>
           </a:xfrm>
           <a:prstGeom prst="rect">
@@ -12039,7 +12039,7 @@
         </p:nvSpPr>
         <p:spPr>
           <a:xfrm>
-            <a:off x="2400900" y="4840146"/>
+            <a:off x="2776070" y="4421580"/>
             <a:ext cx="457199" cy="403469"/>
           </a:xfrm>
           <a:prstGeom prst="rightArrow">
@@ -12093,7 +12093,7 @@
         </p:nvSpPr>
         <p:spPr>
           <a:xfrm>
-            <a:off x="2343352" y="4776720"/>
+            <a:off x="2718522" y="4358154"/>
             <a:ext cx="857047" cy="530319"/>
           </a:xfrm>
           <a:prstGeom prst="rect">
@@ -12146,7 +12146,7 @@
         </p:nvSpPr>
         <p:spPr>
           <a:xfrm>
-            <a:off x="3773246" y="4587931"/>
+            <a:off x="4148416" y="4169365"/>
             <a:ext cx="759672" cy="923330"/>
           </a:xfrm>
           <a:prstGeom prst="rect">
@@ -12192,7 +12192,7 @@
         </p:nvSpPr>
         <p:spPr>
           <a:xfrm>
-            <a:off x="3544646" y="4838073"/>
+            <a:off x="3919816" y="4419507"/>
             <a:ext cx="457199" cy="403469"/>
           </a:xfrm>
           <a:prstGeom prst="rightArrow">
@@ -12248,8 +12248,320 @@
         </p:nvSpPr>
         <p:spPr>
           <a:xfrm>
-            <a:off x="3487098" y="4774647"/>
+            <a:off x="3862268" y="4356081"/>
             <a:ext cx="857047" cy="530319"/>
+          </a:xfrm>
+          <a:prstGeom prst="rect">
+            <a:avLst/>
+          </a:prstGeom>
+          <a:noFill/>
+          <a:ln w="9525">
+            <a:solidFill>
+              <a:schemeClr val="tx1"/>
+            </a:solidFill>
+            <a:prstDash val="solid"/>
+          </a:ln>
+        </p:spPr>
+        <p:style>
+          <a:lnRef idx="2">
+            <a:schemeClr val="accent1">
+              <a:shade val="50000"/>
+            </a:schemeClr>
+          </a:lnRef>
+          <a:fillRef idx="1">
+            <a:schemeClr val="accent1"/>
+          </a:fillRef>
+          <a:effectRef idx="0">
+            <a:schemeClr val="accent1"/>
+          </a:effectRef>
+          <a:fontRef idx="minor">
+            <a:schemeClr val="lt1"/>
+          </a:fontRef>
+        </p:style>
+        <p:txBody>
+          <a:bodyPr rtlCol="0" anchor="ctr"/>
+          <a:lstStyle/>
+          <a:p>
+            <a:pPr algn="ctr"/>
+            <a:endParaRPr lang="en-US"/>
+          </a:p>
+        </p:txBody>
+      </p:sp>
+      <p:sp>
+        <p:nvSpPr>
+          <p:cNvPr id="168" name="Rectangle 167">
+            <a:extLst>
+              <a:ext uri="{FF2B5EF4-FFF2-40B4-BE49-F238E27FC236}">
+                <a16:creationId xmlns:a16="http://schemas.microsoft.com/office/drawing/2014/main" id="{9D9FF5FE-4178-4088-81F3-CA926E96D878}"/>
+              </a:ext>
+            </a:extLst>
+          </p:cNvPr>
+          <p:cNvSpPr/>
+          <p:nvPr/>
+        </p:nvSpPr>
+        <p:spPr>
+          <a:xfrm>
+            <a:off x="2988985" y="5256395"/>
+            <a:ext cx="759672" cy="923330"/>
+          </a:xfrm>
+          <a:prstGeom prst="rect">
+            <a:avLst/>
+          </a:prstGeom>
+          <a:noFill/>
+        </p:spPr>
+        <p:txBody>
+          <a:bodyPr wrap="square" lIns="91440" tIns="45720" rIns="91440" bIns="45720">
+            <a:spAutoFit/>
+          </a:bodyPr>
+          <a:lstStyle/>
+          <a:p>
+            <a:pPr algn="ctr"/>
+            <a:r>
+              <a:rPr lang="en-US" sz="5400" dirty="0">
+                <a:ln w="0"/>
+                <a:solidFill>
+                  <a:schemeClr val="accent2">
+                    <a:lumMod val="75000"/>
+                  </a:schemeClr>
+                </a:solidFill>
+                <a:latin typeface="Cambria Math" panose="02040503050406030204" pitchFamily="18" charset="0"/>
+                <a:ea typeface="Cambria Math" panose="02040503050406030204" pitchFamily="18" charset="0"/>
+                <a:cs typeface="Consolas" panose="020B0609020204030204" pitchFamily="49" charset="0"/>
+              </a:rPr>
+              <a:t>0</a:t>
+            </a:r>
+          </a:p>
+        </p:txBody>
+      </p:sp>
+      <p:sp>
+        <p:nvSpPr>
+          <p:cNvPr id="170" name="Right Arrow 34">
+            <a:extLst>
+              <a:ext uri="{FF2B5EF4-FFF2-40B4-BE49-F238E27FC236}">
+                <a16:creationId xmlns:a16="http://schemas.microsoft.com/office/drawing/2014/main" id="{96CB65B3-F4E4-4C16-8694-D7C94CB3E6EC}"/>
+              </a:ext>
+            </a:extLst>
+          </p:cNvPr>
+          <p:cNvSpPr/>
+          <p:nvPr/>
+        </p:nvSpPr>
+        <p:spPr>
+          <a:xfrm>
+            <a:off x="2895601" y="5529720"/>
+            <a:ext cx="457199" cy="403469"/>
+          </a:xfrm>
+          <a:prstGeom prst="rightArrow">
+            <a:avLst/>
+          </a:prstGeom>
+          <a:solidFill>
+            <a:srgbClr val="0070C0"/>
+          </a:solidFill>
+          <a:ln w="28575">
+            <a:solidFill>
+              <a:schemeClr val="bg1"/>
+            </a:solidFill>
+          </a:ln>
+        </p:spPr>
+        <p:style>
+          <a:lnRef idx="2">
+            <a:schemeClr val="accent1">
+              <a:shade val="50000"/>
+            </a:schemeClr>
+          </a:lnRef>
+          <a:fillRef idx="1">
+            <a:schemeClr val="accent1"/>
+          </a:fillRef>
+          <a:effectRef idx="0">
+            <a:schemeClr val="accent1"/>
+          </a:effectRef>
+          <a:fontRef idx="minor">
+            <a:schemeClr val="lt1"/>
+          </a:fontRef>
+        </p:style>
+        <p:txBody>
+          <a:bodyPr rtlCol="0" anchor="ctr"/>
+          <a:lstStyle/>
+          <a:p>
+            <a:pPr algn="ctr"/>
+            <a:endParaRPr lang="en-US" dirty="0"/>
+          </a:p>
+        </p:txBody>
+      </p:sp>
+      <p:sp>
+        <p:nvSpPr>
+          <p:cNvPr id="171" name="Rectangle 170">
+            <a:extLst>
+              <a:ext uri="{FF2B5EF4-FFF2-40B4-BE49-F238E27FC236}">
+                <a16:creationId xmlns:a16="http://schemas.microsoft.com/office/drawing/2014/main" id="{B1239BE9-E18F-4258-B003-B5E7FB7DBC2E}"/>
+              </a:ext>
+            </a:extLst>
+          </p:cNvPr>
+          <p:cNvSpPr>
+            <a:spLocks noChangeAspect="1"/>
+          </p:cNvSpPr>
+          <p:nvPr/>
+        </p:nvSpPr>
+        <p:spPr>
+          <a:xfrm>
+            <a:off x="2819400" y="5473649"/>
+            <a:ext cx="740484" cy="530319"/>
+          </a:xfrm>
+          <a:prstGeom prst="rect">
+            <a:avLst/>
+          </a:prstGeom>
+          <a:noFill/>
+          <a:ln w="9525">
+            <a:solidFill>
+              <a:schemeClr val="tx1"/>
+            </a:solidFill>
+            <a:prstDash val="solid"/>
+          </a:ln>
+        </p:spPr>
+        <p:style>
+          <a:lnRef idx="2">
+            <a:schemeClr val="accent1">
+              <a:shade val="50000"/>
+            </a:schemeClr>
+          </a:lnRef>
+          <a:fillRef idx="1">
+            <a:schemeClr val="accent1"/>
+          </a:fillRef>
+          <a:effectRef idx="0">
+            <a:schemeClr val="accent1"/>
+          </a:effectRef>
+          <a:fontRef idx="minor">
+            <a:schemeClr val="lt1"/>
+          </a:fontRef>
+        </p:style>
+        <p:txBody>
+          <a:bodyPr rtlCol="0" anchor="ctr"/>
+          <a:lstStyle/>
+          <a:p>
+            <a:pPr algn="ctr"/>
+            <a:endParaRPr lang="en-US"/>
+          </a:p>
+        </p:txBody>
+      </p:sp>
+      <p:sp>
+        <p:nvSpPr>
+          <p:cNvPr id="178" name="Rectangle 177">
+            <a:extLst>
+              <a:ext uri="{FF2B5EF4-FFF2-40B4-BE49-F238E27FC236}">
+                <a16:creationId xmlns:a16="http://schemas.microsoft.com/office/drawing/2014/main" id="{33A099BE-DE32-4688-80BF-A3CD8AF51ACA}"/>
+              </a:ext>
+            </a:extLst>
+          </p:cNvPr>
+          <p:cNvSpPr/>
+          <p:nvPr/>
+        </p:nvSpPr>
+        <p:spPr>
+          <a:xfrm>
+            <a:off x="4002720" y="5256395"/>
+            <a:ext cx="759672" cy="923330"/>
+          </a:xfrm>
+          <a:prstGeom prst="rect">
+            <a:avLst/>
+          </a:prstGeom>
+          <a:noFill/>
+        </p:spPr>
+        <p:txBody>
+          <a:bodyPr wrap="square" lIns="91440" tIns="45720" rIns="91440" bIns="45720">
+            <a:spAutoFit/>
+          </a:bodyPr>
+          <a:lstStyle/>
+          <a:p>
+            <a:pPr algn="ctr"/>
+            <a:r>
+              <a:rPr lang="en-US" sz="5400" dirty="0">
+                <a:ln w="0"/>
+                <a:solidFill>
+                  <a:schemeClr val="bg1">
+                    <a:lumMod val="85000"/>
+                  </a:schemeClr>
+                </a:solidFill>
+                <a:latin typeface="Cambria Math" panose="02040503050406030204" pitchFamily="18" charset="0"/>
+                <a:ea typeface="Cambria Math" panose="02040503050406030204" pitchFamily="18" charset="0"/>
+                <a:cs typeface="Consolas" panose="020B0609020204030204" pitchFamily="49" charset="0"/>
+              </a:rPr>
+              <a:t>0</a:t>
+            </a:r>
+          </a:p>
+        </p:txBody>
+      </p:sp>
+      <p:sp>
+        <p:nvSpPr>
+          <p:cNvPr id="179" name="Right Arrow 34">
+            <a:extLst>
+              <a:ext uri="{FF2B5EF4-FFF2-40B4-BE49-F238E27FC236}">
+                <a16:creationId xmlns:a16="http://schemas.microsoft.com/office/drawing/2014/main" id="{D9CF1272-9A6B-41DB-8FA2-F8DD17C27CB0}"/>
+              </a:ext>
+            </a:extLst>
+          </p:cNvPr>
+          <p:cNvSpPr/>
+          <p:nvPr/>
+        </p:nvSpPr>
+        <p:spPr>
+          <a:xfrm>
+            <a:off x="3909336" y="5529720"/>
+            <a:ext cx="457199" cy="403469"/>
+          </a:xfrm>
+          <a:prstGeom prst="rightArrow">
+            <a:avLst/>
+          </a:prstGeom>
+          <a:solidFill>
+            <a:schemeClr val="bg1">
+              <a:lumMod val="85000"/>
+            </a:schemeClr>
+          </a:solidFill>
+          <a:ln w="28575">
+            <a:solidFill>
+              <a:schemeClr val="bg1"/>
+            </a:solidFill>
+          </a:ln>
+        </p:spPr>
+        <p:style>
+          <a:lnRef idx="2">
+            <a:schemeClr val="accent1">
+              <a:shade val="50000"/>
+            </a:schemeClr>
+          </a:lnRef>
+          <a:fillRef idx="1">
+            <a:schemeClr val="accent1"/>
+          </a:fillRef>
+          <a:effectRef idx="0">
+            <a:schemeClr val="accent1"/>
+          </a:effectRef>
+          <a:fontRef idx="minor">
+            <a:schemeClr val="lt1"/>
+          </a:fontRef>
+        </p:style>
+        <p:txBody>
+          <a:bodyPr rtlCol="0" anchor="ctr"/>
+          <a:lstStyle/>
+          <a:p>
+            <a:pPr algn="ctr"/>
+            <a:endParaRPr lang="en-US" dirty="0"/>
+          </a:p>
+        </p:txBody>
+      </p:sp>
+      <p:sp>
+        <p:nvSpPr>
+          <p:cNvPr id="180" name="Rectangle 179">
+            <a:extLst>
+              <a:ext uri="{FF2B5EF4-FFF2-40B4-BE49-F238E27FC236}">
+                <a16:creationId xmlns:a16="http://schemas.microsoft.com/office/drawing/2014/main" id="{653926C8-A762-4CFF-ADEE-CCC2659F59CB}"/>
+              </a:ext>
+            </a:extLst>
+          </p:cNvPr>
+          <p:cNvSpPr>
+            <a:spLocks noChangeAspect="1"/>
+          </p:cNvSpPr>
+          <p:nvPr/>
+        </p:nvSpPr>
+        <p:spPr>
+          <a:xfrm>
+            <a:off x="3833135" y="5473649"/>
+            <a:ext cx="740484" cy="530319"/>
           </a:xfrm>
           <a:prstGeom prst="rect">
             <a:avLst/>

--- a/images/IOLabWebImages.pptx
+++ b/images/IOLabWebImages.pptx
@@ -6,6 +6,7 @@
   </p:sldMasterIdLst>
   <p:sldIdLst>
     <p:sldId id="256" r:id="rId2"/>
+    <p:sldId id="257" r:id="rId3"/>
   </p:sldIdLst>
   <p:sldSz cx="12192000" cy="6858000"/>
   <p:notesSz cx="6858000" cy="9144000"/>
@@ -270,7 +271,7 @@
           <a:p>
             <a:fld id="{3166A43E-CA75-4AF3-8026-58F4B8954506}" type="datetimeFigureOut">
               <a:rPr lang="en-US" smtClean="0"/>
-              <a:t>3/26/2021</a:t>
+              <a:t>3/28/2021</a:t>
             </a:fld>
             <a:endParaRPr lang="en-US"/>
           </a:p>
@@ -468,7 +469,7 @@
           <a:p>
             <a:fld id="{3166A43E-CA75-4AF3-8026-58F4B8954506}" type="datetimeFigureOut">
               <a:rPr lang="en-US" smtClean="0"/>
-              <a:t>3/26/2021</a:t>
+              <a:t>3/28/2021</a:t>
             </a:fld>
             <a:endParaRPr lang="en-US"/>
           </a:p>
@@ -676,7 +677,7 @@
           <a:p>
             <a:fld id="{3166A43E-CA75-4AF3-8026-58F4B8954506}" type="datetimeFigureOut">
               <a:rPr lang="en-US" smtClean="0"/>
-              <a:t>3/26/2021</a:t>
+              <a:t>3/28/2021</a:t>
             </a:fld>
             <a:endParaRPr lang="en-US"/>
           </a:p>
@@ -874,7 +875,7 @@
           <a:p>
             <a:fld id="{3166A43E-CA75-4AF3-8026-58F4B8954506}" type="datetimeFigureOut">
               <a:rPr lang="en-US" smtClean="0"/>
-              <a:t>3/26/2021</a:t>
+              <a:t>3/28/2021</a:t>
             </a:fld>
             <a:endParaRPr lang="en-US"/>
           </a:p>
@@ -1149,7 +1150,7 @@
           <a:p>
             <a:fld id="{3166A43E-CA75-4AF3-8026-58F4B8954506}" type="datetimeFigureOut">
               <a:rPr lang="en-US" smtClean="0"/>
-              <a:t>3/26/2021</a:t>
+              <a:t>3/28/2021</a:t>
             </a:fld>
             <a:endParaRPr lang="en-US"/>
           </a:p>
@@ -1414,7 +1415,7 @@
           <a:p>
             <a:fld id="{3166A43E-CA75-4AF3-8026-58F4B8954506}" type="datetimeFigureOut">
               <a:rPr lang="en-US" smtClean="0"/>
-              <a:t>3/26/2021</a:t>
+              <a:t>3/28/2021</a:t>
             </a:fld>
             <a:endParaRPr lang="en-US"/>
           </a:p>
@@ -1826,7 +1827,7 @@
           <a:p>
             <a:fld id="{3166A43E-CA75-4AF3-8026-58F4B8954506}" type="datetimeFigureOut">
               <a:rPr lang="en-US" smtClean="0"/>
-              <a:t>3/26/2021</a:t>
+              <a:t>3/28/2021</a:t>
             </a:fld>
             <a:endParaRPr lang="en-US"/>
           </a:p>
@@ -1967,7 +1968,7 @@
           <a:p>
             <a:fld id="{3166A43E-CA75-4AF3-8026-58F4B8954506}" type="datetimeFigureOut">
               <a:rPr lang="en-US" smtClean="0"/>
-              <a:t>3/26/2021</a:t>
+              <a:t>3/28/2021</a:t>
             </a:fld>
             <a:endParaRPr lang="en-US"/>
           </a:p>
@@ -2080,7 +2081,7 @@
           <a:p>
             <a:fld id="{3166A43E-CA75-4AF3-8026-58F4B8954506}" type="datetimeFigureOut">
               <a:rPr lang="en-US" smtClean="0"/>
-              <a:t>3/26/2021</a:t>
+              <a:t>3/28/2021</a:t>
             </a:fld>
             <a:endParaRPr lang="en-US"/>
           </a:p>
@@ -2391,7 +2392,7 @@
           <a:p>
             <a:fld id="{3166A43E-CA75-4AF3-8026-58F4B8954506}" type="datetimeFigureOut">
               <a:rPr lang="en-US" smtClean="0"/>
-              <a:t>3/26/2021</a:t>
+              <a:t>3/28/2021</a:t>
             </a:fld>
             <a:endParaRPr lang="en-US"/>
           </a:p>
@@ -2679,7 +2680,7 @@
           <a:p>
             <a:fld id="{3166A43E-CA75-4AF3-8026-58F4B8954506}" type="datetimeFigureOut">
               <a:rPr lang="en-US" smtClean="0"/>
-              <a:t>3/26/2021</a:t>
+              <a:t>3/28/2021</a:t>
             </a:fld>
             <a:endParaRPr lang="en-US"/>
           </a:p>
@@ -2920,7 +2921,7 @@
           <a:p>
             <a:fld id="{3166A43E-CA75-4AF3-8026-58F4B8954506}" type="datetimeFigureOut">
               <a:rPr lang="en-US" smtClean="0"/>
-              <a:t>3/26/2021</a:t>
+              <a:t>3/28/2021</a:t>
             </a:fld>
             <a:endParaRPr lang="en-US"/>
           </a:p>
@@ -12287,12 +12288,77 @@
           </a:p>
         </p:txBody>
       </p:sp>
+    </p:spTree>
+    <p:extLst>
+      <p:ext uri="{BB962C8B-B14F-4D97-AF65-F5344CB8AC3E}">
+        <p14:creationId xmlns:p14="http://schemas.microsoft.com/office/powerpoint/2010/main" val="1901818990"/>
+      </p:ext>
+    </p:extLst>
+  </p:cSld>
+  <p:clrMapOvr>
+    <a:masterClrMapping/>
+  </p:clrMapOvr>
+</p:sld>
+</file>
+
+<file path=ppt/slides/slide2.xml><?xml version="1.0" encoding="utf-8"?>
+<p:sld xmlns:a="http://schemas.openxmlformats.org/drawingml/2006/main" xmlns:r="http://schemas.openxmlformats.org/officeDocument/2006/relationships" xmlns:p="http://schemas.openxmlformats.org/presentationml/2006/main">
+  <p:cSld>
+    <p:spTree>
+      <p:nvGrpSpPr>
+        <p:cNvPr id="1" name=""/>
+        <p:cNvGrpSpPr/>
+        <p:nvPr/>
+      </p:nvGrpSpPr>
+      <p:grpSpPr>
+        <a:xfrm>
+          <a:off x="0" y="0"/>
+          <a:ext cx="0" cy="0"/>
+          <a:chOff x="0" y="0"/>
+          <a:chExt cx="0" cy="0"/>
+        </a:xfrm>
+      </p:grpSpPr>
+      <p:pic>
+        <p:nvPicPr>
+          <p:cNvPr id="196" name="Picture 195" descr="Chart, line chart&#10;&#10;Description automatically generated">
+            <a:extLst>
+              <a:ext uri="{FF2B5EF4-FFF2-40B4-BE49-F238E27FC236}">
+                <a16:creationId xmlns:a16="http://schemas.microsoft.com/office/drawing/2014/main" id="{EDD9D316-C708-4AAF-8778-367E3A682A01}"/>
+              </a:ext>
+            </a:extLst>
+          </p:cNvPr>
+          <p:cNvPicPr>
+            <a:picLocks noChangeAspect="1"/>
+          </p:cNvPicPr>
+          <p:nvPr/>
+        </p:nvPicPr>
+        <p:blipFill rotWithShape="1">
+          <a:blip r:embed="rId2">
+            <a:extLst>
+              <a:ext uri="{28A0092B-C50C-407E-A947-70E740481C1C}">
+                <a14:useLocalDpi xmlns:a14="http://schemas.microsoft.com/office/drawing/2010/main" val="0"/>
+              </a:ext>
+            </a:extLst>
+          </a:blip>
+          <a:srcRect l="55491" t="17761" r="1" b="52079"/>
+          <a:stretch/>
+        </p:blipFill>
+        <p:spPr>
+          <a:xfrm>
+            <a:off x="9428747" y="3048000"/>
+            <a:ext cx="999394" cy="351335"/>
+          </a:xfrm>
+          <a:prstGeom prst="rect">
+            <a:avLst/>
+          </a:prstGeom>
+        </p:spPr>
+      </p:pic>
       <p:sp>
         <p:nvSpPr>
-          <p:cNvPr id="168" name="Rectangle 167">
-            <a:extLst>
-              <a:ext uri="{FF2B5EF4-FFF2-40B4-BE49-F238E27FC236}">
-                <a16:creationId xmlns:a16="http://schemas.microsoft.com/office/drawing/2014/main" id="{9D9FF5FE-4178-4088-81F3-CA926E96D878}"/>
+          <p:cNvPr id="56" name="Rectangle 55">
+            <a:extLst>
+              <a:ext uri="{FF2B5EF4-FFF2-40B4-BE49-F238E27FC236}">
+                <a16:creationId xmlns:a16="http://schemas.microsoft.com/office/drawing/2014/main" id="{5371451D-3FBC-4E35-B4F5-922297D34A01}"/>
               </a:ext>
             </a:extLst>
           </p:cNvPr>
@@ -12301,44 +12367,53 @@
         </p:nvSpPr>
         <p:spPr>
           <a:xfrm>
-            <a:off x="2988985" y="5256395"/>
-            <a:ext cx="759672" cy="923330"/>
+            <a:off x="6705600" y="1839023"/>
+            <a:ext cx="533400" cy="128354"/>
           </a:xfrm>
           <a:prstGeom prst="rect">
             <a:avLst/>
           </a:prstGeom>
-          <a:noFill/>
+          <a:solidFill>
+            <a:schemeClr val="accent5">
+              <a:lumMod val="20000"/>
+              <a:lumOff val="80000"/>
+            </a:schemeClr>
+          </a:solidFill>
+          <a:ln>
+            <a:noFill/>
+          </a:ln>
         </p:spPr>
+        <p:style>
+          <a:lnRef idx="2">
+            <a:schemeClr val="accent1">
+              <a:shade val="50000"/>
+            </a:schemeClr>
+          </a:lnRef>
+          <a:fillRef idx="1">
+            <a:schemeClr val="accent1"/>
+          </a:fillRef>
+          <a:effectRef idx="0">
+            <a:schemeClr val="accent1"/>
+          </a:effectRef>
+          <a:fontRef idx="minor">
+            <a:schemeClr val="lt1"/>
+          </a:fontRef>
+        </p:style>
         <p:txBody>
-          <a:bodyPr wrap="square" lIns="91440" tIns="45720" rIns="91440" bIns="45720">
-            <a:spAutoFit/>
-          </a:bodyPr>
+          <a:bodyPr rtlCol="0" anchor="ctr"/>
           <a:lstStyle/>
           <a:p>
             <a:pPr algn="ctr"/>
-            <a:r>
-              <a:rPr lang="en-US" sz="5400" dirty="0">
-                <a:ln w="0"/>
-                <a:solidFill>
-                  <a:schemeClr val="accent2">
-                    <a:lumMod val="75000"/>
-                  </a:schemeClr>
-                </a:solidFill>
-                <a:latin typeface="Cambria Math" panose="02040503050406030204" pitchFamily="18" charset="0"/>
-                <a:ea typeface="Cambria Math" panose="02040503050406030204" pitchFamily="18" charset="0"/>
-                <a:cs typeface="Consolas" panose="020B0609020204030204" pitchFamily="49" charset="0"/>
-              </a:rPr>
-              <a:t>0</a:t>
-            </a:r>
+            <a:endParaRPr lang="en-US"/>
           </a:p>
         </p:txBody>
       </p:sp>
       <p:sp>
         <p:nvSpPr>
-          <p:cNvPr id="170" name="Right Arrow 34">
-            <a:extLst>
-              <a:ext uri="{FF2B5EF4-FFF2-40B4-BE49-F238E27FC236}">
-                <a16:creationId xmlns:a16="http://schemas.microsoft.com/office/drawing/2014/main" id="{96CB65B3-F4E4-4C16-8694-D7C94CB3E6EC}"/>
+          <p:cNvPr id="181" name="Right Arrow 34">
+            <a:extLst>
+              <a:ext uri="{FF2B5EF4-FFF2-40B4-BE49-F238E27FC236}">
+                <a16:creationId xmlns:a16="http://schemas.microsoft.com/office/drawing/2014/main" id="{CC060749-F22E-465E-8412-DB633C106616}"/>
               </a:ext>
             </a:extLst>
           </p:cNvPr>
@@ -12347,18 +12422,21 @@
         </p:nvSpPr>
         <p:spPr>
           <a:xfrm>
-            <a:off x="2895601" y="5529720"/>
-            <a:ext cx="457199" cy="403469"/>
+            <a:off x="5320362" y="3200400"/>
+            <a:ext cx="251074" cy="267726"/>
           </a:xfrm>
           <a:prstGeom prst="rightArrow">
-            <a:avLst/>
+            <a:avLst>
+              <a:gd name="adj1" fmla="val 50000"/>
+              <a:gd name="adj2" fmla="val 45879"/>
+            </a:avLst>
           </a:prstGeom>
           <a:solidFill>
-            <a:srgbClr val="0070C0"/>
+            <a:srgbClr val="FFFF00"/>
           </a:solidFill>
-          <a:ln w="28575">
+          <a:ln w="12700">
             <a:solidFill>
-              <a:schemeClr val="bg1"/>
+              <a:schemeClr val="tx1"/>
             </a:solidFill>
           </a:ln>
         </p:spPr>
@@ -12387,12 +12465,217 @@
           </a:p>
         </p:txBody>
       </p:sp>
+      <p:pic>
+        <p:nvPicPr>
+          <p:cNvPr id="50" name="Picture 49" descr="Chart, line chart&#10;&#10;Description automatically generated">
+            <a:extLst>
+              <a:ext uri="{FF2B5EF4-FFF2-40B4-BE49-F238E27FC236}">
+                <a16:creationId xmlns:a16="http://schemas.microsoft.com/office/drawing/2014/main" id="{496498C3-ABE1-47C6-B304-4976C9264B74}"/>
+              </a:ext>
+            </a:extLst>
+          </p:cNvPr>
+          <p:cNvPicPr>
+            <a:picLocks noChangeAspect="1"/>
+          </p:cNvPicPr>
+          <p:nvPr/>
+        </p:nvPicPr>
+        <p:blipFill rotWithShape="1">
+          <a:blip r:embed="rId3">
+            <a:extLst>
+              <a:ext uri="{28A0092B-C50C-407E-A947-70E740481C1C}">
+                <a14:useLocalDpi xmlns:a14="http://schemas.microsoft.com/office/drawing/2010/main" val="0"/>
+              </a:ext>
+            </a:extLst>
+          </a:blip>
+          <a:srcRect l="34988" t="8974" b="33590"/>
+          <a:stretch/>
+        </p:blipFill>
+        <p:spPr>
+          <a:xfrm>
+            <a:off x="5638800" y="3047999"/>
+            <a:ext cx="1151794" cy="533401"/>
+          </a:xfrm>
+          <a:prstGeom prst="rect">
+            <a:avLst/>
+          </a:prstGeom>
+        </p:spPr>
+      </p:pic>
+      <p:pic>
+        <p:nvPicPr>
+          <p:cNvPr id="52" name="Picture 51" descr="Chart, line chart&#10;&#10;Description automatically generated">
+            <a:extLst>
+              <a:ext uri="{FF2B5EF4-FFF2-40B4-BE49-F238E27FC236}">
+                <a16:creationId xmlns:a16="http://schemas.microsoft.com/office/drawing/2014/main" id="{9FD82CD0-0C08-447B-A2BB-2ABD6E89C471}"/>
+              </a:ext>
+            </a:extLst>
+          </p:cNvPr>
+          <p:cNvPicPr>
+            <a:picLocks noChangeAspect="1"/>
+          </p:cNvPicPr>
+          <p:nvPr/>
+        </p:nvPicPr>
+        <p:blipFill rotWithShape="1">
+          <a:blip r:embed="rId2">
+            <a:extLst>
+              <a:ext uri="{28A0092B-C50C-407E-A947-70E740481C1C}">
+                <a14:useLocalDpi xmlns:a14="http://schemas.microsoft.com/office/drawing/2010/main" val="0"/>
+              </a:ext>
+            </a:extLst>
+          </a:blip>
+          <a:srcRect l="35656" t="8290" b="33679"/>
+          <a:stretch/>
+        </p:blipFill>
+        <p:spPr>
+          <a:xfrm>
+            <a:off x="4038600" y="3047999"/>
+            <a:ext cx="1139953" cy="533401"/>
+          </a:xfrm>
+          <a:prstGeom prst="rect">
+            <a:avLst/>
+          </a:prstGeom>
+        </p:spPr>
+      </p:pic>
       <p:sp>
         <p:nvSpPr>
-          <p:cNvPr id="171" name="Rectangle 170">
-            <a:extLst>
-              <a:ext uri="{FF2B5EF4-FFF2-40B4-BE49-F238E27FC236}">
-                <a16:creationId xmlns:a16="http://schemas.microsoft.com/office/drawing/2014/main" id="{B1239BE9-E18F-4258-B003-B5E7FB7DBC2E}"/>
+          <p:cNvPr id="55" name="TextBox 54">
+            <a:extLst>
+              <a:ext uri="{FF2B5EF4-FFF2-40B4-BE49-F238E27FC236}">
+                <a16:creationId xmlns:a16="http://schemas.microsoft.com/office/drawing/2014/main" id="{8EA9DF97-0CA1-4C4A-9EF5-99136A438C76}"/>
+              </a:ext>
+            </a:extLst>
+          </p:cNvPr>
+          <p:cNvSpPr txBox="1"/>
+          <p:nvPr/>
+        </p:nvSpPr>
+        <p:spPr>
+          <a:xfrm>
+            <a:off x="5127950" y="2817166"/>
+            <a:ext cx="1617943" cy="461665"/>
+          </a:xfrm>
+          <a:prstGeom prst="rect">
+            <a:avLst/>
+          </a:prstGeom>
+          <a:noFill/>
+        </p:spPr>
+        <p:txBody>
+          <a:bodyPr wrap="none" rtlCol="0">
+            <a:spAutoFit/>
+          </a:bodyPr>
+          <a:lstStyle/>
+          <a:p>
+            <a:r>
+              <a:rPr lang="en-US" sz="2400" dirty="0"/>
+              <a:t>SHIFT ZERO</a:t>
+            </a:r>
+          </a:p>
+        </p:txBody>
+      </p:sp>
+      <p:sp>
+        <p:nvSpPr>
+          <p:cNvPr id="177" name="Rectangle 176">
+            <a:extLst>
+              <a:ext uri="{FF2B5EF4-FFF2-40B4-BE49-F238E27FC236}">
+                <a16:creationId xmlns:a16="http://schemas.microsoft.com/office/drawing/2014/main" id="{1976D663-F1C9-4508-8904-E2EEFDD130FA}"/>
+              </a:ext>
+            </a:extLst>
+          </p:cNvPr>
+          <p:cNvSpPr/>
+          <p:nvPr/>
+        </p:nvSpPr>
+        <p:spPr>
+          <a:xfrm>
+            <a:off x="2559730" y="1441535"/>
+            <a:ext cx="929257" cy="923330"/>
+          </a:xfrm>
+          <a:prstGeom prst="rect">
+            <a:avLst/>
+          </a:prstGeom>
+          <a:noFill/>
+        </p:spPr>
+        <p:txBody>
+          <a:bodyPr wrap="square" lIns="91440" tIns="45720" rIns="91440" bIns="45720">
+            <a:spAutoFit/>
+          </a:bodyPr>
+          <a:lstStyle/>
+          <a:p>
+            <a:pPr algn="ctr"/>
+            <a:r>
+              <a:rPr lang="en-US" sz="5400" dirty="0">
+                <a:ln w="0"/>
+                <a:solidFill>
+                  <a:schemeClr val="accent2">
+                    <a:lumMod val="75000"/>
+                  </a:schemeClr>
+                </a:solidFill>
+                <a:latin typeface="Cambria Math" panose="02040503050406030204" pitchFamily="18" charset="0"/>
+                <a:ea typeface="Cambria Math" panose="02040503050406030204" pitchFamily="18" charset="0"/>
+                <a:cs typeface="Consolas" panose="020B0609020204030204" pitchFamily="49" charset="0"/>
+              </a:rPr>
+              <a:t>0</a:t>
+            </a:r>
+          </a:p>
+        </p:txBody>
+      </p:sp>
+      <p:sp>
+        <p:nvSpPr>
+          <p:cNvPr id="183" name="Right Arrow 34">
+            <a:extLst>
+              <a:ext uri="{FF2B5EF4-FFF2-40B4-BE49-F238E27FC236}">
+                <a16:creationId xmlns:a16="http://schemas.microsoft.com/office/drawing/2014/main" id="{510A5C7E-60C5-47ED-8308-EEBC61D44D2D}"/>
+              </a:ext>
+            </a:extLst>
+          </p:cNvPr>
+          <p:cNvSpPr/>
+          <p:nvPr/>
+        </p:nvSpPr>
+        <p:spPr>
+          <a:xfrm>
+            <a:off x="2619428" y="1784295"/>
+            <a:ext cx="312144" cy="279306"/>
+          </a:xfrm>
+          <a:prstGeom prst="rightArrow">
+            <a:avLst/>
+          </a:prstGeom>
+          <a:solidFill>
+            <a:srgbClr val="0070C0"/>
+          </a:solidFill>
+          <a:ln w="28575">
+            <a:solidFill>
+              <a:schemeClr val="tx1"/>
+            </a:solidFill>
+          </a:ln>
+        </p:spPr>
+        <p:style>
+          <a:lnRef idx="2">
+            <a:schemeClr val="accent1">
+              <a:shade val="50000"/>
+            </a:schemeClr>
+          </a:lnRef>
+          <a:fillRef idx="1">
+            <a:schemeClr val="accent1"/>
+          </a:fillRef>
+          <a:effectRef idx="0">
+            <a:schemeClr val="accent1"/>
+          </a:effectRef>
+          <a:fontRef idx="minor">
+            <a:schemeClr val="lt1"/>
+          </a:fontRef>
+        </p:style>
+        <p:txBody>
+          <a:bodyPr rtlCol="0" anchor="ctr"/>
+          <a:lstStyle/>
+          <a:p>
+            <a:pPr algn="ctr"/>
+            <a:endParaRPr lang="en-US" dirty="0"/>
+          </a:p>
+        </p:txBody>
+      </p:sp>
+      <p:sp>
+        <p:nvSpPr>
+          <p:cNvPr id="184" name="Rectangle 183">
+            <a:extLst>
+              <a:ext uri="{FF2B5EF4-FFF2-40B4-BE49-F238E27FC236}">
+                <a16:creationId xmlns:a16="http://schemas.microsoft.com/office/drawing/2014/main" id="{833B382C-A9BA-4C21-8414-3D090FD6621A}"/>
               </a:ext>
             </a:extLst>
           </p:cNvPr>
@@ -12403,7 +12686,7 @@
         </p:nvSpPr>
         <p:spPr>
           <a:xfrm>
-            <a:off x="2819400" y="5473649"/>
+            <a:off x="2521944" y="1658789"/>
             <a:ext cx="740484" cy="530319"/>
           </a:xfrm>
           <a:prstGeom prst="rect">
@@ -12444,10 +12727,10 @@
       </p:sp>
       <p:sp>
         <p:nvSpPr>
-          <p:cNvPr id="178" name="Rectangle 177">
-            <a:extLst>
-              <a:ext uri="{FF2B5EF4-FFF2-40B4-BE49-F238E27FC236}">
-                <a16:creationId xmlns:a16="http://schemas.microsoft.com/office/drawing/2014/main" id="{33A099BE-DE32-4688-80BF-A3CD8AF51ACA}"/>
+          <p:cNvPr id="185" name="Rectangle 184">
+            <a:extLst>
+              <a:ext uri="{FF2B5EF4-FFF2-40B4-BE49-F238E27FC236}">
+                <a16:creationId xmlns:a16="http://schemas.microsoft.com/office/drawing/2014/main" id="{D7687FA8-8558-4864-B558-84C10F62CE3B}"/>
               </a:ext>
             </a:extLst>
           </p:cNvPr>
@@ -12456,7 +12739,7 @@
         </p:nvSpPr>
         <p:spPr>
           <a:xfrm>
-            <a:off x="4002720" y="5256395"/>
+            <a:off x="3705264" y="1441535"/>
             <a:ext cx="759672" cy="923330"/>
           </a:xfrm>
           <a:prstGeom prst="rect">
@@ -12490,10 +12773,10 @@
       </p:sp>
       <p:sp>
         <p:nvSpPr>
-          <p:cNvPr id="179" name="Right Arrow 34">
-            <a:extLst>
-              <a:ext uri="{FF2B5EF4-FFF2-40B4-BE49-F238E27FC236}">
-                <a16:creationId xmlns:a16="http://schemas.microsoft.com/office/drawing/2014/main" id="{D9CF1272-9A6B-41DB-8FA2-F8DD17C27CB0}"/>
+          <p:cNvPr id="186" name="Right Arrow 34">
+            <a:extLst>
+              <a:ext uri="{FF2B5EF4-FFF2-40B4-BE49-F238E27FC236}">
+                <a16:creationId xmlns:a16="http://schemas.microsoft.com/office/drawing/2014/main" id="{EF64F788-A0EB-4812-A362-C3744668A1C2}"/>
               </a:ext>
             </a:extLst>
           </p:cNvPr>
@@ -12502,7 +12785,7 @@
         </p:nvSpPr>
         <p:spPr>
           <a:xfrm>
-            <a:off x="3909336" y="5529720"/>
+            <a:off x="3611880" y="1714860"/>
             <a:ext cx="457199" cy="403469"/>
           </a:xfrm>
           <a:prstGeom prst="rightArrow">
@@ -12546,10 +12829,10 @@
       </p:sp>
       <p:sp>
         <p:nvSpPr>
-          <p:cNvPr id="180" name="Rectangle 179">
-            <a:extLst>
-              <a:ext uri="{FF2B5EF4-FFF2-40B4-BE49-F238E27FC236}">
-                <a16:creationId xmlns:a16="http://schemas.microsoft.com/office/drawing/2014/main" id="{653926C8-A762-4CFF-ADEE-CCC2659F59CB}"/>
+          <p:cNvPr id="187" name="Rectangle 186">
+            <a:extLst>
+              <a:ext uri="{FF2B5EF4-FFF2-40B4-BE49-F238E27FC236}">
+                <a16:creationId xmlns:a16="http://schemas.microsoft.com/office/drawing/2014/main" id="{EA46D48F-BCB1-4F0C-B63F-3E0A54E4C3E4}"/>
               </a:ext>
             </a:extLst>
           </p:cNvPr>
@@ -12560,7 +12843,7 @@
         </p:nvSpPr>
         <p:spPr>
           <a:xfrm>
-            <a:off x="3833135" y="5473649"/>
+            <a:off x="3535679" y="1658789"/>
             <a:ext cx="740484" cy="530319"/>
           </a:xfrm>
           <a:prstGeom prst="rect">
@@ -12599,10 +12882,446 @@
           </a:p>
         </p:txBody>
       </p:sp>
+      <p:cxnSp>
+        <p:nvCxnSpPr>
+          <p:cNvPr id="190" name="Straight Connector 189">
+            <a:extLst>
+              <a:ext uri="{FF2B5EF4-FFF2-40B4-BE49-F238E27FC236}">
+                <a16:creationId xmlns:a16="http://schemas.microsoft.com/office/drawing/2014/main" id="{CB7662EF-FFA0-40CB-A799-1F28333ABBC0}"/>
+              </a:ext>
+            </a:extLst>
+          </p:cNvPr>
+          <p:cNvCxnSpPr>
+            <a:cxnSpLocks/>
+          </p:cNvCxnSpPr>
+          <p:nvPr/>
+        </p:nvCxnSpPr>
+        <p:spPr>
+          <a:xfrm>
+            <a:off x="6541951" y="1839023"/>
+            <a:ext cx="862751" cy="0"/>
+          </a:xfrm>
+          <a:prstGeom prst="line">
+            <a:avLst/>
+          </a:prstGeom>
+          <a:ln w="28575">
+            <a:solidFill>
+              <a:srgbClr val="0000FF"/>
+            </a:solidFill>
+            <a:prstDash val="sysDash"/>
+          </a:ln>
+        </p:spPr>
+        <p:style>
+          <a:lnRef idx="1">
+            <a:schemeClr val="accent1"/>
+          </a:lnRef>
+          <a:fillRef idx="0">
+            <a:schemeClr val="accent1"/>
+          </a:fillRef>
+          <a:effectRef idx="0">
+            <a:schemeClr val="accent1"/>
+          </a:effectRef>
+          <a:fontRef idx="minor">
+            <a:schemeClr val="tx1"/>
+          </a:fontRef>
+        </p:style>
+      </p:cxnSp>
+      <p:cxnSp>
+        <p:nvCxnSpPr>
+          <p:cNvPr id="191" name="Straight Connector 190">
+            <a:extLst>
+              <a:ext uri="{FF2B5EF4-FFF2-40B4-BE49-F238E27FC236}">
+                <a16:creationId xmlns:a16="http://schemas.microsoft.com/office/drawing/2014/main" id="{A87CFF54-DB31-4688-8D36-0AEC88B96DFC}"/>
+              </a:ext>
+            </a:extLst>
+          </p:cNvPr>
+          <p:cNvCxnSpPr>
+            <a:cxnSpLocks/>
+          </p:cNvCxnSpPr>
+          <p:nvPr/>
+        </p:nvCxnSpPr>
+        <p:spPr>
+          <a:xfrm>
+            <a:off x="6541951" y="1967398"/>
+            <a:ext cx="862751" cy="0"/>
+          </a:xfrm>
+          <a:prstGeom prst="line">
+            <a:avLst/>
+          </a:prstGeom>
+          <a:ln w="28575">
+            <a:solidFill>
+              <a:srgbClr val="0000FF"/>
+            </a:solidFill>
+            <a:prstDash val="solid"/>
+          </a:ln>
+        </p:spPr>
+        <p:style>
+          <a:lnRef idx="1">
+            <a:schemeClr val="accent1"/>
+          </a:lnRef>
+          <a:fillRef idx="0">
+            <a:schemeClr val="accent1"/>
+          </a:fillRef>
+          <a:effectRef idx="0">
+            <a:schemeClr val="accent1"/>
+          </a:effectRef>
+          <a:fontRef idx="minor">
+            <a:schemeClr val="tx1"/>
+          </a:fontRef>
+        </p:style>
+      </p:cxnSp>
+      <p:sp>
+        <p:nvSpPr>
+          <p:cNvPr id="192" name="TextBox 191">
+            <a:extLst>
+              <a:ext uri="{FF2B5EF4-FFF2-40B4-BE49-F238E27FC236}">
+                <a16:creationId xmlns:a16="http://schemas.microsoft.com/office/drawing/2014/main" id="{61287E4D-C4D4-47F2-8E36-A3BB6E769EE2}"/>
+              </a:ext>
+            </a:extLst>
+          </p:cNvPr>
+          <p:cNvSpPr txBox="1"/>
+          <p:nvPr/>
+        </p:nvSpPr>
+        <p:spPr>
+          <a:xfrm>
+            <a:off x="4733794" y="1714860"/>
+            <a:ext cx="1639551" cy="461665"/>
+          </a:xfrm>
+          <a:prstGeom prst="rect">
+            <a:avLst/>
+          </a:prstGeom>
+          <a:noFill/>
+        </p:spPr>
+        <p:txBody>
+          <a:bodyPr wrap="none" rtlCol="0">
+            <a:spAutoFit/>
+          </a:bodyPr>
+          <a:lstStyle/>
+          <a:p>
+            <a:r>
+              <a:rPr lang="en-US" sz="2400" b="1" i="1" dirty="0"/>
+              <a:t>SHIFT ZERO</a:t>
+            </a:r>
+          </a:p>
+        </p:txBody>
+      </p:sp>
+      <p:cxnSp>
+        <p:nvCxnSpPr>
+          <p:cNvPr id="193" name="Straight Connector 192">
+            <a:extLst>
+              <a:ext uri="{FF2B5EF4-FFF2-40B4-BE49-F238E27FC236}">
+                <a16:creationId xmlns:a16="http://schemas.microsoft.com/office/drawing/2014/main" id="{29DA7E5F-0FCE-4884-B892-16F23A7CCCD5}"/>
+              </a:ext>
+            </a:extLst>
+          </p:cNvPr>
+          <p:cNvCxnSpPr>
+            <a:cxnSpLocks/>
+          </p:cNvCxnSpPr>
+          <p:nvPr/>
+        </p:nvCxnSpPr>
+        <p:spPr>
+          <a:xfrm flipV="1">
+            <a:off x="6704013" y="1658789"/>
+            <a:ext cx="0" cy="519598"/>
+          </a:xfrm>
+          <a:prstGeom prst="line">
+            <a:avLst/>
+          </a:prstGeom>
+          <a:ln w="12700">
+            <a:solidFill>
+              <a:schemeClr val="tx1"/>
+            </a:solidFill>
+            <a:prstDash val="solid"/>
+          </a:ln>
+        </p:spPr>
+        <p:style>
+          <a:lnRef idx="1">
+            <a:schemeClr val="accent1"/>
+          </a:lnRef>
+          <a:fillRef idx="0">
+            <a:schemeClr val="accent1"/>
+          </a:fillRef>
+          <a:effectRef idx="0">
+            <a:schemeClr val="accent1"/>
+          </a:effectRef>
+          <a:fontRef idx="minor">
+            <a:schemeClr val="tx1"/>
+          </a:fontRef>
+        </p:style>
+      </p:cxnSp>
+      <p:cxnSp>
+        <p:nvCxnSpPr>
+          <p:cNvPr id="194" name="Straight Connector 193">
+            <a:extLst>
+              <a:ext uri="{FF2B5EF4-FFF2-40B4-BE49-F238E27FC236}">
+                <a16:creationId xmlns:a16="http://schemas.microsoft.com/office/drawing/2014/main" id="{CBA161A4-7B82-4802-984C-052C76EDFA06}"/>
+              </a:ext>
+            </a:extLst>
+          </p:cNvPr>
+          <p:cNvCxnSpPr>
+            <a:cxnSpLocks/>
+          </p:cNvCxnSpPr>
+          <p:nvPr/>
+        </p:nvCxnSpPr>
+        <p:spPr>
+          <a:xfrm flipV="1">
+            <a:off x="7236095" y="1669510"/>
+            <a:ext cx="0" cy="519598"/>
+          </a:xfrm>
+          <a:prstGeom prst="line">
+            <a:avLst/>
+          </a:prstGeom>
+          <a:ln w="12700">
+            <a:solidFill>
+              <a:schemeClr val="tx1"/>
+            </a:solidFill>
+            <a:prstDash val="solid"/>
+          </a:ln>
+        </p:spPr>
+        <p:style>
+          <a:lnRef idx="1">
+            <a:schemeClr val="accent1"/>
+          </a:lnRef>
+          <a:fillRef idx="0">
+            <a:schemeClr val="accent1"/>
+          </a:fillRef>
+          <a:effectRef idx="0">
+            <a:schemeClr val="accent1"/>
+          </a:effectRef>
+          <a:fontRef idx="minor">
+            <a:schemeClr val="tx1"/>
+          </a:fontRef>
+        </p:style>
+      </p:cxnSp>
+      <p:sp>
+        <p:nvSpPr>
+          <p:cNvPr id="195" name="TextBox 194">
+            <a:extLst>
+              <a:ext uri="{FF2B5EF4-FFF2-40B4-BE49-F238E27FC236}">
+                <a16:creationId xmlns:a16="http://schemas.microsoft.com/office/drawing/2014/main" id="{5721677B-DCD0-4E2B-8E38-F4C8088EB914}"/>
+              </a:ext>
+            </a:extLst>
+          </p:cNvPr>
+          <p:cNvSpPr txBox="1"/>
+          <p:nvPr/>
+        </p:nvSpPr>
+        <p:spPr>
+          <a:xfrm>
+            <a:off x="8151474" y="2938588"/>
+            <a:ext cx="1277273" cy="461665"/>
+          </a:xfrm>
+          <a:prstGeom prst="rect">
+            <a:avLst/>
+          </a:prstGeom>
+          <a:noFill/>
+        </p:spPr>
+        <p:txBody>
+          <a:bodyPr wrap="none" rtlCol="0">
+            <a:spAutoFit/>
+          </a:bodyPr>
+          <a:lstStyle/>
+          <a:p>
+            <a:r>
+              <a:rPr lang="en-US" sz="2400" b="1" i="1" dirty="0"/>
+              <a:t>RE-ZERO</a:t>
+            </a:r>
+          </a:p>
+        </p:txBody>
+      </p:sp>
+      <p:sp>
+        <p:nvSpPr>
+          <p:cNvPr id="197" name="TextBox 196">
+            <a:extLst>
+              <a:ext uri="{FF2B5EF4-FFF2-40B4-BE49-F238E27FC236}">
+                <a16:creationId xmlns:a16="http://schemas.microsoft.com/office/drawing/2014/main" id="{983E28A2-E4BA-4FC2-B7DA-C8F818FAE187}"/>
+              </a:ext>
+            </a:extLst>
+          </p:cNvPr>
+          <p:cNvSpPr txBox="1"/>
+          <p:nvPr/>
+        </p:nvSpPr>
+        <p:spPr>
+          <a:xfrm>
+            <a:off x="3805089" y="4679022"/>
+            <a:ext cx="1345689" cy="523220"/>
+          </a:xfrm>
+          <a:prstGeom prst="rect">
+            <a:avLst/>
+          </a:prstGeom>
+          <a:noFill/>
+        </p:spPr>
+        <p:txBody>
+          <a:bodyPr wrap="none" rtlCol="0">
+            <a:spAutoFit/>
+          </a:bodyPr>
+          <a:lstStyle/>
+          <a:p>
+            <a:r>
+              <a:rPr lang="en-US" sz="2800" b="1" i="1" dirty="0"/>
+              <a:t>REZERO</a:t>
+            </a:r>
+          </a:p>
+        </p:txBody>
+      </p:sp>
+      <p:sp>
+        <p:nvSpPr>
+          <p:cNvPr id="200" name="Rectangle 199">
+            <a:extLst>
+              <a:ext uri="{FF2B5EF4-FFF2-40B4-BE49-F238E27FC236}">
+                <a16:creationId xmlns:a16="http://schemas.microsoft.com/office/drawing/2014/main" id="{2722C8C7-18D8-4951-8EB9-3DC7451D5C6B}"/>
+              </a:ext>
+            </a:extLst>
+          </p:cNvPr>
+          <p:cNvSpPr/>
+          <p:nvPr/>
+        </p:nvSpPr>
+        <p:spPr>
+          <a:xfrm>
+            <a:off x="5030206" y="4460580"/>
+            <a:ext cx="929257" cy="923330"/>
+          </a:xfrm>
+          <a:prstGeom prst="rect">
+            <a:avLst/>
+          </a:prstGeom>
+          <a:noFill/>
+        </p:spPr>
+        <p:txBody>
+          <a:bodyPr wrap="square" lIns="91440" tIns="45720" rIns="91440" bIns="45720">
+            <a:spAutoFit/>
+          </a:bodyPr>
+          <a:lstStyle/>
+          <a:p>
+            <a:pPr algn="ctr"/>
+            <a:r>
+              <a:rPr lang="en-US" sz="5400" dirty="0">
+                <a:ln w="0"/>
+                <a:solidFill>
+                  <a:schemeClr val="accent2">
+                    <a:lumMod val="75000"/>
+                  </a:schemeClr>
+                </a:solidFill>
+                <a:latin typeface="Cambria Math" panose="02040503050406030204" pitchFamily="18" charset="0"/>
+                <a:ea typeface="Cambria Math" panose="02040503050406030204" pitchFamily="18" charset="0"/>
+                <a:cs typeface="Consolas" panose="020B0609020204030204" pitchFamily="49" charset="0"/>
+              </a:rPr>
+              <a:t>0</a:t>
+            </a:r>
+          </a:p>
+        </p:txBody>
+      </p:sp>
+      <p:sp>
+        <p:nvSpPr>
+          <p:cNvPr id="201" name="Right Arrow 34">
+            <a:extLst>
+              <a:ext uri="{FF2B5EF4-FFF2-40B4-BE49-F238E27FC236}">
+                <a16:creationId xmlns:a16="http://schemas.microsoft.com/office/drawing/2014/main" id="{CF82C55B-9E9F-445C-B6D5-31D0CEA0AEEE}"/>
+              </a:ext>
+            </a:extLst>
+          </p:cNvPr>
+          <p:cNvSpPr/>
+          <p:nvPr/>
+        </p:nvSpPr>
+        <p:spPr>
+          <a:xfrm>
+            <a:off x="5089904" y="4803340"/>
+            <a:ext cx="312144" cy="279306"/>
+          </a:xfrm>
+          <a:prstGeom prst="rightArrow">
+            <a:avLst/>
+          </a:prstGeom>
+          <a:solidFill>
+            <a:srgbClr val="0070C0"/>
+          </a:solidFill>
+          <a:ln w="28575">
+            <a:solidFill>
+              <a:schemeClr val="bg1"/>
+            </a:solidFill>
+          </a:ln>
+        </p:spPr>
+        <p:style>
+          <a:lnRef idx="2">
+            <a:schemeClr val="accent1">
+              <a:shade val="50000"/>
+            </a:schemeClr>
+          </a:lnRef>
+          <a:fillRef idx="1">
+            <a:schemeClr val="accent1"/>
+          </a:fillRef>
+          <a:effectRef idx="0">
+            <a:schemeClr val="accent1"/>
+          </a:effectRef>
+          <a:fontRef idx="minor">
+            <a:schemeClr val="lt1"/>
+          </a:fontRef>
+        </p:style>
+        <p:txBody>
+          <a:bodyPr rtlCol="0" anchor="ctr"/>
+          <a:lstStyle/>
+          <a:p>
+            <a:pPr algn="ctr"/>
+            <a:endParaRPr lang="en-US" dirty="0"/>
+          </a:p>
+        </p:txBody>
+      </p:sp>
+      <p:sp>
+        <p:nvSpPr>
+          <p:cNvPr id="202" name="Rectangle 201">
+            <a:extLst>
+              <a:ext uri="{FF2B5EF4-FFF2-40B4-BE49-F238E27FC236}">
+                <a16:creationId xmlns:a16="http://schemas.microsoft.com/office/drawing/2014/main" id="{4C4DE44E-1F95-4C09-BF86-F562EE402AFE}"/>
+              </a:ext>
+            </a:extLst>
+          </p:cNvPr>
+          <p:cNvSpPr>
+            <a:spLocks noChangeAspect="1"/>
+          </p:cNvSpPr>
+          <p:nvPr/>
+        </p:nvSpPr>
+        <p:spPr>
+          <a:xfrm>
+            <a:off x="3706612" y="4589810"/>
+            <a:ext cx="2166475" cy="635333"/>
+          </a:xfrm>
+          <a:prstGeom prst="rect">
+            <a:avLst/>
+          </a:prstGeom>
+          <a:noFill/>
+          <a:ln w="9525">
+            <a:solidFill>
+              <a:schemeClr val="tx1"/>
+            </a:solidFill>
+            <a:prstDash val="solid"/>
+          </a:ln>
+        </p:spPr>
+        <p:style>
+          <a:lnRef idx="2">
+            <a:schemeClr val="accent1">
+              <a:shade val="50000"/>
+            </a:schemeClr>
+          </a:lnRef>
+          <a:fillRef idx="1">
+            <a:schemeClr val="accent1"/>
+          </a:fillRef>
+          <a:effectRef idx="0">
+            <a:schemeClr val="accent1"/>
+          </a:effectRef>
+          <a:fontRef idx="minor">
+            <a:schemeClr val="lt1"/>
+          </a:fontRef>
+        </p:style>
+        <p:txBody>
+          <a:bodyPr rtlCol="0" anchor="ctr"/>
+          <a:lstStyle/>
+          <a:p>
+            <a:pPr algn="ctr"/>
+            <a:endParaRPr lang="en-US"/>
+          </a:p>
+        </p:txBody>
+      </p:sp>
     </p:spTree>
     <p:extLst>
       <p:ext uri="{BB962C8B-B14F-4D97-AF65-F5344CB8AC3E}">
-        <p14:creationId xmlns:p14="http://schemas.microsoft.com/office/powerpoint/2010/main" val="1901818990"/>
+        <p14:creationId xmlns:p14="http://schemas.microsoft.com/office/powerpoint/2010/main" val="2471818340"/>
       </p:ext>
     </p:extLst>
   </p:cSld>

--- a/images/IOLabWebImages.pptx
+++ b/images/IOLabWebImages.pptx
@@ -6,7 +6,6 @@
   </p:sldMasterIdLst>
   <p:sldIdLst>
     <p:sldId id="256" r:id="rId2"/>
-    <p:sldId id="257" r:id="rId3"/>
   </p:sldIdLst>
   <p:sldSz cx="12192000" cy="6858000"/>
   <p:notesSz cx="6858000" cy="9144000"/>
@@ -271,7 +270,7 @@
           <a:p>
             <a:fld id="{3166A43E-CA75-4AF3-8026-58F4B8954506}" type="datetimeFigureOut">
               <a:rPr lang="en-US" smtClean="0"/>
-              <a:t>3/28/2021</a:t>
+              <a:t>3/30/2021</a:t>
             </a:fld>
             <a:endParaRPr lang="en-US"/>
           </a:p>
@@ -469,7 +468,7 @@
           <a:p>
             <a:fld id="{3166A43E-CA75-4AF3-8026-58F4B8954506}" type="datetimeFigureOut">
               <a:rPr lang="en-US" smtClean="0"/>
-              <a:t>3/28/2021</a:t>
+              <a:t>3/30/2021</a:t>
             </a:fld>
             <a:endParaRPr lang="en-US"/>
           </a:p>
@@ -677,7 +676,7 @@
           <a:p>
             <a:fld id="{3166A43E-CA75-4AF3-8026-58F4B8954506}" type="datetimeFigureOut">
               <a:rPr lang="en-US" smtClean="0"/>
-              <a:t>3/28/2021</a:t>
+              <a:t>3/30/2021</a:t>
             </a:fld>
             <a:endParaRPr lang="en-US"/>
           </a:p>
@@ -875,7 +874,7 @@
           <a:p>
             <a:fld id="{3166A43E-CA75-4AF3-8026-58F4B8954506}" type="datetimeFigureOut">
               <a:rPr lang="en-US" smtClean="0"/>
-              <a:t>3/28/2021</a:t>
+              <a:t>3/30/2021</a:t>
             </a:fld>
             <a:endParaRPr lang="en-US"/>
           </a:p>
@@ -1150,7 +1149,7 @@
           <a:p>
             <a:fld id="{3166A43E-CA75-4AF3-8026-58F4B8954506}" type="datetimeFigureOut">
               <a:rPr lang="en-US" smtClean="0"/>
-              <a:t>3/28/2021</a:t>
+              <a:t>3/30/2021</a:t>
             </a:fld>
             <a:endParaRPr lang="en-US"/>
           </a:p>
@@ -1415,7 +1414,7 @@
           <a:p>
             <a:fld id="{3166A43E-CA75-4AF3-8026-58F4B8954506}" type="datetimeFigureOut">
               <a:rPr lang="en-US" smtClean="0"/>
-              <a:t>3/28/2021</a:t>
+              <a:t>3/30/2021</a:t>
             </a:fld>
             <a:endParaRPr lang="en-US"/>
           </a:p>
@@ -1827,7 +1826,7 @@
           <a:p>
             <a:fld id="{3166A43E-CA75-4AF3-8026-58F4B8954506}" type="datetimeFigureOut">
               <a:rPr lang="en-US" smtClean="0"/>
-              <a:t>3/28/2021</a:t>
+              <a:t>3/30/2021</a:t>
             </a:fld>
             <a:endParaRPr lang="en-US"/>
           </a:p>
@@ -1968,7 +1967,7 @@
           <a:p>
             <a:fld id="{3166A43E-CA75-4AF3-8026-58F4B8954506}" type="datetimeFigureOut">
               <a:rPr lang="en-US" smtClean="0"/>
-              <a:t>3/28/2021</a:t>
+              <a:t>3/30/2021</a:t>
             </a:fld>
             <a:endParaRPr lang="en-US"/>
           </a:p>
@@ -2081,7 +2080,7 @@
           <a:p>
             <a:fld id="{3166A43E-CA75-4AF3-8026-58F4B8954506}" type="datetimeFigureOut">
               <a:rPr lang="en-US" smtClean="0"/>
-              <a:t>3/28/2021</a:t>
+              <a:t>3/30/2021</a:t>
             </a:fld>
             <a:endParaRPr lang="en-US"/>
           </a:p>
@@ -2392,7 +2391,7 @@
           <a:p>
             <a:fld id="{3166A43E-CA75-4AF3-8026-58F4B8954506}" type="datetimeFigureOut">
               <a:rPr lang="en-US" smtClean="0"/>
-              <a:t>3/28/2021</a:t>
+              <a:t>3/30/2021</a:t>
             </a:fld>
             <a:endParaRPr lang="en-US"/>
           </a:p>
@@ -2680,7 +2679,7 @@
           <a:p>
             <a:fld id="{3166A43E-CA75-4AF3-8026-58F4B8954506}" type="datetimeFigureOut">
               <a:rPr lang="en-US" smtClean="0"/>
-              <a:t>3/28/2021</a:t>
+              <a:t>3/30/2021</a:t>
             </a:fld>
             <a:endParaRPr lang="en-US"/>
           </a:p>
@@ -2921,7 +2920,7 @@
           <a:p>
             <a:fld id="{3166A43E-CA75-4AF3-8026-58F4B8954506}" type="datetimeFigureOut">
               <a:rPr lang="en-US" smtClean="0"/>
-              <a:t>3/28/2021</a:t>
+              <a:t>3/30/2021</a:t>
             </a:fld>
             <a:endParaRPr lang="en-US"/>
           </a:p>
@@ -3352,7 +3351,7 @@
         </p:nvGrpSpPr>
         <p:grpSpPr>
           <a:xfrm>
-            <a:off x="8528537" y="3707700"/>
+            <a:off x="6503158" y="3167306"/>
             <a:ext cx="565813" cy="465864"/>
             <a:chOff x="8528537" y="2838298"/>
             <a:chExt cx="565813" cy="465864"/>
@@ -3539,7 +3538,7 @@
         </p:nvGrpSpPr>
         <p:grpSpPr>
           <a:xfrm>
-            <a:off x="8528537" y="2838298"/>
+            <a:off x="6503158" y="2297904"/>
             <a:ext cx="565813" cy="465864"/>
             <a:chOff x="8528537" y="2838298"/>
             <a:chExt cx="565813" cy="465864"/>
@@ -9701,7 +9700,7 @@
         </p:nvGrpSpPr>
         <p:grpSpPr>
           <a:xfrm>
-            <a:off x="2438401" y="2362199"/>
+            <a:off x="757308" y="2240427"/>
             <a:ext cx="3047999" cy="552511"/>
             <a:chOff x="2438401" y="2362199"/>
             <a:chExt cx="3047999" cy="552511"/>
@@ -10733,7 +10732,7 @@
         </p:nvSpPr>
         <p:spPr>
           <a:xfrm>
-            <a:off x="2394415" y="3310305"/>
+            <a:off x="713322" y="3188533"/>
             <a:ext cx="3047999" cy="530319"/>
           </a:xfrm>
           <a:prstGeom prst="rect">
@@ -10793,7 +10792,7 @@
         </p:nvCxnSpPr>
         <p:spPr>
           <a:xfrm flipV="1">
-            <a:off x="2701744" y="3310306"/>
+            <a:off x="1020651" y="3188534"/>
             <a:ext cx="0" cy="152400"/>
           </a:xfrm>
           <a:prstGeom prst="line">
@@ -10838,7 +10837,7 @@
         </p:nvCxnSpPr>
         <p:spPr>
           <a:xfrm flipV="1">
-            <a:off x="3009336" y="3310306"/>
+            <a:off x="1328243" y="3188534"/>
             <a:ext cx="0" cy="228600"/>
           </a:xfrm>
           <a:prstGeom prst="line">
@@ -10883,7 +10882,7 @@
         </p:nvCxnSpPr>
         <p:spPr>
           <a:xfrm flipV="1">
-            <a:off x="2546814" y="3310306"/>
+            <a:off x="865721" y="3188534"/>
             <a:ext cx="0" cy="76200"/>
           </a:xfrm>
           <a:prstGeom prst="line">
@@ -10928,7 +10927,7 @@
         </p:nvCxnSpPr>
         <p:spPr>
           <a:xfrm flipV="1">
-            <a:off x="2851614" y="3310306"/>
+            <a:off x="1170521" y="3188534"/>
             <a:ext cx="0" cy="76200"/>
           </a:xfrm>
           <a:prstGeom prst="line">
@@ -10973,7 +10972,7 @@
         </p:nvCxnSpPr>
         <p:spPr>
           <a:xfrm flipV="1">
-            <a:off x="3306022" y="3310306"/>
+            <a:off x="1624929" y="3188534"/>
             <a:ext cx="0" cy="152400"/>
           </a:xfrm>
           <a:prstGeom prst="line">
@@ -11018,7 +11017,7 @@
         </p:nvCxnSpPr>
         <p:spPr>
           <a:xfrm flipV="1">
-            <a:off x="3613614" y="3310306"/>
+            <a:off x="1932521" y="3188534"/>
             <a:ext cx="0" cy="228600"/>
           </a:xfrm>
           <a:prstGeom prst="line">
@@ -11063,7 +11062,7 @@
         </p:nvCxnSpPr>
         <p:spPr>
           <a:xfrm flipV="1">
-            <a:off x="3151092" y="3310306"/>
+            <a:off x="1469999" y="3188534"/>
             <a:ext cx="0" cy="76200"/>
           </a:xfrm>
           <a:prstGeom prst="line">
@@ -11108,7 +11107,7 @@
         </p:nvCxnSpPr>
         <p:spPr>
           <a:xfrm flipV="1">
-            <a:off x="3455892" y="3310306"/>
+            <a:off x="1774799" y="3188534"/>
             <a:ext cx="0" cy="76200"/>
           </a:xfrm>
           <a:prstGeom prst="line">
@@ -11153,7 +11152,7 @@
         </p:nvCxnSpPr>
         <p:spPr>
           <a:xfrm flipV="1">
-            <a:off x="3915622" y="3310306"/>
+            <a:off x="2234529" y="3188534"/>
             <a:ext cx="0" cy="152400"/>
           </a:xfrm>
           <a:prstGeom prst="line">
@@ -11198,7 +11197,7 @@
         </p:nvCxnSpPr>
         <p:spPr>
           <a:xfrm flipV="1">
-            <a:off x="4223214" y="3310306"/>
+            <a:off x="2542121" y="3188534"/>
             <a:ext cx="0" cy="228600"/>
           </a:xfrm>
           <a:prstGeom prst="line">
@@ -11243,7 +11242,7 @@
         </p:nvCxnSpPr>
         <p:spPr>
           <a:xfrm flipV="1">
-            <a:off x="3760692" y="3310306"/>
+            <a:off x="2079599" y="3188534"/>
             <a:ext cx="0" cy="76200"/>
           </a:xfrm>
           <a:prstGeom prst="line">
@@ -11288,7 +11287,7 @@
         </p:nvCxnSpPr>
         <p:spPr>
           <a:xfrm flipV="1">
-            <a:off x="4070814" y="3310306"/>
+            <a:off x="2389721" y="3188534"/>
             <a:ext cx="0" cy="76200"/>
           </a:xfrm>
           <a:prstGeom prst="line">
@@ -11333,7 +11332,7 @@
         </p:nvCxnSpPr>
         <p:spPr>
           <a:xfrm flipV="1">
-            <a:off x="4528014" y="3310306"/>
+            <a:off x="2846921" y="3188534"/>
             <a:ext cx="0" cy="152400"/>
           </a:xfrm>
           <a:prstGeom prst="line">
@@ -11378,7 +11377,7 @@
         </p:nvCxnSpPr>
         <p:spPr>
           <a:xfrm flipV="1">
-            <a:off x="4827385" y="3310306"/>
+            <a:off x="3146292" y="3188534"/>
             <a:ext cx="0" cy="228600"/>
           </a:xfrm>
           <a:prstGeom prst="line">
@@ -11423,7 +11422,7 @@
         </p:nvCxnSpPr>
         <p:spPr>
           <a:xfrm flipV="1">
-            <a:off x="4375614" y="3310306"/>
+            <a:off x="2694521" y="3188534"/>
             <a:ext cx="0" cy="76200"/>
           </a:xfrm>
           <a:prstGeom prst="line">
@@ -11468,7 +11467,7 @@
         </p:nvCxnSpPr>
         <p:spPr>
           <a:xfrm flipV="1">
-            <a:off x="4680414" y="3310306"/>
+            <a:off x="2999321" y="3188534"/>
             <a:ext cx="0" cy="76200"/>
           </a:xfrm>
           <a:prstGeom prst="line">
@@ -11513,7 +11512,7 @@
         </p:nvCxnSpPr>
         <p:spPr>
           <a:xfrm flipV="1">
-            <a:off x="5134822" y="3310306"/>
+            <a:off x="3453729" y="3188534"/>
             <a:ext cx="0" cy="152400"/>
           </a:xfrm>
           <a:prstGeom prst="line">
@@ -11558,7 +11557,7 @@
         </p:nvCxnSpPr>
         <p:spPr>
           <a:xfrm flipV="1">
-            <a:off x="4985214" y="3310306"/>
+            <a:off x="3304121" y="3188534"/>
             <a:ext cx="0" cy="76200"/>
           </a:xfrm>
           <a:prstGeom prst="line">
@@ -11603,7 +11602,7 @@
         </p:nvCxnSpPr>
         <p:spPr>
           <a:xfrm flipV="1">
-            <a:off x="5284692" y="3310306"/>
+            <a:off x="3603599" y="3188534"/>
             <a:ext cx="0" cy="76200"/>
           </a:xfrm>
           <a:prstGeom prst="line">
@@ -11646,7 +11645,7 @@
         </p:nvSpPr>
         <p:spPr>
           <a:xfrm>
-            <a:off x="2856286" y="3462706"/>
+            <a:off x="1175193" y="3340934"/>
             <a:ext cx="314510" cy="400110"/>
           </a:xfrm>
           <a:prstGeom prst="rect">
@@ -11687,7 +11686,7 @@
         </p:nvSpPr>
         <p:spPr>
           <a:xfrm>
-            <a:off x="3468093" y="3462706"/>
+            <a:off x="1787000" y="3340934"/>
             <a:ext cx="314510" cy="400110"/>
           </a:xfrm>
           <a:prstGeom prst="rect">
@@ -11728,7 +11727,7 @@
         </p:nvSpPr>
         <p:spPr>
           <a:xfrm>
-            <a:off x="4075690" y="3462706"/>
+            <a:off x="2394597" y="3340934"/>
             <a:ext cx="314510" cy="400110"/>
           </a:xfrm>
           <a:prstGeom prst="rect">
@@ -11769,7 +11768,7 @@
         </p:nvSpPr>
         <p:spPr>
           <a:xfrm>
-            <a:off x="4675174" y="3462706"/>
+            <a:off x="2994081" y="3340934"/>
             <a:ext cx="314510" cy="400110"/>
           </a:xfrm>
           <a:prstGeom prst="rect">
@@ -11810,7 +11809,7 @@
         </p:nvSpPr>
         <p:spPr>
           <a:xfrm>
-            <a:off x="6822733" y="2743200"/>
+            <a:off x="4797354" y="2202806"/>
             <a:ext cx="1747080" cy="643306"/>
           </a:xfrm>
           <a:prstGeom prst="roundRect">
@@ -11864,7 +11863,7 @@
         </p:nvSpPr>
         <p:spPr>
           <a:xfrm>
-            <a:off x="6858000" y="2807677"/>
+            <a:off x="4832621" y="2267283"/>
             <a:ext cx="1599092" cy="523220"/>
           </a:xfrm>
           <a:prstGeom prst="rect">
@@ -11903,7 +11902,7 @@
         </p:nvSpPr>
         <p:spPr>
           <a:xfrm>
-            <a:off x="6822732" y="3612602"/>
+            <a:off x="4797353" y="3072208"/>
             <a:ext cx="1756051" cy="643306"/>
           </a:xfrm>
           <a:prstGeom prst="roundRect">
@@ -11957,7 +11956,7 @@
         </p:nvSpPr>
         <p:spPr>
           <a:xfrm>
-            <a:off x="6781792" y="3707700"/>
+            <a:off x="4756413" y="3167306"/>
             <a:ext cx="1828962" cy="461665"/>
           </a:xfrm>
           <a:prstGeom prst="rect">
@@ -11996,7 +11995,7 @@
         </p:nvSpPr>
         <p:spPr>
           <a:xfrm>
-            <a:off x="3004670" y="4171438"/>
+            <a:off x="8232832" y="2583537"/>
             <a:ext cx="759672" cy="923330"/>
           </a:xfrm>
           <a:prstGeom prst="rect">
@@ -12040,7 +12039,7 @@
         </p:nvSpPr>
         <p:spPr>
           <a:xfrm>
-            <a:off x="2776070" y="4421580"/>
+            <a:off x="8004232" y="2833679"/>
             <a:ext cx="457199" cy="403469"/>
           </a:xfrm>
           <a:prstGeom prst="rightArrow">
@@ -12094,7 +12093,7 @@
         </p:nvSpPr>
         <p:spPr>
           <a:xfrm>
-            <a:off x="2718522" y="4358154"/>
+            <a:off x="7946684" y="2770253"/>
             <a:ext cx="857047" cy="530319"/>
           </a:xfrm>
           <a:prstGeom prst="rect">
@@ -12147,7 +12146,7 @@
         </p:nvSpPr>
         <p:spPr>
           <a:xfrm>
-            <a:off x="4148416" y="4169365"/>
+            <a:off x="9376578" y="2581464"/>
             <a:ext cx="759672" cy="923330"/>
           </a:xfrm>
           <a:prstGeom prst="rect">
@@ -12193,7 +12192,7 @@
         </p:nvSpPr>
         <p:spPr>
           <a:xfrm>
-            <a:off x="3919816" y="4419507"/>
+            <a:off x="9147978" y="2831606"/>
             <a:ext cx="457199" cy="403469"/>
           </a:xfrm>
           <a:prstGeom prst="rightArrow">
@@ -12249,7 +12248,7 @@
         </p:nvSpPr>
         <p:spPr>
           <a:xfrm>
-            <a:off x="3862268" y="4356081"/>
+            <a:off x="9090430" y="2768180"/>
             <a:ext cx="857047" cy="530319"/>
           </a:xfrm>
           <a:prstGeom prst="rect">
@@ -12288,1040 +12287,139 @@
           </a:p>
         </p:txBody>
       </p:sp>
+      <p:grpSp>
+        <p:nvGrpSpPr>
+          <p:cNvPr id="47" name="Group 46">
+            <a:extLst>
+              <a:ext uri="{FF2B5EF4-FFF2-40B4-BE49-F238E27FC236}">
+                <a16:creationId xmlns:a16="http://schemas.microsoft.com/office/drawing/2014/main" id="{3EA7FAF5-E162-4EC7-9996-147D84A70A3B}"/>
+              </a:ext>
+            </a:extLst>
+          </p:cNvPr>
+          <p:cNvGrpSpPr/>
+          <p:nvPr/>
+        </p:nvGrpSpPr>
+        <p:grpSpPr>
+          <a:xfrm>
+            <a:off x="3018670" y="4390374"/>
+            <a:ext cx="771984" cy="744252"/>
+            <a:chOff x="2890907" y="4267200"/>
+            <a:chExt cx="1027510" cy="990600"/>
+          </a:xfrm>
+        </p:grpSpPr>
+        <p:sp>
+          <p:nvSpPr>
+            <p:cNvPr id="21" name="Arc 20">
+              <a:extLst>
+                <a:ext uri="{FF2B5EF4-FFF2-40B4-BE49-F238E27FC236}">
+                  <a16:creationId xmlns:a16="http://schemas.microsoft.com/office/drawing/2014/main" id="{814D234F-AC75-4DEF-BBDF-98F9A43E3373}"/>
+                </a:ext>
+              </a:extLst>
+            </p:cNvPr>
+            <p:cNvSpPr/>
+            <p:nvPr/>
+          </p:nvSpPr>
+          <p:spPr>
+            <a:xfrm>
+              <a:off x="2890907" y="4267200"/>
+              <a:ext cx="1027510" cy="990600"/>
+            </a:xfrm>
+            <a:prstGeom prst="arc">
+              <a:avLst>
+                <a:gd name="adj1" fmla="val 10684597"/>
+                <a:gd name="adj2" fmla="val 20048739"/>
+              </a:avLst>
+            </a:prstGeom>
+            <a:ln w="76200">
+              <a:solidFill>
+                <a:srgbClr val="0000FF"/>
+              </a:solidFill>
+              <a:headEnd type="none" w="med" len="med"/>
+              <a:tailEnd type="triangle" w="med" len="med"/>
+            </a:ln>
+          </p:spPr>
+          <p:style>
+            <a:lnRef idx="1">
+              <a:schemeClr val="accent1"/>
+            </a:lnRef>
+            <a:fillRef idx="0">
+              <a:schemeClr val="accent1"/>
+            </a:fillRef>
+            <a:effectRef idx="0">
+              <a:schemeClr val="accent1"/>
+            </a:effectRef>
+            <a:fontRef idx="minor">
+              <a:schemeClr val="tx1"/>
+            </a:fontRef>
+          </p:style>
+          <p:txBody>
+            <a:bodyPr rtlCol="0" anchor="ctr"/>
+            <a:lstStyle/>
+            <a:p>
+              <a:pPr algn="ctr"/>
+              <a:endParaRPr lang="en-US"/>
+            </a:p>
+          </p:txBody>
+        </p:sp>
+        <p:sp>
+          <p:nvSpPr>
+            <p:cNvPr id="168" name="Arc 167">
+              <a:extLst>
+                <a:ext uri="{FF2B5EF4-FFF2-40B4-BE49-F238E27FC236}">
+                  <a16:creationId xmlns:a16="http://schemas.microsoft.com/office/drawing/2014/main" id="{DE05A320-AF91-45E1-A808-DDFA2F19E0B0}"/>
+                </a:ext>
+              </a:extLst>
+            </p:cNvPr>
+            <p:cNvSpPr/>
+            <p:nvPr/>
+          </p:nvSpPr>
+          <p:spPr>
+            <a:xfrm rot="10800000">
+              <a:off x="2890907" y="4267200"/>
+              <a:ext cx="1027510" cy="990600"/>
+            </a:xfrm>
+            <a:prstGeom prst="arc">
+              <a:avLst>
+                <a:gd name="adj1" fmla="val 10444450"/>
+                <a:gd name="adj2" fmla="val 20048739"/>
+              </a:avLst>
+            </a:prstGeom>
+            <a:ln w="76200">
+              <a:solidFill>
+                <a:srgbClr val="0000FF"/>
+              </a:solidFill>
+              <a:headEnd type="none" w="med" len="med"/>
+              <a:tailEnd type="triangle" w="med" len="med"/>
+            </a:ln>
+          </p:spPr>
+          <p:style>
+            <a:lnRef idx="1">
+              <a:schemeClr val="accent1"/>
+            </a:lnRef>
+            <a:fillRef idx="0">
+              <a:schemeClr val="accent1"/>
+            </a:fillRef>
+            <a:effectRef idx="0">
+              <a:schemeClr val="accent1"/>
+            </a:effectRef>
+            <a:fontRef idx="minor">
+              <a:schemeClr val="tx1"/>
+            </a:fontRef>
+          </p:style>
+          <p:txBody>
+            <a:bodyPr rtlCol="0" anchor="ctr"/>
+            <a:lstStyle/>
+            <a:p>
+              <a:pPr algn="ctr"/>
+              <a:endParaRPr lang="en-US"/>
+            </a:p>
+          </p:txBody>
+        </p:sp>
+      </p:grpSp>
     </p:spTree>
     <p:extLst>
       <p:ext uri="{BB962C8B-B14F-4D97-AF65-F5344CB8AC3E}">
         <p14:creationId xmlns:p14="http://schemas.microsoft.com/office/powerpoint/2010/main" val="1901818990"/>
-      </p:ext>
-    </p:extLst>
-  </p:cSld>
-  <p:clrMapOvr>
-    <a:masterClrMapping/>
-  </p:clrMapOvr>
-</p:sld>
-</file>
-
-<file path=ppt/slides/slide2.xml><?xml version="1.0" encoding="utf-8"?>
-<p:sld xmlns:a="http://schemas.openxmlformats.org/drawingml/2006/main" xmlns:r="http://schemas.openxmlformats.org/officeDocument/2006/relationships" xmlns:p="http://schemas.openxmlformats.org/presentationml/2006/main">
-  <p:cSld>
-    <p:spTree>
-      <p:nvGrpSpPr>
-        <p:cNvPr id="1" name=""/>
-        <p:cNvGrpSpPr/>
-        <p:nvPr/>
-      </p:nvGrpSpPr>
-      <p:grpSpPr>
-        <a:xfrm>
-          <a:off x="0" y="0"/>
-          <a:ext cx="0" cy="0"/>
-          <a:chOff x="0" y="0"/>
-          <a:chExt cx="0" cy="0"/>
-        </a:xfrm>
-      </p:grpSpPr>
-      <p:pic>
-        <p:nvPicPr>
-          <p:cNvPr id="196" name="Picture 195" descr="Chart, line chart&#10;&#10;Description automatically generated">
-            <a:extLst>
-              <a:ext uri="{FF2B5EF4-FFF2-40B4-BE49-F238E27FC236}">
-                <a16:creationId xmlns:a16="http://schemas.microsoft.com/office/drawing/2014/main" id="{EDD9D316-C708-4AAF-8778-367E3A682A01}"/>
-              </a:ext>
-            </a:extLst>
-          </p:cNvPr>
-          <p:cNvPicPr>
-            <a:picLocks noChangeAspect="1"/>
-          </p:cNvPicPr>
-          <p:nvPr/>
-        </p:nvPicPr>
-        <p:blipFill rotWithShape="1">
-          <a:blip r:embed="rId2">
-            <a:extLst>
-              <a:ext uri="{28A0092B-C50C-407E-A947-70E740481C1C}">
-                <a14:useLocalDpi xmlns:a14="http://schemas.microsoft.com/office/drawing/2010/main" val="0"/>
-              </a:ext>
-            </a:extLst>
-          </a:blip>
-          <a:srcRect l="55491" t="17761" r="1" b="52079"/>
-          <a:stretch/>
-        </p:blipFill>
-        <p:spPr>
-          <a:xfrm>
-            <a:off x="9428747" y="3048000"/>
-            <a:ext cx="999394" cy="351335"/>
-          </a:xfrm>
-          <a:prstGeom prst="rect">
-            <a:avLst/>
-          </a:prstGeom>
-        </p:spPr>
-      </p:pic>
-      <p:sp>
-        <p:nvSpPr>
-          <p:cNvPr id="56" name="Rectangle 55">
-            <a:extLst>
-              <a:ext uri="{FF2B5EF4-FFF2-40B4-BE49-F238E27FC236}">
-                <a16:creationId xmlns:a16="http://schemas.microsoft.com/office/drawing/2014/main" id="{5371451D-3FBC-4E35-B4F5-922297D34A01}"/>
-              </a:ext>
-            </a:extLst>
-          </p:cNvPr>
-          <p:cNvSpPr/>
-          <p:nvPr/>
-        </p:nvSpPr>
-        <p:spPr>
-          <a:xfrm>
-            <a:off x="6705600" y="1839023"/>
-            <a:ext cx="533400" cy="128354"/>
-          </a:xfrm>
-          <a:prstGeom prst="rect">
-            <a:avLst/>
-          </a:prstGeom>
-          <a:solidFill>
-            <a:schemeClr val="accent5">
-              <a:lumMod val="20000"/>
-              <a:lumOff val="80000"/>
-            </a:schemeClr>
-          </a:solidFill>
-          <a:ln>
-            <a:noFill/>
-          </a:ln>
-        </p:spPr>
-        <p:style>
-          <a:lnRef idx="2">
-            <a:schemeClr val="accent1">
-              <a:shade val="50000"/>
-            </a:schemeClr>
-          </a:lnRef>
-          <a:fillRef idx="1">
-            <a:schemeClr val="accent1"/>
-          </a:fillRef>
-          <a:effectRef idx="0">
-            <a:schemeClr val="accent1"/>
-          </a:effectRef>
-          <a:fontRef idx="minor">
-            <a:schemeClr val="lt1"/>
-          </a:fontRef>
-        </p:style>
-        <p:txBody>
-          <a:bodyPr rtlCol="0" anchor="ctr"/>
-          <a:lstStyle/>
-          <a:p>
-            <a:pPr algn="ctr"/>
-            <a:endParaRPr lang="en-US"/>
-          </a:p>
-        </p:txBody>
-      </p:sp>
-      <p:sp>
-        <p:nvSpPr>
-          <p:cNvPr id="181" name="Right Arrow 34">
-            <a:extLst>
-              <a:ext uri="{FF2B5EF4-FFF2-40B4-BE49-F238E27FC236}">
-                <a16:creationId xmlns:a16="http://schemas.microsoft.com/office/drawing/2014/main" id="{CC060749-F22E-465E-8412-DB633C106616}"/>
-              </a:ext>
-            </a:extLst>
-          </p:cNvPr>
-          <p:cNvSpPr/>
-          <p:nvPr/>
-        </p:nvSpPr>
-        <p:spPr>
-          <a:xfrm>
-            <a:off x="5320362" y="3200400"/>
-            <a:ext cx="251074" cy="267726"/>
-          </a:xfrm>
-          <a:prstGeom prst="rightArrow">
-            <a:avLst>
-              <a:gd name="adj1" fmla="val 50000"/>
-              <a:gd name="adj2" fmla="val 45879"/>
-            </a:avLst>
-          </a:prstGeom>
-          <a:solidFill>
-            <a:srgbClr val="FFFF00"/>
-          </a:solidFill>
-          <a:ln w="12700">
-            <a:solidFill>
-              <a:schemeClr val="tx1"/>
-            </a:solidFill>
-          </a:ln>
-        </p:spPr>
-        <p:style>
-          <a:lnRef idx="2">
-            <a:schemeClr val="accent1">
-              <a:shade val="50000"/>
-            </a:schemeClr>
-          </a:lnRef>
-          <a:fillRef idx="1">
-            <a:schemeClr val="accent1"/>
-          </a:fillRef>
-          <a:effectRef idx="0">
-            <a:schemeClr val="accent1"/>
-          </a:effectRef>
-          <a:fontRef idx="minor">
-            <a:schemeClr val="lt1"/>
-          </a:fontRef>
-        </p:style>
-        <p:txBody>
-          <a:bodyPr rtlCol="0" anchor="ctr"/>
-          <a:lstStyle/>
-          <a:p>
-            <a:pPr algn="ctr"/>
-            <a:endParaRPr lang="en-US" dirty="0"/>
-          </a:p>
-        </p:txBody>
-      </p:sp>
-      <p:pic>
-        <p:nvPicPr>
-          <p:cNvPr id="50" name="Picture 49" descr="Chart, line chart&#10;&#10;Description automatically generated">
-            <a:extLst>
-              <a:ext uri="{FF2B5EF4-FFF2-40B4-BE49-F238E27FC236}">
-                <a16:creationId xmlns:a16="http://schemas.microsoft.com/office/drawing/2014/main" id="{496498C3-ABE1-47C6-B304-4976C9264B74}"/>
-              </a:ext>
-            </a:extLst>
-          </p:cNvPr>
-          <p:cNvPicPr>
-            <a:picLocks noChangeAspect="1"/>
-          </p:cNvPicPr>
-          <p:nvPr/>
-        </p:nvPicPr>
-        <p:blipFill rotWithShape="1">
-          <a:blip r:embed="rId3">
-            <a:extLst>
-              <a:ext uri="{28A0092B-C50C-407E-A947-70E740481C1C}">
-                <a14:useLocalDpi xmlns:a14="http://schemas.microsoft.com/office/drawing/2010/main" val="0"/>
-              </a:ext>
-            </a:extLst>
-          </a:blip>
-          <a:srcRect l="34988" t="8974" b="33590"/>
-          <a:stretch/>
-        </p:blipFill>
-        <p:spPr>
-          <a:xfrm>
-            <a:off x="5638800" y="3047999"/>
-            <a:ext cx="1151794" cy="533401"/>
-          </a:xfrm>
-          <a:prstGeom prst="rect">
-            <a:avLst/>
-          </a:prstGeom>
-        </p:spPr>
-      </p:pic>
-      <p:pic>
-        <p:nvPicPr>
-          <p:cNvPr id="52" name="Picture 51" descr="Chart, line chart&#10;&#10;Description automatically generated">
-            <a:extLst>
-              <a:ext uri="{FF2B5EF4-FFF2-40B4-BE49-F238E27FC236}">
-                <a16:creationId xmlns:a16="http://schemas.microsoft.com/office/drawing/2014/main" id="{9FD82CD0-0C08-447B-A2BB-2ABD6E89C471}"/>
-              </a:ext>
-            </a:extLst>
-          </p:cNvPr>
-          <p:cNvPicPr>
-            <a:picLocks noChangeAspect="1"/>
-          </p:cNvPicPr>
-          <p:nvPr/>
-        </p:nvPicPr>
-        <p:blipFill rotWithShape="1">
-          <a:blip r:embed="rId2">
-            <a:extLst>
-              <a:ext uri="{28A0092B-C50C-407E-A947-70E740481C1C}">
-                <a14:useLocalDpi xmlns:a14="http://schemas.microsoft.com/office/drawing/2010/main" val="0"/>
-              </a:ext>
-            </a:extLst>
-          </a:blip>
-          <a:srcRect l="35656" t="8290" b="33679"/>
-          <a:stretch/>
-        </p:blipFill>
-        <p:spPr>
-          <a:xfrm>
-            <a:off x="4038600" y="3047999"/>
-            <a:ext cx="1139953" cy="533401"/>
-          </a:xfrm>
-          <a:prstGeom prst="rect">
-            <a:avLst/>
-          </a:prstGeom>
-        </p:spPr>
-      </p:pic>
-      <p:sp>
-        <p:nvSpPr>
-          <p:cNvPr id="55" name="TextBox 54">
-            <a:extLst>
-              <a:ext uri="{FF2B5EF4-FFF2-40B4-BE49-F238E27FC236}">
-                <a16:creationId xmlns:a16="http://schemas.microsoft.com/office/drawing/2014/main" id="{8EA9DF97-0CA1-4C4A-9EF5-99136A438C76}"/>
-              </a:ext>
-            </a:extLst>
-          </p:cNvPr>
-          <p:cNvSpPr txBox="1"/>
-          <p:nvPr/>
-        </p:nvSpPr>
-        <p:spPr>
-          <a:xfrm>
-            <a:off x="5127950" y="2817166"/>
-            <a:ext cx="1617943" cy="461665"/>
-          </a:xfrm>
-          <a:prstGeom prst="rect">
-            <a:avLst/>
-          </a:prstGeom>
-          <a:noFill/>
-        </p:spPr>
-        <p:txBody>
-          <a:bodyPr wrap="none" rtlCol="0">
-            <a:spAutoFit/>
-          </a:bodyPr>
-          <a:lstStyle/>
-          <a:p>
-            <a:r>
-              <a:rPr lang="en-US" sz="2400" dirty="0"/>
-              <a:t>SHIFT ZERO</a:t>
-            </a:r>
-          </a:p>
-        </p:txBody>
-      </p:sp>
-      <p:sp>
-        <p:nvSpPr>
-          <p:cNvPr id="177" name="Rectangle 176">
-            <a:extLst>
-              <a:ext uri="{FF2B5EF4-FFF2-40B4-BE49-F238E27FC236}">
-                <a16:creationId xmlns:a16="http://schemas.microsoft.com/office/drawing/2014/main" id="{1976D663-F1C9-4508-8904-E2EEFDD130FA}"/>
-              </a:ext>
-            </a:extLst>
-          </p:cNvPr>
-          <p:cNvSpPr/>
-          <p:nvPr/>
-        </p:nvSpPr>
-        <p:spPr>
-          <a:xfrm>
-            <a:off x="2559730" y="1441535"/>
-            <a:ext cx="929257" cy="923330"/>
-          </a:xfrm>
-          <a:prstGeom prst="rect">
-            <a:avLst/>
-          </a:prstGeom>
-          <a:noFill/>
-        </p:spPr>
-        <p:txBody>
-          <a:bodyPr wrap="square" lIns="91440" tIns="45720" rIns="91440" bIns="45720">
-            <a:spAutoFit/>
-          </a:bodyPr>
-          <a:lstStyle/>
-          <a:p>
-            <a:pPr algn="ctr"/>
-            <a:r>
-              <a:rPr lang="en-US" sz="5400" dirty="0">
-                <a:ln w="0"/>
-                <a:solidFill>
-                  <a:schemeClr val="accent2">
-                    <a:lumMod val="75000"/>
-                  </a:schemeClr>
-                </a:solidFill>
-                <a:latin typeface="Cambria Math" panose="02040503050406030204" pitchFamily="18" charset="0"/>
-                <a:ea typeface="Cambria Math" panose="02040503050406030204" pitchFamily="18" charset="0"/>
-                <a:cs typeface="Consolas" panose="020B0609020204030204" pitchFamily="49" charset="0"/>
-              </a:rPr>
-              <a:t>0</a:t>
-            </a:r>
-          </a:p>
-        </p:txBody>
-      </p:sp>
-      <p:sp>
-        <p:nvSpPr>
-          <p:cNvPr id="183" name="Right Arrow 34">
-            <a:extLst>
-              <a:ext uri="{FF2B5EF4-FFF2-40B4-BE49-F238E27FC236}">
-                <a16:creationId xmlns:a16="http://schemas.microsoft.com/office/drawing/2014/main" id="{510A5C7E-60C5-47ED-8308-EEBC61D44D2D}"/>
-              </a:ext>
-            </a:extLst>
-          </p:cNvPr>
-          <p:cNvSpPr/>
-          <p:nvPr/>
-        </p:nvSpPr>
-        <p:spPr>
-          <a:xfrm>
-            <a:off x="2619428" y="1784295"/>
-            <a:ext cx="312144" cy="279306"/>
-          </a:xfrm>
-          <a:prstGeom prst="rightArrow">
-            <a:avLst/>
-          </a:prstGeom>
-          <a:solidFill>
-            <a:srgbClr val="0070C0"/>
-          </a:solidFill>
-          <a:ln w="28575">
-            <a:solidFill>
-              <a:schemeClr val="tx1"/>
-            </a:solidFill>
-          </a:ln>
-        </p:spPr>
-        <p:style>
-          <a:lnRef idx="2">
-            <a:schemeClr val="accent1">
-              <a:shade val="50000"/>
-            </a:schemeClr>
-          </a:lnRef>
-          <a:fillRef idx="1">
-            <a:schemeClr val="accent1"/>
-          </a:fillRef>
-          <a:effectRef idx="0">
-            <a:schemeClr val="accent1"/>
-          </a:effectRef>
-          <a:fontRef idx="minor">
-            <a:schemeClr val="lt1"/>
-          </a:fontRef>
-        </p:style>
-        <p:txBody>
-          <a:bodyPr rtlCol="0" anchor="ctr"/>
-          <a:lstStyle/>
-          <a:p>
-            <a:pPr algn="ctr"/>
-            <a:endParaRPr lang="en-US" dirty="0"/>
-          </a:p>
-        </p:txBody>
-      </p:sp>
-      <p:sp>
-        <p:nvSpPr>
-          <p:cNvPr id="184" name="Rectangle 183">
-            <a:extLst>
-              <a:ext uri="{FF2B5EF4-FFF2-40B4-BE49-F238E27FC236}">
-                <a16:creationId xmlns:a16="http://schemas.microsoft.com/office/drawing/2014/main" id="{833B382C-A9BA-4C21-8414-3D090FD6621A}"/>
-              </a:ext>
-            </a:extLst>
-          </p:cNvPr>
-          <p:cNvSpPr>
-            <a:spLocks noChangeAspect="1"/>
-          </p:cNvSpPr>
-          <p:nvPr/>
-        </p:nvSpPr>
-        <p:spPr>
-          <a:xfrm>
-            <a:off x="2521944" y="1658789"/>
-            <a:ext cx="740484" cy="530319"/>
-          </a:xfrm>
-          <a:prstGeom prst="rect">
-            <a:avLst/>
-          </a:prstGeom>
-          <a:noFill/>
-          <a:ln w="9525">
-            <a:solidFill>
-              <a:schemeClr val="tx1"/>
-            </a:solidFill>
-            <a:prstDash val="solid"/>
-          </a:ln>
-        </p:spPr>
-        <p:style>
-          <a:lnRef idx="2">
-            <a:schemeClr val="accent1">
-              <a:shade val="50000"/>
-            </a:schemeClr>
-          </a:lnRef>
-          <a:fillRef idx="1">
-            <a:schemeClr val="accent1"/>
-          </a:fillRef>
-          <a:effectRef idx="0">
-            <a:schemeClr val="accent1"/>
-          </a:effectRef>
-          <a:fontRef idx="minor">
-            <a:schemeClr val="lt1"/>
-          </a:fontRef>
-        </p:style>
-        <p:txBody>
-          <a:bodyPr rtlCol="0" anchor="ctr"/>
-          <a:lstStyle/>
-          <a:p>
-            <a:pPr algn="ctr"/>
-            <a:endParaRPr lang="en-US"/>
-          </a:p>
-        </p:txBody>
-      </p:sp>
-      <p:sp>
-        <p:nvSpPr>
-          <p:cNvPr id="185" name="Rectangle 184">
-            <a:extLst>
-              <a:ext uri="{FF2B5EF4-FFF2-40B4-BE49-F238E27FC236}">
-                <a16:creationId xmlns:a16="http://schemas.microsoft.com/office/drawing/2014/main" id="{D7687FA8-8558-4864-B558-84C10F62CE3B}"/>
-              </a:ext>
-            </a:extLst>
-          </p:cNvPr>
-          <p:cNvSpPr/>
-          <p:nvPr/>
-        </p:nvSpPr>
-        <p:spPr>
-          <a:xfrm>
-            <a:off x="3705264" y="1441535"/>
-            <a:ext cx="759672" cy="923330"/>
-          </a:xfrm>
-          <a:prstGeom prst="rect">
-            <a:avLst/>
-          </a:prstGeom>
-          <a:noFill/>
-        </p:spPr>
-        <p:txBody>
-          <a:bodyPr wrap="square" lIns="91440" tIns="45720" rIns="91440" bIns="45720">
-            <a:spAutoFit/>
-          </a:bodyPr>
-          <a:lstStyle/>
-          <a:p>
-            <a:pPr algn="ctr"/>
-            <a:r>
-              <a:rPr lang="en-US" sz="5400" dirty="0">
-                <a:ln w="0"/>
-                <a:solidFill>
-                  <a:schemeClr val="bg1">
-                    <a:lumMod val="85000"/>
-                  </a:schemeClr>
-                </a:solidFill>
-                <a:latin typeface="Cambria Math" panose="02040503050406030204" pitchFamily="18" charset="0"/>
-                <a:ea typeface="Cambria Math" panose="02040503050406030204" pitchFamily="18" charset="0"/>
-                <a:cs typeface="Consolas" panose="020B0609020204030204" pitchFamily="49" charset="0"/>
-              </a:rPr>
-              <a:t>0</a:t>
-            </a:r>
-          </a:p>
-        </p:txBody>
-      </p:sp>
-      <p:sp>
-        <p:nvSpPr>
-          <p:cNvPr id="186" name="Right Arrow 34">
-            <a:extLst>
-              <a:ext uri="{FF2B5EF4-FFF2-40B4-BE49-F238E27FC236}">
-                <a16:creationId xmlns:a16="http://schemas.microsoft.com/office/drawing/2014/main" id="{EF64F788-A0EB-4812-A362-C3744668A1C2}"/>
-              </a:ext>
-            </a:extLst>
-          </p:cNvPr>
-          <p:cNvSpPr/>
-          <p:nvPr/>
-        </p:nvSpPr>
-        <p:spPr>
-          <a:xfrm>
-            <a:off x="3611880" y="1714860"/>
-            <a:ext cx="457199" cy="403469"/>
-          </a:xfrm>
-          <a:prstGeom prst="rightArrow">
-            <a:avLst/>
-          </a:prstGeom>
-          <a:solidFill>
-            <a:schemeClr val="bg1">
-              <a:lumMod val="85000"/>
-            </a:schemeClr>
-          </a:solidFill>
-          <a:ln w="28575">
-            <a:solidFill>
-              <a:schemeClr val="bg1"/>
-            </a:solidFill>
-          </a:ln>
-        </p:spPr>
-        <p:style>
-          <a:lnRef idx="2">
-            <a:schemeClr val="accent1">
-              <a:shade val="50000"/>
-            </a:schemeClr>
-          </a:lnRef>
-          <a:fillRef idx="1">
-            <a:schemeClr val="accent1"/>
-          </a:fillRef>
-          <a:effectRef idx="0">
-            <a:schemeClr val="accent1"/>
-          </a:effectRef>
-          <a:fontRef idx="minor">
-            <a:schemeClr val="lt1"/>
-          </a:fontRef>
-        </p:style>
-        <p:txBody>
-          <a:bodyPr rtlCol="0" anchor="ctr"/>
-          <a:lstStyle/>
-          <a:p>
-            <a:pPr algn="ctr"/>
-            <a:endParaRPr lang="en-US" dirty="0"/>
-          </a:p>
-        </p:txBody>
-      </p:sp>
-      <p:sp>
-        <p:nvSpPr>
-          <p:cNvPr id="187" name="Rectangle 186">
-            <a:extLst>
-              <a:ext uri="{FF2B5EF4-FFF2-40B4-BE49-F238E27FC236}">
-                <a16:creationId xmlns:a16="http://schemas.microsoft.com/office/drawing/2014/main" id="{EA46D48F-BCB1-4F0C-B63F-3E0A54E4C3E4}"/>
-              </a:ext>
-            </a:extLst>
-          </p:cNvPr>
-          <p:cNvSpPr>
-            <a:spLocks noChangeAspect="1"/>
-          </p:cNvSpPr>
-          <p:nvPr/>
-        </p:nvSpPr>
-        <p:spPr>
-          <a:xfrm>
-            <a:off x="3535679" y="1658789"/>
-            <a:ext cx="740484" cy="530319"/>
-          </a:xfrm>
-          <a:prstGeom prst="rect">
-            <a:avLst/>
-          </a:prstGeom>
-          <a:noFill/>
-          <a:ln w="9525">
-            <a:solidFill>
-              <a:schemeClr val="tx1"/>
-            </a:solidFill>
-            <a:prstDash val="solid"/>
-          </a:ln>
-        </p:spPr>
-        <p:style>
-          <a:lnRef idx="2">
-            <a:schemeClr val="accent1">
-              <a:shade val="50000"/>
-            </a:schemeClr>
-          </a:lnRef>
-          <a:fillRef idx="1">
-            <a:schemeClr val="accent1"/>
-          </a:fillRef>
-          <a:effectRef idx="0">
-            <a:schemeClr val="accent1"/>
-          </a:effectRef>
-          <a:fontRef idx="minor">
-            <a:schemeClr val="lt1"/>
-          </a:fontRef>
-        </p:style>
-        <p:txBody>
-          <a:bodyPr rtlCol="0" anchor="ctr"/>
-          <a:lstStyle/>
-          <a:p>
-            <a:pPr algn="ctr"/>
-            <a:endParaRPr lang="en-US"/>
-          </a:p>
-        </p:txBody>
-      </p:sp>
-      <p:cxnSp>
-        <p:nvCxnSpPr>
-          <p:cNvPr id="190" name="Straight Connector 189">
-            <a:extLst>
-              <a:ext uri="{FF2B5EF4-FFF2-40B4-BE49-F238E27FC236}">
-                <a16:creationId xmlns:a16="http://schemas.microsoft.com/office/drawing/2014/main" id="{CB7662EF-FFA0-40CB-A799-1F28333ABBC0}"/>
-              </a:ext>
-            </a:extLst>
-          </p:cNvPr>
-          <p:cNvCxnSpPr>
-            <a:cxnSpLocks/>
-          </p:cNvCxnSpPr>
-          <p:nvPr/>
-        </p:nvCxnSpPr>
-        <p:spPr>
-          <a:xfrm>
-            <a:off x="6541951" y="1839023"/>
-            <a:ext cx="862751" cy="0"/>
-          </a:xfrm>
-          <a:prstGeom prst="line">
-            <a:avLst/>
-          </a:prstGeom>
-          <a:ln w="28575">
-            <a:solidFill>
-              <a:srgbClr val="0000FF"/>
-            </a:solidFill>
-            <a:prstDash val="sysDash"/>
-          </a:ln>
-        </p:spPr>
-        <p:style>
-          <a:lnRef idx="1">
-            <a:schemeClr val="accent1"/>
-          </a:lnRef>
-          <a:fillRef idx="0">
-            <a:schemeClr val="accent1"/>
-          </a:fillRef>
-          <a:effectRef idx="0">
-            <a:schemeClr val="accent1"/>
-          </a:effectRef>
-          <a:fontRef idx="minor">
-            <a:schemeClr val="tx1"/>
-          </a:fontRef>
-        </p:style>
-      </p:cxnSp>
-      <p:cxnSp>
-        <p:nvCxnSpPr>
-          <p:cNvPr id="191" name="Straight Connector 190">
-            <a:extLst>
-              <a:ext uri="{FF2B5EF4-FFF2-40B4-BE49-F238E27FC236}">
-                <a16:creationId xmlns:a16="http://schemas.microsoft.com/office/drawing/2014/main" id="{A87CFF54-DB31-4688-8D36-0AEC88B96DFC}"/>
-              </a:ext>
-            </a:extLst>
-          </p:cNvPr>
-          <p:cNvCxnSpPr>
-            <a:cxnSpLocks/>
-          </p:cNvCxnSpPr>
-          <p:nvPr/>
-        </p:nvCxnSpPr>
-        <p:spPr>
-          <a:xfrm>
-            <a:off x="6541951" y="1967398"/>
-            <a:ext cx="862751" cy="0"/>
-          </a:xfrm>
-          <a:prstGeom prst="line">
-            <a:avLst/>
-          </a:prstGeom>
-          <a:ln w="28575">
-            <a:solidFill>
-              <a:srgbClr val="0000FF"/>
-            </a:solidFill>
-            <a:prstDash val="solid"/>
-          </a:ln>
-        </p:spPr>
-        <p:style>
-          <a:lnRef idx="1">
-            <a:schemeClr val="accent1"/>
-          </a:lnRef>
-          <a:fillRef idx="0">
-            <a:schemeClr val="accent1"/>
-          </a:fillRef>
-          <a:effectRef idx="0">
-            <a:schemeClr val="accent1"/>
-          </a:effectRef>
-          <a:fontRef idx="minor">
-            <a:schemeClr val="tx1"/>
-          </a:fontRef>
-        </p:style>
-      </p:cxnSp>
-      <p:sp>
-        <p:nvSpPr>
-          <p:cNvPr id="192" name="TextBox 191">
-            <a:extLst>
-              <a:ext uri="{FF2B5EF4-FFF2-40B4-BE49-F238E27FC236}">
-                <a16:creationId xmlns:a16="http://schemas.microsoft.com/office/drawing/2014/main" id="{61287E4D-C4D4-47F2-8E36-A3BB6E769EE2}"/>
-              </a:ext>
-            </a:extLst>
-          </p:cNvPr>
-          <p:cNvSpPr txBox="1"/>
-          <p:nvPr/>
-        </p:nvSpPr>
-        <p:spPr>
-          <a:xfrm>
-            <a:off x="4733794" y="1714860"/>
-            <a:ext cx="1639551" cy="461665"/>
-          </a:xfrm>
-          <a:prstGeom prst="rect">
-            <a:avLst/>
-          </a:prstGeom>
-          <a:noFill/>
-        </p:spPr>
-        <p:txBody>
-          <a:bodyPr wrap="none" rtlCol="0">
-            <a:spAutoFit/>
-          </a:bodyPr>
-          <a:lstStyle/>
-          <a:p>
-            <a:r>
-              <a:rPr lang="en-US" sz="2400" b="1" i="1" dirty="0"/>
-              <a:t>SHIFT ZERO</a:t>
-            </a:r>
-          </a:p>
-        </p:txBody>
-      </p:sp>
-      <p:cxnSp>
-        <p:nvCxnSpPr>
-          <p:cNvPr id="193" name="Straight Connector 192">
-            <a:extLst>
-              <a:ext uri="{FF2B5EF4-FFF2-40B4-BE49-F238E27FC236}">
-                <a16:creationId xmlns:a16="http://schemas.microsoft.com/office/drawing/2014/main" id="{29DA7E5F-0FCE-4884-B892-16F23A7CCCD5}"/>
-              </a:ext>
-            </a:extLst>
-          </p:cNvPr>
-          <p:cNvCxnSpPr>
-            <a:cxnSpLocks/>
-          </p:cNvCxnSpPr>
-          <p:nvPr/>
-        </p:nvCxnSpPr>
-        <p:spPr>
-          <a:xfrm flipV="1">
-            <a:off x="6704013" y="1658789"/>
-            <a:ext cx="0" cy="519598"/>
-          </a:xfrm>
-          <a:prstGeom prst="line">
-            <a:avLst/>
-          </a:prstGeom>
-          <a:ln w="12700">
-            <a:solidFill>
-              <a:schemeClr val="tx1"/>
-            </a:solidFill>
-            <a:prstDash val="solid"/>
-          </a:ln>
-        </p:spPr>
-        <p:style>
-          <a:lnRef idx="1">
-            <a:schemeClr val="accent1"/>
-          </a:lnRef>
-          <a:fillRef idx="0">
-            <a:schemeClr val="accent1"/>
-          </a:fillRef>
-          <a:effectRef idx="0">
-            <a:schemeClr val="accent1"/>
-          </a:effectRef>
-          <a:fontRef idx="minor">
-            <a:schemeClr val="tx1"/>
-          </a:fontRef>
-        </p:style>
-      </p:cxnSp>
-      <p:cxnSp>
-        <p:nvCxnSpPr>
-          <p:cNvPr id="194" name="Straight Connector 193">
-            <a:extLst>
-              <a:ext uri="{FF2B5EF4-FFF2-40B4-BE49-F238E27FC236}">
-                <a16:creationId xmlns:a16="http://schemas.microsoft.com/office/drawing/2014/main" id="{CBA161A4-7B82-4802-984C-052C76EDFA06}"/>
-              </a:ext>
-            </a:extLst>
-          </p:cNvPr>
-          <p:cNvCxnSpPr>
-            <a:cxnSpLocks/>
-          </p:cNvCxnSpPr>
-          <p:nvPr/>
-        </p:nvCxnSpPr>
-        <p:spPr>
-          <a:xfrm flipV="1">
-            <a:off x="7236095" y="1669510"/>
-            <a:ext cx="0" cy="519598"/>
-          </a:xfrm>
-          <a:prstGeom prst="line">
-            <a:avLst/>
-          </a:prstGeom>
-          <a:ln w="12700">
-            <a:solidFill>
-              <a:schemeClr val="tx1"/>
-            </a:solidFill>
-            <a:prstDash val="solid"/>
-          </a:ln>
-        </p:spPr>
-        <p:style>
-          <a:lnRef idx="1">
-            <a:schemeClr val="accent1"/>
-          </a:lnRef>
-          <a:fillRef idx="0">
-            <a:schemeClr val="accent1"/>
-          </a:fillRef>
-          <a:effectRef idx="0">
-            <a:schemeClr val="accent1"/>
-          </a:effectRef>
-          <a:fontRef idx="minor">
-            <a:schemeClr val="tx1"/>
-          </a:fontRef>
-        </p:style>
-      </p:cxnSp>
-      <p:sp>
-        <p:nvSpPr>
-          <p:cNvPr id="195" name="TextBox 194">
-            <a:extLst>
-              <a:ext uri="{FF2B5EF4-FFF2-40B4-BE49-F238E27FC236}">
-                <a16:creationId xmlns:a16="http://schemas.microsoft.com/office/drawing/2014/main" id="{5721677B-DCD0-4E2B-8E38-F4C8088EB914}"/>
-              </a:ext>
-            </a:extLst>
-          </p:cNvPr>
-          <p:cNvSpPr txBox="1"/>
-          <p:nvPr/>
-        </p:nvSpPr>
-        <p:spPr>
-          <a:xfrm>
-            <a:off x="8151474" y="2938588"/>
-            <a:ext cx="1277273" cy="461665"/>
-          </a:xfrm>
-          <a:prstGeom prst="rect">
-            <a:avLst/>
-          </a:prstGeom>
-          <a:noFill/>
-        </p:spPr>
-        <p:txBody>
-          <a:bodyPr wrap="none" rtlCol="0">
-            <a:spAutoFit/>
-          </a:bodyPr>
-          <a:lstStyle/>
-          <a:p>
-            <a:r>
-              <a:rPr lang="en-US" sz="2400" b="1" i="1" dirty="0"/>
-              <a:t>RE-ZERO</a:t>
-            </a:r>
-          </a:p>
-        </p:txBody>
-      </p:sp>
-      <p:sp>
-        <p:nvSpPr>
-          <p:cNvPr id="197" name="TextBox 196">
-            <a:extLst>
-              <a:ext uri="{FF2B5EF4-FFF2-40B4-BE49-F238E27FC236}">
-                <a16:creationId xmlns:a16="http://schemas.microsoft.com/office/drawing/2014/main" id="{983E28A2-E4BA-4FC2-B7DA-C8F818FAE187}"/>
-              </a:ext>
-            </a:extLst>
-          </p:cNvPr>
-          <p:cNvSpPr txBox="1"/>
-          <p:nvPr/>
-        </p:nvSpPr>
-        <p:spPr>
-          <a:xfrm>
-            <a:off x="3805089" y="4679022"/>
-            <a:ext cx="1345689" cy="523220"/>
-          </a:xfrm>
-          <a:prstGeom prst="rect">
-            <a:avLst/>
-          </a:prstGeom>
-          <a:noFill/>
-        </p:spPr>
-        <p:txBody>
-          <a:bodyPr wrap="none" rtlCol="0">
-            <a:spAutoFit/>
-          </a:bodyPr>
-          <a:lstStyle/>
-          <a:p>
-            <a:r>
-              <a:rPr lang="en-US" sz="2800" b="1" i="1" dirty="0"/>
-              <a:t>REZERO</a:t>
-            </a:r>
-          </a:p>
-        </p:txBody>
-      </p:sp>
-      <p:sp>
-        <p:nvSpPr>
-          <p:cNvPr id="200" name="Rectangle 199">
-            <a:extLst>
-              <a:ext uri="{FF2B5EF4-FFF2-40B4-BE49-F238E27FC236}">
-                <a16:creationId xmlns:a16="http://schemas.microsoft.com/office/drawing/2014/main" id="{2722C8C7-18D8-4951-8EB9-3DC7451D5C6B}"/>
-              </a:ext>
-            </a:extLst>
-          </p:cNvPr>
-          <p:cNvSpPr/>
-          <p:nvPr/>
-        </p:nvSpPr>
-        <p:spPr>
-          <a:xfrm>
-            <a:off x="5030206" y="4460580"/>
-            <a:ext cx="929257" cy="923330"/>
-          </a:xfrm>
-          <a:prstGeom prst="rect">
-            <a:avLst/>
-          </a:prstGeom>
-          <a:noFill/>
-        </p:spPr>
-        <p:txBody>
-          <a:bodyPr wrap="square" lIns="91440" tIns="45720" rIns="91440" bIns="45720">
-            <a:spAutoFit/>
-          </a:bodyPr>
-          <a:lstStyle/>
-          <a:p>
-            <a:pPr algn="ctr"/>
-            <a:r>
-              <a:rPr lang="en-US" sz="5400" dirty="0">
-                <a:ln w="0"/>
-                <a:solidFill>
-                  <a:schemeClr val="accent2">
-                    <a:lumMod val="75000"/>
-                  </a:schemeClr>
-                </a:solidFill>
-                <a:latin typeface="Cambria Math" panose="02040503050406030204" pitchFamily="18" charset="0"/>
-                <a:ea typeface="Cambria Math" panose="02040503050406030204" pitchFamily="18" charset="0"/>
-                <a:cs typeface="Consolas" panose="020B0609020204030204" pitchFamily="49" charset="0"/>
-              </a:rPr>
-              <a:t>0</a:t>
-            </a:r>
-          </a:p>
-        </p:txBody>
-      </p:sp>
-      <p:sp>
-        <p:nvSpPr>
-          <p:cNvPr id="201" name="Right Arrow 34">
-            <a:extLst>
-              <a:ext uri="{FF2B5EF4-FFF2-40B4-BE49-F238E27FC236}">
-                <a16:creationId xmlns:a16="http://schemas.microsoft.com/office/drawing/2014/main" id="{CF82C55B-9E9F-445C-B6D5-31D0CEA0AEEE}"/>
-              </a:ext>
-            </a:extLst>
-          </p:cNvPr>
-          <p:cNvSpPr/>
-          <p:nvPr/>
-        </p:nvSpPr>
-        <p:spPr>
-          <a:xfrm>
-            <a:off x="5089904" y="4803340"/>
-            <a:ext cx="312144" cy="279306"/>
-          </a:xfrm>
-          <a:prstGeom prst="rightArrow">
-            <a:avLst/>
-          </a:prstGeom>
-          <a:solidFill>
-            <a:srgbClr val="0070C0"/>
-          </a:solidFill>
-          <a:ln w="28575">
-            <a:solidFill>
-              <a:schemeClr val="bg1"/>
-            </a:solidFill>
-          </a:ln>
-        </p:spPr>
-        <p:style>
-          <a:lnRef idx="2">
-            <a:schemeClr val="accent1">
-              <a:shade val="50000"/>
-            </a:schemeClr>
-          </a:lnRef>
-          <a:fillRef idx="1">
-            <a:schemeClr val="accent1"/>
-          </a:fillRef>
-          <a:effectRef idx="0">
-            <a:schemeClr val="accent1"/>
-          </a:effectRef>
-          <a:fontRef idx="minor">
-            <a:schemeClr val="lt1"/>
-          </a:fontRef>
-        </p:style>
-        <p:txBody>
-          <a:bodyPr rtlCol="0" anchor="ctr"/>
-          <a:lstStyle/>
-          <a:p>
-            <a:pPr algn="ctr"/>
-            <a:endParaRPr lang="en-US" dirty="0"/>
-          </a:p>
-        </p:txBody>
-      </p:sp>
-      <p:sp>
-        <p:nvSpPr>
-          <p:cNvPr id="202" name="Rectangle 201">
-            <a:extLst>
-              <a:ext uri="{FF2B5EF4-FFF2-40B4-BE49-F238E27FC236}">
-                <a16:creationId xmlns:a16="http://schemas.microsoft.com/office/drawing/2014/main" id="{4C4DE44E-1F95-4C09-BF86-F562EE402AFE}"/>
-              </a:ext>
-            </a:extLst>
-          </p:cNvPr>
-          <p:cNvSpPr>
-            <a:spLocks noChangeAspect="1"/>
-          </p:cNvSpPr>
-          <p:nvPr/>
-        </p:nvSpPr>
-        <p:spPr>
-          <a:xfrm>
-            <a:off x="3706612" y="4589810"/>
-            <a:ext cx="2166475" cy="635333"/>
-          </a:xfrm>
-          <a:prstGeom prst="rect">
-            <a:avLst/>
-          </a:prstGeom>
-          <a:noFill/>
-          <a:ln w="9525">
-            <a:solidFill>
-              <a:schemeClr val="tx1"/>
-            </a:solidFill>
-            <a:prstDash val="solid"/>
-          </a:ln>
-        </p:spPr>
-        <p:style>
-          <a:lnRef idx="2">
-            <a:schemeClr val="accent1">
-              <a:shade val="50000"/>
-            </a:schemeClr>
-          </a:lnRef>
-          <a:fillRef idx="1">
-            <a:schemeClr val="accent1"/>
-          </a:fillRef>
-          <a:effectRef idx="0">
-            <a:schemeClr val="accent1"/>
-          </a:effectRef>
-          <a:fontRef idx="minor">
-            <a:schemeClr val="lt1"/>
-          </a:fontRef>
-        </p:style>
-        <p:txBody>
-          <a:bodyPr rtlCol="0" anchor="ctr"/>
-          <a:lstStyle/>
-          <a:p>
-            <a:pPr algn="ctr"/>
-            <a:endParaRPr lang="en-US"/>
-          </a:p>
-        </p:txBody>
-      </p:sp>
-    </p:spTree>
-    <p:extLst>
-      <p:ext uri="{BB962C8B-B14F-4D97-AF65-F5344CB8AC3E}">
-        <p14:creationId xmlns:p14="http://schemas.microsoft.com/office/powerpoint/2010/main" val="2471818340"/>
       </p:ext>
     </p:extLst>
   </p:cSld>

--- a/images/IOLabWebImages.pptx
+++ b/images/IOLabWebImages.pptx
@@ -12301,8 +12301,8 @@
         </p:nvGrpSpPr>
         <p:grpSpPr>
           <a:xfrm>
-            <a:off x="3018670" y="4390374"/>
-            <a:ext cx="771984" cy="744252"/>
+            <a:off x="3114660" y="4482916"/>
+            <a:ext cx="580004" cy="559168"/>
             <a:chOff x="2890907" y="4267200"/>
             <a:chExt cx="1027510" cy="990600"/>
           </a:xfrm>
@@ -12416,6 +12416,61 @@
           </p:txBody>
         </p:sp>
       </p:grpSp>
+      <p:sp>
+        <p:nvSpPr>
+          <p:cNvPr id="170" name="Rectangle 169">
+            <a:extLst>
+              <a:ext uri="{FF2B5EF4-FFF2-40B4-BE49-F238E27FC236}">
+                <a16:creationId xmlns:a16="http://schemas.microsoft.com/office/drawing/2014/main" id="{8BF16197-9CA6-463D-BB35-CEAB893D1AF2}"/>
+              </a:ext>
+            </a:extLst>
+          </p:cNvPr>
+          <p:cNvSpPr>
+            <a:spLocks noChangeAspect="1"/>
+          </p:cNvSpPr>
+          <p:nvPr/>
+        </p:nvSpPr>
+        <p:spPr>
+          <a:xfrm>
+            <a:off x="2990982" y="4337358"/>
+            <a:ext cx="838200" cy="838200"/>
+          </a:xfrm>
+          <a:prstGeom prst="rect">
+            <a:avLst/>
+          </a:prstGeom>
+          <a:noFill/>
+          <a:ln w="9525">
+            <a:solidFill>
+              <a:schemeClr val="tx1"/>
+            </a:solidFill>
+            <a:prstDash val="solid"/>
+          </a:ln>
+        </p:spPr>
+        <p:style>
+          <a:lnRef idx="2">
+            <a:schemeClr val="accent1">
+              <a:shade val="50000"/>
+            </a:schemeClr>
+          </a:lnRef>
+          <a:fillRef idx="1">
+            <a:schemeClr val="accent1"/>
+          </a:fillRef>
+          <a:effectRef idx="0">
+            <a:schemeClr val="accent1"/>
+          </a:effectRef>
+          <a:fontRef idx="minor">
+            <a:schemeClr val="lt1"/>
+          </a:fontRef>
+        </p:style>
+        <p:txBody>
+          <a:bodyPr rtlCol="0" anchor="ctr"/>
+          <a:lstStyle/>
+          <a:p>
+            <a:pPr algn="ctr"/>
+            <a:endParaRPr lang="en-US"/>
+          </a:p>
+        </p:txBody>
+      </p:sp>
     </p:spTree>
     <p:extLst>
       <p:ext uri="{BB962C8B-B14F-4D97-AF65-F5344CB8AC3E}">

--- a/images/IOLabWebImages.pptx
+++ b/images/IOLabWebImages.pptx
@@ -270,7 +270,7 @@
           <a:p>
             <a:fld id="{3166A43E-CA75-4AF3-8026-58F4B8954506}" type="datetimeFigureOut">
               <a:rPr lang="en-US" smtClean="0"/>
-              <a:t>3/30/2021</a:t>
+              <a:t>3/31/2021</a:t>
             </a:fld>
             <a:endParaRPr lang="en-US"/>
           </a:p>
@@ -468,7 +468,7 @@
           <a:p>
             <a:fld id="{3166A43E-CA75-4AF3-8026-58F4B8954506}" type="datetimeFigureOut">
               <a:rPr lang="en-US" smtClean="0"/>
-              <a:t>3/30/2021</a:t>
+              <a:t>3/31/2021</a:t>
             </a:fld>
             <a:endParaRPr lang="en-US"/>
           </a:p>
@@ -676,7 +676,7 @@
           <a:p>
             <a:fld id="{3166A43E-CA75-4AF3-8026-58F4B8954506}" type="datetimeFigureOut">
               <a:rPr lang="en-US" smtClean="0"/>
-              <a:t>3/30/2021</a:t>
+              <a:t>3/31/2021</a:t>
             </a:fld>
             <a:endParaRPr lang="en-US"/>
           </a:p>
@@ -874,7 +874,7 @@
           <a:p>
             <a:fld id="{3166A43E-CA75-4AF3-8026-58F4B8954506}" type="datetimeFigureOut">
               <a:rPr lang="en-US" smtClean="0"/>
-              <a:t>3/30/2021</a:t>
+              <a:t>3/31/2021</a:t>
             </a:fld>
             <a:endParaRPr lang="en-US"/>
           </a:p>
@@ -1149,7 +1149,7 @@
           <a:p>
             <a:fld id="{3166A43E-CA75-4AF3-8026-58F4B8954506}" type="datetimeFigureOut">
               <a:rPr lang="en-US" smtClean="0"/>
-              <a:t>3/30/2021</a:t>
+              <a:t>3/31/2021</a:t>
             </a:fld>
             <a:endParaRPr lang="en-US"/>
           </a:p>
@@ -1414,7 +1414,7 @@
           <a:p>
             <a:fld id="{3166A43E-CA75-4AF3-8026-58F4B8954506}" type="datetimeFigureOut">
               <a:rPr lang="en-US" smtClean="0"/>
-              <a:t>3/30/2021</a:t>
+              <a:t>3/31/2021</a:t>
             </a:fld>
             <a:endParaRPr lang="en-US"/>
           </a:p>
@@ -1826,7 +1826,7 @@
           <a:p>
             <a:fld id="{3166A43E-CA75-4AF3-8026-58F4B8954506}" type="datetimeFigureOut">
               <a:rPr lang="en-US" smtClean="0"/>
-              <a:t>3/30/2021</a:t>
+              <a:t>3/31/2021</a:t>
             </a:fld>
             <a:endParaRPr lang="en-US"/>
           </a:p>
@@ -1967,7 +1967,7 @@
           <a:p>
             <a:fld id="{3166A43E-CA75-4AF3-8026-58F4B8954506}" type="datetimeFigureOut">
               <a:rPr lang="en-US" smtClean="0"/>
-              <a:t>3/30/2021</a:t>
+              <a:t>3/31/2021</a:t>
             </a:fld>
             <a:endParaRPr lang="en-US"/>
           </a:p>
@@ -2080,7 +2080,7 @@
           <a:p>
             <a:fld id="{3166A43E-CA75-4AF3-8026-58F4B8954506}" type="datetimeFigureOut">
               <a:rPr lang="en-US" smtClean="0"/>
-              <a:t>3/30/2021</a:t>
+              <a:t>3/31/2021</a:t>
             </a:fld>
             <a:endParaRPr lang="en-US"/>
           </a:p>
@@ -2391,7 +2391,7 @@
           <a:p>
             <a:fld id="{3166A43E-CA75-4AF3-8026-58F4B8954506}" type="datetimeFigureOut">
               <a:rPr lang="en-US" smtClean="0"/>
-              <a:t>3/30/2021</a:t>
+              <a:t>3/31/2021</a:t>
             </a:fld>
             <a:endParaRPr lang="en-US"/>
           </a:p>
@@ -2679,7 +2679,7 @@
           <a:p>
             <a:fld id="{3166A43E-CA75-4AF3-8026-58F4B8954506}" type="datetimeFigureOut">
               <a:rPr lang="en-US" smtClean="0"/>
-              <a:t>3/30/2021</a:t>
+              <a:t>3/31/2021</a:t>
             </a:fld>
             <a:endParaRPr lang="en-US"/>
           </a:p>
@@ -2920,7 +2920,7 @@
           <a:p>
             <a:fld id="{3166A43E-CA75-4AF3-8026-58F4B8954506}" type="datetimeFigureOut">
               <a:rPr lang="en-US" smtClean="0"/>
-              <a:t>3/30/2021</a:t>
+              <a:t>3/31/2021</a:t>
             </a:fld>
             <a:endParaRPr lang="en-US"/>
           </a:p>
@@ -12471,6 +12471,181 @@
           </a:p>
         </p:txBody>
       </p:sp>
+      <p:sp>
+        <p:nvSpPr>
+          <p:cNvPr id="172" name="Wave 171">
+            <a:extLst>
+              <a:ext uri="{FF2B5EF4-FFF2-40B4-BE49-F238E27FC236}">
+                <a16:creationId xmlns:a16="http://schemas.microsoft.com/office/drawing/2014/main" id="{9AED0516-7E7E-4F79-B595-E53B7CC0D069}"/>
+              </a:ext>
+            </a:extLst>
+          </p:cNvPr>
+          <p:cNvSpPr/>
+          <p:nvPr/>
+        </p:nvSpPr>
+        <p:spPr>
+          <a:xfrm>
+            <a:off x="10136250" y="5019309"/>
+            <a:ext cx="1065150" cy="627387"/>
+          </a:xfrm>
+          <a:prstGeom prst="wave">
+            <a:avLst>
+              <a:gd name="adj1" fmla="val 0"/>
+              <a:gd name="adj2" fmla="val 0"/>
+            </a:avLst>
+          </a:prstGeom>
+          <a:solidFill>
+            <a:srgbClr val="FFFF99"/>
+          </a:solidFill>
+        </p:spPr>
+        <p:style>
+          <a:lnRef idx="2">
+            <a:schemeClr val="accent1">
+              <a:shade val="50000"/>
+            </a:schemeClr>
+          </a:lnRef>
+          <a:fillRef idx="1">
+            <a:schemeClr val="accent1"/>
+          </a:fillRef>
+          <a:effectRef idx="0">
+            <a:schemeClr val="accent1"/>
+          </a:effectRef>
+          <a:fontRef idx="minor">
+            <a:schemeClr val="lt1"/>
+          </a:fontRef>
+        </p:style>
+        <p:txBody>
+          <a:bodyPr rtlCol="0" anchor="ctr"/>
+          <a:lstStyle/>
+          <a:p>
+            <a:pPr algn="ctr"/>
+            <a:endParaRPr lang="en-US"/>
+          </a:p>
+        </p:txBody>
+      </p:sp>
+      <p:sp>
+        <p:nvSpPr>
+          <p:cNvPr id="176" name="TextBox 175">
+            <a:extLst>
+              <a:ext uri="{FF2B5EF4-FFF2-40B4-BE49-F238E27FC236}">
+                <a16:creationId xmlns:a16="http://schemas.microsoft.com/office/drawing/2014/main" id="{B5AF88F5-2D34-49C9-8EB3-76A4C6DB6F8A}"/>
+              </a:ext>
+            </a:extLst>
+          </p:cNvPr>
+          <p:cNvSpPr txBox="1"/>
+          <p:nvPr/>
+        </p:nvSpPr>
+        <p:spPr>
+          <a:xfrm>
+            <a:off x="10136250" y="5019308"/>
+            <a:ext cx="1148071" cy="584775"/>
+          </a:xfrm>
+          <a:prstGeom prst="rect">
+            <a:avLst/>
+          </a:prstGeom>
+          <a:noFill/>
+        </p:spPr>
+        <p:txBody>
+          <a:bodyPr wrap="none" rtlCol="0">
+            <a:spAutoFit/>
+          </a:bodyPr>
+          <a:lstStyle/>
+          <a:p>
+            <a:r>
+              <a:rPr lang="en-US" sz="3200" dirty="0"/>
+              <a:t>&lt;.js/&gt;</a:t>
+            </a:r>
+          </a:p>
+        </p:txBody>
+      </p:sp>
+      <p:sp>
+        <p:nvSpPr>
+          <p:cNvPr id="54" name="Explosion: 14 Points 53">
+            <a:extLst>
+              <a:ext uri="{FF2B5EF4-FFF2-40B4-BE49-F238E27FC236}">
+                <a16:creationId xmlns:a16="http://schemas.microsoft.com/office/drawing/2014/main" id="{BEB407E9-ADAA-469D-84B3-DD5044E1E6CB}"/>
+              </a:ext>
+            </a:extLst>
+          </p:cNvPr>
+          <p:cNvSpPr/>
+          <p:nvPr/>
+        </p:nvSpPr>
+        <p:spPr>
+          <a:xfrm rot="823065">
+            <a:off x="7315200" y="4444279"/>
+            <a:ext cx="1047620" cy="692642"/>
+          </a:xfrm>
+          <a:prstGeom prst="irregularSeal2">
+            <a:avLst/>
+          </a:prstGeom>
+          <a:solidFill>
+            <a:srgbClr val="FFFF00"/>
+          </a:solidFill>
+        </p:spPr>
+        <p:style>
+          <a:lnRef idx="2">
+            <a:schemeClr val="accent1">
+              <a:shade val="50000"/>
+            </a:schemeClr>
+          </a:lnRef>
+          <a:fillRef idx="1">
+            <a:schemeClr val="accent1"/>
+          </a:fillRef>
+          <a:effectRef idx="0">
+            <a:schemeClr val="accent1"/>
+          </a:effectRef>
+          <a:fontRef idx="minor">
+            <a:schemeClr val="lt1"/>
+          </a:fontRef>
+        </p:style>
+        <p:txBody>
+          <a:bodyPr rtlCol="0" anchor="ctr"/>
+          <a:lstStyle/>
+          <a:p>
+            <a:pPr algn="ctr"/>
+            <a:endParaRPr lang="en-US"/>
+          </a:p>
+        </p:txBody>
+      </p:sp>
+      <p:sp>
+        <p:nvSpPr>
+          <p:cNvPr id="55" name="TextBox 54">
+            <a:extLst>
+              <a:ext uri="{FF2B5EF4-FFF2-40B4-BE49-F238E27FC236}">
+                <a16:creationId xmlns:a16="http://schemas.microsoft.com/office/drawing/2014/main" id="{E1C2059A-D37D-484A-AB95-4C52C01F3BDC}"/>
+              </a:ext>
+            </a:extLst>
+          </p:cNvPr>
+          <p:cNvSpPr txBox="1"/>
+          <p:nvPr/>
+        </p:nvSpPr>
+        <p:spPr>
+          <a:xfrm>
+            <a:off x="7442949" y="4629489"/>
+            <a:ext cx="710451" cy="400110"/>
+          </a:xfrm>
+          <a:prstGeom prst="rect">
+            <a:avLst/>
+          </a:prstGeom>
+          <a:noFill/>
+        </p:spPr>
+        <p:txBody>
+          <a:bodyPr wrap="none" rtlCol="0">
+            <a:spAutoFit/>
+          </a:bodyPr>
+          <a:lstStyle/>
+          <a:p>
+            <a:r>
+              <a:rPr lang="en-US" sz="2000" b="1" dirty="0">
+                <a:solidFill>
+                  <a:srgbClr val="FF0000"/>
+                </a:solidFill>
+              </a:rPr>
+              <a:t>NEW</a:t>
+            </a:r>
+          </a:p>
+        </p:txBody>
+      </p:sp>
     </p:spTree>
     <p:extLst>
       <p:ext uri="{BB962C8B-B14F-4D97-AF65-F5344CB8AC3E}">

--- a/images/IOLabWebImages.pptx
+++ b/images/IOLabWebImages.pptx
@@ -270,7 +270,7 @@
           <a:p>
             <a:fld id="{3166A43E-CA75-4AF3-8026-58F4B8954506}" type="datetimeFigureOut">
               <a:rPr lang="en-US" smtClean="0"/>
-              <a:t>3/31/2021</a:t>
+              <a:t>4/1/2021</a:t>
             </a:fld>
             <a:endParaRPr lang="en-US"/>
           </a:p>
@@ -468,7 +468,7 @@
           <a:p>
             <a:fld id="{3166A43E-CA75-4AF3-8026-58F4B8954506}" type="datetimeFigureOut">
               <a:rPr lang="en-US" smtClean="0"/>
-              <a:t>3/31/2021</a:t>
+              <a:t>4/1/2021</a:t>
             </a:fld>
             <a:endParaRPr lang="en-US"/>
           </a:p>
@@ -676,7 +676,7 @@
           <a:p>
             <a:fld id="{3166A43E-CA75-4AF3-8026-58F4B8954506}" type="datetimeFigureOut">
               <a:rPr lang="en-US" smtClean="0"/>
-              <a:t>3/31/2021</a:t>
+              <a:t>4/1/2021</a:t>
             </a:fld>
             <a:endParaRPr lang="en-US"/>
           </a:p>
@@ -874,7 +874,7 @@
           <a:p>
             <a:fld id="{3166A43E-CA75-4AF3-8026-58F4B8954506}" type="datetimeFigureOut">
               <a:rPr lang="en-US" smtClean="0"/>
-              <a:t>3/31/2021</a:t>
+              <a:t>4/1/2021</a:t>
             </a:fld>
             <a:endParaRPr lang="en-US"/>
           </a:p>
@@ -1149,7 +1149,7 @@
           <a:p>
             <a:fld id="{3166A43E-CA75-4AF3-8026-58F4B8954506}" type="datetimeFigureOut">
               <a:rPr lang="en-US" smtClean="0"/>
-              <a:t>3/31/2021</a:t>
+              <a:t>4/1/2021</a:t>
             </a:fld>
             <a:endParaRPr lang="en-US"/>
           </a:p>
@@ -1414,7 +1414,7 @@
           <a:p>
             <a:fld id="{3166A43E-CA75-4AF3-8026-58F4B8954506}" type="datetimeFigureOut">
               <a:rPr lang="en-US" smtClean="0"/>
-              <a:t>3/31/2021</a:t>
+              <a:t>4/1/2021</a:t>
             </a:fld>
             <a:endParaRPr lang="en-US"/>
           </a:p>
@@ -1826,7 +1826,7 @@
           <a:p>
             <a:fld id="{3166A43E-CA75-4AF3-8026-58F4B8954506}" type="datetimeFigureOut">
               <a:rPr lang="en-US" smtClean="0"/>
-              <a:t>3/31/2021</a:t>
+              <a:t>4/1/2021</a:t>
             </a:fld>
             <a:endParaRPr lang="en-US"/>
           </a:p>
@@ -1967,7 +1967,7 @@
           <a:p>
             <a:fld id="{3166A43E-CA75-4AF3-8026-58F4B8954506}" type="datetimeFigureOut">
               <a:rPr lang="en-US" smtClean="0"/>
-              <a:t>3/31/2021</a:t>
+              <a:t>4/1/2021</a:t>
             </a:fld>
             <a:endParaRPr lang="en-US"/>
           </a:p>
@@ -2080,7 +2080,7 @@
           <a:p>
             <a:fld id="{3166A43E-CA75-4AF3-8026-58F4B8954506}" type="datetimeFigureOut">
               <a:rPr lang="en-US" smtClean="0"/>
-              <a:t>3/31/2021</a:t>
+              <a:t>4/1/2021</a:t>
             </a:fld>
             <a:endParaRPr lang="en-US"/>
           </a:p>
@@ -2391,7 +2391,7 @@
           <a:p>
             <a:fld id="{3166A43E-CA75-4AF3-8026-58F4B8954506}" type="datetimeFigureOut">
               <a:rPr lang="en-US" smtClean="0"/>
-              <a:t>3/31/2021</a:t>
+              <a:t>4/1/2021</a:t>
             </a:fld>
             <a:endParaRPr lang="en-US"/>
           </a:p>
@@ -2679,7 +2679,7 @@
           <a:p>
             <a:fld id="{3166A43E-CA75-4AF3-8026-58F4B8954506}" type="datetimeFigureOut">
               <a:rPr lang="en-US" smtClean="0"/>
-              <a:t>3/31/2021</a:t>
+              <a:t>4/1/2021</a:t>
             </a:fld>
             <a:endParaRPr lang="en-US"/>
           </a:p>
@@ -2920,7 +2920,7 @@
           <a:p>
             <a:fld id="{3166A43E-CA75-4AF3-8026-58F4B8954506}" type="datetimeFigureOut">
               <a:rPr lang="en-US" smtClean="0"/>
-              <a:t>3/31/2021</a:t>
+              <a:t>4/1/2021</a:t>
             </a:fld>
             <a:endParaRPr lang="en-US"/>
           </a:p>
@@ -12646,6 +12646,114 @@
           </a:p>
         </p:txBody>
       </p:sp>
+      <p:sp>
+        <p:nvSpPr>
+          <p:cNvPr id="171" name="Arc 170">
+            <a:extLst>
+              <a:ext uri="{FF2B5EF4-FFF2-40B4-BE49-F238E27FC236}">
+                <a16:creationId xmlns:a16="http://schemas.microsoft.com/office/drawing/2014/main" id="{BA262071-35BB-4E33-A68E-EE426FA98F14}"/>
+              </a:ext>
+            </a:extLst>
+          </p:cNvPr>
+          <p:cNvSpPr/>
+          <p:nvPr/>
+        </p:nvSpPr>
+        <p:spPr>
+          <a:xfrm>
+            <a:off x="3427028" y="5691053"/>
+            <a:ext cx="260068" cy="250726"/>
+          </a:xfrm>
+          <a:prstGeom prst="arc">
+            <a:avLst>
+              <a:gd name="adj1" fmla="val 6527583"/>
+              <a:gd name="adj2" fmla="val 3998025"/>
+            </a:avLst>
+          </a:prstGeom>
+          <a:ln w="76200">
+            <a:solidFill>
+              <a:srgbClr val="00B050"/>
+            </a:solidFill>
+            <a:headEnd type="none" w="med" len="med"/>
+            <a:tailEnd type="none" w="med" len="med"/>
+          </a:ln>
+        </p:spPr>
+        <p:style>
+          <a:lnRef idx="1">
+            <a:schemeClr val="accent1"/>
+          </a:lnRef>
+          <a:fillRef idx="0">
+            <a:schemeClr val="accent1"/>
+          </a:fillRef>
+          <a:effectRef idx="0">
+            <a:schemeClr val="accent1"/>
+          </a:effectRef>
+          <a:fontRef idx="minor">
+            <a:schemeClr val="tx1"/>
+          </a:fontRef>
+        </p:style>
+        <p:txBody>
+          <a:bodyPr rtlCol="0" anchor="ctr"/>
+          <a:lstStyle/>
+          <a:p>
+            <a:pPr algn="ctr"/>
+            <a:endParaRPr lang="en-US"/>
+          </a:p>
+        </p:txBody>
+      </p:sp>
+      <p:sp>
+        <p:nvSpPr>
+          <p:cNvPr id="177" name="Arc 176">
+            <a:extLst>
+              <a:ext uri="{FF2B5EF4-FFF2-40B4-BE49-F238E27FC236}">
+                <a16:creationId xmlns:a16="http://schemas.microsoft.com/office/drawing/2014/main" id="{C59B65A0-F298-4B3C-A10F-FFDC8D96A037}"/>
+              </a:ext>
+            </a:extLst>
+          </p:cNvPr>
+          <p:cNvSpPr/>
+          <p:nvPr/>
+        </p:nvSpPr>
+        <p:spPr>
+          <a:xfrm>
+            <a:off x="3351835" y="5619027"/>
+            <a:ext cx="409486" cy="394778"/>
+          </a:xfrm>
+          <a:prstGeom prst="arc">
+            <a:avLst>
+              <a:gd name="adj1" fmla="val 6504366"/>
+              <a:gd name="adj2" fmla="val 4037979"/>
+            </a:avLst>
+          </a:prstGeom>
+          <a:ln w="76200">
+            <a:solidFill>
+              <a:srgbClr val="00B050"/>
+            </a:solidFill>
+            <a:headEnd type="none" w="med" len="med"/>
+            <a:tailEnd type="none" w="med" len="med"/>
+          </a:ln>
+        </p:spPr>
+        <p:style>
+          <a:lnRef idx="1">
+            <a:schemeClr val="accent1"/>
+          </a:lnRef>
+          <a:fillRef idx="0">
+            <a:schemeClr val="accent1"/>
+          </a:fillRef>
+          <a:effectRef idx="0">
+            <a:schemeClr val="accent1"/>
+          </a:effectRef>
+          <a:fontRef idx="minor">
+            <a:schemeClr val="tx1"/>
+          </a:fontRef>
+        </p:style>
+        <p:txBody>
+          <a:bodyPr rtlCol="0" anchor="ctr"/>
+          <a:lstStyle/>
+          <a:p>
+            <a:pPr algn="ctr"/>
+            <a:endParaRPr lang="en-US"/>
+          </a:p>
+        </p:txBody>
+      </p:sp>
     </p:spTree>
     <p:extLst>
       <p:ext uri="{BB962C8B-B14F-4D97-AF65-F5344CB8AC3E}">

--- a/images/IOLabWebImages.pptx
+++ b/images/IOLabWebImages.pptx
@@ -270,7 +270,7 @@
           <a:p>
             <a:fld id="{3166A43E-CA75-4AF3-8026-58F4B8954506}" type="datetimeFigureOut">
               <a:rPr lang="en-US" smtClean="0"/>
-              <a:t>4/1/2021</a:t>
+              <a:t>4/8/2021</a:t>
             </a:fld>
             <a:endParaRPr lang="en-US"/>
           </a:p>
@@ -468,7 +468,7 @@
           <a:p>
             <a:fld id="{3166A43E-CA75-4AF3-8026-58F4B8954506}" type="datetimeFigureOut">
               <a:rPr lang="en-US" smtClean="0"/>
-              <a:t>4/1/2021</a:t>
+              <a:t>4/8/2021</a:t>
             </a:fld>
             <a:endParaRPr lang="en-US"/>
           </a:p>
@@ -676,7 +676,7 @@
           <a:p>
             <a:fld id="{3166A43E-CA75-4AF3-8026-58F4B8954506}" type="datetimeFigureOut">
               <a:rPr lang="en-US" smtClean="0"/>
-              <a:t>4/1/2021</a:t>
+              <a:t>4/8/2021</a:t>
             </a:fld>
             <a:endParaRPr lang="en-US"/>
           </a:p>
@@ -874,7 +874,7 @@
           <a:p>
             <a:fld id="{3166A43E-CA75-4AF3-8026-58F4B8954506}" type="datetimeFigureOut">
               <a:rPr lang="en-US" smtClean="0"/>
-              <a:t>4/1/2021</a:t>
+              <a:t>4/8/2021</a:t>
             </a:fld>
             <a:endParaRPr lang="en-US"/>
           </a:p>
@@ -1149,7 +1149,7 @@
           <a:p>
             <a:fld id="{3166A43E-CA75-4AF3-8026-58F4B8954506}" type="datetimeFigureOut">
               <a:rPr lang="en-US" smtClean="0"/>
-              <a:t>4/1/2021</a:t>
+              <a:t>4/8/2021</a:t>
             </a:fld>
             <a:endParaRPr lang="en-US"/>
           </a:p>
@@ -1414,7 +1414,7 @@
           <a:p>
             <a:fld id="{3166A43E-CA75-4AF3-8026-58F4B8954506}" type="datetimeFigureOut">
               <a:rPr lang="en-US" smtClean="0"/>
-              <a:t>4/1/2021</a:t>
+              <a:t>4/8/2021</a:t>
             </a:fld>
             <a:endParaRPr lang="en-US"/>
           </a:p>
@@ -1826,7 +1826,7 @@
           <a:p>
             <a:fld id="{3166A43E-CA75-4AF3-8026-58F4B8954506}" type="datetimeFigureOut">
               <a:rPr lang="en-US" smtClean="0"/>
-              <a:t>4/1/2021</a:t>
+              <a:t>4/8/2021</a:t>
             </a:fld>
             <a:endParaRPr lang="en-US"/>
           </a:p>
@@ -1967,7 +1967,7 @@
           <a:p>
             <a:fld id="{3166A43E-CA75-4AF3-8026-58F4B8954506}" type="datetimeFigureOut">
               <a:rPr lang="en-US" smtClean="0"/>
-              <a:t>4/1/2021</a:t>
+              <a:t>4/8/2021</a:t>
             </a:fld>
             <a:endParaRPr lang="en-US"/>
           </a:p>
@@ -2080,7 +2080,7 @@
           <a:p>
             <a:fld id="{3166A43E-CA75-4AF3-8026-58F4B8954506}" type="datetimeFigureOut">
               <a:rPr lang="en-US" smtClean="0"/>
-              <a:t>4/1/2021</a:t>
+              <a:t>4/8/2021</a:t>
             </a:fld>
             <a:endParaRPr lang="en-US"/>
           </a:p>
@@ -2391,7 +2391,7 @@
           <a:p>
             <a:fld id="{3166A43E-CA75-4AF3-8026-58F4B8954506}" type="datetimeFigureOut">
               <a:rPr lang="en-US" smtClean="0"/>
-              <a:t>4/1/2021</a:t>
+              <a:t>4/8/2021</a:t>
             </a:fld>
             <a:endParaRPr lang="en-US"/>
           </a:p>
@@ -2679,7 +2679,7 @@
           <a:p>
             <a:fld id="{3166A43E-CA75-4AF3-8026-58F4B8954506}" type="datetimeFigureOut">
               <a:rPr lang="en-US" smtClean="0"/>
-              <a:t>4/1/2021</a:t>
+              <a:t>4/8/2021</a:t>
             </a:fld>
             <a:endParaRPr lang="en-US"/>
           </a:p>
@@ -2920,7 +2920,7 @@
           <a:p>
             <a:fld id="{3166A43E-CA75-4AF3-8026-58F4B8954506}" type="datetimeFigureOut">
               <a:rPr lang="en-US" smtClean="0"/>
-              <a:t>4/1/2021</a:t>
+              <a:t>4/8/2021</a:t>
             </a:fld>
             <a:endParaRPr lang="en-US"/>
           </a:p>
@@ -3337,6 +3337,63 @@
           <a:chExt cx="0" cy="0"/>
         </a:xfrm>
       </p:grpSpPr>
+      <p:sp>
+        <p:nvSpPr>
+          <p:cNvPr id="181" name="Arrow: Down 180">
+            <a:extLst>
+              <a:ext uri="{FF2B5EF4-FFF2-40B4-BE49-F238E27FC236}">
+                <a16:creationId xmlns:a16="http://schemas.microsoft.com/office/drawing/2014/main" id="{D02513AA-0596-4CB0-8CDB-E49DA35E240B}"/>
+              </a:ext>
+            </a:extLst>
+          </p:cNvPr>
+          <p:cNvSpPr/>
+          <p:nvPr/>
+        </p:nvSpPr>
+        <p:spPr>
+          <a:xfrm>
+            <a:off x="1629815" y="981932"/>
+            <a:ext cx="353147" cy="272424"/>
+          </a:xfrm>
+          <a:prstGeom prst="downArrow">
+            <a:avLst>
+              <a:gd name="adj1" fmla="val 39211"/>
+              <a:gd name="adj2" fmla="val 50000"/>
+            </a:avLst>
+          </a:prstGeom>
+          <a:solidFill>
+            <a:srgbClr val="00B0F0"/>
+          </a:solidFill>
+          <a:ln>
+            <a:solidFill>
+              <a:srgbClr val="00B0F0"/>
+            </a:solidFill>
+          </a:ln>
+        </p:spPr>
+        <p:style>
+          <a:lnRef idx="2">
+            <a:schemeClr val="accent1">
+              <a:shade val="50000"/>
+            </a:schemeClr>
+          </a:lnRef>
+          <a:fillRef idx="1">
+            <a:schemeClr val="accent1"/>
+          </a:fillRef>
+          <a:effectRef idx="0">
+            <a:schemeClr val="accent1"/>
+          </a:effectRef>
+          <a:fontRef idx="minor">
+            <a:schemeClr val="lt1"/>
+          </a:fontRef>
+        </p:style>
+        <p:txBody>
+          <a:bodyPr rtlCol="0" anchor="ctr"/>
+          <a:lstStyle/>
+          <a:p>
+            <a:pPr algn="ctr"/>
+            <a:endParaRPr lang="en-US"/>
+          </a:p>
+        </p:txBody>
+      </p:sp>
       <p:grpSp>
         <p:nvGrpSpPr>
           <p:cNvPr id="164" name="Group 163">
@@ -6854,8 +6911,8 @@
         </p:nvSpPr>
         <p:spPr>
           <a:xfrm>
-            <a:off x="2312598" y="1022569"/>
-            <a:ext cx="433132" cy="369332"/>
+            <a:off x="1534622" y="1082026"/>
+            <a:ext cx="549381" cy="369332"/>
           </a:xfrm>
           <a:prstGeom prst="rect">
             <a:avLst/>
@@ -6869,8 +6926,8 @@
           <a:lstStyle/>
           <a:p>
             <a:r>
-              <a:rPr lang="en-US" dirty="0"/>
-              <a:t>V0</a:t>
+              <a:rPr lang="en-US" b="1" dirty="0"/>
+              <a:t>CSV</a:t>
             </a:r>
           </a:p>
         </p:txBody>

--- a/images/IOLabWebImages.pptx
+++ b/images/IOLabWebImages.pptx
@@ -3351,7 +3351,7 @@
         </p:nvSpPr>
         <p:spPr>
           <a:xfrm>
-            <a:off x="1629815" y="981932"/>
+            <a:off x="1185976" y="982500"/>
             <a:ext cx="353147" cy="272424"/>
           </a:xfrm>
           <a:prstGeom prst="downArrow">
@@ -3361,11 +3361,11 @@
             </a:avLst>
           </a:prstGeom>
           <a:solidFill>
-            <a:srgbClr val="00B0F0"/>
+            <a:srgbClr val="FFC000"/>
           </a:solidFill>
           <a:ln>
             <a:solidFill>
-              <a:srgbClr val="00B0F0"/>
+              <a:schemeClr val="accent4"/>
             </a:solidFill>
           </a:ln>
         </p:spPr>
@@ -3782,7 +3782,7 @@
         </p:nvGrpSpPr>
         <p:grpSpPr>
           <a:xfrm>
-            <a:off x="943173" y="977133"/>
+            <a:off x="499334" y="977701"/>
             <a:ext cx="353147" cy="356997"/>
             <a:chOff x="2926080" y="862693"/>
             <a:chExt cx="353147" cy="356997"/>
@@ -6911,8 +6911,8 @@
         </p:nvSpPr>
         <p:spPr>
           <a:xfrm>
-            <a:off x="1534622" y="1082026"/>
-            <a:ext cx="549381" cy="369332"/>
+            <a:off x="1038251" y="1082594"/>
+            <a:ext cx="659155" cy="369332"/>
           </a:xfrm>
           <a:prstGeom prst="rect">
             <a:avLst/>
@@ -6926,7 +6926,10 @@
           <a:lstStyle/>
           <a:p>
             <a:r>
-              <a:rPr lang="en-US" b="1" dirty="0"/>
+              <a:rPr lang="en-US" b="1" dirty="0">
+                <a:latin typeface="Arial" panose="020B0604020202020204" pitchFamily="34" charset="0"/>
+                <a:cs typeface="Arial" panose="020B0604020202020204" pitchFamily="34" charset="0"/>
+              </a:rPr>
               <a:t>CSV</a:t>
             </a:r>
           </a:p>
@@ -12811,6 +12814,100 @@
           </a:p>
         </p:txBody>
       </p:sp>
+      <p:sp>
+        <p:nvSpPr>
+          <p:cNvPr id="178" name="Arrow: Down 177">
+            <a:extLst>
+              <a:ext uri="{FF2B5EF4-FFF2-40B4-BE49-F238E27FC236}">
+                <a16:creationId xmlns:a16="http://schemas.microsoft.com/office/drawing/2014/main" id="{FBF05CBB-3729-4E68-8077-06C780F9F691}"/>
+              </a:ext>
+            </a:extLst>
+          </p:cNvPr>
+          <p:cNvSpPr/>
+          <p:nvPr/>
+        </p:nvSpPr>
+        <p:spPr>
+          <a:xfrm>
+            <a:off x="1900325" y="978374"/>
+            <a:ext cx="353147" cy="272424"/>
+          </a:xfrm>
+          <a:prstGeom prst="downArrow">
+            <a:avLst>
+              <a:gd name="adj1" fmla="val 39211"/>
+              <a:gd name="adj2" fmla="val 50000"/>
+            </a:avLst>
+          </a:prstGeom>
+          <a:solidFill>
+            <a:srgbClr val="FFC000"/>
+          </a:solidFill>
+          <a:ln>
+            <a:solidFill>
+              <a:schemeClr val="accent4"/>
+            </a:solidFill>
+          </a:ln>
+        </p:spPr>
+        <p:style>
+          <a:lnRef idx="2">
+            <a:schemeClr val="accent1">
+              <a:shade val="50000"/>
+            </a:schemeClr>
+          </a:lnRef>
+          <a:fillRef idx="1">
+            <a:schemeClr val="accent1"/>
+          </a:fillRef>
+          <a:effectRef idx="0">
+            <a:schemeClr val="accent1"/>
+          </a:effectRef>
+          <a:fontRef idx="minor">
+            <a:schemeClr val="lt1"/>
+          </a:fontRef>
+        </p:style>
+        <p:txBody>
+          <a:bodyPr rtlCol="0" anchor="ctr"/>
+          <a:lstStyle/>
+          <a:p>
+            <a:pPr algn="ctr"/>
+            <a:endParaRPr lang="en-US"/>
+          </a:p>
+        </p:txBody>
+      </p:sp>
+      <p:sp>
+        <p:nvSpPr>
+          <p:cNvPr id="179" name="TextBox 178">
+            <a:extLst>
+              <a:ext uri="{FF2B5EF4-FFF2-40B4-BE49-F238E27FC236}">
+                <a16:creationId xmlns:a16="http://schemas.microsoft.com/office/drawing/2014/main" id="{30B8526E-5CD9-4D74-B7D1-4ACFEA5D5049}"/>
+              </a:ext>
+            </a:extLst>
+          </p:cNvPr>
+          <p:cNvSpPr txBox="1"/>
+          <p:nvPr/>
+        </p:nvSpPr>
+        <p:spPr>
+          <a:xfrm>
+            <a:off x="1800274" y="1013460"/>
+            <a:ext cx="592406" cy="400110"/>
+          </a:xfrm>
+          <a:prstGeom prst="rect">
+            <a:avLst/>
+          </a:prstGeom>
+          <a:noFill/>
+        </p:spPr>
+        <p:txBody>
+          <a:bodyPr wrap="none" rtlCol="0">
+            <a:spAutoFit/>
+          </a:bodyPr>
+          <a:lstStyle/>
+          <a:p>
+            <a:r>
+              <a:rPr lang="en-US" sz="2000" b="1" dirty="0">
+                <a:cs typeface="Aharoni" panose="02010803020104030203" pitchFamily="2" charset="-79"/>
+              </a:rPr>
+              <a:t>CSV</a:t>
+            </a:r>
+          </a:p>
+        </p:txBody>
+      </p:sp>
     </p:spTree>
     <p:extLst>
       <p:ext uri="{BB962C8B-B14F-4D97-AF65-F5344CB8AC3E}">

--- a/images/IOLabWebImages.pptx
+++ b/images/IOLabWebImages.pptx
@@ -270,7 +270,7 @@
           <a:p>
             <a:fld id="{3166A43E-CA75-4AF3-8026-58F4B8954506}" type="datetimeFigureOut">
               <a:rPr lang="en-US" smtClean="0"/>
-              <a:t>4/8/2021</a:t>
+              <a:t>4/19/2021</a:t>
             </a:fld>
             <a:endParaRPr lang="en-US"/>
           </a:p>
@@ -468,7 +468,7 @@
           <a:p>
             <a:fld id="{3166A43E-CA75-4AF3-8026-58F4B8954506}" type="datetimeFigureOut">
               <a:rPr lang="en-US" smtClean="0"/>
-              <a:t>4/8/2021</a:t>
+              <a:t>4/19/2021</a:t>
             </a:fld>
             <a:endParaRPr lang="en-US"/>
           </a:p>
@@ -676,7 +676,7 @@
           <a:p>
             <a:fld id="{3166A43E-CA75-4AF3-8026-58F4B8954506}" type="datetimeFigureOut">
               <a:rPr lang="en-US" smtClean="0"/>
-              <a:t>4/8/2021</a:t>
+              <a:t>4/19/2021</a:t>
             </a:fld>
             <a:endParaRPr lang="en-US"/>
           </a:p>
@@ -874,7 +874,7 @@
           <a:p>
             <a:fld id="{3166A43E-CA75-4AF3-8026-58F4B8954506}" type="datetimeFigureOut">
               <a:rPr lang="en-US" smtClean="0"/>
-              <a:t>4/8/2021</a:t>
+              <a:t>4/19/2021</a:t>
             </a:fld>
             <a:endParaRPr lang="en-US"/>
           </a:p>
@@ -1149,7 +1149,7 @@
           <a:p>
             <a:fld id="{3166A43E-CA75-4AF3-8026-58F4B8954506}" type="datetimeFigureOut">
               <a:rPr lang="en-US" smtClean="0"/>
-              <a:t>4/8/2021</a:t>
+              <a:t>4/19/2021</a:t>
             </a:fld>
             <a:endParaRPr lang="en-US"/>
           </a:p>
@@ -1414,7 +1414,7 @@
           <a:p>
             <a:fld id="{3166A43E-CA75-4AF3-8026-58F4B8954506}" type="datetimeFigureOut">
               <a:rPr lang="en-US" smtClean="0"/>
-              <a:t>4/8/2021</a:t>
+              <a:t>4/19/2021</a:t>
             </a:fld>
             <a:endParaRPr lang="en-US"/>
           </a:p>
@@ -1826,7 +1826,7 @@
           <a:p>
             <a:fld id="{3166A43E-CA75-4AF3-8026-58F4B8954506}" type="datetimeFigureOut">
               <a:rPr lang="en-US" smtClean="0"/>
-              <a:t>4/8/2021</a:t>
+              <a:t>4/19/2021</a:t>
             </a:fld>
             <a:endParaRPr lang="en-US"/>
           </a:p>
@@ -1967,7 +1967,7 @@
           <a:p>
             <a:fld id="{3166A43E-CA75-4AF3-8026-58F4B8954506}" type="datetimeFigureOut">
               <a:rPr lang="en-US" smtClean="0"/>
-              <a:t>4/8/2021</a:t>
+              <a:t>4/19/2021</a:t>
             </a:fld>
             <a:endParaRPr lang="en-US"/>
           </a:p>
@@ -2080,7 +2080,7 @@
           <a:p>
             <a:fld id="{3166A43E-CA75-4AF3-8026-58F4B8954506}" type="datetimeFigureOut">
               <a:rPr lang="en-US" smtClean="0"/>
-              <a:t>4/8/2021</a:t>
+              <a:t>4/19/2021</a:t>
             </a:fld>
             <a:endParaRPr lang="en-US"/>
           </a:p>
@@ -2391,7 +2391,7 @@
           <a:p>
             <a:fld id="{3166A43E-CA75-4AF3-8026-58F4B8954506}" type="datetimeFigureOut">
               <a:rPr lang="en-US" smtClean="0"/>
-              <a:t>4/8/2021</a:t>
+              <a:t>4/19/2021</a:t>
             </a:fld>
             <a:endParaRPr lang="en-US"/>
           </a:p>
@@ -2679,7 +2679,7 @@
           <a:p>
             <a:fld id="{3166A43E-CA75-4AF3-8026-58F4B8954506}" type="datetimeFigureOut">
               <a:rPr lang="en-US" smtClean="0"/>
-              <a:t>4/8/2021</a:t>
+              <a:t>4/19/2021</a:t>
             </a:fld>
             <a:endParaRPr lang="en-US"/>
           </a:p>
@@ -2920,7 +2920,7 @@
           <a:p>
             <a:fld id="{3166A43E-CA75-4AF3-8026-58F4B8954506}" type="datetimeFigureOut">
               <a:rPr lang="en-US" smtClean="0"/>
-              <a:t>4/8/2021</a:t>
+              <a:t>4/19/2021</a:t>
             </a:fld>
             <a:endParaRPr lang="en-US"/>
           </a:p>
@@ -12099,7 +12099,7 @@
         </p:nvSpPr>
         <p:spPr>
           <a:xfrm>
-            <a:off x="8004232" y="2833679"/>
+            <a:off x="8004232" y="2861911"/>
             <a:ext cx="457199" cy="403469"/>
           </a:xfrm>
           <a:prstGeom prst="rightArrow">
@@ -12154,7 +12154,7 @@
         <p:spPr>
           <a:xfrm>
             <a:off x="7946684" y="2770253"/>
-            <a:ext cx="857047" cy="530319"/>
+            <a:ext cx="857047" cy="572754"/>
           </a:xfrm>
           <a:prstGeom prst="rect">
             <a:avLst/>
@@ -12252,7 +12252,7 @@
         </p:nvSpPr>
         <p:spPr>
           <a:xfrm>
-            <a:off x="9147978" y="2831606"/>
+            <a:off x="9147978" y="2859838"/>
             <a:ext cx="457199" cy="403469"/>
           </a:xfrm>
           <a:prstGeom prst="rightArrow">
@@ -12309,7 +12309,7 @@
         <p:spPr>
           <a:xfrm>
             <a:off x="9090430" y="2768180"/>
-            <a:ext cx="857047" cy="530319"/>
+            <a:ext cx="857047" cy="572754"/>
           </a:xfrm>
           <a:prstGeom prst="rect">
             <a:avLst/>
@@ -12904,6 +12904,298 @@
                 <a:cs typeface="Aharoni" panose="02010803020104030203" pitchFamily="2" charset="-79"/>
               </a:rPr>
               <a:t>CSV</a:t>
+            </a:r>
+          </a:p>
+        </p:txBody>
+      </p:sp>
+      <p:sp>
+        <p:nvSpPr>
+          <p:cNvPr id="183" name="Rectangle 182">
+            <a:extLst>
+              <a:ext uri="{FF2B5EF4-FFF2-40B4-BE49-F238E27FC236}">
+                <a16:creationId xmlns:a16="http://schemas.microsoft.com/office/drawing/2014/main" id="{C954D616-72D3-4797-97CD-9E25CE0EF9F1}"/>
+              </a:ext>
+            </a:extLst>
+          </p:cNvPr>
+          <p:cNvSpPr/>
+          <p:nvPr/>
+        </p:nvSpPr>
+        <p:spPr>
+          <a:xfrm>
+            <a:off x="8001000" y="3300865"/>
+            <a:ext cx="759672" cy="923330"/>
+          </a:xfrm>
+          <a:prstGeom prst="rect">
+            <a:avLst/>
+          </a:prstGeom>
+          <a:noFill/>
+        </p:spPr>
+        <p:txBody>
+          <a:bodyPr wrap="square" lIns="91440" tIns="45720" rIns="91440" bIns="45720">
+            <a:spAutoFit/>
+          </a:bodyPr>
+          <a:lstStyle/>
+          <a:p>
+            <a:pPr algn="ctr"/>
+            <a:r>
+              <a:rPr lang="en-US" sz="5400" dirty="0">
+                <a:ln w="0"/>
+                <a:solidFill>
+                  <a:srgbClr val="0070C0"/>
+                </a:solidFill>
+                <a:latin typeface="Consolas" panose="020B0609020204030204" pitchFamily="49" charset="0"/>
+                <a:ea typeface="Cambria Math" panose="02040503050406030204" pitchFamily="18" charset="0"/>
+                <a:cs typeface="Consolas" panose="020B0609020204030204" pitchFamily="49" charset="0"/>
+              </a:rPr>
+              <a:t>0</a:t>
+            </a:r>
+          </a:p>
+        </p:txBody>
+      </p:sp>
+      <p:sp>
+        <p:nvSpPr>
+          <p:cNvPr id="185" name="Rectangle 184">
+            <a:extLst>
+              <a:ext uri="{FF2B5EF4-FFF2-40B4-BE49-F238E27FC236}">
+                <a16:creationId xmlns:a16="http://schemas.microsoft.com/office/drawing/2014/main" id="{ED8AED3F-6B2F-4997-B8D7-CA00B6519442}"/>
+              </a:ext>
+            </a:extLst>
+          </p:cNvPr>
+          <p:cNvSpPr>
+            <a:spLocks noChangeAspect="1"/>
+          </p:cNvSpPr>
+          <p:nvPr/>
+        </p:nvSpPr>
+        <p:spPr>
+          <a:xfrm>
+            <a:off x="8082967" y="3487581"/>
+            <a:ext cx="564299" cy="572754"/>
+          </a:xfrm>
+          <a:prstGeom prst="rect">
+            <a:avLst/>
+          </a:prstGeom>
+          <a:noFill/>
+          <a:ln w="9525">
+            <a:solidFill>
+              <a:schemeClr val="tx1"/>
+            </a:solidFill>
+            <a:prstDash val="solid"/>
+          </a:ln>
+        </p:spPr>
+        <p:style>
+          <a:lnRef idx="2">
+            <a:schemeClr val="accent1">
+              <a:shade val="50000"/>
+            </a:schemeClr>
+          </a:lnRef>
+          <a:fillRef idx="1">
+            <a:schemeClr val="accent1"/>
+          </a:fillRef>
+          <a:effectRef idx="0">
+            <a:schemeClr val="accent1"/>
+          </a:effectRef>
+          <a:fontRef idx="minor">
+            <a:schemeClr val="lt1"/>
+          </a:fontRef>
+        </p:style>
+        <p:txBody>
+          <a:bodyPr rtlCol="0" anchor="ctr"/>
+          <a:lstStyle/>
+          <a:p>
+            <a:pPr algn="ctr"/>
+            <a:endParaRPr lang="en-US"/>
+          </a:p>
+        </p:txBody>
+      </p:sp>
+      <p:sp>
+        <p:nvSpPr>
+          <p:cNvPr id="188" name="Arc 187">
+            <a:extLst>
+              <a:ext uri="{FF2B5EF4-FFF2-40B4-BE49-F238E27FC236}">
+                <a16:creationId xmlns:a16="http://schemas.microsoft.com/office/drawing/2014/main" id="{5F59DAF1-E02D-4FBC-B0A6-26ACC2F1A589}"/>
+              </a:ext>
+            </a:extLst>
+          </p:cNvPr>
+          <p:cNvSpPr/>
+          <p:nvPr/>
+        </p:nvSpPr>
+        <p:spPr>
+          <a:xfrm rot="10800000">
+            <a:off x="5421247" y="4531086"/>
+            <a:ext cx="580004" cy="559168"/>
+          </a:xfrm>
+          <a:prstGeom prst="arc">
+            <a:avLst>
+              <a:gd name="adj1" fmla="val 1274955"/>
+              <a:gd name="adj2" fmla="val 20906389"/>
+            </a:avLst>
+          </a:prstGeom>
+          <a:ln w="57150">
+            <a:solidFill>
+              <a:srgbClr val="0070C0"/>
+            </a:solidFill>
+            <a:headEnd type="none" w="med" len="med"/>
+            <a:tailEnd type="triangle" w="med" len="med"/>
+          </a:ln>
+        </p:spPr>
+        <p:style>
+          <a:lnRef idx="1">
+            <a:schemeClr val="accent1"/>
+          </a:lnRef>
+          <a:fillRef idx="0">
+            <a:schemeClr val="accent1"/>
+          </a:fillRef>
+          <a:effectRef idx="0">
+            <a:schemeClr val="accent1"/>
+          </a:effectRef>
+          <a:fontRef idx="minor">
+            <a:schemeClr val="tx1"/>
+          </a:fontRef>
+        </p:style>
+        <p:txBody>
+          <a:bodyPr rtlCol="0" anchor="ctr"/>
+          <a:lstStyle/>
+          <a:p>
+            <a:pPr algn="ctr"/>
+            <a:endParaRPr lang="en-US"/>
+          </a:p>
+        </p:txBody>
+      </p:sp>
+      <p:sp>
+        <p:nvSpPr>
+          <p:cNvPr id="189" name="Rectangle 188">
+            <a:extLst>
+              <a:ext uri="{FF2B5EF4-FFF2-40B4-BE49-F238E27FC236}">
+                <a16:creationId xmlns:a16="http://schemas.microsoft.com/office/drawing/2014/main" id="{62CA2211-A9A1-42C7-94E2-9B8E099951C6}"/>
+              </a:ext>
+            </a:extLst>
+          </p:cNvPr>
+          <p:cNvSpPr/>
+          <p:nvPr/>
+        </p:nvSpPr>
+        <p:spPr>
+          <a:xfrm>
+            <a:off x="5333583" y="4414830"/>
+            <a:ext cx="759672" cy="769441"/>
+          </a:xfrm>
+          <a:prstGeom prst="rect">
+            <a:avLst/>
+          </a:prstGeom>
+          <a:noFill/>
+        </p:spPr>
+        <p:txBody>
+          <a:bodyPr wrap="square" lIns="91440" tIns="45720" rIns="91440" bIns="45720">
+            <a:spAutoFit/>
+          </a:bodyPr>
+          <a:lstStyle/>
+          <a:p>
+            <a:pPr algn="ctr"/>
+            <a:r>
+              <a:rPr lang="en-US" sz="4400" dirty="0">
+                <a:ln w="0"/>
+                <a:solidFill>
+                  <a:srgbClr val="0070C0"/>
+                </a:solidFill>
+                <a:latin typeface="Consolas" panose="020B0609020204030204" pitchFamily="49" charset="0"/>
+                <a:ea typeface="Cambria Math" panose="02040503050406030204" pitchFamily="18" charset="0"/>
+                <a:cs typeface="Consolas" panose="020B0609020204030204" pitchFamily="49" charset="0"/>
+              </a:rPr>
+              <a:t>0</a:t>
+            </a:r>
+          </a:p>
+        </p:txBody>
+      </p:sp>
+      <p:sp>
+        <p:nvSpPr>
+          <p:cNvPr id="190" name="Arc 189">
+            <a:extLst>
+              <a:ext uri="{FF2B5EF4-FFF2-40B4-BE49-F238E27FC236}">
+                <a16:creationId xmlns:a16="http://schemas.microsoft.com/office/drawing/2014/main" id="{A1D73EE5-4D83-4075-81C8-7B9C52F8DBE4}"/>
+              </a:ext>
+            </a:extLst>
+          </p:cNvPr>
+          <p:cNvSpPr/>
+          <p:nvPr/>
+        </p:nvSpPr>
+        <p:spPr>
+          <a:xfrm rot="10800000">
+            <a:off x="6283849" y="4558867"/>
+            <a:ext cx="580004" cy="559168"/>
+          </a:xfrm>
+          <a:prstGeom prst="arc">
+            <a:avLst>
+              <a:gd name="adj1" fmla="val 1274955"/>
+              <a:gd name="adj2" fmla="val 20906389"/>
+            </a:avLst>
+          </a:prstGeom>
+          <a:ln w="57150">
+            <a:solidFill>
+              <a:schemeClr val="tx1"/>
+            </a:solidFill>
+            <a:headEnd type="none" w="med" len="med"/>
+            <a:tailEnd type="triangle" w="med" len="med"/>
+          </a:ln>
+        </p:spPr>
+        <p:style>
+          <a:lnRef idx="1">
+            <a:schemeClr val="accent1"/>
+          </a:lnRef>
+          <a:fillRef idx="0">
+            <a:schemeClr val="accent1"/>
+          </a:fillRef>
+          <a:effectRef idx="0">
+            <a:schemeClr val="accent1"/>
+          </a:effectRef>
+          <a:fontRef idx="minor">
+            <a:schemeClr val="tx1"/>
+          </a:fontRef>
+        </p:style>
+        <p:txBody>
+          <a:bodyPr rtlCol="0" anchor="ctr"/>
+          <a:lstStyle/>
+          <a:p>
+            <a:pPr algn="ctr"/>
+            <a:endParaRPr lang="en-US"/>
+          </a:p>
+        </p:txBody>
+      </p:sp>
+      <p:sp>
+        <p:nvSpPr>
+          <p:cNvPr id="191" name="Rectangle 190">
+            <a:extLst>
+              <a:ext uri="{FF2B5EF4-FFF2-40B4-BE49-F238E27FC236}">
+                <a16:creationId xmlns:a16="http://schemas.microsoft.com/office/drawing/2014/main" id="{9ABDA23E-E55D-4CCB-8BD6-01F1AECBB2E8}"/>
+              </a:ext>
+            </a:extLst>
+          </p:cNvPr>
+          <p:cNvSpPr/>
+          <p:nvPr/>
+        </p:nvSpPr>
+        <p:spPr>
+          <a:xfrm>
+            <a:off x="6207336" y="4442611"/>
+            <a:ext cx="759672" cy="769441"/>
+          </a:xfrm>
+          <a:prstGeom prst="rect">
+            <a:avLst/>
+          </a:prstGeom>
+          <a:noFill/>
+        </p:spPr>
+        <p:txBody>
+          <a:bodyPr wrap="square" lIns="91440" tIns="45720" rIns="91440" bIns="45720">
+            <a:spAutoFit/>
+          </a:bodyPr>
+          <a:lstStyle/>
+          <a:p>
+            <a:pPr algn="ctr"/>
+            <a:r>
+              <a:rPr lang="en-US" sz="4400" dirty="0">
+                <a:ln w="0"/>
+                <a:latin typeface="Consolas" panose="020B0609020204030204" pitchFamily="49" charset="0"/>
+                <a:ea typeface="Cambria Math" panose="02040503050406030204" pitchFamily="18" charset="0"/>
+                <a:cs typeface="Consolas" panose="020B0609020204030204" pitchFamily="49" charset="0"/>
+              </a:rPr>
+              <a:t>0</a:t>
             </a:r>
           </a:p>
         </p:txBody>

--- a/images/IOLabWebImages.pptx
+++ b/images/IOLabWebImages.pptx
@@ -270,7 +270,7 @@
           <a:p>
             <a:fld id="{3166A43E-CA75-4AF3-8026-58F4B8954506}" type="datetimeFigureOut">
               <a:rPr lang="en-US" smtClean="0"/>
-              <a:t>4/19/2021</a:t>
+              <a:t>4/22/2021</a:t>
             </a:fld>
             <a:endParaRPr lang="en-US"/>
           </a:p>
@@ -468,7 +468,7 @@
           <a:p>
             <a:fld id="{3166A43E-CA75-4AF3-8026-58F4B8954506}" type="datetimeFigureOut">
               <a:rPr lang="en-US" smtClean="0"/>
-              <a:t>4/19/2021</a:t>
+              <a:t>4/22/2021</a:t>
             </a:fld>
             <a:endParaRPr lang="en-US"/>
           </a:p>
@@ -676,7 +676,7 @@
           <a:p>
             <a:fld id="{3166A43E-CA75-4AF3-8026-58F4B8954506}" type="datetimeFigureOut">
               <a:rPr lang="en-US" smtClean="0"/>
-              <a:t>4/19/2021</a:t>
+              <a:t>4/22/2021</a:t>
             </a:fld>
             <a:endParaRPr lang="en-US"/>
           </a:p>
@@ -874,7 +874,7 @@
           <a:p>
             <a:fld id="{3166A43E-CA75-4AF3-8026-58F4B8954506}" type="datetimeFigureOut">
               <a:rPr lang="en-US" smtClean="0"/>
-              <a:t>4/19/2021</a:t>
+              <a:t>4/22/2021</a:t>
             </a:fld>
             <a:endParaRPr lang="en-US"/>
           </a:p>
@@ -1149,7 +1149,7 @@
           <a:p>
             <a:fld id="{3166A43E-CA75-4AF3-8026-58F4B8954506}" type="datetimeFigureOut">
               <a:rPr lang="en-US" smtClean="0"/>
-              <a:t>4/19/2021</a:t>
+              <a:t>4/22/2021</a:t>
             </a:fld>
             <a:endParaRPr lang="en-US"/>
           </a:p>
@@ -1414,7 +1414,7 @@
           <a:p>
             <a:fld id="{3166A43E-CA75-4AF3-8026-58F4B8954506}" type="datetimeFigureOut">
               <a:rPr lang="en-US" smtClean="0"/>
-              <a:t>4/19/2021</a:t>
+              <a:t>4/22/2021</a:t>
             </a:fld>
             <a:endParaRPr lang="en-US"/>
           </a:p>
@@ -1826,7 +1826,7 @@
           <a:p>
             <a:fld id="{3166A43E-CA75-4AF3-8026-58F4B8954506}" type="datetimeFigureOut">
               <a:rPr lang="en-US" smtClean="0"/>
-              <a:t>4/19/2021</a:t>
+              <a:t>4/22/2021</a:t>
             </a:fld>
             <a:endParaRPr lang="en-US"/>
           </a:p>
@@ -1967,7 +1967,7 @@
           <a:p>
             <a:fld id="{3166A43E-CA75-4AF3-8026-58F4B8954506}" type="datetimeFigureOut">
               <a:rPr lang="en-US" smtClean="0"/>
-              <a:t>4/19/2021</a:t>
+              <a:t>4/22/2021</a:t>
             </a:fld>
             <a:endParaRPr lang="en-US"/>
           </a:p>
@@ -2080,7 +2080,7 @@
           <a:p>
             <a:fld id="{3166A43E-CA75-4AF3-8026-58F4B8954506}" type="datetimeFigureOut">
               <a:rPr lang="en-US" smtClean="0"/>
-              <a:t>4/19/2021</a:t>
+              <a:t>4/22/2021</a:t>
             </a:fld>
             <a:endParaRPr lang="en-US"/>
           </a:p>
@@ -2391,7 +2391,7 @@
           <a:p>
             <a:fld id="{3166A43E-CA75-4AF3-8026-58F4B8954506}" type="datetimeFigureOut">
               <a:rPr lang="en-US" smtClean="0"/>
-              <a:t>4/19/2021</a:t>
+              <a:t>4/22/2021</a:t>
             </a:fld>
             <a:endParaRPr lang="en-US"/>
           </a:p>
@@ -2679,7 +2679,7 @@
           <a:p>
             <a:fld id="{3166A43E-CA75-4AF3-8026-58F4B8954506}" type="datetimeFigureOut">
               <a:rPr lang="en-US" smtClean="0"/>
-              <a:t>4/19/2021</a:t>
+              <a:t>4/22/2021</a:t>
             </a:fld>
             <a:endParaRPr lang="en-US"/>
           </a:p>
@@ -2920,7 +2920,7 @@
           <a:p>
             <a:fld id="{3166A43E-CA75-4AF3-8026-58F4B8954506}" type="datetimeFigureOut">
               <a:rPr lang="en-US" smtClean="0"/>
-              <a:t>4/19/2021</a:t>
+              <a:t>4/22/2021</a:t>
             </a:fld>
             <a:endParaRPr lang="en-US"/>
           </a:p>
@@ -13200,6 +13200,114 @@
           </a:p>
         </p:txBody>
       </p:sp>
+      <p:sp>
+        <p:nvSpPr>
+          <p:cNvPr id="180" name="Arrow: Down 179">
+            <a:extLst>
+              <a:ext uri="{FF2B5EF4-FFF2-40B4-BE49-F238E27FC236}">
+                <a16:creationId xmlns:a16="http://schemas.microsoft.com/office/drawing/2014/main" id="{C799A45A-569F-4277-A289-4B49324A53DB}"/>
+              </a:ext>
+            </a:extLst>
+          </p:cNvPr>
+          <p:cNvSpPr/>
+          <p:nvPr/>
+        </p:nvSpPr>
+        <p:spPr>
+          <a:xfrm>
+            <a:off x="814026" y="5112066"/>
+            <a:ext cx="250611" cy="272424"/>
+          </a:xfrm>
+          <a:prstGeom prst="downArrow">
+            <a:avLst>
+              <a:gd name="adj1" fmla="val 39211"/>
+              <a:gd name="adj2" fmla="val 50000"/>
+            </a:avLst>
+          </a:prstGeom>
+          <a:ln>
+            <a:solidFill>
+              <a:schemeClr val="tx1"/>
+            </a:solidFill>
+          </a:ln>
+        </p:spPr>
+        <p:style>
+          <a:lnRef idx="2">
+            <a:schemeClr val="accent1">
+              <a:shade val="50000"/>
+            </a:schemeClr>
+          </a:lnRef>
+          <a:fillRef idx="1">
+            <a:schemeClr val="accent1"/>
+          </a:fillRef>
+          <a:effectRef idx="0">
+            <a:schemeClr val="accent1"/>
+          </a:effectRef>
+          <a:fontRef idx="minor">
+            <a:schemeClr val="lt1"/>
+          </a:fontRef>
+        </p:style>
+        <p:txBody>
+          <a:bodyPr rtlCol="0" anchor="ctr"/>
+          <a:lstStyle/>
+          <a:p>
+            <a:pPr algn="ctr"/>
+            <a:endParaRPr lang="en-US"/>
+          </a:p>
+        </p:txBody>
+      </p:sp>
+      <p:sp>
+        <p:nvSpPr>
+          <p:cNvPr id="182" name="Arrow: Down 181">
+            <a:extLst>
+              <a:ext uri="{FF2B5EF4-FFF2-40B4-BE49-F238E27FC236}">
+                <a16:creationId xmlns:a16="http://schemas.microsoft.com/office/drawing/2014/main" id="{C9A62C6C-610D-4F51-96CB-2FD514392397}"/>
+              </a:ext>
+            </a:extLst>
+          </p:cNvPr>
+          <p:cNvSpPr/>
+          <p:nvPr/>
+        </p:nvSpPr>
+        <p:spPr>
+          <a:xfrm rot="10800000">
+            <a:off x="1202937" y="5090255"/>
+            <a:ext cx="250611" cy="272424"/>
+          </a:xfrm>
+          <a:prstGeom prst="downArrow">
+            <a:avLst>
+              <a:gd name="adj1" fmla="val 39211"/>
+              <a:gd name="adj2" fmla="val 50000"/>
+            </a:avLst>
+          </a:prstGeom>
+          <a:ln>
+            <a:solidFill>
+              <a:schemeClr val="tx1"/>
+            </a:solidFill>
+          </a:ln>
+        </p:spPr>
+        <p:style>
+          <a:lnRef idx="2">
+            <a:schemeClr val="accent1">
+              <a:shade val="50000"/>
+            </a:schemeClr>
+          </a:lnRef>
+          <a:fillRef idx="1">
+            <a:schemeClr val="accent1"/>
+          </a:fillRef>
+          <a:effectRef idx="0">
+            <a:schemeClr val="accent1"/>
+          </a:effectRef>
+          <a:fontRef idx="minor">
+            <a:schemeClr val="lt1"/>
+          </a:fontRef>
+        </p:style>
+        <p:txBody>
+          <a:bodyPr rtlCol="0" anchor="ctr"/>
+          <a:lstStyle/>
+          <a:p>
+            <a:pPr algn="ctr"/>
+            <a:endParaRPr lang="en-US"/>
+          </a:p>
+        </p:txBody>
+      </p:sp>
     </p:spTree>
     <p:extLst>
       <p:ext uri="{BB962C8B-B14F-4D97-AF65-F5344CB8AC3E}">

--- a/images/IOLabWebImages.pptx
+++ b/images/IOLabWebImages.pptx
@@ -10780,1083 +10780,6 @@
       </p:grpSp>
       <p:sp>
         <p:nvSpPr>
-          <p:cNvPr id="135" name="Rectangle 134">
-            <a:extLst>
-              <a:ext uri="{FF2B5EF4-FFF2-40B4-BE49-F238E27FC236}">
-                <a16:creationId xmlns:a16="http://schemas.microsoft.com/office/drawing/2014/main" id="{65C3397C-B3B4-42B0-B797-B108D60EFF9B}"/>
-              </a:ext>
-            </a:extLst>
-          </p:cNvPr>
-          <p:cNvSpPr/>
-          <p:nvPr/>
-        </p:nvSpPr>
-        <p:spPr>
-          <a:xfrm>
-            <a:off x="713322" y="3188533"/>
-            <a:ext cx="3047999" cy="530319"/>
-          </a:xfrm>
-          <a:prstGeom prst="rect">
-            <a:avLst/>
-          </a:prstGeom>
-          <a:solidFill>
-            <a:schemeClr val="bg1">
-              <a:lumMod val="95000"/>
-            </a:schemeClr>
-          </a:solidFill>
-          <a:ln w="12700">
-            <a:solidFill>
-              <a:schemeClr val="bg1">
-                <a:lumMod val="65000"/>
-              </a:schemeClr>
-            </a:solidFill>
-          </a:ln>
-        </p:spPr>
-        <p:style>
-          <a:lnRef idx="2">
-            <a:schemeClr val="accent1">
-              <a:shade val="50000"/>
-            </a:schemeClr>
-          </a:lnRef>
-          <a:fillRef idx="1">
-            <a:schemeClr val="accent1"/>
-          </a:fillRef>
-          <a:effectRef idx="0">
-            <a:schemeClr val="accent1"/>
-          </a:effectRef>
-          <a:fontRef idx="minor">
-            <a:schemeClr val="lt1"/>
-          </a:fontRef>
-        </p:style>
-        <p:txBody>
-          <a:bodyPr rtlCol="0" anchor="ctr"/>
-          <a:lstStyle/>
-          <a:p>
-            <a:pPr algn="ctr"/>
-            <a:endParaRPr lang="en-US"/>
-          </a:p>
-        </p:txBody>
-      </p:sp>
-      <p:cxnSp>
-        <p:nvCxnSpPr>
-          <p:cNvPr id="136" name="Straight Connector 135">
-            <a:extLst>
-              <a:ext uri="{FF2B5EF4-FFF2-40B4-BE49-F238E27FC236}">
-                <a16:creationId xmlns:a16="http://schemas.microsoft.com/office/drawing/2014/main" id="{C23ADCC3-82A3-4451-ACE2-AD7532A05706}"/>
-              </a:ext>
-            </a:extLst>
-          </p:cNvPr>
-          <p:cNvCxnSpPr>
-            <a:cxnSpLocks/>
-          </p:cNvCxnSpPr>
-          <p:nvPr/>
-        </p:nvCxnSpPr>
-        <p:spPr>
-          <a:xfrm flipV="1">
-            <a:off x="1020651" y="3188534"/>
-            <a:ext cx="0" cy="152400"/>
-          </a:xfrm>
-          <a:prstGeom prst="line">
-            <a:avLst/>
-          </a:prstGeom>
-          <a:ln w="12700">
-            <a:solidFill>
-              <a:schemeClr val="bg1">
-                <a:lumMod val="65000"/>
-              </a:schemeClr>
-            </a:solidFill>
-          </a:ln>
-        </p:spPr>
-        <p:style>
-          <a:lnRef idx="1">
-            <a:schemeClr val="accent1"/>
-          </a:lnRef>
-          <a:fillRef idx="0">
-            <a:schemeClr val="accent1"/>
-          </a:fillRef>
-          <a:effectRef idx="0">
-            <a:schemeClr val="accent1"/>
-          </a:effectRef>
-          <a:fontRef idx="minor">
-            <a:schemeClr val="tx1"/>
-          </a:fontRef>
-        </p:style>
-      </p:cxnSp>
-      <p:cxnSp>
-        <p:nvCxnSpPr>
-          <p:cNvPr id="137" name="Straight Connector 136">
-            <a:extLst>
-              <a:ext uri="{FF2B5EF4-FFF2-40B4-BE49-F238E27FC236}">
-                <a16:creationId xmlns:a16="http://schemas.microsoft.com/office/drawing/2014/main" id="{2291D61D-7604-499C-8B20-110C2A534349}"/>
-              </a:ext>
-            </a:extLst>
-          </p:cNvPr>
-          <p:cNvCxnSpPr>
-            <a:cxnSpLocks/>
-          </p:cNvCxnSpPr>
-          <p:nvPr/>
-        </p:nvCxnSpPr>
-        <p:spPr>
-          <a:xfrm flipV="1">
-            <a:off x="1328243" y="3188534"/>
-            <a:ext cx="0" cy="228600"/>
-          </a:xfrm>
-          <a:prstGeom prst="line">
-            <a:avLst/>
-          </a:prstGeom>
-          <a:ln w="12700">
-            <a:solidFill>
-              <a:schemeClr val="bg1">
-                <a:lumMod val="65000"/>
-              </a:schemeClr>
-            </a:solidFill>
-          </a:ln>
-        </p:spPr>
-        <p:style>
-          <a:lnRef idx="1">
-            <a:schemeClr val="accent1"/>
-          </a:lnRef>
-          <a:fillRef idx="0">
-            <a:schemeClr val="accent1"/>
-          </a:fillRef>
-          <a:effectRef idx="0">
-            <a:schemeClr val="accent1"/>
-          </a:effectRef>
-          <a:fontRef idx="minor">
-            <a:schemeClr val="tx1"/>
-          </a:fontRef>
-        </p:style>
-      </p:cxnSp>
-      <p:cxnSp>
-        <p:nvCxnSpPr>
-          <p:cNvPr id="138" name="Straight Connector 137">
-            <a:extLst>
-              <a:ext uri="{FF2B5EF4-FFF2-40B4-BE49-F238E27FC236}">
-                <a16:creationId xmlns:a16="http://schemas.microsoft.com/office/drawing/2014/main" id="{B8749299-851C-4FF8-BCB7-CCE8C5308A33}"/>
-              </a:ext>
-            </a:extLst>
-          </p:cNvPr>
-          <p:cNvCxnSpPr>
-            <a:cxnSpLocks/>
-          </p:cNvCxnSpPr>
-          <p:nvPr/>
-        </p:nvCxnSpPr>
-        <p:spPr>
-          <a:xfrm flipV="1">
-            <a:off x="865721" y="3188534"/>
-            <a:ext cx="0" cy="76200"/>
-          </a:xfrm>
-          <a:prstGeom prst="line">
-            <a:avLst/>
-          </a:prstGeom>
-          <a:ln w="12700">
-            <a:solidFill>
-              <a:schemeClr val="bg1">
-                <a:lumMod val="65000"/>
-              </a:schemeClr>
-            </a:solidFill>
-          </a:ln>
-        </p:spPr>
-        <p:style>
-          <a:lnRef idx="1">
-            <a:schemeClr val="accent1"/>
-          </a:lnRef>
-          <a:fillRef idx="0">
-            <a:schemeClr val="accent1"/>
-          </a:fillRef>
-          <a:effectRef idx="0">
-            <a:schemeClr val="accent1"/>
-          </a:effectRef>
-          <a:fontRef idx="minor">
-            <a:schemeClr val="tx1"/>
-          </a:fontRef>
-        </p:style>
-      </p:cxnSp>
-      <p:cxnSp>
-        <p:nvCxnSpPr>
-          <p:cNvPr id="139" name="Straight Connector 138">
-            <a:extLst>
-              <a:ext uri="{FF2B5EF4-FFF2-40B4-BE49-F238E27FC236}">
-                <a16:creationId xmlns:a16="http://schemas.microsoft.com/office/drawing/2014/main" id="{76A16623-F893-4AC2-881F-30C654793DF9}"/>
-              </a:ext>
-            </a:extLst>
-          </p:cNvPr>
-          <p:cNvCxnSpPr>
-            <a:cxnSpLocks/>
-          </p:cNvCxnSpPr>
-          <p:nvPr/>
-        </p:nvCxnSpPr>
-        <p:spPr>
-          <a:xfrm flipV="1">
-            <a:off x="1170521" y="3188534"/>
-            <a:ext cx="0" cy="76200"/>
-          </a:xfrm>
-          <a:prstGeom prst="line">
-            <a:avLst/>
-          </a:prstGeom>
-          <a:ln w="12700">
-            <a:solidFill>
-              <a:schemeClr val="bg1">
-                <a:lumMod val="65000"/>
-              </a:schemeClr>
-            </a:solidFill>
-          </a:ln>
-        </p:spPr>
-        <p:style>
-          <a:lnRef idx="1">
-            <a:schemeClr val="accent1"/>
-          </a:lnRef>
-          <a:fillRef idx="0">
-            <a:schemeClr val="accent1"/>
-          </a:fillRef>
-          <a:effectRef idx="0">
-            <a:schemeClr val="accent1"/>
-          </a:effectRef>
-          <a:fontRef idx="minor">
-            <a:schemeClr val="tx1"/>
-          </a:fontRef>
-        </p:style>
-      </p:cxnSp>
-      <p:cxnSp>
-        <p:nvCxnSpPr>
-          <p:cNvPr id="140" name="Straight Connector 139">
-            <a:extLst>
-              <a:ext uri="{FF2B5EF4-FFF2-40B4-BE49-F238E27FC236}">
-                <a16:creationId xmlns:a16="http://schemas.microsoft.com/office/drawing/2014/main" id="{CE3801D5-815C-4070-8AA4-0A8ECDCC8273}"/>
-              </a:ext>
-            </a:extLst>
-          </p:cNvPr>
-          <p:cNvCxnSpPr>
-            <a:cxnSpLocks/>
-          </p:cNvCxnSpPr>
-          <p:nvPr/>
-        </p:nvCxnSpPr>
-        <p:spPr>
-          <a:xfrm flipV="1">
-            <a:off x="1624929" y="3188534"/>
-            <a:ext cx="0" cy="152400"/>
-          </a:xfrm>
-          <a:prstGeom prst="line">
-            <a:avLst/>
-          </a:prstGeom>
-          <a:ln w="12700">
-            <a:solidFill>
-              <a:schemeClr val="bg1">
-                <a:lumMod val="65000"/>
-              </a:schemeClr>
-            </a:solidFill>
-          </a:ln>
-        </p:spPr>
-        <p:style>
-          <a:lnRef idx="1">
-            <a:schemeClr val="accent1"/>
-          </a:lnRef>
-          <a:fillRef idx="0">
-            <a:schemeClr val="accent1"/>
-          </a:fillRef>
-          <a:effectRef idx="0">
-            <a:schemeClr val="accent1"/>
-          </a:effectRef>
-          <a:fontRef idx="minor">
-            <a:schemeClr val="tx1"/>
-          </a:fontRef>
-        </p:style>
-      </p:cxnSp>
-      <p:cxnSp>
-        <p:nvCxnSpPr>
-          <p:cNvPr id="141" name="Straight Connector 140">
-            <a:extLst>
-              <a:ext uri="{FF2B5EF4-FFF2-40B4-BE49-F238E27FC236}">
-                <a16:creationId xmlns:a16="http://schemas.microsoft.com/office/drawing/2014/main" id="{B7C250C0-0FF1-4BC6-9D68-FE26CBE33642}"/>
-              </a:ext>
-            </a:extLst>
-          </p:cNvPr>
-          <p:cNvCxnSpPr>
-            <a:cxnSpLocks/>
-          </p:cNvCxnSpPr>
-          <p:nvPr/>
-        </p:nvCxnSpPr>
-        <p:spPr>
-          <a:xfrm flipV="1">
-            <a:off x="1932521" y="3188534"/>
-            <a:ext cx="0" cy="228600"/>
-          </a:xfrm>
-          <a:prstGeom prst="line">
-            <a:avLst/>
-          </a:prstGeom>
-          <a:ln w="12700">
-            <a:solidFill>
-              <a:schemeClr val="bg1">
-                <a:lumMod val="65000"/>
-              </a:schemeClr>
-            </a:solidFill>
-          </a:ln>
-        </p:spPr>
-        <p:style>
-          <a:lnRef idx="1">
-            <a:schemeClr val="accent1"/>
-          </a:lnRef>
-          <a:fillRef idx="0">
-            <a:schemeClr val="accent1"/>
-          </a:fillRef>
-          <a:effectRef idx="0">
-            <a:schemeClr val="accent1"/>
-          </a:effectRef>
-          <a:fontRef idx="minor">
-            <a:schemeClr val="tx1"/>
-          </a:fontRef>
-        </p:style>
-      </p:cxnSp>
-      <p:cxnSp>
-        <p:nvCxnSpPr>
-          <p:cNvPr id="142" name="Straight Connector 141">
-            <a:extLst>
-              <a:ext uri="{FF2B5EF4-FFF2-40B4-BE49-F238E27FC236}">
-                <a16:creationId xmlns:a16="http://schemas.microsoft.com/office/drawing/2014/main" id="{569534AC-402F-4810-B6D4-0BF8DF6D1C3F}"/>
-              </a:ext>
-            </a:extLst>
-          </p:cNvPr>
-          <p:cNvCxnSpPr>
-            <a:cxnSpLocks/>
-          </p:cNvCxnSpPr>
-          <p:nvPr/>
-        </p:nvCxnSpPr>
-        <p:spPr>
-          <a:xfrm flipV="1">
-            <a:off x="1469999" y="3188534"/>
-            <a:ext cx="0" cy="76200"/>
-          </a:xfrm>
-          <a:prstGeom prst="line">
-            <a:avLst/>
-          </a:prstGeom>
-          <a:ln w="12700">
-            <a:solidFill>
-              <a:schemeClr val="bg1">
-                <a:lumMod val="65000"/>
-              </a:schemeClr>
-            </a:solidFill>
-          </a:ln>
-        </p:spPr>
-        <p:style>
-          <a:lnRef idx="1">
-            <a:schemeClr val="accent1"/>
-          </a:lnRef>
-          <a:fillRef idx="0">
-            <a:schemeClr val="accent1"/>
-          </a:fillRef>
-          <a:effectRef idx="0">
-            <a:schemeClr val="accent1"/>
-          </a:effectRef>
-          <a:fontRef idx="minor">
-            <a:schemeClr val="tx1"/>
-          </a:fontRef>
-        </p:style>
-      </p:cxnSp>
-      <p:cxnSp>
-        <p:nvCxnSpPr>
-          <p:cNvPr id="143" name="Straight Connector 142">
-            <a:extLst>
-              <a:ext uri="{FF2B5EF4-FFF2-40B4-BE49-F238E27FC236}">
-                <a16:creationId xmlns:a16="http://schemas.microsoft.com/office/drawing/2014/main" id="{DEC47C09-F652-43D7-B6FD-29107BA03BB3}"/>
-              </a:ext>
-            </a:extLst>
-          </p:cNvPr>
-          <p:cNvCxnSpPr>
-            <a:cxnSpLocks/>
-          </p:cNvCxnSpPr>
-          <p:nvPr/>
-        </p:nvCxnSpPr>
-        <p:spPr>
-          <a:xfrm flipV="1">
-            <a:off x="1774799" y="3188534"/>
-            <a:ext cx="0" cy="76200"/>
-          </a:xfrm>
-          <a:prstGeom prst="line">
-            <a:avLst/>
-          </a:prstGeom>
-          <a:ln w="12700">
-            <a:solidFill>
-              <a:schemeClr val="bg1">
-                <a:lumMod val="65000"/>
-              </a:schemeClr>
-            </a:solidFill>
-          </a:ln>
-        </p:spPr>
-        <p:style>
-          <a:lnRef idx="1">
-            <a:schemeClr val="accent1"/>
-          </a:lnRef>
-          <a:fillRef idx="0">
-            <a:schemeClr val="accent1"/>
-          </a:fillRef>
-          <a:effectRef idx="0">
-            <a:schemeClr val="accent1"/>
-          </a:effectRef>
-          <a:fontRef idx="minor">
-            <a:schemeClr val="tx1"/>
-          </a:fontRef>
-        </p:style>
-      </p:cxnSp>
-      <p:cxnSp>
-        <p:nvCxnSpPr>
-          <p:cNvPr id="144" name="Straight Connector 143">
-            <a:extLst>
-              <a:ext uri="{FF2B5EF4-FFF2-40B4-BE49-F238E27FC236}">
-                <a16:creationId xmlns:a16="http://schemas.microsoft.com/office/drawing/2014/main" id="{0F846857-B496-4A48-AF49-32A35D90AC51}"/>
-              </a:ext>
-            </a:extLst>
-          </p:cNvPr>
-          <p:cNvCxnSpPr>
-            <a:cxnSpLocks/>
-          </p:cNvCxnSpPr>
-          <p:nvPr/>
-        </p:nvCxnSpPr>
-        <p:spPr>
-          <a:xfrm flipV="1">
-            <a:off x="2234529" y="3188534"/>
-            <a:ext cx="0" cy="152400"/>
-          </a:xfrm>
-          <a:prstGeom prst="line">
-            <a:avLst/>
-          </a:prstGeom>
-          <a:ln w="12700">
-            <a:solidFill>
-              <a:schemeClr val="bg1">
-                <a:lumMod val="65000"/>
-              </a:schemeClr>
-            </a:solidFill>
-          </a:ln>
-        </p:spPr>
-        <p:style>
-          <a:lnRef idx="1">
-            <a:schemeClr val="accent1"/>
-          </a:lnRef>
-          <a:fillRef idx="0">
-            <a:schemeClr val="accent1"/>
-          </a:fillRef>
-          <a:effectRef idx="0">
-            <a:schemeClr val="accent1"/>
-          </a:effectRef>
-          <a:fontRef idx="minor">
-            <a:schemeClr val="tx1"/>
-          </a:fontRef>
-        </p:style>
-      </p:cxnSp>
-      <p:cxnSp>
-        <p:nvCxnSpPr>
-          <p:cNvPr id="145" name="Straight Connector 144">
-            <a:extLst>
-              <a:ext uri="{FF2B5EF4-FFF2-40B4-BE49-F238E27FC236}">
-                <a16:creationId xmlns:a16="http://schemas.microsoft.com/office/drawing/2014/main" id="{95AD3D94-BA90-47FF-A691-D3A2DB7C1716}"/>
-              </a:ext>
-            </a:extLst>
-          </p:cNvPr>
-          <p:cNvCxnSpPr>
-            <a:cxnSpLocks/>
-          </p:cNvCxnSpPr>
-          <p:nvPr/>
-        </p:nvCxnSpPr>
-        <p:spPr>
-          <a:xfrm flipV="1">
-            <a:off x="2542121" y="3188534"/>
-            <a:ext cx="0" cy="228600"/>
-          </a:xfrm>
-          <a:prstGeom prst="line">
-            <a:avLst/>
-          </a:prstGeom>
-          <a:ln w="12700">
-            <a:solidFill>
-              <a:schemeClr val="bg1">
-                <a:lumMod val="65000"/>
-              </a:schemeClr>
-            </a:solidFill>
-          </a:ln>
-        </p:spPr>
-        <p:style>
-          <a:lnRef idx="1">
-            <a:schemeClr val="accent1"/>
-          </a:lnRef>
-          <a:fillRef idx="0">
-            <a:schemeClr val="accent1"/>
-          </a:fillRef>
-          <a:effectRef idx="0">
-            <a:schemeClr val="accent1"/>
-          </a:effectRef>
-          <a:fontRef idx="minor">
-            <a:schemeClr val="tx1"/>
-          </a:fontRef>
-        </p:style>
-      </p:cxnSp>
-      <p:cxnSp>
-        <p:nvCxnSpPr>
-          <p:cNvPr id="146" name="Straight Connector 145">
-            <a:extLst>
-              <a:ext uri="{FF2B5EF4-FFF2-40B4-BE49-F238E27FC236}">
-                <a16:creationId xmlns:a16="http://schemas.microsoft.com/office/drawing/2014/main" id="{B6BF37F4-CE6E-4905-850C-263CA6500439}"/>
-              </a:ext>
-            </a:extLst>
-          </p:cNvPr>
-          <p:cNvCxnSpPr>
-            <a:cxnSpLocks/>
-          </p:cNvCxnSpPr>
-          <p:nvPr/>
-        </p:nvCxnSpPr>
-        <p:spPr>
-          <a:xfrm flipV="1">
-            <a:off x="2079599" y="3188534"/>
-            <a:ext cx="0" cy="76200"/>
-          </a:xfrm>
-          <a:prstGeom prst="line">
-            <a:avLst/>
-          </a:prstGeom>
-          <a:ln w="12700">
-            <a:solidFill>
-              <a:schemeClr val="bg1">
-                <a:lumMod val="65000"/>
-              </a:schemeClr>
-            </a:solidFill>
-          </a:ln>
-        </p:spPr>
-        <p:style>
-          <a:lnRef idx="1">
-            <a:schemeClr val="accent1"/>
-          </a:lnRef>
-          <a:fillRef idx="0">
-            <a:schemeClr val="accent1"/>
-          </a:fillRef>
-          <a:effectRef idx="0">
-            <a:schemeClr val="accent1"/>
-          </a:effectRef>
-          <a:fontRef idx="minor">
-            <a:schemeClr val="tx1"/>
-          </a:fontRef>
-        </p:style>
-      </p:cxnSp>
-      <p:cxnSp>
-        <p:nvCxnSpPr>
-          <p:cNvPr id="147" name="Straight Connector 146">
-            <a:extLst>
-              <a:ext uri="{FF2B5EF4-FFF2-40B4-BE49-F238E27FC236}">
-                <a16:creationId xmlns:a16="http://schemas.microsoft.com/office/drawing/2014/main" id="{8B6866F5-D94E-44E0-A655-2566D380CAC3}"/>
-              </a:ext>
-            </a:extLst>
-          </p:cNvPr>
-          <p:cNvCxnSpPr>
-            <a:cxnSpLocks/>
-          </p:cNvCxnSpPr>
-          <p:nvPr/>
-        </p:nvCxnSpPr>
-        <p:spPr>
-          <a:xfrm flipV="1">
-            <a:off x="2389721" y="3188534"/>
-            <a:ext cx="0" cy="76200"/>
-          </a:xfrm>
-          <a:prstGeom prst="line">
-            <a:avLst/>
-          </a:prstGeom>
-          <a:ln w="12700">
-            <a:solidFill>
-              <a:schemeClr val="bg1">
-                <a:lumMod val="65000"/>
-              </a:schemeClr>
-            </a:solidFill>
-          </a:ln>
-        </p:spPr>
-        <p:style>
-          <a:lnRef idx="1">
-            <a:schemeClr val="accent1"/>
-          </a:lnRef>
-          <a:fillRef idx="0">
-            <a:schemeClr val="accent1"/>
-          </a:fillRef>
-          <a:effectRef idx="0">
-            <a:schemeClr val="accent1"/>
-          </a:effectRef>
-          <a:fontRef idx="minor">
-            <a:schemeClr val="tx1"/>
-          </a:fontRef>
-        </p:style>
-      </p:cxnSp>
-      <p:cxnSp>
-        <p:nvCxnSpPr>
-          <p:cNvPr id="148" name="Straight Connector 147">
-            <a:extLst>
-              <a:ext uri="{FF2B5EF4-FFF2-40B4-BE49-F238E27FC236}">
-                <a16:creationId xmlns:a16="http://schemas.microsoft.com/office/drawing/2014/main" id="{43B8884A-4202-46B7-A7C9-824A240B54FA}"/>
-              </a:ext>
-            </a:extLst>
-          </p:cNvPr>
-          <p:cNvCxnSpPr>
-            <a:cxnSpLocks/>
-          </p:cNvCxnSpPr>
-          <p:nvPr/>
-        </p:nvCxnSpPr>
-        <p:spPr>
-          <a:xfrm flipV="1">
-            <a:off x="2846921" y="3188534"/>
-            <a:ext cx="0" cy="152400"/>
-          </a:xfrm>
-          <a:prstGeom prst="line">
-            <a:avLst/>
-          </a:prstGeom>
-          <a:ln w="12700">
-            <a:solidFill>
-              <a:schemeClr val="bg1">
-                <a:lumMod val="65000"/>
-              </a:schemeClr>
-            </a:solidFill>
-          </a:ln>
-        </p:spPr>
-        <p:style>
-          <a:lnRef idx="1">
-            <a:schemeClr val="accent1"/>
-          </a:lnRef>
-          <a:fillRef idx="0">
-            <a:schemeClr val="accent1"/>
-          </a:fillRef>
-          <a:effectRef idx="0">
-            <a:schemeClr val="accent1"/>
-          </a:effectRef>
-          <a:fontRef idx="minor">
-            <a:schemeClr val="tx1"/>
-          </a:fontRef>
-        </p:style>
-      </p:cxnSp>
-      <p:cxnSp>
-        <p:nvCxnSpPr>
-          <p:cNvPr id="149" name="Straight Connector 148">
-            <a:extLst>
-              <a:ext uri="{FF2B5EF4-FFF2-40B4-BE49-F238E27FC236}">
-                <a16:creationId xmlns:a16="http://schemas.microsoft.com/office/drawing/2014/main" id="{F4D59B54-EB17-44B3-B8B5-52E49774145B}"/>
-              </a:ext>
-            </a:extLst>
-          </p:cNvPr>
-          <p:cNvCxnSpPr>
-            <a:cxnSpLocks/>
-          </p:cNvCxnSpPr>
-          <p:nvPr/>
-        </p:nvCxnSpPr>
-        <p:spPr>
-          <a:xfrm flipV="1">
-            <a:off x="3146292" y="3188534"/>
-            <a:ext cx="0" cy="228600"/>
-          </a:xfrm>
-          <a:prstGeom prst="line">
-            <a:avLst/>
-          </a:prstGeom>
-          <a:ln w="12700">
-            <a:solidFill>
-              <a:schemeClr val="bg1">
-                <a:lumMod val="65000"/>
-              </a:schemeClr>
-            </a:solidFill>
-          </a:ln>
-        </p:spPr>
-        <p:style>
-          <a:lnRef idx="1">
-            <a:schemeClr val="accent1"/>
-          </a:lnRef>
-          <a:fillRef idx="0">
-            <a:schemeClr val="accent1"/>
-          </a:fillRef>
-          <a:effectRef idx="0">
-            <a:schemeClr val="accent1"/>
-          </a:effectRef>
-          <a:fontRef idx="minor">
-            <a:schemeClr val="tx1"/>
-          </a:fontRef>
-        </p:style>
-      </p:cxnSp>
-      <p:cxnSp>
-        <p:nvCxnSpPr>
-          <p:cNvPr id="150" name="Straight Connector 149">
-            <a:extLst>
-              <a:ext uri="{FF2B5EF4-FFF2-40B4-BE49-F238E27FC236}">
-                <a16:creationId xmlns:a16="http://schemas.microsoft.com/office/drawing/2014/main" id="{40816482-7FEB-4AAB-9F7F-58E3294DC59E}"/>
-              </a:ext>
-            </a:extLst>
-          </p:cNvPr>
-          <p:cNvCxnSpPr>
-            <a:cxnSpLocks/>
-          </p:cNvCxnSpPr>
-          <p:nvPr/>
-        </p:nvCxnSpPr>
-        <p:spPr>
-          <a:xfrm flipV="1">
-            <a:off x="2694521" y="3188534"/>
-            <a:ext cx="0" cy="76200"/>
-          </a:xfrm>
-          <a:prstGeom prst="line">
-            <a:avLst/>
-          </a:prstGeom>
-          <a:ln w="12700">
-            <a:solidFill>
-              <a:schemeClr val="bg1">
-                <a:lumMod val="65000"/>
-              </a:schemeClr>
-            </a:solidFill>
-          </a:ln>
-        </p:spPr>
-        <p:style>
-          <a:lnRef idx="1">
-            <a:schemeClr val="accent1"/>
-          </a:lnRef>
-          <a:fillRef idx="0">
-            <a:schemeClr val="accent1"/>
-          </a:fillRef>
-          <a:effectRef idx="0">
-            <a:schemeClr val="accent1"/>
-          </a:effectRef>
-          <a:fontRef idx="minor">
-            <a:schemeClr val="tx1"/>
-          </a:fontRef>
-        </p:style>
-      </p:cxnSp>
-      <p:cxnSp>
-        <p:nvCxnSpPr>
-          <p:cNvPr id="151" name="Straight Connector 150">
-            <a:extLst>
-              <a:ext uri="{FF2B5EF4-FFF2-40B4-BE49-F238E27FC236}">
-                <a16:creationId xmlns:a16="http://schemas.microsoft.com/office/drawing/2014/main" id="{FA7A95AC-9654-4AEB-843C-695B4403DEE8}"/>
-              </a:ext>
-            </a:extLst>
-          </p:cNvPr>
-          <p:cNvCxnSpPr>
-            <a:cxnSpLocks/>
-          </p:cNvCxnSpPr>
-          <p:nvPr/>
-        </p:nvCxnSpPr>
-        <p:spPr>
-          <a:xfrm flipV="1">
-            <a:off x="2999321" y="3188534"/>
-            <a:ext cx="0" cy="76200"/>
-          </a:xfrm>
-          <a:prstGeom prst="line">
-            <a:avLst/>
-          </a:prstGeom>
-          <a:ln w="12700">
-            <a:solidFill>
-              <a:schemeClr val="bg1">
-                <a:lumMod val="65000"/>
-              </a:schemeClr>
-            </a:solidFill>
-          </a:ln>
-        </p:spPr>
-        <p:style>
-          <a:lnRef idx="1">
-            <a:schemeClr val="accent1"/>
-          </a:lnRef>
-          <a:fillRef idx="0">
-            <a:schemeClr val="accent1"/>
-          </a:fillRef>
-          <a:effectRef idx="0">
-            <a:schemeClr val="accent1"/>
-          </a:effectRef>
-          <a:fontRef idx="minor">
-            <a:schemeClr val="tx1"/>
-          </a:fontRef>
-        </p:style>
-      </p:cxnSp>
-      <p:cxnSp>
-        <p:nvCxnSpPr>
-          <p:cNvPr id="152" name="Straight Connector 151">
-            <a:extLst>
-              <a:ext uri="{FF2B5EF4-FFF2-40B4-BE49-F238E27FC236}">
-                <a16:creationId xmlns:a16="http://schemas.microsoft.com/office/drawing/2014/main" id="{1A166F3B-9919-47E6-857A-5396F22C0102}"/>
-              </a:ext>
-            </a:extLst>
-          </p:cNvPr>
-          <p:cNvCxnSpPr>
-            <a:cxnSpLocks/>
-          </p:cNvCxnSpPr>
-          <p:nvPr/>
-        </p:nvCxnSpPr>
-        <p:spPr>
-          <a:xfrm flipV="1">
-            <a:off x="3453729" y="3188534"/>
-            <a:ext cx="0" cy="152400"/>
-          </a:xfrm>
-          <a:prstGeom prst="line">
-            <a:avLst/>
-          </a:prstGeom>
-          <a:ln w="12700">
-            <a:solidFill>
-              <a:schemeClr val="bg1">
-                <a:lumMod val="65000"/>
-              </a:schemeClr>
-            </a:solidFill>
-          </a:ln>
-        </p:spPr>
-        <p:style>
-          <a:lnRef idx="1">
-            <a:schemeClr val="accent1"/>
-          </a:lnRef>
-          <a:fillRef idx="0">
-            <a:schemeClr val="accent1"/>
-          </a:fillRef>
-          <a:effectRef idx="0">
-            <a:schemeClr val="accent1"/>
-          </a:effectRef>
-          <a:fontRef idx="minor">
-            <a:schemeClr val="tx1"/>
-          </a:fontRef>
-        </p:style>
-      </p:cxnSp>
-      <p:cxnSp>
-        <p:nvCxnSpPr>
-          <p:cNvPr id="153" name="Straight Connector 152">
-            <a:extLst>
-              <a:ext uri="{FF2B5EF4-FFF2-40B4-BE49-F238E27FC236}">
-                <a16:creationId xmlns:a16="http://schemas.microsoft.com/office/drawing/2014/main" id="{B4755B38-D138-4837-ADAB-5E176C78187E}"/>
-              </a:ext>
-            </a:extLst>
-          </p:cNvPr>
-          <p:cNvCxnSpPr>
-            <a:cxnSpLocks/>
-          </p:cNvCxnSpPr>
-          <p:nvPr/>
-        </p:nvCxnSpPr>
-        <p:spPr>
-          <a:xfrm flipV="1">
-            <a:off x="3304121" y="3188534"/>
-            <a:ext cx="0" cy="76200"/>
-          </a:xfrm>
-          <a:prstGeom prst="line">
-            <a:avLst/>
-          </a:prstGeom>
-          <a:ln w="12700">
-            <a:solidFill>
-              <a:schemeClr val="bg1">
-                <a:lumMod val="65000"/>
-              </a:schemeClr>
-            </a:solidFill>
-          </a:ln>
-        </p:spPr>
-        <p:style>
-          <a:lnRef idx="1">
-            <a:schemeClr val="accent1"/>
-          </a:lnRef>
-          <a:fillRef idx="0">
-            <a:schemeClr val="accent1"/>
-          </a:fillRef>
-          <a:effectRef idx="0">
-            <a:schemeClr val="accent1"/>
-          </a:effectRef>
-          <a:fontRef idx="minor">
-            <a:schemeClr val="tx1"/>
-          </a:fontRef>
-        </p:style>
-      </p:cxnSp>
-      <p:cxnSp>
-        <p:nvCxnSpPr>
-          <p:cNvPr id="154" name="Straight Connector 153">
-            <a:extLst>
-              <a:ext uri="{FF2B5EF4-FFF2-40B4-BE49-F238E27FC236}">
-                <a16:creationId xmlns:a16="http://schemas.microsoft.com/office/drawing/2014/main" id="{E694C8A6-32C7-4789-8E5F-3000AC32A553}"/>
-              </a:ext>
-            </a:extLst>
-          </p:cNvPr>
-          <p:cNvCxnSpPr>
-            <a:cxnSpLocks/>
-          </p:cNvCxnSpPr>
-          <p:nvPr/>
-        </p:nvCxnSpPr>
-        <p:spPr>
-          <a:xfrm flipV="1">
-            <a:off x="3603599" y="3188534"/>
-            <a:ext cx="0" cy="76200"/>
-          </a:xfrm>
-          <a:prstGeom prst="line">
-            <a:avLst/>
-          </a:prstGeom>
-          <a:ln w="12700">
-            <a:solidFill>
-              <a:schemeClr val="bg1">
-                <a:lumMod val="65000"/>
-              </a:schemeClr>
-            </a:solidFill>
-          </a:ln>
-        </p:spPr>
-        <p:style>
-          <a:lnRef idx="1">
-            <a:schemeClr val="accent1"/>
-          </a:lnRef>
-          <a:fillRef idx="0">
-            <a:schemeClr val="accent1"/>
-          </a:fillRef>
-          <a:effectRef idx="0">
-            <a:schemeClr val="accent1"/>
-          </a:effectRef>
-          <a:fontRef idx="minor">
-            <a:schemeClr val="tx1"/>
-          </a:fontRef>
-        </p:style>
-      </p:cxnSp>
-      <p:sp>
-        <p:nvSpPr>
-          <p:cNvPr id="155" name="TextBox 154">
-            <a:extLst>
-              <a:ext uri="{FF2B5EF4-FFF2-40B4-BE49-F238E27FC236}">
-                <a16:creationId xmlns:a16="http://schemas.microsoft.com/office/drawing/2014/main" id="{13B1EC85-CB40-4198-A486-087D95A49B23}"/>
-              </a:ext>
-            </a:extLst>
-          </p:cNvPr>
-          <p:cNvSpPr txBox="1"/>
-          <p:nvPr/>
-        </p:nvSpPr>
-        <p:spPr>
-          <a:xfrm>
-            <a:off x="1175193" y="3340934"/>
-            <a:ext cx="314510" cy="400110"/>
-          </a:xfrm>
-          <a:prstGeom prst="rect">
-            <a:avLst/>
-          </a:prstGeom>
-          <a:noFill/>
-        </p:spPr>
-        <p:txBody>
-          <a:bodyPr wrap="none" rtlCol="0">
-            <a:spAutoFit/>
-          </a:bodyPr>
-          <a:lstStyle/>
-          <a:p>
-            <a:r>
-              <a:rPr lang="en-US" sz="2000" dirty="0">
-                <a:solidFill>
-                  <a:schemeClr val="bg1">
-                    <a:lumMod val="65000"/>
-                  </a:schemeClr>
-                </a:solidFill>
-              </a:rPr>
-              <a:t>1</a:t>
-            </a:r>
-          </a:p>
-        </p:txBody>
-      </p:sp>
-      <p:sp>
-        <p:nvSpPr>
-          <p:cNvPr id="156" name="TextBox 155">
-            <a:extLst>
-              <a:ext uri="{FF2B5EF4-FFF2-40B4-BE49-F238E27FC236}">
-                <a16:creationId xmlns:a16="http://schemas.microsoft.com/office/drawing/2014/main" id="{B3C3D97A-456A-421A-9892-CDFD17FC3D65}"/>
-              </a:ext>
-            </a:extLst>
-          </p:cNvPr>
-          <p:cNvSpPr txBox="1"/>
-          <p:nvPr/>
-        </p:nvSpPr>
-        <p:spPr>
-          <a:xfrm>
-            <a:off x="1787000" y="3340934"/>
-            <a:ext cx="314510" cy="400110"/>
-          </a:xfrm>
-          <a:prstGeom prst="rect">
-            <a:avLst/>
-          </a:prstGeom>
-          <a:noFill/>
-        </p:spPr>
-        <p:txBody>
-          <a:bodyPr wrap="none" rtlCol="0">
-            <a:spAutoFit/>
-          </a:bodyPr>
-          <a:lstStyle/>
-          <a:p>
-            <a:r>
-              <a:rPr lang="en-US" sz="2000" dirty="0">
-                <a:solidFill>
-                  <a:schemeClr val="bg1">
-                    <a:lumMod val="65000"/>
-                  </a:schemeClr>
-                </a:solidFill>
-              </a:rPr>
-              <a:t>2</a:t>
-            </a:r>
-          </a:p>
-        </p:txBody>
-      </p:sp>
-      <p:sp>
-        <p:nvSpPr>
-          <p:cNvPr id="157" name="TextBox 156">
-            <a:extLst>
-              <a:ext uri="{FF2B5EF4-FFF2-40B4-BE49-F238E27FC236}">
-                <a16:creationId xmlns:a16="http://schemas.microsoft.com/office/drawing/2014/main" id="{1FDD7525-07EA-49AB-9215-FE6FD24ADA21}"/>
-              </a:ext>
-            </a:extLst>
-          </p:cNvPr>
-          <p:cNvSpPr txBox="1"/>
-          <p:nvPr/>
-        </p:nvSpPr>
-        <p:spPr>
-          <a:xfrm>
-            <a:off x="2394597" y="3340934"/>
-            <a:ext cx="314510" cy="400110"/>
-          </a:xfrm>
-          <a:prstGeom prst="rect">
-            <a:avLst/>
-          </a:prstGeom>
-          <a:noFill/>
-        </p:spPr>
-        <p:txBody>
-          <a:bodyPr wrap="none" rtlCol="0">
-            <a:spAutoFit/>
-          </a:bodyPr>
-          <a:lstStyle/>
-          <a:p>
-            <a:r>
-              <a:rPr lang="en-US" sz="2000" dirty="0">
-                <a:solidFill>
-                  <a:schemeClr val="bg1">
-                    <a:lumMod val="65000"/>
-                  </a:schemeClr>
-                </a:solidFill>
-              </a:rPr>
-              <a:t>3</a:t>
-            </a:r>
-          </a:p>
-        </p:txBody>
-      </p:sp>
-      <p:sp>
-        <p:nvSpPr>
-          <p:cNvPr id="158" name="TextBox 157">
-            <a:extLst>
-              <a:ext uri="{FF2B5EF4-FFF2-40B4-BE49-F238E27FC236}">
-                <a16:creationId xmlns:a16="http://schemas.microsoft.com/office/drawing/2014/main" id="{9B46CFD6-C67F-459D-A730-9B29627635F2}"/>
-              </a:ext>
-            </a:extLst>
-          </p:cNvPr>
-          <p:cNvSpPr txBox="1"/>
-          <p:nvPr/>
-        </p:nvSpPr>
-        <p:spPr>
-          <a:xfrm>
-            <a:off x="2994081" y="3340934"/>
-            <a:ext cx="314510" cy="400110"/>
-          </a:xfrm>
-          <a:prstGeom prst="rect">
-            <a:avLst/>
-          </a:prstGeom>
-          <a:noFill/>
-        </p:spPr>
-        <p:txBody>
-          <a:bodyPr wrap="none" rtlCol="0">
-            <a:spAutoFit/>
-          </a:bodyPr>
-          <a:lstStyle/>
-          <a:p>
-            <a:r>
-              <a:rPr lang="en-US" sz="2000" dirty="0">
-                <a:solidFill>
-                  <a:schemeClr val="bg1">
-                    <a:lumMod val="65000"/>
-                  </a:schemeClr>
-                </a:solidFill>
-              </a:rPr>
-              <a:t>4</a:t>
-            </a:r>
-          </a:p>
-        </p:txBody>
-      </p:sp>
-      <p:sp>
-        <p:nvSpPr>
           <p:cNvPr id="12" name="Rectangle: Rounded Corners 11">
             <a:extLst>
               <a:ext uri="{FF2B5EF4-FFF2-40B4-BE49-F238E27FC236}">
@@ -13305,6 +12228,603 @@
           <a:p>
             <a:pPr algn="ctr"/>
             <a:endParaRPr lang="en-US"/>
+          </a:p>
+        </p:txBody>
+      </p:sp>
+      <p:sp>
+        <p:nvSpPr>
+          <p:cNvPr id="186" name="Rectangle 185">
+            <a:extLst>
+              <a:ext uri="{FF2B5EF4-FFF2-40B4-BE49-F238E27FC236}">
+                <a16:creationId xmlns:a16="http://schemas.microsoft.com/office/drawing/2014/main" id="{06067919-735F-432E-982A-3BE20E32B26D}"/>
+              </a:ext>
+            </a:extLst>
+          </p:cNvPr>
+          <p:cNvSpPr/>
+          <p:nvPr/>
+        </p:nvSpPr>
+        <p:spPr>
+          <a:xfrm>
+            <a:off x="761488" y="3056715"/>
+            <a:ext cx="1824614" cy="530319"/>
+          </a:xfrm>
+          <a:prstGeom prst="rect">
+            <a:avLst/>
+          </a:prstGeom>
+          <a:solidFill>
+            <a:srgbClr val="FFFF00"/>
+          </a:solidFill>
+          <a:ln w="12700">
+            <a:solidFill>
+              <a:schemeClr val="tx1"/>
+            </a:solidFill>
+          </a:ln>
+        </p:spPr>
+        <p:style>
+          <a:lnRef idx="2">
+            <a:schemeClr val="accent1">
+              <a:shade val="50000"/>
+            </a:schemeClr>
+          </a:lnRef>
+          <a:fillRef idx="1">
+            <a:schemeClr val="accent1"/>
+          </a:fillRef>
+          <a:effectRef idx="0">
+            <a:schemeClr val="accent1"/>
+          </a:effectRef>
+          <a:fontRef idx="minor">
+            <a:schemeClr val="lt1"/>
+          </a:fontRef>
+        </p:style>
+        <p:txBody>
+          <a:bodyPr rtlCol="0" anchor="ctr"/>
+          <a:lstStyle/>
+          <a:p>
+            <a:pPr algn="ctr"/>
+            <a:endParaRPr lang="en-US"/>
+          </a:p>
+        </p:txBody>
+      </p:sp>
+      <p:cxnSp>
+        <p:nvCxnSpPr>
+          <p:cNvPr id="187" name="Straight Connector 186">
+            <a:extLst>
+              <a:ext uri="{FF2B5EF4-FFF2-40B4-BE49-F238E27FC236}">
+                <a16:creationId xmlns:a16="http://schemas.microsoft.com/office/drawing/2014/main" id="{42C868B2-EB78-46D9-9485-B8B1D4EB1735}"/>
+              </a:ext>
+            </a:extLst>
+          </p:cNvPr>
+          <p:cNvCxnSpPr>
+            <a:cxnSpLocks/>
+          </p:cNvCxnSpPr>
+          <p:nvPr/>
+        </p:nvCxnSpPr>
+        <p:spPr>
+          <a:xfrm flipV="1">
+            <a:off x="1068817" y="3056716"/>
+            <a:ext cx="0" cy="152400"/>
+          </a:xfrm>
+          <a:prstGeom prst="line">
+            <a:avLst/>
+          </a:prstGeom>
+          <a:ln w="12700">
+            <a:solidFill>
+              <a:schemeClr val="tx1"/>
+            </a:solidFill>
+          </a:ln>
+        </p:spPr>
+        <p:style>
+          <a:lnRef idx="1">
+            <a:schemeClr val="accent1"/>
+          </a:lnRef>
+          <a:fillRef idx="0">
+            <a:schemeClr val="accent1"/>
+          </a:fillRef>
+          <a:effectRef idx="0">
+            <a:schemeClr val="accent1"/>
+          </a:effectRef>
+          <a:fontRef idx="minor">
+            <a:schemeClr val="tx1"/>
+          </a:fontRef>
+        </p:style>
+      </p:cxnSp>
+      <p:cxnSp>
+        <p:nvCxnSpPr>
+          <p:cNvPr id="192" name="Straight Connector 191">
+            <a:extLst>
+              <a:ext uri="{FF2B5EF4-FFF2-40B4-BE49-F238E27FC236}">
+                <a16:creationId xmlns:a16="http://schemas.microsoft.com/office/drawing/2014/main" id="{1B6757A9-2994-4D9F-BABC-A28633B75714}"/>
+              </a:ext>
+            </a:extLst>
+          </p:cNvPr>
+          <p:cNvCxnSpPr>
+            <a:cxnSpLocks/>
+          </p:cNvCxnSpPr>
+          <p:nvPr/>
+        </p:nvCxnSpPr>
+        <p:spPr>
+          <a:xfrm flipV="1">
+            <a:off x="1376409" y="3056716"/>
+            <a:ext cx="0" cy="228600"/>
+          </a:xfrm>
+          <a:prstGeom prst="line">
+            <a:avLst/>
+          </a:prstGeom>
+          <a:ln w="12700">
+            <a:solidFill>
+              <a:schemeClr val="tx1"/>
+            </a:solidFill>
+          </a:ln>
+        </p:spPr>
+        <p:style>
+          <a:lnRef idx="1">
+            <a:schemeClr val="accent1"/>
+          </a:lnRef>
+          <a:fillRef idx="0">
+            <a:schemeClr val="accent1"/>
+          </a:fillRef>
+          <a:effectRef idx="0">
+            <a:schemeClr val="accent1"/>
+          </a:effectRef>
+          <a:fontRef idx="minor">
+            <a:schemeClr val="tx1"/>
+          </a:fontRef>
+        </p:style>
+      </p:cxnSp>
+      <p:cxnSp>
+        <p:nvCxnSpPr>
+          <p:cNvPr id="193" name="Straight Connector 192">
+            <a:extLst>
+              <a:ext uri="{FF2B5EF4-FFF2-40B4-BE49-F238E27FC236}">
+                <a16:creationId xmlns:a16="http://schemas.microsoft.com/office/drawing/2014/main" id="{B64389B5-168C-4AF6-A61F-FF61D03618EF}"/>
+              </a:ext>
+            </a:extLst>
+          </p:cNvPr>
+          <p:cNvCxnSpPr>
+            <a:cxnSpLocks/>
+          </p:cNvCxnSpPr>
+          <p:nvPr/>
+        </p:nvCxnSpPr>
+        <p:spPr>
+          <a:xfrm flipV="1">
+            <a:off x="913887" y="3056716"/>
+            <a:ext cx="0" cy="76200"/>
+          </a:xfrm>
+          <a:prstGeom prst="line">
+            <a:avLst/>
+          </a:prstGeom>
+          <a:ln w="12700">
+            <a:solidFill>
+              <a:schemeClr val="tx1"/>
+            </a:solidFill>
+          </a:ln>
+        </p:spPr>
+        <p:style>
+          <a:lnRef idx="1">
+            <a:schemeClr val="accent1"/>
+          </a:lnRef>
+          <a:fillRef idx="0">
+            <a:schemeClr val="accent1"/>
+          </a:fillRef>
+          <a:effectRef idx="0">
+            <a:schemeClr val="accent1"/>
+          </a:effectRef>
+          <a:fontRef idx="minor">
+            <a:schemeClr val="tx1"/>
+          </a:fontRef>
+        </p:style>
+      </p:cxnSp>
+      <p:cxnSp>
+        <p:nvCxnSpPr>
+          <p:cNvPr id="194" name="Straight Connector 193">
+            <a:extLst>
+              <a:ext uri="{FF2B5EF4-FFF2-40B4-BE49-F238E27FC236}">
+                <a16:creationId xmlns:a16="http://schemas.microsoft.com/office/drawing/2014/main" id="{3F98836F-5BD3-4269-9191-AA4586D3F072}"/>
+              </a:ext>
+            </a:extLst>
+          </p:cNvPr>
+          <p:cNvCxnSpPr>
+            <a:cxnSpLocks/>
+          </p:cNvCxnSpPr>
+          <p:nvPr/>
+        </p:nvCxnSpPr>
+        <p:spPr>
+          <a:xfrm flipV="1">
+            <a:off x="1218687" y="3056716"/>
+            <a:ext cx="0" cy="76200"/>
+          </a:xfrm>
+          <a:prstGeom prst="line">
+            <a:avLst/>
+          </a:prstGeom>
+          <a:ln w="12700">
+            <a:solidFill>
+              <a:schemeClr val="tx1"/>
+            </a:solidFill>
+          </a:ln>
+        </p:spPr>
+        <p:style>
+          <a:lnRef idx="1">
+            <a:schemeClr val="accent1"/>
+          </a:lnRef>
+          <a:fillRef idx="0">
+            <a:schemeClr val="accent1"/>
+          </a:fillRef>
+          <a:effectRef idx="0">
+            <a:schemeClr val="accent1"/>
+          </a:effectRef>
+          <a:fontRef idx="minor">
+            <a:schemeClr val="tx1"/>
+          </a:fontRef>
+        </p:style>
+      </p:cxnSp>
+      <p:cxnSp>
+        <p:nvCxnSpPr>
+          <p:cNvPr id="195" name="Straight Connector 194">
+            <a:extLst>
+              <a:ext uri="{FF2B5EF4-FFF2-40B4-BE49-F238E27FC236}">
+                <a16:creationId xmlns:a16="http://schemas.microsoft.com/office/drawing/2014/main" id="{D17062F8-A82F-4EE7-947A-B01988BE8265}"/>
+              </a:ext>
+            </a:extLst>
+          </p:cNvPr>
+          <p:cNvCxnSpPr>
+            <a:cxnSpLocks/>
+          </p:cNvCxnSpPr>
+          <p:nvPr/>
+        </p:nvCxnSpPr>
+        <p:spPr>
+          <a:xfrm flipV="1">
+            <a:off x="1673095" y="3056716"/>
+            <a:ext cx="0" cy="152400"/>
+          </a:xfrm>
+          <a:prstGeom prst="line">
+            <a:avLst/>
+          </a:prstGeom>
+          <a:ln w="12700">
+            <a:solidFill>
+              <a:schemeClr val="tx1"/>
+            </a:solidFill>
+          </a:ln>
+        </p:spPr>
+        <p:style>
+          <a:lnRef idx="1">
+            <a:schemeClr val="accent1"/>
+          </a:lnRef>
+          <a:fillRef idx="0">
+            <a:schemeClr val="accent1"/>
+          </a:fillRef>
+          <a:effectRef idx="0">
+            <a:schemeClr val="accent1"/>
+          </a:effectRef>
+          <a:fontRef idx="minor">
+            <a:schemeClr val="tx1"/>
+          </a:fontRef>
+        </p:style>
+      </p:cxnSp>
+      <p:cxnSp>
+        <p:nvCxnSpPr>
+          <p:cNvPr id="196" name="Straight Connector 195">
+            <a:extLst>
+              <a:ext uri="{FF2B5EF4-FFF2-40B4-BE49-F238E27FC236}">
+                <a16:creationId xmlns:a16="http://schemas.microsoft.com/office/drawing/2014/main" id="{75731203-12BE-43C1-8CA1-12624F02168A}"/>
+              </a:ext>
+            </a:extLst>
+          </p:cNvPr>
+          <p:cNvCxnSpPr>
+            <a:cxnSpLocks/>
+          </p:cNvCxnSpPr>
+          <p:nvPr/>
+        </p:nvCxnSpPr>
+        <p:spPr>
+          <a:xfrm flipV="1">
+            <a:off x="1980687" y="3056716"/>
+            <a:ext cx="0" cy="228600"/>
+          </a:xfrm>
+          <a:prstGeom prst="line">
+            <a:avLst/>
+          </a:prstGeom>
+          <a:ln w="12700">
+            <a:solidFill>
+              <a:schemeClr val="tx1"/>
+            </a:solidFill>
+          </a:ln>
+        </p:spPr>
+        <p:style>
+          <a:lnRef idx="1">
+            <a:schemeClr val="accent1"/>
+          </a:lnRef>
+          <a:fillRef idx="0">
+            <a:schemeClr val="accent1"/>
+          </a:fillRef>
+          <a:effectRef idx="0">
+            <a:schemeClr val="accent1"/>
+          </a:effectRef>
+          <a:fontRef idx="minor">
+            <a:schemeClr val="tx1"/>
+          </a:fontRef>
+        </p:style>
+      </p:cxnSp>
+      <p:cxnSp>
+        <p:nvCxnSpPr>
+          <p:cNvPr id="197" name="Straight Connector 196">
+            <a:extLst>
+              <a:ext uri="{FF2B5EF4-FFF2-40B4-BE49-F238E27FC236}">
+                <a16:creationId xmlns:a16="http://schemas.microsoft.com/office/drawing/2014/main" id="{7676C0B8-5016-4F71-931D-08C9A9E0DC95}"/>
+              </a:ext>
+            </a:extLst>
+          </p:cNvPr>
+          <p:cNvCxnSpPr>
+            <a:cxnSpLocks/>
+          </p:cNvCxnSpPr>
+          <p:nvPr/>
+        </p:nvCxnSpPr>
+        <p:spPr>
+          <a:xfrm flipV="1">
+            <a:off x="1518165" y="3056716"/>
+            <a:ext cx="0" cy="76200"/>
+          </a:xfrm>
+          <a:prstGeom prst="line">
+            <a:avLst/>
+          </a:prstGeom>
+          <a:ln w="12700">
+            <a:solidFill>
+              <a:schemeClr val="tx1"/>
+            </a:solidFill>
+          </a:ln>
+        </p:spPr>
+        <p:style>
+          <a:lnRef idx="1">
+            <a:schemeClr val="accent1"/>
+          </a:lnRef>
+          <a:fillRef idx="0">
+            <a:schemeClr val="accent1"/>
+          </a:fillRef>
+          <a:effectRef idx="0">
+            <a:schemeClr val="accent1"/>
+          </a:effectRef>
+          <a:fontRef idx="minor">
+            <a:schemeClr val="tx1"/>
+          </a:fontRef>
+        </p:style>
+      </p:cxnSp>
+      <p:cxnSp>
+        <p:nvCxnSpPr>
+          <p:cNvPr id="198" name="Straight Connector 197">
+            <a:extLst>
+              <a:ext uri="{FF2B5EF4-FFF2-40B4-BE49-F238E27FC236}">
+                <a16:creationId xmlns:a16="http://schemas.microsoft.com/office/drawing/2014/main" id="{505F4A10-048F-4492-A011-27B4AFAFD7E3}"/>
+              </a:ext>
+            </a:extLst>
+          </p:cNvPr>
+          <p:cNvCxnSpPr>
+            <a:cxnSpLocks/>
+          </p:cNvCxnSpPr>
+          <p:nvPr/>
+        </p:nvCxnSpPr>
+        <p:spPr>
+          <a:xfrm flipV="1">
+            <a:off x="1822965" y="3056716"/>
+            <a:ext cx="0" cy="76200"/>
+          </a:xfrm>
+          <a:prstGeom prst="line">
+            <a:avLst/>
+          </a:prstGeom>
+          <a:ln w="12700">
+            <a:solidFill>
+              <a:schemeClr val="tx1"/>
+            </a:solidFill>
+          </a:ln>
+        </p:spPr>
+        <p:style>
+          <a:lnRef idx="1">
+            <a:schemeClr val="accent1"/>
+          </a:lnRef>
+          <a:fillRef idx="0">
+            <a:schemeClr val="accent1"/>
+          </a:fillRef>
+          <a:effectRef idx="0">
+            <a:schemeClr val="accent1"/>
+          </a:effectRef>
+          <a:fontRef idx="minor">
+            <a:schemeClr val="tx1"/>
+          </a:fontRef>
+        </p:style>
+      </p:cxnSp>
+      <p:cxnSp>
+        <p:nvCxnSpPr>
+          <p:cNvPr id="199" name="Straight Connector 198">
+            <a:extLst>
+              <a:ext uri="{FF2B5EF4-FFF2-40B4-BE49-F238E27FC236}">
+                <a16:creationId xmlns:a16="http://schemas.microsoft.com/office/drawing/2014/main" id="{EB5E1A33-16CD-42F5-A66D-669327260E0E}"/>
+              </a:ext>
+            </a:extLst>
+          </p:cNvPr>
+          <p:cNvCxnSpPr>
+            <a:cxnSpLocks/>
+          </p:cNvCxnSpPr>
+          <p:nvPr/>
+        </p:nvCxnSpPr>
+        <p:spPr>
+          <a:xfrm flipV="1">
+            <a:off x="2282695" y="3056716"/>
+            <a:ext cx="0" cy="152400"/>
+          </a:xfrm>
+          <a:prstGeom prst="line">
+            <a:avLst/>
+          </a:prstGeom>
+          <a:ln w="12700">
+            <a:solidFill>
+              <a:schemeClr val="tx1"/>
+            </a:solidFill>
+          </a:ln>
+        </p:spPr>
+        <p:style>
+          <a:lnRef idx="1">
+            <a:schemeClr val="accent1"/>
+          </a:lnRef>
+          <a:fillRef idx="0">
+            <a:schemeClr val="accent1"/>
+          </a:fillRef>
+          <a:effectRef idx="0">
+            <a:schemeClr val="accent1"/>
+          </a:effectRef>
+          <a:fontRef idx="minor">
+            <a:schemeClr val="tx1"/>
+          </a:fontRef>
+        </p:style>
+      </p:cxnSp>
+      <p:cxnSp>
+        <p:nvCxnSpPr>
+          <p:cNvPr id="201" name="Straight Connector 200">
+            <a:extLst>
+              <a:ext uri="{FF2B5EF4-FFF2-40B4-BE49-F238E27FC236}">
+                <a16:creationId xmlns:a16="http://schemas.microsoft.com/office/drawing/2014/main" id="{66294D45-E833-4E00-B4F6-F3FE0E843397}"/>
+              </a:ext>
+            </a:extLst>
+          </p:cNvPr>
+          <p:cNvCxnSpPr>
+            <a:cxnSpLocks/>
+          </p:cNvCxnSpPr>
+          <p:nvPr/>
+        </p:nvCxnSpPr>
+        <p:spPr>
+          <a:xfrm flipV="1">
+            <a:off x="2127765" y="3056716"/>
+            <a:ext cx="0" cy="76200"/>
+          </a:xfrm>
+          <a:prstGeom prst="line">
+            <a:avLst/>
+          </a:prstGeom>
+          <a:ln w="12700">
+            <a:solidFill>
+              <a:schemeClr val="tx1"/>
+            </a:solidFill>
+          </a:ln>
+        </p:spPr>
+        <p:style>
+          <a:lnRef idx="1">
+            <a:schemeClr val="accent1"/>
+          </a:lnRef>
+          <a:fillRef idx="0">
+            <a:schemeClr val="accent1"/>
+          </a:fillRef>
+          <a:effectRef idx="0">
+            <a:schemeClr val="accent1"/>
+          </a:effectRef>
+          <a:fontRef idx="minor">
+            <a:schemeClr val="tx1"/>
+          </a:fontRef>
+        </p:style>
+      </p:cxnSp>
+      <p:cxnSp>
+        <p:nvCxnSpPr>
+          <p:cNvPr id="202" name="Straight Connector 201">
+            <a:extLst>
+              <a:ext uri="{FF2B5EF4-FFF2-40B4-BE49-F238E27FC236}">
+                <a16:creationId xmlns:a16="http://schemas.microsoft.com/office/drawing/2014/main" id="{5FF7114B-7A17-4FDF-B121-F055FF3F4272}"/>
+              </a:ext>
+            </a:extLst>
+          </p:cNvPr>
+          <p:cNvCxnSpPr>
+            <a:cxnSpLocks/>
+          </p:cNvCxnSpPr>
+          <p:nvPr/>
+        </p:nvCxnSpPr>
+        <p:spPr>
+          <a:xfrm flipV="1">
+            <a:off x="2437887" y="3056716"/>
+            <a:ext cx="0" cy="76200"/>
+          </a:xfrm>
+          <a:prstGeom prst="line">
+            <a:avLst/>
+          </a:prstGeom>
+          <a:ln w="12700">
+            <a:solidFill>
+              <a:schemeClr val="tx1"/>
+            </a:solidFill>
+          </a:ln>
+        </p:spPr>
+        <p:style>
+          <a:lnRef idx="1">
+            <a:schemeClr val="accent1"/>
+          </a:lnRef>
+          <a:fillRef idx="0">
+            <a:schemeClr val="accent1"/>
+          </a:fillRef>
+          <a:effectRef idx="0">
+            <a:schemeClr val="accent1"/>
+          </a:effectRef>
+          <a:fontRef idx="minor">
+            <a:schemeClr val="tx1"/>
+          </a:fontRef>
+        </p:style>
+      </p:cxnSp>
+      <p:sp>
+        <p:nvSpPr>
+          <p:cNvPr id="210" name="TextBox 209">
+            <a:extLst>
+              <a:ext uri="{FF2B5EF4-FFF2-40B4-BE49-F238E27FC236}">
+                <a16:creationId xmlns:a16="http://schemas.microsoft.com/office/drawing/2014/main" id="{9EE9F1B0-8901-43B1-B514-104A9862E9CA}"/>
+              </a:ext>
+            </a:extLst>
+          </p:cNvPr>
+          <p:cNvSpPr txBox="1"/>
+          <p:nvPr/>
+        </p:nvSpPr>
+        <p:spPr>
+          <a:xfrm>
+            <a:off x="1223359" y="3209116"/>
+            <a:ext cx="314510" cy="400110"/>
+          </a:xfrm>
+          <a:prstGeom prst="rect">
+            <a:avLst/>
+          </a:prstGeom>
+          <a:noFill/>
+        </p:spPr>
+        <p:txBody>
+          <a:bodyPr wrap="none" rtlCol="0">
+            <a:spAutoFit/>
+          </a:bodyPr>
+          <a:lstStyle/>
+          <a:p>
+            <a:r>
+              <a:rPr lang="en-US" sz="2000" dirty="0"/>
+              <a:t>1</a:t>
+            </a:r>
+          </a:p>
+        </p:txBody>
+      </p:sp>
+      <p:sp>
+        <p:nvSpPr>
+          <p:cNvPr id="211" name="TextBox 210">
+            <a:extLst>
+              <a:ext uri="{FF2B5EF4-FFF2-40B4-BE49-F238E27FC236}">
+                <a16:creationId xmlns:a16="http://schemas.microsoft.com/office/drawing/2014/main" id="{0A0E3655-0C38-443F-9399-E2AA72B20A2B}"/>
+              </a:ext>
+            </a:extLst>
+          </p:cNvPr>
+          <p:cNvSpPr txBox="1"/>
+          <p:nvPr/>
+        </p:nvSpPr>
+        <p:spPr>
+          <a:xfrm>
+            <a:off x="1835166" y="3209116"/>
+            <a:ext cx="314510" cy="400110"/>
+          </a:xfrm>
+          <a:prstGeom prst="rect">
+            <a:avLst/>
+          </a:prstGeom>
+          <a:noFill/>
+        </p:spPr>
+        <p:txBody>
+          <a:bodyPr wrap="none" rtlCol="0">
+            <a:spAutoFit/>
+          </a:bodyPr>
+          <a:lstStyle/>
+          <a:p>
+            <a:r>
+              <a:rPr lang="en-US" sz="2000" dirty="0"/>
+              <a:t>2</a:t>
+            </a:r>
           </a:p>
         </p:txBody>
       </p:sp>

--- a/images/IOLabWebImages.pptx
+++ b/images/IOLabWebImages.pptx
@@ -12828,6 +12828,627 @@
           </a:p>
         </p:txBody>
       </p:sp>
+      <p:sp>
+        <p:nvSpPr>
+          <p:cNvPr id="50" name="Oval 49">
+            <a:extLst>
+              <a:ext uri="{FF2B5EF4-FFF2-40B4-BE49-F238E27FC236}">
+                <a16:creationId xmlns:a16="http://schemas.microsoft.com/office/drawing/2014/main" id="{A12E678A-0219-4649-9986-29C4FC59FE2A}"/>
+              </a:ext>
+            </a:extLst>
+          </p:cNvPr>
+          <p:cNvSpPr/>
+          <p:nvPr/>
+        </p:nvSpPr>
+        <p:spPr>
+          <a:xfrm>
+            <a:off x="5159475" y="5464275"/>
+            <a:ext cx="653850" cy="653850"/>
+          </a:xfrm>
+          <a:prstGeom prst="ellipse">
+            <a:avLst/>
+          </a:prstGeom>
+          <a:ln>
+            <a:solidFill>
+              <a:srgbClr val="4472C4"/>
+            </a:solidFill>
+          </a:ln>
+        </p:spPr>
+        <p:style>
+          <a:lnRef idx="2">
+            <a:schemeClr val="accent1">
+              <a:shade val="50000"/>
+            </a:schemeClr>
+          </a:lnRef>
+          <a:fillRef idx="1">
+            <a:schemeClr val="accent1"/>
+          </a:fillRef>
+          <a:effectRef idx="0">
+            <a:schemeClr val="accent1"/>
+          </a:effectRef>
+          <a:fontRef idx="minor">
+            <a:schemeClr val="lt1"/>
+          </a:fontRef>
+        </p:style>
+        <p:txBody>
+          <a:bodyPr rtlCol="0" anchor="ctr"/>
+          <a:lstStyle/>
+          <a:p>
+            <a:pPr algn="ctr"/>
+            <a:endParaRPr lang="en-US"/>
+          </a:p>
+        </p:txBody>
+      </p:sp>
+      <p:sp>
+        <p:nvSpPr>
+          <p:cNvPr id="51" name="Oval 50">
+            <a:extLst>
+              <a:ext uri="{FF2B5EF4-FFF2-40B4-BE49-F238E27FC236}">
+                <a16:creationId xmlns:a16="http://schemas.microsoft.com/office/drawing/2014/main" id="{78F056ED-50F8-46FF-8007-D86BD24893F7}"/>
+              </a:ext>
+            </a:extLst>
+          </p:cNvPr>
+          <p:cNvSpPr/>
+          <p:nvPr/>
+        </p:nvSpPr>
+        <p:spPr>
+          <a:xfrm>
+            <a:off x="5315166" y="5619966"/>
+            <a:ext cx="342468" cy="342468"/>
+          </a:xfrm>
+          <a:prstGeom prst="ellipse">
+            <a:avLst/>
+          </a:prstGeom>
+          <a:solidFill>
+            <a:schemeClr val="bg1"/>
+          </a:solidFill>
+          <a:ln>
+            <a:noFill/>
+          </a:ln>
+        </p:spPr>
+        <p:style>
+          <a:lnRef idx="2">
+            <a:schemeClr val="accent1">
+              <a:shade val="50000"/>
+            </a:schemeClr>
+          </a:lnRef>
+          <a:fillRef idx="1">
+            <a:schemeClr val="accent1"/>
+          </a:fillRef>
+          <a:effectRef idx="0">
+            <a:schemeClr val="accent1"/>
+          </a:effectRef>
+          <a:fontRef idx="minor">
+            <a:schemeClr val="lt1"/>
+          </a:fontRef>
+        </p:style>
+        <p:txBody>
+          <a:bodyPr rtlCol="0" anchor="ctr"/>
+          <a:lstStyle/>
+          <a:p>
+            <a:pPr algn="ctr"/>
+            <a:endParaRPr lang="en-US"/>
+          </a:p>
+        </p:txBody>
+      </p:sp>
+      <p:grpSp>
+        <p:nvGrpSpPr>
+          <p:cNvPr id="73" name="Group 72">
+            <a:extLst>
+              <a:ext uri="{FF2B5EF4-FFF2-40B4-BE49-F238E27FC236}">
+                <a16:creationId xmlns:a16="http://schemas.microsoft.com/office/drawing/2014/main" id="{880A59B5-B786-4231-8EDA-52E5FCCB2BA7}"/>
+              </a:ext>
+            </a:extLst>
+          </p:cNvPr>
+          <p:cNvGrpSpPr/>
+          <p:nvPr/>
+        </p:nvGrpSpPr>
+        <p:grpSpPr>
+          <a:xfrm>
+            <a:off x="5028876" y="5333002"/>
+            <a:ext cx="915045" cy="915045"/>
+            <a:chOff x="5028876" y="5333002"/>
+            <a:chExt cx="915045" cy="915045"/>
+          </a:xfrm>
+        </p:grpSpPr>
+        <p:grpSp>
+          <p:nvGrpSpPr>
+            <p:cNvPr id="56" name="Group 55">
+              <a:extLst>
+                <a:ext uri="{FF2B5EF4-FFF2-40B4-BE49-F238E27FC236}">
+                  <a16:creationId xmlns:a16="http://schemas.microsoft.com/office/drawing/2014/main" id="{E2571ACA-2E63-4700-AC04-0F12E2DD199B}"/>
+                </a:ext>
+              </a:extLst>
+            </p:cNvPr>
+            <p:cNvGrpSpPr/>
+            <p:nvPr/>
+          </p:nvGrpSpPr>
+          <p:grpSpPr>
+            <a:xfrm>
+              <a:off x="5385563" y="5333002"/>
+              <a:ext cx="201673" cy="915045"/>
+              <a:chOff x="5385563" y="5333002"/>
+              <a:chExt cx="201673" cy="915045"/>
+            </a:xfrm>
+          </p:grpSpPr>
+          <p:sp>
+            <p:nvSpPr>
+              <p:cNvPr id="52" name="Trapezoid 51">
+                <a:extLst>
+                  <a:ext uri="{FF2B5EF4-FFF2-40B4-BE49-F238E27FC236}">
+                    <a16:creationId xmlns:a16="http://schemas.microsoft.com/office/drawing/2014/main" id="{AD59B83D-4191-4563-9100-5DC37AD72942}"/>
+                  </a:ext>
+                </a:extLst>
+              </p:cNvPr>
+              <p:cNvSpPr/>
+              <p:nvPr/>
+            </p:nvSpPr>
+            <p:spPr>
+              <a:xfrm>
+                <a:off x="5385563" y="5333002"/>
+                <a:ext cx="201673" cy="178110"/>
+              </a:xfrm>
+              <a:prstGeom prst="trapezoid">
+                <a:avLst/>
+              </a:prstGeom>
+              <a:ln>
+                <a:noFill/>
+              </a:ln>
+            </p:spPr>
+            <p:style>
+              <a:lnRef idx="2">
+                <a:schemeClr val="accent1">
+                  <a:shade val="50000"/>
+                </a:schemeClr>
+              </a:lnRef>
+              <a:fillRef idx="1">
+                <a:schemeClr val="accent1"/>
+              </a:fillRef>
+              <a:effectRef idx="0">
+                <a:schemeClr val="accent1"/>
+              </a:effectRef>
+              <a:fontRef idx="minor">
+                <a:schemeClr val="lt1"/>
+              </a:fontRef>
+            </p:style>
+            <p:txBody>
+              <a:bodyPr rtlCol="0" anchor="ctr"/>
+              <a:lstStyle/>
+              <a:p>
+                <a:pPr algn="ctr"/>
+                <a:endParaRPr lang="en-US"/>
+              </a:p>
+            </p:txBody>
+          </p:sp>
+          <p:sp>
+            <p:nvSpPr>
+              <p:cNvPr id="184" name="Trapezoid 183">
+                <a:extLst>
+                  <a:ext uri="{FF2B5EF4-FFF2-40B4-BE49-F238E27FC236}">
+                    <a16:creationId xmlns:a16="http://schemas.microsoft.com/office/drawing/2014/main" id="{B1AA136E-6848-4D27-A7EB-40F4967D0531}"/>
+                  </a:ext>
+                </a:extLst>
+              </p:cNvPr>
+              <p:cNvSpPr/>
+              <p:nvPr/>
+            </p:nvSpPr>
+            <p:spPr>
+              <a:xfrm rot="10800000">
+                <a:off x="5385563" y="6069937"/>
+                <a:ext cx="201673" cy="178110"/>
+              </a:xfrm>
+              <a:prstGeom prst="trapezoid">
+                <a:avLst/>
+              </a:prstGeom>
+              <a:ln>
+                <a:noFill/>
+              </a:ln>
+            </p:spPr>
+            <p:style>
+              <a:lnRef idx="2">
+                <a:schemeClr val="accent1">
+                  <a:shade val="50000"/>
+                </a:schemeClr>
+              </a:lnRef>
+              <a:fillRef idx="1">
+                <a:schemeClr val="accent1"/>
+              </a:fillRef>
+              <a:effectRef idx="0">
+                <a:schemeClr val="accent1"/>
+              </a:effectRef>
+              <a:fontRef idx="minor">
+                <a:schemeClr val="lt1"/>
+              </a:fontRef>
+            </p:style>
+            <p:txBody>
+              <a:bodyPr rtlCol="0" anchor="ctr"/>
+              <a:lstStyle/>
+              <a:p>
+                <a:pPr algn="ctr"/>
+                <a:endParaRPr lang="en-US"/>
+              </a:p>
+            </p:txBody>
+          </p:sp>
+        </p:grpSp>
+        <p:grpSp>
+          <p:nvGrpSpPr>
+            <p:cNvPr id="200" name="Group 199">
+              <a:extLst>
+                <a:ext uri="{FF2B5EF4-FFF2-40B4-BE49-F238E27FC236}">
+                  <a16:creationId xmlns:a16="http://schemas.microsoft.com/office/drawing/2014/main" id="{973CACA5-D180-45C2-B1C9-1F702C364AE5}"/>
+                </a:ext>
+              </a:extLst>
+            </p:cNvPr>
+            <p:cNvGrpSpPr/>
+            <p:nvPr/>
+          </p:nvGrpSpPr>
+          <p:grpSpPr>
+            <a:xfrm rot="5400000">
+              <a:off x="5385562" y="5333677"/>
+              <a:ext cx="201673" cy="915045"/>
+              <a:chOff x="5385563" y="5333002"/>
+              <a:chExt cx="201673" cy="915045"/>
+            </a:xfrm>
+          </p:grpSpPr>
+          <p:sp>
+            <p:nvSpPr>
+              <p:cNvPr id="203" name="Trapezoid 202">
+                <a:extLst>
+                  <a:ext uri="{FF2B5EF4-FFF2-40B4-BE49-F238E27FC236}">
+                    <a16:creationId xmlns:a16="http://schemas.microsoft.com/office/drawing/2014/main" id="{4E6D94E7-8122-4463-851A-49C708F30424}"/>
+                  </a:ext>
+                </a:extLst>
+              </p:cNvPr>
+              <p:cNvSpPr/>
+              <p:nvPr/>
+            </p:nvSpPr>
+            <p:spPr>
+              <a:xfrm>
+                <a:off x="5385563" y="5333002"/>
+                <a:ext cx="201673" cy="178110"/>
+              </a:xfrm>
+              <a:prstGeom prst="trapezoid">
+                <a:avLst/>
+              </a:prstGeom>
+              <a:ln>
+                <a:noFill/>
+              </a:ln>
+            </p:spPr>
+            <p:style>
+              <a:lnRef idx="2">
+                <a:schemeClr val="accent1">
+                  <a:shade val="50000"/>
+                </a:schemeClr>
+              </a:lnRef>
+              <a:fillRef idx="1">
+                <a:schemeClr val="accent1"/>
+              </a:fillRef>
+              <a:effectRef idx="0">
+                <a:schemeClr val="accent1"/>
+              </a:effectRef>
+              <a:fontRef idx="minor">
+                <a:schemeClr val="lt1"/>
+              </a:fontRef>
+            </p:style>
+            <p:txBody>
+              <a:bodyPr rtlCol="0" anchor="ctr"/>
+              <a:lstStyle/>
+              <a:p>
+                <a:pPr algn="ctr"/>
+                <a:endParaRPr lang="en-US"/>
+              </a:p>
+            </p:txBody>
+          </p:sp>
+          <p:sp>
+            <p:nvSpPr>
+              <p:cNvPr id="204" name="Trapezoid 203">
+                <a:extLst>
+                  <a:ext uri="{FF2B5EF4-FFF2-40B4-BE49-F238E27FC236}">
+                    <a16:creationId xmlns:a16="http://schemas.microsoft.com/office/drawing/2014/main" id="{A8D8768C-EE40-4299-9BD9-BF8F30846762}"/>
+                  </a:ext>
+                </a:extLst>
+              </p:cNvPr>
+              <p:cNvSpPr/>
+              <p:nvPr/>
+            </p:nvSpPr>
+            <p:spPr>
+              <a:xfrm rot="10800000">
+                <a:off x="5385563" y="6069937"/>
+                <a:ext cx="201673" cy="178110"/>
+              </a:xfrm>
+              <a:prstGeom prst="trapezoid">
+                <a:avLst/>
+              </a:prstGeom>
+              <a:ln>
+                <a:noFill/>
+              </a:ln>
+            </p:spPr>
+            <p:style>
+              <a:lnRef idx="2">
+                <a:schemeClr val="accent1">
+                  <a:shade val="50000"/>
+                </a:schemeClr>
+              </a:lnRef>
+              <a:fillRef idx="1">
+                <a:schemeClr val="accent1"/>
+              </a:fillRef>
+              <a:effectRef idx="0">
+                <a:schemeClr val="accent1"/>
+              </a:effectRef>
+              <a:fontRef idx="minor">
+                <a:schemeClr val="lt1"/>
+              </a:fontRef>
+            </p:style>
+            <p:txBody>
+              <a:bodyPr rtlCol="0" anchor="ctr"/>
+              <a:lstStyle/>
+              <a:p>
+                <a:pPr algn="ctr"/>
+                <a:endParaRPr lang="en-US"/>
+              </a:p>
+            </p:txBody>
+          </p:sp>
+        </p:grpSp>
+      </p:grpSp>
+      <p:grpSp>
+        <p:nvGrpSpPr>
+          <p:cNvPr id="208" name="Group 207">
+            <a:extLst>
+              <a:ext uri="{FF2B5EF4-FFF2-40B4-BE49-F238E27FC236}">
+                <a16:creationId xmlns:a16="http://schemas.microsoft.com/office/drawing/2014/main" id="{FE5CCB1E-B9C9-476B-8AEC-BC0CBA803B30}"/>
+              </a:ext>
+            </a:extLst>
+          </p:cNvPr>
+          <p:cNvGrpSpPr/>
+          <p:nvPr/>
+        </p:nvGrpSpPr>
+        <p:grpSpPr>
+          <a:xfrm rot="2736054">
+            <a:off x="5028876" y="5333002"/>
+            <a:ext cx="915045" cy="915045"/>
+            <a:chOff x="5028876" y="5333002"/>
+            <a:chExt cx="915045" cy="915045"/>
+          </a:xfrm>
+        </p:grpSpPr>
+        <p:grpSp>
+          <p:nvGrpSpPr>
+            <p:cNvPr id="209" name="Group 208">
+              <a:extLst>
+                <a:ext uri="{FF2B5EF4-FFF2-40B4-BE49-F238E27FC236}">
+                  <a16:creationId xmlns:a16="http://schemas.microsoft.com/office/drawing/2014/main" id="{D3A879F7-7EA8-4141-8313-C0D6339CF132}"/>
+                </a:ext>
+              </a:extLst>
+            </p:cNvPr>
+            <p:cNvGrpSpPr/>
+            <p:nvPr/>
+          </p:nvGrpSpPr>
+          <p:grpSpPr>
+            <a:xfrm>
+              <a:off x="5385563" y="5333002"/>
+              <a:ext cx="201673" cy="915045"/>
+              <a:chOff x="5385563" y="5333002"/>
+              <a:chExt cx="201673" cy="915045"/>
+            </a:xfrm>
+          </p:grpSpPr>
+          <p:sp>
+            <p:nvSpPr>
+              <p:cNvPr id="215" name="Trapezoid 214">
+                <a:extLst>
+                  <a:ext uri="{FF2B5EF4-FFF2-40B4-BE49-F238E27FC236}">
+                    <a16:creationId xmlns:a16="http://schemas.microsoft.com/office/drawing/2014/main" id="{8A640177-717E-43DC-A516-FDB430FCD047}"/>
+                  </a:ext>
+                </a:extLst>
+              </p:cNvPr>
+              <p:cNvSpPr/>
+              <p:nvPr/>
+            </p:nvSpPr>
+            <p:spPr>
+              <a:xfrm>
+                <a:off x="5385563" y="5333002"/>
+                <a:ext cx="201673" cy="178110"/>
+              </a:xfrm>
+              <a:prstGeom prst="trapezoid">
+                <a:avLst/>
+              </a:prstGeom>
+              <a:ln>
+                <a:noFill/>
+              </a:ln>
+            </p:spPr>
+            <p:style>
+              <a:lnRef idx="2">
+                <a:schemeClr val="accent1">
+                  <a:shade val="50000"/>
+                </a:schemeClr>
+              </a:lnRef>
+              <a:fillRef idx="1">
+                <a:schemeClr val="accent1"/>
+              </a:fillRef>
+              <a:effectRef idx="0">
+                <a:schemeClr val="accent1"/>
+              </a:effectRef>
+              <a:fontRef idx="minor">
+                <a:schemeClr val="lt1"/>
+              </a:fontRef>
+            </p:style>
+            <p:txBody>
+              <a:bodyPr rtlCol="0" anchor="ctr"/>
+              <a:lstStyle/>
+              <a:p>
+                <a:pPr algn="ctr"/>
+                <a:endParaRPr lang="en-US"/>
+              </a:p>
+            </p:txBody>
+          </p:sp>
+          <p:sp>
+            <p:nvSpPr>
+              <p:cNvPr id="216" name="Trapezoid 215">
+                <a:extLst>
+                  <a:ext uri="{FF2B5EF4-FFF2-40B4-BE49-F238E27FC236}">
+                    <a16:creationId xmlns:a16="http://schemas.microsoft.com/office/drawing/2014/main" id="{A0204748-9E13-43AC-A004-C0E25AF288C8}"/>
+                  </a:ext>
+                </a:extLst>
+              </p:cNvPr>
+              <p:cNvSpPr/>
+              <p:nvPr/>
+            </p:nvSpPr>
+            <p:spPr>
+              <a:xfrm rot="10800000">
+                <a:off x="5385563" y="6069937"/>
+                <a:ext cx="201673" cy="178110"/>
+              </a:xfrm>
+              <a:prstGeom prst="trapezoid">
+                <a:avLst/>
+              </a:prstGeom>
+              <a:ln>
+                <a:noFill/>
+              </a:ln>
+            </p:spPr>
+            <p:style>
+              <a:lnRef idx="2">
+                <a:schemeClr val="accent1">
+                  <a:shade val="50000"/>
+                </a:schemeClr>
+              </a:lnRef>
+              <a:fillRef idx="1">
+                <a:schemeClr val="accent1"/>
+              </a:fillRef>
+              <a:effectRef idx="0">
+                <a:schemeClr val="accent1"/>
+              </a:effectRef>
+              <a:fontRef idx="minor">
+                <a:schemeClr val="lt1"/>
+              </a:fontRef>
+            </p:style>
+            <p:txBody>
+              <a:bodyPr rtlCol="0" anchor="ctr"/>
+              <a:lstStyle/>
+              <a:p>
+                <a:pPr algn="ctr"/>
+                <a:endParaRPr lang="en-US"/>
+              </a:p>
+            </p:txBody>
+          </p:sp>
+        </p:grpSp>
+        <p:grpSp>
+          <p:nvGrpSpPr>
+            <p:cNvPr id="212" name="Group 211">
+              <a:extLst>
+                <a:ext uri="{FF2B5EF4-FFF2-40B4-BE49-F238E27FC236}">
+                  <a16:creationId xmlns:a16="http://schemas.microsoft.com/office/drawing/2014/main" id="{83007AB1-8D79-46CA-B04B-0A0CAB4E1D7D}"/>
+                </a:ext>
+              </a:extLst>
+            </p:cNvPr>
+            <p:cNvGrpSpPr/>
+            <p:nvPr/>
+          </p:nvGrpSpPr>
+          <p:grpSpPr>
+            <a:xfrm rot="5400000">
+              <a:off x="5385562" y="5333677"/>
+              <a:ext cx="201673" cy="915045"/>
+              <a:chOff x="5385563" y="5333002"/>
+              <a:chExt cx="201673" cy="915045"/>
+            </a:xfrm>
+          </p:grpSpPr>
+          <p:sp>
+            <p:nvSpPr>
+              <p:cNvPr id="213" name="Trapezoid 212">
+                <a:extLst>
+                  <a:ext uri="{FF2B5EF4-FFF2-40B4-BE49-F238E27FC236}">
+                    <a16:creationId xmlns:a16="http://schemas.microsoft.com/office/drawing/2014/main" id="{25E88A3A-9AE0-4A06-BA2E-A71264BFFBC3}"/>
+                  </a:ext>
+                </a:extLst>
+              </p:cNvPr>
+              <p:cNvSpPr/>
+              <p:nvPr/>
+            </p:nvSpPr>
+            <p:spPr>
+              <a:xfrm>
+                <a:off x="5385563" y="5333002"/>
+                <a:ext cx="201673" cy="178110"/>
+              </a:xfrm>
+              <a:prstGeom prst="trapezoid">
+                <a:avLst/>
+              </a:prstGeom>
+              <a:ln>
+                <a:noFill/>
+              </a:ln>
+            </p:spPr>
+            <p:style>
+              <a:lnRef idx="2">
+                <a:schemeClr val="accent1">
+                  <a:shade val="50000"/>
+                </a:schemeClr>
+              </a:lnRef>
+              <a:fillRef idx="1">
+                <a:schemeClr val="accent1"/>
+              </a:fillRef>
+              <a:effectRef idx="0">
+                <a:schemeClr val="accent1"/>
+              </a:effectRef>
+              <a:fontRef idx="minor">
+                <a:schemeClr val="lt1"/>
+              </a:fontRef>
+            </p:style>
+            <p:txBody>
+              <a:bodyPr rtlCol="0" anchor="ctr"/>
+              <a:lstStyle/>
+              <a:p>
+                <a:pPr algn="ctr"/>
+                <a:endParaRPr lang="en-US"/>
+              </a:p>
+            </p:txBody>
+          </p:sp>
+          <p:sp>
+            <p:nvSpPr>
+              <p:cNvPr id="214" name="Trapezoid 213">
+                <a:extLst>
+                  <a:ext uri="{FF2B5EF4-FFF2-40B4-BE49-F238E27FC236}">
+                    <a16:creationId xmlns:a16="http://schemas.microsoft.com/office/drawing/2014/main" id="{2A68828C-A53B-47D8-901D-7489B9CEF740}"/>
+                  </a:ext>
+                </a:extLst>
+              </p:cNvPr>
+              <p:cNvSpPr/>
+              <p:nvPr/>
+            </p:nvSpPr>
+            <p:spPr>
+              <a:xfrm rot="10800000">
+                <a:off x="5385563" y="6069937"/>
+                <a:ext cx="201673" cy="178110"/>
+              </a:xfrm>
+              <a:prstGeom prst="trapezoid">
+                <a:avLst/>
+              </a:prstGeom>
+              <a:ln>
+                <a:noFill/>
+              </a:ln>
+            </p:spPr>
+            <p:style>
+              <a:lnRef idx="2">
+                <a:schemeClr val="accent1">
+                  <a:shade val="50000"/>
+                </a:schemeClr>
+              </a:lnRef>
+              <a:fillRef idx="1">
+                <a:schemeClr val="accent1"/>
+              </a:fillRef>
+              <a:effectRef idx="0">
+                <a:schemeClr val="accent1"/>
+              </a:effectRef>
+              <a:fontRef idx="minor">
+                <a:schemeClr val="lt1"/>
+              </a:fontRef>
+            </p:style>
+            <p:txBody>
+              <a:bodyPr rtlCol="0" anchor="ctr"/>
+              <a:lstStyle/>
+              <a:p>
+                <a:pPr algn="ctr"/>
+                <a:endParaRPr lang="en-US"/>
+              </a:p>
+            </p:txBody>
+          </p:sp>
+        </p:grpSp>
+      </p:grpSp>
     </p:spTree>
     <p:extLst>
       <p:ext uri="{BB962C8B-B14F-4D97-AF65-F5344CB8AC3E}">

--- a/images/IOLabWebImages.pptx
+++ b/images/IOLabWebImages.pptx
@@ -270,7 +270,7 @@
           <a:p>
             <a:fld id="{3166A43E-CA75-4AF3-8026-58F4B8954506}" type="datetimeFigureOut">
               <a:rPr lang="en-US" smtClean="0"/>
-              <a:t>4/22/2021</a:t>
+              <a:t>4/23/2021</a:t>
             </a:fld>
             <a:endParaRPr lang="en-US"/>
           </a:p>
@@ -468,7 +468,7 @@
           <a:p>
             <a:fld id="{3166A43E-CA75-4AF3-8026-58F4B8954506}" type="datetimeFigureOut">
               <a:rPr lang="en-US" smtClean="0"/>
-              <a:t>4/22/2021</a:t>
+              <a:t>4/23/2021</a:t>
             </a:fld>
             <a:endParaRPr lang="en-US"/>
           </a:p>
@@ -676,7 +676,7 @@
           <a:p>
             <a:fld id="{3166A43E-CA75-4AF3-8026-58F4B8954506}" type="datetimeFigureOut">
               <a:rPr lang="en-US" smtClean="0"/>
-              <a:t>4/22/2021</a:t>
+              <a:t>4/23/2021</a:t>
             </a:fld>
             <a:endParaRPr lang="en-US"/>
           </a:p>
@@ -874,7 +874,7 @@
           <a:p>
             <a:fld id="{3166A43E-CA75-4AF3-8026-58F4B8954506}" type="datetimeFigureOut">
               <a:rPr lang="en-US" smtClean="0"/>
-              <a:t>4/22/2021</a:t>
+              <a:t>4/23/2021</a:t>
             </a:fld>
             <a:endParaRPr lang="en-US"/>
           </a:p>
@@ -1149,7 +1149,7 @@
           <a:p>
             <a:fld id="{3166A43E-CA75-4AF3-8026-58F4B8954506}" type="datetimeFigureOut">
               <a:rPr lang="en-US" smtClean="0"/>
-              <a:t>4/22/2021</a:t>
+              <a:t>4/23/2021</a:t>
             </a:fld>
             <a:endParaRPr lang="en-US"/>
           </a:p>
@@ -1414,7 +1414,7 @@
           <a:p>
             <a:fld id="{3166A43E-CA75-4AF3-8026-58F4B8954506}" type="datetimeFigureOut">
               <a:rPr lang="en-US" smtClean="0"/>
-              <a:t>4/22/2021</a:t>
+              <a:t>4/23/2021</a:t>
             </a:fld>
             <a:endParaRPr lang="en-US"/>
           </a:p>
@@ -1826,7 +1826,7 @@
           <a:p>
             <a:fld id="{3166A43E-CA75-4AF3-8026-58F4B8954506}" type="datetimeFigureOut">
               <a:rPr lang="en-US" smtClean="0"/>
-              <a:t>4/22/2021</a:t>
+              <a:t>4/23/2021</a:t>
             </a:fld>
             <a:endParaRPr lang="en-US"/>
           </a:p>
@@ -1967,7 +1967,7 @@
           <a:p>
             <a:fld id="{3166A43E-CA75-4AF3-8026-58F4B8954506}" type="datetimeFigureOut">
               <a:rPr lang="en-US" smtClean="0"/>
-              <a:t>4/22/2021</a:t>
+              <a:t>4/23/2021</a:t>
             </a:fld>
             <a:endParaRPr lang="en-US"/>
           </a:p>
@@ -2080,7 +2080,7 @@
           <a:p>
             <a:fld id="{3166A43E-CA75-4AF3-8026-58F4B8954506}" type="datetimeFigureOut">
               <a:rPr lang="en-US" smtClean="0"/>
-              <a:t>4/22/2021</a:t>
+              <a:t>4/23/2021</a:t>
             </a:fld>
             <a:endParaRPr lang="en-US"/>
           </a:p>
@@ -2391,7 +2391,7 @@
           <a:p>
             <a:fld id="{3166A43E-CA75-4AF3-8026-58F4B8954506}" type="datetimeFigureOut">
               <a:rPr lang="en-US" smtClean="0"/>
-              <a:t>4/22/2021</a:t>
+              <a:t>4/23/2021</a:t>
             </a:fld>
             <a:endParaRPr lang="en-US"/>
           </a:p>
@@ -2679,7 +2679,7 @@
           <a:p>
             <a:fld id="{3166A43E-CA75-4AF3-8026-58F4B8954506}" type="datetimeFigureOut">
               <a:rPr lang="en-US" smtClean="0"/>
-              <a:t>4/22/2021</a:t>
+              <a:t>4/23/2021</a:t>
             </a:fld>
             <a:endParaRPr lang="en-US"/>
           </a:p>
@@ -2920,7 +2920,7 @@
           <a:p>
             <a:fld id="{3166A43E-CA75-4AF3-8026-58F4B8954506}" type="datetimeFigureOut">
               <a:rPr lang="en-US" smtClean="0"/>
-              <a:t>4/22/2021</a:t>
+              <a:t>4/23/2021</a:t>
             </a:fld>
             <a:endParaRPr lang="en-US"/>
           </a:p>
@@ -11284,8 +11284,8 @@
         </p:nvGrpSpPr>
         <p:grpSpPr>
           <a:xfrm>
-            <a:off x="3114660" y="4482916"/>
-            <a:ext cx="580004" cy="559168"/>
+            <a:off x="3038960" y="4412823"/>
+            <a:ext cx="728625" cy="702450"/>
             <a:chOff x="2890907" y="4267200"/>
             <a:chExt cx="1027510" cy="990600"/>
           </a:xfrm>
@@ -11313,7 +11313,7 @@
                 <a:gd name="adj2" fmla="val 20048739"/>
               </a:avLst>
             </a:prstGeom>
-            <a:ln w="76200">
+            <a:ln w="101600">
               <a:solidFill>
                 <a:srgbClr val="0000FF"/>
               </a:solidFill>
@@ -11367,7 +11367,7 @@
                 <a:gd name="adj2" fmla="val 20048739"/>
               </a:avLst>
             </a:prstGeom>
-            <a:ln w="76200">
+            <a:ln w="101600">
               <a:solidFill>
                 <a:srgbClr val="0000FF"/>
               </a:solidFill>
@@ -11415,8 +11415,8 @@
         </p:nvSpPr>
         <p:spPr>
           <a:xfrm>
-            <a:off x="2990982" y="4337358"/>
-            <a:ext cx="838200" cy="838200"/>
+            <a:off x="2883591" y="4229967"/>
+            <a:ext cx="1052982" cy="1052982"/>
           </a:xfrm>
           <a:prstGeom prst="rect">
             <a:avLst/>
@@ -12828,115 +12828,12 @@
           </a:p>
         </p:txBody>
       </p:sp>
-      <p:sp>
-        <p:nvSpPr>
-          <p:cNvPr id="50" name="Oval 49">
-            <a:extLst>
-              <a:ext uri="{FF2B5EF4-FFF2-40B4-BE49-F238E27FC236}">
-                <a16:creationId xmlns:a16="http://schemas.microsoft.com/office/drawing/2014/main" id="{A12E678A-0219-4649-9986-29C4FC59FE2A}"/>
-              </a:ext>
-            </a:extLst>
-          </p:cNvPr>
-          <p:cNvSpPr/>
-          <p:nvPr/>
-        </p:nvSpPr>
-        <p:spPr>
-          <a:xfrm>
-            <a:off x="5159475" y="5464275"/>
-            <a:ext cx="653850" cy="653850"/>
-          </a:xfrm>
-          <a:prstGeom prst="ellipse">
-            <a:avLst/>
-          </a:prstGeom>
-          <a:ln>
-            <a:solidFill>
-              <a:srgbClr val="4472C4"/>
-            </a:solidFill>
-          </a:ln>
-        </p:spPr>
-        <p:style>
-          <a:lnRef idx="2">
-            <a:schemeClr val="accent1">
-              <a:shade val="50000"/>
-            </a:schemeClr>
-          </a:lnRef>
-          <a:fillRef idx="1">
-            <a:schemeClr val="accent1"/>
-          </a:fillRef>
-          <a:effectRef idx="0">
-            <a:schemeClr val="accent1"/>
-          </a:effectRef>
-          <a:fontRef idx="minor">
-            <a:schemeClr val="lt1"/>
-          </a:fontRef>
-        </p:style>
-        <p:txBody>
-          <a:bodyPr rtlCol="0" anchor="ctr"/>
-          <a:lstStyle/>
-          <a:p>
-            <a:pPr algn="ctr"/>
-            <a:endParaRPr lang="en-US"/>
-          </a:p>
-        </p:txBody>
-      </p:sp>
-      <p:sp>
-        <p:nvSpPr>
-          <p:cNvPr id="51" name="Oval 50">
-            <a:extLst>
-              <a:ext uri="{FF2B5EF4-FFF2-40B4-BE49-F238E27FC236}">
-                <a16:creationId xmlns:a16="http://schemas.microsoft.com/office/drawing/2014/main" id="{78F056ED-50F8-46FF-8007-D86BD24893F7}"/>
-              </a:ext>
-            </a:extLst>
-          </p:cNvPr>
-          <p:cNvSpPr/>
-          <p:nvPr/>
-        </p:nvSpPr>
-        <p:spPr>
-          <a:xfrm>
-            <a:off x="5315166" y="5619966"/>
-            <a:ext cx="342468" cy="342468"/>
-          </a:xfrm>
-          <a:prstGeom prst="ellipse">
-            <a:avLst/>
-          </a:prstGeom>
-          <a:solidFill>
-            <a:schemeClr val="bg1"/>
-          </a:solidFill>
-          <a:ln>
-            <a:noFill/>
-          </a:ln>
-        </p:spPr>
-        <p:style>
-          <a:lnRef idx="2">
-            <a:schemeClr val="accent1">
-              <a:shade val="50000"/>
-            </a:schemeClr>
-          </a:lnRef>
-          <a:fillRef idx="1">
-            <a:schemeClr val="accent1"/>
-          </a:fillRef>
-          <a:effectRef idx="0">
-            <a:schemeClr val="accent1"/>
-          </a:effectRef>
-          <a:fontRef idx="minor">
-            <a:schemeClr val="lt1"/>
-          </a:fontRef>
-        </p:style>
-        <p:txBody>
-          <a:bodyPr rtlCol="0" anchor="ctr"/>
-          <a:lstStyle/>
-          <a:p>
-            <a:pPr algn="ctr"/>
-            <a:endParaRPr lang="en-US"/>
-          </a:p>
-        </p:txBody>
-      </p:sp>
       <p:grpSp>
         <p:nvGrpSpPr>
-          <p:cNvPr id="73" name="Group 72">
-            <a:extLst>
-              <a:ext uri="{FF2B5EF4-FFF2-40B4-BE49-F238E27FC236}">
-                <a16:creationId xmlns:a16="http://schemas.microsoft.com/office/drawing/2014/main" id="{880A59B5-B786-4231-8EDA-52E5FCCB2BA7}"/>
+          <p:cNvPr id="75" name="Group 74">
+            <a:extLst>
+              <a:ext uri="{FF2B5EF4-FFF2-40B4-BE49-F238E27FC236}">
+                <a16:creationId xmlns:a16="http://schemas.microsoft.com/office/drawing/2014/main" id="{7927AEC1-A614-45DF-B295-C77AC3BAEEDA}"/>
               </a:ext>
             </a:extLst>
           </p:cNvPr>
@@ -12945,18 +12842,124 @@
         </p:nvGrpSpPr>
         <p:grpSpPr>
           <a:xfrm>
-            <a:off x="5028876" y="5333002"/>
+            <a:off x="5253725" y="5426064"/>
             <a:ext cx="915045" cy="915045"/>
             <a:chOff x="5028876" y="5333002"/>
             <a:chExt cx="915045" cy="915045"/>
           </a:xfrm>
         </p:grpSpPr>
+        <p:sp>
+          <p:nvSpPr>
+            <p:cNvPr id="50" name="Oval 49">
+              <a:extLst>
+                <a:ext uri="{FF2B5EF4-FFF2-40B4-BE49-F238E27FC236}">
+                  <a16:creationId xmlns:a16="http://schemas.microsoft.com/office/drawing/2014/main" id="{A12E678A-0219-4649-9986-29C4FC59FE2A}"/>
+                </a:ext>
+              </a:extLst>
+            </p:cNvPr>
+            <p:cNvSpPr/>
+            <p:nvPr/>
+          </p:nvSpPr>
+          <p:spPr>
+            <a:xfrm>
+              <a:off x="5159475" y="5464275"/>
+              <a:ext cx="653850" cy="653850"/>
+            </a:xfrm>
+            <a:prstGeom prst="ellipse">
+              <a:avLst/>
+            </a:prstGeom>
+            <a:solidFill>
+              <a:srgbClr val="0000FF"/>
+            </a:solidFill>
+            <a:ln>
+              <a:solidFill>
+                <a:srgbClr val="4472C4"/>
+              </a:solidFill>
+            </a:ln>
+          </p:spPr>
+          <p:style>
+            <a:lnRef idx="2">
+              <a:schemeClr val="accent1">
+                <a:shade val="50000"/>
+              </a:schemeClr>
+            </a:lnRef>
+            <a:fillRef idx="1">
+              <a:schemeClr val="accent1"/>
+            </a:fillRef>
+            <a:effectRef idx="0">
+              <a:schemeClr val="accent1"/>
+            </a:effectRef>
+            <a:fontRef idx="minor">
+              <a:schemeClr val="lt1"/>
+            </a:fontRef>
+          </p:style>
+          <p:txBody>
+            <a:bodyPr rtlCol="0" anchor="ctr"/>
+            <a:lstStyle/>
+            <a:p>
+              <a:pPr algn="ctr"/>
+              <a:endParaRPr lang="en-US"/>
+            </a:p>
+          </p:txBody>
+        </p:sp>
+        <p:sp>
+          <p:nvSpPr>
+            <p:cNvPr id="51" name="Oval 50">
+              <a:extLst>
+                <a:ext uri="{FF2B5EF4-FFF2-40B4-BE49-F238E27FC236}">
+                  <a16:creationId xmlns:a16="http://schemas.microsoft.com/office/drawing/2014/main" id="{78F056ED-50F8-46FF-8007-D86BD24893F7}"/>
+                </a:ext>
+              </a:extLst>
+            </p:cNvPr>
+            <p:cNvSpPr/>
+            <p:nvPr/>
+          </p:nvSpPr>
+          <p:spPr>
+            <a:xfrm>
+              <a:off x="5315166" y="5619966"/>
+              <a:ext cx="342468" cy="342468"/>
+            </a:xfrm>
+            <a:prstGeom prst="ellipse">
+              <a:avLst/>
+            </a:prstGeom>
+            <a:solidFill>
+              <a:schemeClr val="bg1"/>
+            </a:solidFill>
+            <a:ln>
+              <a:noFill/>
+            </a:ln>
+          </p:spPr>
+          <p:style>
+            <a:lnRef idx="2">
+              <a:schemeClr val="accent1">
+                <a:shade val="50000"/>
+              </a:schemeClr>
+            </a:lnRef>
+            <a:fillRef idx="1">
+              <a:schemeClr val="accent1"/>
+            </a:fillRef>
+            <a:effectRef idx="0">
+              <a:schemeClr val="accent1"/>
+            </a:effectRef>
+            <a:fontRef idx="minor">
+              <a:schemeClr val="lt1"/>
+            </a:fontRef>
+          </p:style>
+          <p:txBody>
+            <a:bodyPr rtlCol="0" anchor="ctr"/>
+            <a:lstStyle/>
+            <a:p>
+              <a:pPr algn="ctr"/>
+              <a:endParaRPr lang="en-US"/>
+            </a:p>
+          </p:txBody>
+        </p:sp>
         <p:grpSp>
           <p:nvGrpSpPr>
-            <p:cNvPr id="56" name="Group 55">
+            <p:cNvPr id="73" name="Group 72">
               <a:extLst>
                 <a:ext uri="{FF2B5EF4-FFF2-40B4-BE49-F238E27FC236}">
-                  <a16:creationId xmlns:a16="http://schemas.microsoft.com/office/drawing/2014/main" id="{E2571ACA-2E63-4700-AC04-0F12E2DD199B}"/>
+                  <a16:creationId xmlns:a16="http://schemas.microsoft.com/office/drawing/2014/main" id="{880A59B5-B786-4231-8EDA-52E5FCCB2BA7}"/>
                 </a:ext>
               </a:extLst>
             </p:cNvPr>
@@ -12965,117 +12968,274 @@
           </p:nvGrpSpPr>
           <p:grpSpPr>
             <a:xfrm>
-              <a:off x="5385563" y="5333002"/>
-              <a:ext cx="201673" cy="915045"/>
-              <a:chOff x="5385563" y="5333002"/>
-              <a:chExt cx="201673" cy="915045"/>
+              <a:off x="5028876" y="5333002"/>
+              <a:ext cx="915045" cy="915045"/>
+              <a:chOff x="5028876" y="5333002"/>
+              <a:chExt cx="915045" cy="915045"/>
             </a:xfrm>
+            <a:solidFill>
+              <a:srgbClr val="0000FF"/>
+            </a:solidFill>
           </p:grpSpPr>
-          <p:sp>
-            <p:nvSpPr>
-              <p:cNvPr id="52" name="Trapezoid 51">
+          <p:grpSp>
+            <p:nvGrpSpPr>
+              <p:cNvPr id="56" name="Group 55">
                 <a:extLst>
                   <a:ext uri="{FF2B5EF4-FFF2-40B4-BE49-F238E27FC236}">
-                    <a16:creationId xmlns:a16="http://schemas.microsoft.com/office/drawing/2014/main" id="{AD59B83D-4191-4563-9100-5DC37AD72942}"/>
+                    <a16:creationId xmlns:a16="http://schemas.microsoft.com/office/drawing/2014/main" id="{E2571ACA-2E63-4700-AC04-0F12E2DD199B}"/>
                   </a:ext>
                 </a:extLst>
               </p:cNvPr>
-              <p:cNvSpPr/>
+              <p:cNvGrpSpPr/>
               <p:nvPr/>
-            </p:nvSpPr>
-            <p:spPr>
+            </p:nvGrpSpPr>
+            <p:grpSpPr>
               <a:xfrm>
                 <a:off x="5385563" y="5333002"/>
-                <a:ext cx="201673" cy="178110"/>
+                <a:ext cx="201673" cy="915045"/>
+                <a:chOff x="5385563" y="5333002"/>
+                <a:chExt cx="201673" cy="915045"/>
               </a:xfrm>
-              <a:prstGeom prst="trapezoid">
-                <a:avLst/>
-              </a:prstGeom>
-              <a:ln>
-                <a:noFill/>
-              </a:ln>
-            </p:spPr>
-            <p:style>
-              <a:lnRef idx="2">
-                <a:schemeClr val="accent1">
-                  <a:shade val="50000"/>
-                </a:schemeClr>
-              </a:lnRef>
-              <a:fillRef idx="1">
-                <a:schemeClr val="accent1"/>
-              </a:fillRef>
-              <a:effectRef idx="0">
-                <a:schemeClr val="accent1"/>
-              </a:effectRef>
-              <a:fontRef idx="minor">
-                <a:schemeClr val="lt1"/>
-              </a:fontRef>
-            </p:style>
-            <p:txBody>
-              <a:bodyPr rtlCol="0" anchor="ctr"/>
-              <a:lstStyle/>
-              <a:p>
-                <a:pPr algn="ctr"/>
-                <a:endParaRPr lang="en-US"/>
-              </a:p>
-            </p:txBody>
-          </p:sp>
-          <p:sp>
-            <p:nvSpPr>
-              <p:cNvPr id="184" name="Trapezoid 183">
+              <a:grpFill/>
+            </p:grpSpPr>
+            <p:sp>
+              <p:nvSpPr>
+                <p:cNvPr id="52" name="Trapezoid 51">
+                  <a:extLst>
+                    <a:ext uri="{FF2B5EF4-FFF2-40B4-BE49-F238E27FC236}">
+                      <a16:creationId xmlns:a16="http://schemas.microsoft.com/office/drawing/2014/main" id="{AD59B83D-4191-4563-9100-5DC37AD72942}"/>
+                    </a:ext>
+                  </a:extLst>
+                </p:cNvPr>
+                <p:cNvSpPr/>
+                <p:nvPr/>
+              </p:nvSpPr>
+              <p:spPr>
+                <a:xfrm>
+                  <a:off x="5385563" y="5333002"/>
+                  <a:ext cx="201673" cy="178110"/>
+                </a:xfrm>
+                <a:prstGeom prst="trapezoid">
+                  <a:avLst/>
+                </a:prstGeom>
+                <a:grpFill/>
+                <a:ln>
+                  <a:solidFill>
+                    <a:srgbClr val="0000FF"/>
+                  </a:solidFill>
+                </a:ln>
+              </p:spPr>
+              <p:style>
+                <a:lnRef idx="2">
+                  <a:schemeClr val="accent1">
+                    <a:shade val="50000"/>
+                  </a:schemeClr>
+                </a:lnRef>
+                <a:fillRef idx="1">
+                  <a:schemeClr val="accent1"/>
+                </a:fillRef>
+                <a:effectRef idx="0">
+                  <a:schemeClr val="accent1"/>
+                </a:effectRef>
+                <a:fontRef idx="minor">
+                  <a:schemeClr val="lt1"/>
+                </a:fontRef>
+              </p:style>
+              <p:txBody>
+                <a:bodyPr rtlCol="0" anchor="ctr"/>
+                <a:lstStyle/>
+                <a:p>
+                  <a:pPr algn="ctr"/>
+                  <a:endParaRPr lang="en-US"/>
+                </a:p>
+              </p:txBody>
+            </p:sp>
+            <p:sp>
+              <p:nvSpPr>
+                <p:cNvPr id="184" name="Trapezoid 183">
+                  <a:extLst>
+                    <a:ext uri="{FF2B5EF4-FFF2-40B4-BE49-F238E27FC236}">
+                      <a16:creationId xmlns:a16="http://schemas.microsoft.com/office/drawing/2014/main" id="{B1AA136E-6848-4D27-A7EB-40F4967D0531}"/>
+                    </a:ext>
+                  </a:extLst>
+                </p:cNvPr>
+                <p:cNvSpPr/>
+                <p:nvPr/>
+              </p:nvSpPr>
+              <p:spPr>
+                <a:xfrm rot="10800000">
+                  <a:off x="5385563" y="6069937"/>
+                  <a:ext cx="201673" cy="178110"/>
+                </a:xfrm>
+                <a:prstGeom prst="trapezoid">
+                  <a:avLst/>
+                </a:prstGeom>
+                <a:grpFill/>
+                <a:ln>
+                  <a:solidFill>
+                    <a:srgbClr val="0000FF"/>
+                  </a:solidFill>
+                </a:ln>
+              </p:spPr>
+              <p:style>
+                <a:lnRef idx="2">
+                  <a:schemeClr val="accent1">
+                    <a:shade val="50000"/>
+                  </a:schemeClr>
+                </a:lnRef>
+                <a:fillRef idx="1">
+                  <a:schemeClr val="accent1"/>
+                </a:fillRef>
+                <a:effectRef idx="0">
+                  <a:schemeClr val="accent1"/>
+                </a:effectRef>
+                <a:fontRef idx="minor">
+                  <a:schemeClr val="lt1"/>
+                </a:fontRef>
+              </p:style>
+              <p:txBody>
+                <a:bodyPr rtlCol="0" anchor="ctr"/>
+                <a:lstStyle/>
+                <a:p>
+                  <a:pPr algn="ctr"/>
+                  <a:endParaRPr lang="en-US"/>
+                </a:p>
+              </p:txBody>
+            </p:sp>
+          </p:grpSp>
+          <p:grpSp>
+            <p:nvGrpSpPr>
+              <p:cNvPr id="200" name="Group 199">
                 <a:extLst>
                   <a:ext uri="{FF2B5EF4-FFF2-40B4-BE49-F238E27FC236}">
-                    <a16:creationId xmlns:a16="http://schemas.microsoft.com/office/drawing/2014/main" id="{B1AA136E-6848-4D27-A7EB-40F4967D0531}"/>
+                    <a16:creationId xmlns:a16="http://schemas.microsoft.com/office/drawing/2014/main" id="{973CACA5-D180-45C2-B1C9-1F702C364AE5}"/>
                   </a:ext>
                 </a:extLst>
               </p:cNvPr>
-              <p:cNvSpPr/>
+              <p:cNvGrpSpPr/>
               <p:nvPr/>
-            </p:nvSpPr>
-            <p:spPr>
-              <a:xfrm rot="10800000">
-                <a:off x="5385563" y="6069937"/>
-                <a:ext cx="201673" cy="178110"/>
+            </p:nvGrpSpPr>
+            <p:grpSpPr>
+              <a:xfrm rot="5400000">
+                <a:off x="5385562" y="5333677"/>
+                <a:ext cx="201673" cy="915045"/>
+                <a:chOff x="5385563" y="5333002"/>
+                <a:chExt cx="201673" cy="915045"/>
               </a:xfrm>
-              <a:prstGeom prst="trapezoid">
-                <a:avLst/>
-              </a:prstGeom>
-              <a:ln>
-                <a:noFill/>
-              </a:ln>
-            </p:spPr>
-            <p:style>
-              <a:lnRef idx="2">
-                <a:schemeClr val="accent1">
-                  <a:shade val="50000"/>
-                </a:schemeClr>
-              </a:lnRef>
-              <a:fillRef idx="1">
-                <a:schemeClr val="accent1"/>
-              </a:fillRef>
-              <a:effectRef idx="0">
-                <a:schemeClr val="accent1"/>
-              </a:effectRef>
-              <a:fontRef idx="minor">
-                <a:schemeClr val="lt1"/>
-              </a:fontRef>
-            </p:style>
-            <p:txBody>
-              <a:bodyPr rtlCol="0" anchor="ctr"/>
-              <a:lstStyle/>
-              <a:p>
-                <a:pPr algn="ctr"/>
-                <a:endParaRPr lang="en-US"/>
-              </a:p>
-            </p:txBody>
-          </p:sp>
+              <a:grpFill/>
+            </p:grpSpPr>
+            <p:sp>
+              <p:nvSpPr>
+                <p:cNvPr id="203" name="Trapezoid 202">
+                  <a:extLst>
+                    <a:ext uri="{FF2B5EF4-FFF2-40B4-BE49-F238E27FC236}">
+                      <a16:creationId xmlns:a16="http://schemas.microsoft.com/office/drawing/2014/main" id="{4E6D94E7-8122-4463-851A-49C708F30424}"/>
+                    </a:ext>
+                  </a:extLst>
+                </p:cNvPr>
+                <p:cNvSpPr/>
+                <p:nvPr/>
+              </p:nvSpPr>
+              <p:spPr>
+                <a:xfrm>
+                  <a:off x="5385563" y="5333002"/>
+                  <a:ext cx="201673" cy="178110"/>
+                </a:xfrm>
+                <a:prstGeom prst="trapezoid">
+                  <a:avLst/>
+                </a:prstGeom>
+                <a:grpFill/>
+                <a:ln>
+                  <a:solidFill>
+                    <a:srgbClr val="0000FF"/>
+                  </a:solidFill>
+                </a:ln>
+              </p:spPr>
+              <p:style>
+                <a:lnRef idx="2">
+                  <a:schemeClr val="accent1">
+                    <a:shade val="50000"/>
+                  </a:schemeClr>
+                </a:lnRef>
+                <a:fillRef idx="1">
+                  <a:schemeClr val="accent1"/>
+                </a:fillRef>
+                <a:effectRef idx="0">
+                  <a:schemeClr val="accent1"/>
+                </a:effectRef>
+                <a:fontRef idx="minor">
+                  <a:schemeClr val="lt1"/>
+                </a:fontRef>
+              </p:style>
+              <p:txBody>
+                <a:bodyPr rtlCol="0" anchor="ctr"/>
+                <a:lstStyle/>
+                <a:p>
+                  <a:pPr algn="ctr"/>
+                  <a:endParaRPr lang="en-US"/>
+                </a:p>
+              </p:txBody>
+            </p:sp>
+            <p:sp>
+              <p:nvSpPr>
+                <p:cNvPr id="204" name="Trapezoid 203">
+                  <a:extLst>
+                    <a:ext uri="{FF2B5EF4-FFF2-40B4-BE49-F238E27FC236}">
+                      <a16:creationId xmlns:a16="http://schemas.microsoft.com/office/drawing/2014/main" id="{A8D8768C-EE40-4299-9BD9-BF8F30846762}"/>
+                    </a:ext>
+                  </a:extLst>
+                </p:cNvPr>
+                <p:cNvSpPr/>
+                <p:nvPr/>
+              </p:nvSpPr>
+              <p:spPr>
+                <a:xfrm rot="10800000">
+                  <a:off x="5385563" y="6069937"/>
+                  <a:ext cx="201673" cy="178110"/>
+                </a:xfrm>
+                <a:prstGeom prst="trapezoid">
+                  <a:avLst/>
+                </a:prstGeom>
+                <a:grpFill/>
+                <a:ln>
+                  <a:solidFill>
+                    <a:srgbClr val="0000FF"/>
+                  </a:solidFill>
+                </a:ln>
+              </p:spPr>
+              <p:style>
+                <a:lnRef idx="2">
+                  <a:schemeClr val="accent1">
+                    <a:shade val="50000"/>
+                  </a:schemeClr>
+                </a:lnRef>
+                <a:fillRef idx="1">
+                  <a:schemeClr val="accent1"/>
+                </a:fillRef>
+                <a:effectRef idx="0">
+                  <a:schemeClr val="accent1"/>
+                </a:effectRef>
+                <a:fontRef idx="minor">
+                  <a:schemeClr val="lt1"/>
+                </a:fontRef>
+              </p:style>
+              <p:txBody>
+                <a:bodyPr rtlCol="0" anchor="ctr"/>
+                <a:lstStyle/>
+                <a:p>
+                  <a:pPr algn="ctr"/>
+                  <a:endParaRPr lang="en-US"/>
+                </a:p>
+              </p:txBody>
+            </p:sp>
+          </p:grpSp>
         </p:grpSp>
         <p:grpSp>
           <p:nvGrpSpPr>
-            <p:cNvPr id="200" name="Group 199">
+            <p:cNvPr id="208" name="Group 207">
               <a:extLst>
                 <a:ext uri="{FF2B5EF4-FFF2-40B4-BE49-F238E27FC236}">
-                  <a16:creationId xmlns:a16="http://schemas.microsoft.com/office/drawing/2014/main" id="{973CACA5-D180-45C2-B1C9-1F702C364AE5}"/>
+                  <a16:creationId xmlns:a16="http://schemas.microsoft.com/office/drawing/2014/main" id="{FE5CCB1E-B9C9-476B-8AEC-BC0CBA803B30}"/>
                 </a:ext>
               </a:extLst>
             </p:cNvPr>
@@ -13083,370 +13243,268 @@
             <p:nvPr/>
           </p:nvGrpSpPr>
           <p:grpSpPr>
-            <a:xfrm rot="5400000">
-              <a:off x="5385562" y="5333677"/>
-              <a:ext cx="201673" cy="915045"/>
-              <a:chOff x="5385563" y="5333002"/>
-              <a:chExt cx="201673" cy="915045"/>
+            <a:xfrm rot="2736054">
+              <a:off x="5028876" y="5333002"/>
+              <a:ext cx="915045" cy="915045"/>
+              <a:chOff x="5028876" y="5333002"/>
+              <a:chExt cx="915045" cy="915045"/>
             </a:xfrm>
+            <a:solidFill>
+              <a:srgbClr val="0000FF"/>
+            </a:solidFill>
           </p:grpSpPr>
-          <p:sp>
-            <p:nvSpPr>
-              <p:cNvPr id="203" name="Trapezoid 202">
+          <p:grpSp>
+            <p:nvGrpSpPr>
+              <p:cNvPr id="209" name="Group 208">
                 <a:extLst>
                   <a:ext uri="{FF2B5EF4-FFF2-40B4-BE49-F238E27FC236}">
-                    <a16:creationId xmlns:a16="http://schemas.microsoft.com/office/drawing/2014/main" id="{4E6D94E7-8122-4463-851A-49C708F30424}"/>
+                    <a16:creationId xmlns:a16="http://schemas.microsoft.com/office/drawing/2014/main" id="{D3A879F7-7EA8-4141-8313-C0D6339CF132}"/>
                   </a:ext>
                 </a:extLst>
               </p:cNvPr>
-              <p:cNvSpPr/>
+              <p:cNvGrpSpPr/>
               <p:nvPr/>
-            </p:nvSpPr>
-            <p:spPr>
+            </p:nvGrpSpPr>
+            <p:grpSpPr>
               <a:xfrm>
                 <a:off x="5385563" y="5333002"/>
-                <a:ext cx="201673" cy="178110"/>
+                <a:ext cx="201673" cy="915045"/>
+                <a:chOff x="5385563" y="5333002"/>
+                <a:chExt cx="201673" cy="915045"/>
               </a:xfrm>
-              <a:prstGeom prst="trapezoid">
-                <a:avLst/>
-              </a:prstGeom>
-              <a:ln>
-                <a:noFill/>
-              </a:ln>
-            </p:spPr>
-            <p:style>
-              <a:lnRef idx="2">
-                <a:schemeClr val="accent1">
-                  <a:shade val="50000"/>
-                </a:schemeClr>
-              </a:lnRef>
-              <a:fillRef idx="1">
-                <a:schemeClr val="accent1"/>
-              </a:fillRef>
-              <a:effectRef idx="0">
-                <a:schemeClr val="accent1"/>
-              </a:effectRef>
-              <a:fontRef idx="minor">
-                <a:schemeClr val="lt1"/>
-              </a:fontRef>
-            </p:style>
-            <p:txBody>
-              <a:bodyPr rtlCol="0" anchor="ctr"/>
-              <a:lstStyle/>
-              <a:p>
-                <a:pPr algn="ctr"/>
-                <a:endParaRPr lang="en-US"/>
-              </a:p>
-            </p:txBody>
-          </p:sp>
-          <p:sp>
-            <p:nvSpPr>
-              <p:cNvPr id="204" name="Trapezoid 203">
+              <a:grpFill/>
+            </p:grpSpPr>
+            <p:sp>
+              <p:nvSpPr>
+                <p:cNvPr id="215" name="Trapezoid 214">
+                  <a:extLst>
+                    <a:ext uri="{FF2B5EF4-FFF2-40B4-BE49-F238E27FC236}">
+                      <a16:creationId xmlns:a16="http://schemas.microsoft.com/office/drawing/2014/main" id="{8A640177-717E-43DC-A516-FDB430FCD047}"/>
+                    </a:ext>
+                  </a:extLst>
+                </p:cNvPr>
+                <p:cNvSpPr/>
+                <p:nvPr/>
+              </p:nvSpPr>
+              <p:spPr>
+                <a:xfrm>
+                  <a:off x="5385563" y="5333002"/>
+                  <a:ext cx="201673" cy="178110"/>
+                </a:xfrm>
+                <a:prstGeom prst="trapezoid">
+                  <a:avLst/>
+                </a:prstGeom>
+                <a:grpFill/>
+                <a:ln>
+                  <a:solidFill>
+                    <a:srgbClr val="0000FF"/>
+                  </a:solidFill>
+                </a:ln>
+              </p:spPr>
+              <p:style>
+                <a:lnRef idx="2">
+                  <a:schemeClr val="accent1">
+                    <a:shade val="50000"/>
+                  </a:schemeClr>
+                </a:lnRef>
+                <a:fillRef idx="1">
+                  <a:schemeClr val="accent1"/>
+                </a:fillRef>
+                <a:effectRef idx="0">
+                  <a:schemeClr val="accent1"/>
+                </a:effectRef>
+                <a:fontRef idx="minor">
+                  <a:schemeClr val="lt1"/>
+                </a:fontRef>
+              </p:style>
+              <p:txBody>
+                <a:bodyPr rtlCol="0" anchor="ctr"/>
+                <a:lstStyle/>
+                <a:p>
+                  <a:pPr algn="ctr"/>
+                  <a:endParaRPr lang="en-US"/>
+                </a:p>
+              </p:txBody>
+            </p:sp>
+            <p:sp>
+              <p:nvSpPr>
+                <p:cNvPr id="216" name="Trapezoid 215">
+                  <a:extLst>
+                    <a:ext uri="{FF2B5EF4-FFF2-40B4-BE49-F238E27FC236}">
+                      <a16:creationId xmlns:a16="http://schemas.microsoft.com/office/drawing/2014/main" id="{A0204748-9E13-43AC-A004-C0E25AF288C8}"/>
+                    </a:ext>
+                  </a:extLst>
+                </p:cNvPr>
+                <p:cNvSpPr/>
+                <p:nvPr/>
+              </p:nvSpPr>
+              <p:spPr>
+                <a:xfrm rot="10800000">
+                  <a:off x="5385563" y="6069937"/>
+                  <a:ext cx="201673" cy="178110"/>
+                </a:xfrm>
+                <a:prstGeom prst="trapezoid">
+                  <a:avLst/>
+                </a:prstGeom>
+                <a:grpFill/>
+                <a:ln>
+                  <a:solidFill>
+                    <a:srgbClr val="0000FF"/>
+                  </a:solidFill>
+                </a:ln>
+              </p:spPr>
+              <p:style>
+                <a:lnRef idx="2">
+                  <a:schemeClr val="accent1">
+                    <a:shade val="50000"/>
+                  </a:schemeClr>
+                </a:lnRef>
+                <a:fillRef idx="1">
+                  <a:schemeClr val="accent1"/>
+                </a:fillRef>
+                <a:effectRef idx="0">
+                  <a:schemeClr val="accent1"/>
+                </a:effectRef>
+                <a:fontRef idx="minor">
+                  <a:schemeClr val="lt1"/>
+                </a:fontRef>
+              </p:style>
+              <p:txBody>
+                <a:bodyPr rtlCol="0" anchor="ctr"/>
+                <a:lstStyle/>
+                <a:p>
+                  <a:pPr algn="ctr"/>
+                  <a:endParaRPr lang="en-US"/>
+                </a:p>
+              </p:txBody>
+            </p:sp>
+          </p:grpSp>
+          <p:grpSp>
+            <p:nvGrpSpPr>
+              <p:cNvPr id="212" name="Group 211">
                 <a:extLst>
                   <a:ext uri="{FF2B5EF4-FFF2-40B4-BE49-F238E27FC236}">
-                    <a16:creationId xmlns:a16="http://schemas.microsoft.com/office/drawing/2014/main" id="{A8D8768C-EE40-4299-9BD9-BF8F30846762}"/>
+                    <a16:creationId xmlns:a16="http://schemas.microsoft.com/office/drawing/2014/main" id="{83007AB1-8D79-46CA-B04B-0A0CAB4E1D7D}"/>
                   </a:ext>
                 </a:extLst>
               </p:cNvPr>
-              <p:cNvSpPr/>
+              <p:cNvGrpSpPr/>
               <p:nvPr/>
-            </p:nvSpPr>
-            <p:spPr>
-              <a:xfrm rot="10800000">
-                <a:off x="5385563" y="6069937"/>
-                <a:ext cx="201673" cy="178110"/>
+            </p:nvGrpSpPr>
+            <p:grpSpPr>
+              <a:xfrm rot="5400000">
+                <a:off x="5385562" y="5333677"/>
+                <a:ext cx="201673" cy="915045"/>
+                <a:chOff x="5385563" y="5333002"/>
+                <a:chExt cx="201673" cy="915045"/>
               </a:xfrm>
-              <a:prstGeom prst="trapezoid">
-                <a:avLst/>
-              </a:prstGeom>
-              <a:ln>
-                <a:noFill/>
-              </a:ln>
-            </p:spPr>
-            <p:style>
-              <a:lnRef idx="2">
-                <a:schemeClr val="accent1">
-                  <a:shade val="50000"/>
-                </a:schemeClr>
-              </a:lnRef>
-              <a:fillRef idx="1">
-                <a:schemeClr val="accent1"/>
-              </a:fillRef>
-              <a:effectRef idx="0">
-                <a:schemeClr val="accent1"/>
-              </a:effectRef>
-              <a:fontRef idx="minor">
-                <a:schemeClr val="lt1"/>
-              </a:fontRef>
-            </p:style>
-            <p:txBody>
-              <a:bodyPr rtlCol="0" anchor="ctr"/>
-              <a:lstStyle/>
-              <a:p>
-                <a:pPr algn="ctr"/>
-                <a:endParaRPr lang="en-US"/>
-              </a:p>
-            </p:txBody>
-          </p:sp>
-        </p:grpSp>
-      </p:grpSp>
-      <p:grpSp>
-        <p:nvGrpSpPr>
-          <p:cNvPr id="208" name="Group 207">
-            <a:extLst>
-              <a:ext uri="{FF2B5EF4-FFF2-40B4-BE49-F238E27FC236}">
-                <a16:creationId xmlns:a16="http://schemas.microsoft.com/office/drawing/2014/main" id="{FE5CCB1E-B9C9-476B-8AEC-BC0CBA803B30}"/>
-              </a:ext>
-            </a:extLst>
-          </p:cNvPr>
-          <p:cNvGrpSpPr/>
-          <p:nvPr/>
-        </p:nvGrpSpPr>
-        <p:grpSpPr>
-          <a:xfrm rot="2736054">
-            <a:off x="5028876" y="5333002"/>
-            <a:ext cx="915045" cy="915045"/>
-            <a:chOff x="5028876" y="5333002"/>
-            <a:chExt cx="915045" cy="915045"/>
-          </a:xfrm>
-        </p:grpSpPr>
-        <p:grpSp>
-          <p:nvGrpSpPr>
-            <p:cNvPr id="209" name="Group 208">
-              <a:extLst>
-                <a:ext uri="{FF2B5EF4-FFF2-40B4-BE49-F238E27FC236}">
-                  <a16:creationId xmlns:a16="http://schemas.microsoft.com/office/drawing/2014/main" id="{D3A879F7-7EA8-4141-8313-C0D6339CF132}"/>
-                </a:ext>
-              </a:extLst>
-            </p:cNvPr>
-            <p:cNvGrpSpPr/>
-            <p:nvPr/>
-          </p:nvGrpSpPr>
-          <p:grpSpPr>
-            <a:xfrm>
-              <a:off x="5385563" y="5333002"/>
-              <a:ext cx="201673" cy="915045"/>
-              <a:chOff x="5385563" y="5333002"/>
-              <a:chExt cx="201673" cy="915045"/>
-            </a:xfrm>
-          </p:grpSpPr>
-          <p:sp>
-            <p:nvSpPr>
-              <p:cNvPr id="215" name="Trapezoid 214">
-                <a:extLst>
-                  <a:ext uri="{FF2B5EF4-FFF2-40B4-BE49-F238E27FC236}">
-                    <a16:creationId xmlns:a16="http://schemas.microsoft.com/office/drawing/2014/main" id="{8A640177-717E-43DC-A516-FDB430FCD047}"/>
-                  </a:ext>
-                </a:extLst>
-              </p:cNvPr>
-              <p:cNvSpPr/>
-              <p:nvPr/>
-            </p:nvSpPr>
-            <p:spPr>
-              <a:xfrm>
-                <a:off x="5385563" y="5333002"/>
-                <a:ext cx="201673" cy="178110"/>
-              </a:xfrm>
-              <a:prstGeom prst="trapezoid">
-                <a:avLst/>
-              </a:prstGeom>
-              <a:ln>
-                <a:noFill/>
-              </a:ln>
-            </p:spPr>
-            <p:style>
-              <a:lnRef idx="2">
-                <a:schemeClr val="accent1">
-                  <a:shade val="50000"/>
-                </a:schemeClr>
-              </a:lnRef>
-              <a:fillRef idx="1">
-                <a:schemeClr val="accent1"/>
-              </a:fillRef>
-              <a:effectRef idx="0">
-                <a:schemeClr val="accent1"/>
-              </a:effectRef>
-              <a:fontRef idx="minor">
-                <a:schemeClr val="lt1"/>
-              </a:fontRef>
-            </p:style>
-            <p:txBody>
-              <a:bodyPr rtlCol="0" anchor="ctr"/>
-              <a:lstStyle/>
-              <a:p>
-                <a:pPr algn="ctr"/>
-                <a:endParaRPr lang="en-US"/>
-              </a:p>
-            </p:txBody>
-          </p:sp>
-          <p:sp>
-            <p:nvSpPr>
-              <p:cNvPr id="216" name="Trapezoid 215">
-                <a:extLst>
-                  <a:ext uri="{FF2B5EF4-FFF2-40B4-BE49-F238E27FC236}">
-                    <a16:creationId xmlns:a16="http://schemas.microsoft.com/office/drawing/2014/main" id="{A0204748-9E13-43AC-A004-C0E25AF288C8}"/>
-                  </a:ext>
-                </a:extLst>
-              </p:cNvPr>
-              <p:cNvSpPr/>
-              <p:nvPr/>
-            </p:nvSpPr>
-            <p:spPr>
-              <a:xfrm rot="10800000">
-                <a:off x="5385563" y="6069937"/>
-                <a:ext cx="201673" cy="178110"/>
-              </a:xfrm>
-              <a:prstGeom prst="trapezoid">
-                <a:avLst/>
-              </a:prstGeom>
-              <a:ln>
-                <a:noFill/>
-              </a:ln>
-            </p:spPr>
-            <p:style>
-              <a:lnRef idx="2">
-                <a:schemeClr val="accent1">
-                  <a:shade val="50000"/>
-                </a:schemeClr>
-              </a:lnRef>
-              <a:fillRef idx="1">
-                <a:schemeClr val="accent1"/>
-              </a:fillRef>
-              <a:effectRef idx="0">
-                <a:schemeClr val="accent1"/>
-              </a:effectRef>
-              <a:fontRef idx="minor">
-                <a:schemeClr val="lt1"/>
-              </a:fontRef>
-            </p:style>
-            <p:txBody>
-              <a:bodyPr rtlCol="0" anchor="ctr"/>
-              <a:lstStyle/>
-              <a:p>
-                <a:pPr algn="ctr"/>
-                <a:endParaRPr lang="en-US"/>
-              </a:p>
-            </p:txBody>
-          </p:sp>
-        </p:grpSp>
-        <p:grpSp>
-          <p:nvGrpSpPr>
-            <p:cNvPr id="212" name="Group 211">
-              <a:extLst>
-                <a:ext uri="{FF2B5EF4-FFF2-40B4-BE49-F238E27FC236}">
-                  <a16:creationId xmlns:a16="http://schemas.microsoft.com/office/drawing/2014/main" id="{83007AB1-8D79-46CA-B04B-0A0CAB4E1D7D}"/>
-                </a:ext>
-              </a:extLst>
-            </p:cNvPr>
-            <p:cNvGrpSpPr/>
-            <p:nvPr/>
-          </p:nvGrpSpPr>
-          <p:grpSpPr>
-            <a:xfrm rot="5400000">
-              <a:off x="5385562" y="5333677"/>
-              <a:ext cx="201673" cy="915045"/>
-              <a:chOff x="5385563" y="5333002"/>
-              <a:chExt cx="201673" cy="915045"/>
-            </a:xfrm>
-          </p:grpSpPr>
-          <p:sp>
-            <p:nvSpPr>
-              <p:cNvPr id="213" name="Trapezoid 212">
-                <a:extLst>
-                  <a:ext uri="{FF2B5EF4-FFF2-40B4-BE49-F238E27FC236}">
-                    <a16:creationId xmlns:a16="http://schemas.microsoft.com/office/drawing/2014/main" id="{25E88A3A-9AE0-4A06-BA2E-A71264BFFBC3}"/>
-                  </a:ext>
-                </a:extLst>
-              </p:cNvPr>
-              <p:cNvSpPr/>
-              <p:nvPr/>
-            </p:nvSpPr>
-            <p:spPr>
-              <a:xfrm>
-                <a:off x="5385563" y="5333002"/>
-                <a:ext cx="201673" cy="178110"/>
-              </a:xfrm>
-              <a:prstGeom prst="trapezoid">
-                <a:avLst/>
-              </a:prstGeom>
-              <a:ln>
-                <a:noFill/>
-              </a:ln>
-            </p:spPr>
-            <p:style>
-              <a:lnRef idx="2">
-                <a:schemeClr val="accent1">
-                  <a:shade val="50000"/>
-                </a:schemeClr>
-              </a:lnRef>
-              <a:fillRef idx="1">
-                <a:schemeClr val="accent1"/>
-              </a:fillRef>
-              <a:effectRef idx="0">
-                <a:schemeClr val="accent1"/>
-              </a:effectRef>
-              <a:fontRef idx="minor">
-                <a:schemeClr val="lt1"/>
-              </a:fontRef>
-            </p:style>
-            <p:txBody>
-              <a:bodyPr rtlCol="0" anchor="ctr"/>
-              <a:lstStyle/>
-              <a:p>
-                <a:pPr algn="ctr"/>
-                <a:endParaRPr lang="en-US"/>
-              </a:p>
-            </p:txBody>
-          </p:sp>
-          <p:sp>
-            <p:nvSpPr>
-              <p:cNvPr id="214" name="Trapezoid 213">
-                <a:extLst>
-                  <a:ext uri="{FF2B5EF4-FFF2-40B4-BE49-F238E27FC236}">
-                    <a16:creationId xmlns:a16="http://schemas.microsoft.com/office/drawing/2014/main" id="{2A68828C-A53B-47D8-901D-7489B9CEF740}"/>
-                  </a:ext>
-                </a:extLst>
-              </p:cNvPr>
-              <p:cNvSpPr/>
-              <p:nvPr/>
-            </p:nvSpPr>
-            <p:spPr>
-              <a:xfrm rot="10800000">
-                <a:off x="5385563" y="6069937"/>
-                <a:ext cx="201673" cy="178110"/>
-              </a:xfrm>
-              <a:prstGeom prst="trapezoid">
-                <a:avLst/>
-              </a:prstGeom>
-              <a:ln>
-                <a:noFill/>
-              </a:ln>
-            </p:spPr>
-            <p:style>
-              <a:lnRef idx="2">
-                <a:schemeClr val="accent1">
-                  <a:shade val="50000"/>
-                </a:schemeClr>
-              </a:lnRef>
-              <a:fillRef idx="1">
-                <a:schemeClr val="accent1"/>
-              </a:fillRef>
-              <a:effectRef idx="0">
-                <a:schemeClr val="accent1"/>
-              </a:effectRef>
-              <a:fontRef idx="minor">
-                <a:schemeClr val="lt1"/>
-              </a:fontRef>
-            </p:style>
-            <p:txBody>
-              <a:bodyPr rtlCol="0" anchor="ctr"/>
-              <a:lstStyle/>
-              <a:p>
-                <a:pPr algn="ctr"/>
-                <a:endParaRPr lang="en-US"/>
-              </a:p>
-            </p:txBody>
-          </p:sp>
+              <a:grpFill/>
+            </p:grpSpPr>
+            <p:sp>
+              <p:nvSpPr>
+                <p:cNvPr id="213" name="Trapezoid 212">
+                  <a:extLst>
+                    <a:ext uri="{FF2B5EF4-FFF2-40B4-BE49-F238E27FC236}">
+                      <a16:creationId xmlns:a16="http://schemas.microsoft.com/office/drawing/2014/main" id="{25E88A3A-9AE0-4A06-BA2E-A71264BFFBC3}"/>
+                    </a:ext>
+                  </a:extLst>
+                </p:cNvPr>
+                <p:cNvSpPr/>
+                <p:nvPr/>
+              </p:nvSpPr>
+              <p:spPr>
+                <a:xfrm>
+                  <a:off x="5385563" y="5333002"/>
+                  <a:ext cx="201673" cy="178110"/>
+                </a:xfrm>
+                <a:prstGeom prst="trapezoid">
+                  <a:avLst/>
+                </a:prstGeom>
+                <a:grpFill/>
+                <a:ln>
+                  <a:solidFill>
+                    <a:srgbClr val="0000FF"/>
+                  </a:solidFill>
+                </a:ln>
+              </p:spPr>
+              <p:style>
+                <a:lnRef idx="2">
+                  <a:schemeClr val="accent1">
+                    <a:shade val="50000"/>
+                  </a:schemeClr>
+                </a:lnRef>
+                <a:fillRef idx="1">
+                  <a:schemeClr val="accent1"/>
+                </a:fillRef>
+                <a:effectRef idx="0">
+                  <a:schemeClr val="accent1"/>
+                </a:effectRef>
+                <a:fontRef idx="minor">
+                  <a:schemeClr val="lt1"/>
+                </a:fontRef>
+              </p:style>
+              <p:txBody>
+                <a:bodyPr rtlCol="0" anchor="ctr"/>
+                <a:lstStyle/>
+                <a:p>
+                  <a:pPr algn="ctr"/>
+                  <a:endParaRPr lang="en-US"/>
+                </a:p>
+              </p:txBody>
+            </p:sp>
+            <p:sp>
+              <p:nvSpPr>
+                <p:cNvPr id="214" name="Trapezoid 213">
+                  <a:extLst>
+                    <a:ext uri="{FF2B5EF4-FFF2-40B4-BE49-F238E27FC236}">
+                      <a16:creationId xmlns:a16="http://schemas.microsoft.com/office/drawing/2014/main" id="{2A68828C-A53B-47D8-901D-7489B9CEF740}"/>
+                    </a:ext>
+                  </a:extLst>
+                </p:cNvPr>
+                <p:cNvSpPr/>
+                <p:nvPr/>
+              </p:nvSpPr>
+              <p:spPr>
+                <a:xfrm rot="10800000">
+                  <a:off x="5385563" y="6069937"/>
+                  <a:ext cx="201673" cy="178110"/>
+                </a:xfrm>
+                <a:prstGeom prst="trapezoid">
+                  <a:avLst/>
+                </a:prstGeom>
+                <a:grpFill/>
+                <a:ln>
+                  <a:solidFill>
+                    <a:srgbClr val="0000FF"/>
+                  </a:solidFill>
+                </a:ln>
+              </p:spPr>
+              <p:style>
+                <a:lnRef idx="2">
+                  <a:schemeClr val="accent1">
+                    <a:shade val="50000"/>
+                  </a:schemeClr>
+                </a:lnRef>
+                <a:fillRef idx="1">
+                  <a:schemeClr val="accent1"/>
+                </a:fillRef>
+                <a:effectRef idx="0">
+                  <a:schemeClr val="accent1"/>
+                </a:effectRef>
+                <a:fontRef idx="minor">
+                  <a:schemeClr val="lt1"/>
+                </a:fontRef>
+              </p:style>
+              <p:txBody>
+                <a:bodyPr rtlCol="0" anchor="ctr"/>
+                <a:lstStyle/>
+                <a:p>
+                  <a:pPr algn="ctr"/>
+                  <a:endParaRPr lang="en-US"/>
+                </a:p>
+              </p:txBody>
+            </p:sp>
+          </p:grpSp>
         </p:grpSp>
       </p:grpSp>
     </p:spTree>

--- a/images/IOLabWebImages.pptx
+++ b/images/IOLabWebImages.pptx
@@ -270,7 +270,7 @@
           <a:p>
             <a:fld id="{3166A43E-CA75-4AF3-8026-58F4B8954506}" type="datetimeFigureOut">
               <a:rPr lang="en-US" smtClean="0"/>
-              <a:t>4/23/2021</a:t>
+              <a:t>4/24/2021</a:t>
             </a:fld>
             <a:endParaRPr lang="en-US"/>
           </a:p>
@@ -468,7 +468,7 @@
           <a:p>
             <a:fld id="{3166A43E-CA75-4AF3-8026-58F4B8954506}" type="datetimeFigureOut">
               <a:rPr lang="en-US" smtClean="0"/>
-              <a:t>4/23/2021</a:t>
+              <a:t>4/24/2021</a:t>
             </a:fld>
             <a:endParaRPr lang="en-US"/>
           </a:p>
@@ -676,7 +676,7 @@
           <a:p>
             <a:fld id="{3166A43E-CA75-4AF3-8026-58F4B8954506}" type="datetimeFigureOut">
               <a:rPr lang="en-US" smtClean="0"/>
-              <a:t>4/23/2021</a:t>
+              <a:t>4/24/2021</a:t>
             </a:fld>
             <a:endParaRPr lang="en-US"/>
           </a:p>
@@ -874,7 +874,7 @@
           <a:p>
             <a:fld id="{3166A43E-CA75-4AF3-8026-58F4B8954506}" type="datetimeFigureOut">
               <a:rPr lang="en-US" smtClean="0"/>
-              <a:t>4/23/2021</a:t>
+              <a:t>4/24/2021</a:t>
             </a:fld>
             <a:endParaRPr lang="en-US"/>
           </a:p>
@@ -1149,7 +1149,7 @@
           <a:p>
             <a:fld id="{3166A43E-CA75-4AF3-8026-58F4B8954506}" type="datetimeFigureOut">
               <a:rPr lang="en-US" smtClean="0"/>
-              <a:t>4/23/2021</a:t>
+              <a:t>4/24/2021</a:t>
             </a:fld>
             <a:endParaRPr lang="en-US"/>
           </a:p>
@@ -1414,7 +1414,7 @@
           <a:p>
             <a:fld id="{3166A43E-CA75-4AF3-8026-58F4B8954506}" type="datetimeFigureOut">
               <a:rPr lang="en-US" smtClean="0"/>
-              <a:t>4/23/2021</a:t>
+              <a:t>4/24/2021</a:t>
             </a:fld>
             <a:endParaRPr lang="en-US"/>
           </a:p>
@@ -1826,7 +1826,7 @@
           <a:p>
             <a:fld id="{3166A43E-CA75-4AF3-8026-58F4B8954506}" type="datetimeFigureOut">
               <a:rPr lang="en-US" smtClean="0"/>
-              <a:t>4/23/2021</a:t>
+              <a:t>4/24/2021</a:t>
             </a:fld>
             <a:endParaRPr lang="en-US"/>
           </a:p>
@@ -1967,7 +1967,7 @@
           <a:p>
             <a:fld id="{3166A43E-CA75-4AF3-8026-58F4B8954506}" type="datetimeFigureOut">
               <a:rPr lang="en-US" smtClean="0"/>
-              <a:t>4/23/2021</a:t>
+              <a:t>4/24/2021</a:t>
             </a:fld>
             <a:endParaRPr lang="en-US"/>
           </a:p>
@@ -2080,7 +2080,7 @@
           <a:p>
             <a:fld id="{3166A43E-CA75-4AF3-8026-58F4B8954506}" type="datetimeFigureOut">
               <a:rPr lang="en-US" smtClean="0"/>
-              <a:t>4/23/2021</a:t>
+              <a:t>4/24/2021</a:t>
             </a:fld>
             <a:endParaRPr lang="en-US"/>
           </a:p>
@@ -2391,7 +2391,7 @@
           <a:p>
             <a:fld id="{3166A43E-CA75-4AF3-8026-58F4B8954506}" type="datetimeFigureOut">
               <a:rPr lang="en-US" smtClean="0"/>
-              <a:t>4/23/2021</a:t>
+              <a:t>4/24/2021</a:t>
             </a:fld>
             <a:endParaRPr lang="en-US"/>
           </a:p>
@@ -2679,7 +2679,7 @@
           <a:p>
             <a:fld id="{3166A43E-CA75-4AF3-8026-58F4B8954506}" type="datetimeFigureOut">
               <a:rPr lang="en-US" smtClean="0"/>
-              <a:t>4/23/2021</a:t>
+              <a:t>4/24/2021</a:t>
             </a:fld>
             <a:endParaRPr lang="en-US"/>
           </a:p>
@@ -2920,7 +2920,7 @@
           <a:p>
             <a:fld id="{3166A43E-CA75-4AF3-8026-58F4B8954506}" type="datetimeFigureOut">
               <a:rPr lang="en-US" smtClean="0"/>
-              <a:t>4/23/2021</a:t>
+              <a:t>4/24/2021</a:t>
             </a:fld>
             <a:endParaRPr lang="en-US"/>
           </a:p>
@@ -3337,63 +3337,6 @@
           <a:chExt cx="0" cy="0"/>
         </a:xfrm>
       </p:grpSpPr>
-      <p:sp>
-        <p:nvSpPr>
-          <p:cNvPr id="181" name="Arrow: Down 180">
-            <a:extLst>
-              <a:ext uri="{FF2B5EF4-FFF2-40B4-BE49-F238E27FC236}">
-                <a16:creationId xmlns:a16="http://schemas.microsoft.com/office/drawing/2014/main" id="{D02513AA-0596-4CB0-8CDB-E49DA35E240B}"/>
-              </a:ext>
-            </a:extLst>
-          </p:cNvPr>
-          <p:cNvSpPr/>
-          <p:nvPr/>
-        </p:nvSpPr>
-        <p:spPr>
-          <a:xfrm>
-            <a:off x="1185976" y="982500"/>
-            <a:ext cx="353147" cy="272424"/>
-          </a:xfrm>
-          <a:prstGeom prst="downArrow">
-            <a:avLst>
-              <a:gd name="adj1" fmla="val 39211"/>
-              <a:gd name="adj2" fmla="val 50000"/>
-            </a:avLst>
-          </a:prstGeom>
-          <a:solidFill>
-            <a:srgbClr val="FFC000"/>
-          </a:solidFill>
-          <a:ln>
-            <a:solidFill>
-              <a:schemeClr val="accent4"/>
-            </a:solidFill>
-          </a:ln>
-        </p:spPr>
-        <p:style>
-          <a:lnRef idx="2">
-            <a:schemeClr val="accent1">
-              <a:shade val="50000"/>
-            </a:schemeClr>
-          </a:lnRef>
-          <a:fillRef idx="1">
-            <a:schemeClr val="accent1"/>
-          </a:fillRef>
-          <a:effectRef idx="0">
-            <a:schemeClr val="accent1"/>
-          </a:effectRef>
-          <a:fontRef idx="minor">
-            <a:schemeClr val="lt1"/>
-          </a:fontRef>
-        </p:style>
-        <p:txBody>
-          <a:bodyPr rtlCol="0" anchor="ctr"/>
-          <a:lstStyle/>
-          <a:p>
-            <a:pPr algn="ctr"/>
-            <a:endParaRPr lang="en-US"/>
-          </a:p>
-        </p:txBody>
-      </p:sp>
       <p:grpSp>
         <p:nvGrpSpPr>
           <p:cNvPr id="164" name="Group 163">
@@ -6897,44 +6840,6 @@
           </p:txBody>
         </p:sp>
       </p:grpSp>
-      <p:sp>
-        <p:nvSpPr>
-          <p:cNvPr id="2" name="TextBox 1">
-            <a:extLst>
-              <a:ext uri="{FF2B5EF4-FFF2-40B4-BE49-F238E27FC236}">
-                <a16:creationId xmlns:a16="http://schemas.microsoft.com/office/drawing/2014/main" id="{E4BF800E-350D-43D6-90EA-3DC13F4DF0F0}"/>
-              </a:ext>
-            </a:extLst>
-          </p:cNvPr>
-          <p:cNvSpPr txBox="1"/>
-          <p:nvPr/>
-        </p:nvSpPr>
-        <p:spPr>
-          <a:xfrm>
-            <a:off x="1038251" y="1082594"/>
-            <a:ext cx="659155" cy="369332"/>
-          </a:xfrm>
-          <a:prstGeom prst="rect">
-            <a:avLst/>
-          </a:prstGeom>
-          <a:noFill/>
-        </p:spPr>
-        <p:txBody>
-          <a:bodyPr wrap="none" rtlCol="0">
-            <a:spAutoFit/>
-          </a:bodyPr>
-          <a:lstStyle/>
-          <a:p>
-            <a:r>
-              <a:rPr lang="en-US" b="1" dirty="0">
-                <a:latin typeface="Arial" panose="020B0604020202020204" pitchFamily="34" charset="0"/>
-                <a:cs typeface="Arial" panose="020B0604020202020204" pitchFamily="34" charset="0"/>
-              </a:rPr>
-              <a:t>CSV</a:t>
-            </a:r>
-          </a:p>
-        </p:txBody>
-      </p:sp>
       <p:sp>
         <p:nvSpPr>
           <p:cNvPr id="79" name="TextBox 78">
@@ -13507,6 +13412,194 @@
           </p:grpSp>
         </p:grpSp>
       </p:grpSp>
+      <p:sp>
+        <p:nvSpPr>
+          <p:cNvPr id="205" name="Arrow: Down 204">
+            <a:extLst>
+              <a:ext uri="{FF2B5EF4-FFF2-40B4-BE49-F238E27FC236}">
+                <a16:creationId xmlns:a16="http://schemas.microsoft.com/office/drawing/2014/main" id="{7BB2BF16-ABCA-4623-B57E-FE80812F5E21}"/>
+              </a:ext>
+            </a:extLst>
+          </p:cNvPr>
+          <p:cNvSpPr/>
+          <p:nvPr/>
+        </p:nvSpPr>
+        <p:spPr>
+          <a:xfrm>
+            <a:off x="1185976" y="982500"/>
+            <a:ext cx="353147" cy="272424"/>
+          </a:xfrm>
+          <a:prstGeom prst="downArrow">
+            <a:avLst>
+              <a:gd name="adj1" fmla="val 39211"/>
+              <a:gd name="adj2" fmla="val 50000"/>
+            </a:avLst>
+          </a:prstGeom>
+          <a:solidFill>
+            <a:srgbClr val="FFC000"/>
+          </a:solidFill>
+          <a:ln>
+            <a:solidFill>
+              <a:schemeClr val="accent4"/>
+            </a:solidFill>
+          </a:ln>
+        </p:spPr>
+        <p:style>
+          <a:lnRef idx="2">
+            <a:schemeClr val="accent1">
+              <a:shade val="50000"/>
+            </a:schemeClr>
+          </a:lnRef>
+          <a:fillRef idx="1">
+            <a:schemeClr val="accent1"/>
+          </a:fillRef>
+          <a:effectRef idx="0">
+            <a:schemeClr val="accent1"/>
+          </a:effectRef>
+          <a:fontRef idx="minor">
+            <a:schemeClr val="lt1"/>
+          </a:fontRef>
+        </p:style>
+        <p:txBody>
+          <a:bodyPr rtlCol="0" anchor="ctr"/>
+          <a:lstStyle/>
+          <a:p>
+            <a:pPr algn="ctr"/>
+            <a:endParaRPr lang="en-US"/>
+          </a:p>
+        </p:txBody>
+      </p:sp>
+      <p:sp>
+        <p:nvSpPr>
+          <p:cNvPr id="206" name="TextBox 205">
+            <a:extLst>
+              <a:ext uri="{FF2B5EF4-FFF2-40B4-BE49-F238E27FC236}">
+                <a16:creationId xmlns:a16="http://schemas.microsoft.com/office/drawing/2014/main" id="{780912A9-A171-49FD-8498-890982219ABE}"/>
+              </a:ext>
+            </a:extLst>
+          </p:cNvPr>
+          <p:cNvSpPr txBox="1"/>
+          <p:nvPr/>
+        </p:nvSpPr>
+        <p:spPr>
+          <a:xfrm>
+            <a:off x="1038251" y="1082594"/>
+            <a:ext cx="659155" cy="369332"/>
+          </a:xfrm>
+          <a:prstGeom prst="rect">
+            <a:avLst/>
+          </a:prstGeom>
+          <a:noFill/>
+        </p:spPr>
+        <p:txBody>
+          <a:bodyPr wrap="none" rtlCol="0">
+            <a:spAutoFit/>
+          </a:bodyPr>
+          <a:lstStyle/>
+          <a:p>
+            <a:r>
+              <a:rPr lang="en-US" b="1" dirty="0">
+                <a:latin typeface="Arial" panose="020B0604020202020204" pitchFamily="34" charset="0"/>
+                <a:cs typeface="Arial" panose="020B0604020202020204" pitchFamily="34" charset="0"/>
+              </a:rPr>
+              <a:t>CSV</a:t>
+            </a:r>
+          </a:p>
+        </p:txBody>
+      </p:sp>
+      <p:sp>
+        <p:nvSpPr>
+          <p:cNvPr id="207" name="Arrow: Down 206">
+            <a:extLst>
+              <a:ext uri="{FF2B5EF4-FFF2-40B4-BE49-F238E27FC236}">
+                <a16:creationId xmlns:a16="http://schemas.microsoft.com/office/drawing/2014/main" id="{51659428-53F3-42E9-BC80-7037A9E93A1D}"/>
+              </a:ext>
+            </a:extLst>
+          </p:cNvPr>
+          <p:cNvSpPr/>
+          <p:nvPr/>
+        </p:nvSpPr>
+        <p:spPr>
+          <a:xfrm>
+            <a:off x="1186052" y="595823"/>
+            <a:ext cx="353147" cy="140522"/>
+          </a:xfrm>
+          <a:prstGeom prst="downArrow">
+            <a:avLst>
+              <a:gd name="adj1" fmla="val 59009"/>
+              <a:gd name="adj2" fmla="val 100000"/>
+            </a:avLst>
+          </a:prstGeom>
+          <a:solidFill>
+            <a:srgbClr val="00B0F0"/>
+          </a:solidFill>
+          <a:ln>
+            <a:noFill/>
+          </a:ln>
+        </p:spPr>
+        <p:style>
+          <a:lnRef idx="2">
+            <a:schemeClr val="accent1">
+              <a:shade val="50000"/>
+            </a:schemeClr>
+          </a:lnRef>
+          <a:fillRef idx="1">
+            <a:schemeClr val="accent1"/>
+          </a:fillRef>
+          <a:effectRef idx="0">
+            <a:schemeClr val="accent1"/>
+          </a:effectRef>
+          <a:fontRef idx="minor">
+            <a:schemeClr val="lt1"/>
+          </a:fontRef>
+        </p:style>
+        <p:txBody>
+          <a:bodyPr rtlCol="0" anchor="ctr"/>
+          <a:lstStyle/>
+          <a:p>
+            <a:pPr algn="ctr"/>
+            <a:endParaRPr lang="en-US"/>
+          </a:p>
+        </p:txBody>
+      </p:sp>
+      <p:sp>
+        <p:nvSpPr>
+          <p:cNvPr id="217" name="TextBox 216">
+            <a:extLst>
+              <a:ext uri="{FF2B5EF4-FFF2-40B4-BE49-F238E27FC236}">
+                <a16:creationId xmlns:a16="http://schemas.microsoft.com/office/drawing/2014/main" id="{F68C98D0-4109-426F-B7F0-F99522661337}"/>
+              </a:ext>
+            </a:extLst>
+          </p:cNvPr>
+          <p:cNvSpPr txBox="1"/>
+          <p:nvPr/>
+        </p:nvSpPr>
+        <p:spPr>
+          <a:xfrm>
+            <a:off x="1030968" y="305425"/>
+            <a:ext cx="659155" cy="369332"/>
+          </a:xfrm>
+          <a:prstGeom prst="rect">
+            <a:avLst/>
+          </a:prstGeom>
+          <a:noFill/>
+        </p:spPr>
+        <p:txBody>
+          <a:bodyPr wrap="none" rtlCol="0">
+            <a:spAutoFit/>
+          </a:bodyPr>
+          <a:lstStyle/>
+          <a:p>
+            <a:r>
+              <a:rPr lang="en-US" b="1" dirty="0">
+                <a:latin typeface="Arial" panose="020B0604020202020204" pitchFamily="34" charset="0"/>
+                <a:cs typeface="Arial" panose="020B0604020202020204" pitchFamily="34" charset="0"/>
+              </a:rPr>
+              <a:t>CSV</a:t>
+            </a:r>
+          </a:p>
+        </p:txBody>
+      </p:sp>
     </p:spTree>
     <p:extLst>
       <p:ext uri="{BB962C8B-B14F-4D97-AF65-F5344CB8AC3E}">

--- a/images/IOLabWebImages.pptx
+++ b/images/IOLabWebImages.pptx
@@ -270,7 +270,7 @@
           <a:p>
             <a:fld id="{3166A43E-CA75-4AF3-8026-58F4B8954506}" type="datetimeFigureOut">
               <a:rPr lang="en-US" smtClean="0"/>
-              <a:t>4/24/2021</a:t>
+              <a:t>5/20/2021</a:t>
             </a:fld>
             <a:endParaRPr lang="en-US"/>
           </a:p>
@@ -468,7 +468,7 @@
           <a:p>
             <a:fld id="{3166A43E-CA75-4AF3-8026-58F4B8954506}" type="datetimeFigureOut">
               <a:rPr lang="en-US" smtClean="0"/>
-              <a:t>4/24/2021</a:t>
+              <a:t>5/20/2021</a:t>
             </a:fld>
             <a:endParaRPr lang="en-US"/>
           </a:p>
@@ -676,7 +676,7 @@
           <a:p>
             <a:fld id="{3166A43E-CA75-4AF3-8026-58F4B8954506}" type="datetimeFigureOut">
               <a:rPr lang="en-US" smtClean="0"/>
-              <a:t>4/24/2021</a:t>
+              <a:t>5/20/2021</a:t>
             </a:fld>
             <a:endParaRPr lang="en-US"/>
           </a:p>
@@ -874,7 +874,7 @@
           <a:p>
             <a:fld id="{3166A43E-CA75-4AF3-8026-58F4B8954506}" type="datetimeFigureOut">
               <a:rPr lang="en-US" smtClean="0"/>
-              <a:t>4/24/2021</a:t>
+              <a:t>5/20/2021</a:t>
             </a:fld>
             <a:endParaRPr lang="en-US"/>
           </a:p>
@@ -1149,7 +1149,7 @@
           <a:p>
             <a:fld id="{3166A43E-CA75-4AF3-8026-58F4B8954506}" type="datetimeFigureOut">
               <a:rPr lang="en-US" smtClean="0"/>
-              <a:t>4/24/2021</a:t>
+              <a:t>5/20/2021</a:t>
             </a:fld>
             <a:endParaRPr lang="en-US"/>
           </a:p>
@@ -1414,7 +1414,7 @@
           <a:p>
             <a:fld id="{3166A43E-CA75-4AF3-8026-58F4B8954506}" type="datetimeFigureOut">
               <a:rPr lang="en-US" smtClean="0"/>
-              <a:t>4/24/2021</a:t>
+              <a:t>5/20/2021</a:t>
             </a:fld>
             <a:endParaRPr lang="en-US"/>
           </a:p>
@@ -1826,7 +1826,7 @@
           <a:p>
             <a:fld id="{3166A43E-CA75-4AF3-8026-58F4B8954506}" type="datetimeFigureOut">
               <a:rPr lang="en-US" smtClean="0"/>
-              <a:t>4/24/2021</a:t>
+              <a:t>5/20/2021</a:t>
             </a:fld>
             <a:endParaRPr lang="en-US"/>
           </a:p>
@@ -1967,7 +1967,7 @@
           <a:p>
             <a:fld id="{3166A43E-CA75-4AF3-8026-58F4B8954506}" type="datetimeFigureOut">
               <a:rPr lang="en-US" smtClean="0"/>
-              <a:t>4/24/2021</a:t>
+              <a:t>5/20/2021</a:t>
             </a:fld>
             <a:endParaRPr lang="en-US"/>
           </a:p>
@@ -2080,7 +2080,7 @@
           <a:p>
             <a:fld id="{3166A43E-CA75-4AF3-8026-58F4B8954506}" type="datetimeFigureOut">
               <a:rPr lang="en-US" smtClean="0"/>
-              <a:t>4/24/2021</a:t>
+              <a:t>5/20/2021</a:t>
             </a:fld>
             <a:endParaRPr lang="en-US"/>
           </a:p>
@@ -2391,7 +2391,7 @@
           <a:p>
             <a:fld id="{3166A43E-CA75-4AF3-8026-58F4B8954506}" type="datetimeFigureOut">
               <a:rPr lang="en-US" smtClean="0"/>
-              <a:t>4/24/2021</a:t>
+              <a:t>5/20/2021</a:t>
             </a:fld>
             <a:endParaRPr lang="en-US"/>
           </a:p>
@@ -2679,7 +2679,7 @@
           <a:p>
             <a:fld id="{3166A43E-CA75-4AF3-8026-58F4B8954506}" type="datetimeFigureOut">
               <a:rPr lang="en-US" smtClean="0"/>
-              <a:t>4/24/2021</a:t>
+              <a:t>5/20/2021</a:t>
             </a:fld>
             <a:endParaRPr lang="en-US"/>
           </a:p>
@@ -2920,7 +2920,7 @@
           <a:p>
             <a:fld id="{3166A43E-CA75-4AF3-8026-58F4B8954506}" type="datetimeFigureOut">
               <a:rPr lang="en-US" smtClean="0"/>
-              <a:t>4/24/2021</a:t>
+              <a:t>5/20/2021</a:t>
             </a:fld>
             <a:endParaRPr lang="en-US"/>
           </a:p>
@@ -13600,6 +13600,118 @@
           </a:p>
         </p:txBody>
       </p:sp>
+      <p:grpSp>
+        <p:nvGrpSpPr>
+          <p:cNvPr id="2" name="Group 1">
+            <a:extLst>
+              <a:ext uri="{FF2B5EF4-FFF2-40B4-BE49-F238E27FC236}">
+                <a16:creationId xmlns:a16="http://schemas.microsoft.com/office/drawing/2014/main" id="{EC3D672A-5A71-40E4-B597-0C8CF2DA04CD}"/>
+              </a:ext>
+            </a:extLst>
+          </p:cNvPr>
+          <p:cNvGrpSpPr/>
+          <p:nvPr/>
+        </p:nvGrpSpPr>
+        <p:grpSpPr>
+          <a:xfrm>
+            <a:off x="1718273" y="5514607"/>
+            <a:ext cx="1066775" cy="1052982"/>
+            <a:chOff x="1718273" y="5514607"/>
+            <a:chExt cx="1066775" cy="1052982"/>
+          </a:xfrm>
+        </p:grpSpPr>
+        <p:pic>
+          <p:nvPicPr>
+            <p:cNvPr id="218" name="Picture 217" descr="A close-up of a lemon&#10;&#10;Description automatically generated with medium confidence">
+              <a:extLst>
+                <a:ext uri="{FF2B5EF4-FFF2-40B4-BE49-F238E27FC236}">
+                  <a16:creationId xmlns:a16="http://schemas.microsoft.com/office/drawing/2014/main" id="{748C37F0-B40E-495E-9231-8CE476E88778}"/>
+                </a:ext>
+              </a:extLst>
+            </p:cNvPr>
+            <p:cNvPicPr>
+              <a:picLocks noChangeAspect="1"/>
+            </p:cNvPicPr>
+            <p:nvPr/>
+          </p:nvPicPr>
+          <p:blipFill>
+            <a:blip r:embed="rId6">
+              <a:extLst>
+                <a:ext uri="{28A0092B-C50C-407E-A947-70E740481C1C}">
+                  <a14:useLocalDpi xmlns:a14="http://schemas.microsoft.com/office/drawing/2010/main" val="0"/>
+                </a:ext>
+              </a:extLst>
+            </a:blip>
+            <a:stretch>
+              <a:fillRect/>
+            </a:stretch>
+          </p:blipFill>
+          <p:spPr>
+            <a:xfrm>
+              <a:off x="1740443" y="5522984"/>
+              <a:ext cx="1044605" cy="1044605"/>
+            </a:xfrm>
+            <a:prstGeom prst="rect">
+              <a:avLst/>
+            </a:prstGeom>
+          </p:spPr>
+        </p:pic>
+        <p:sp>
+          <p:nvSpPr>
+            <p:cNvPr id="219" name="Rectangle 218">
+              <a:extLst>
+                <a:ext uri="{FF2B5EF4-FFF2-40B4-BE49-F238E27FC236}">
+                  <a16:creationId xmlns:a16="http://schemas.microsoft.com/office/drawing/2014/main" id="{F797DB16-D2CB-4FEB-A071-4AD0BCCDEBD4}"/>
+                </a:ext>
+              </a:extLst>
+            </p:cNvPr>
+            <p:cNvSpPr>
+              <a:spLocks noChangeAspect="1"/>
+            </p:cNvSpPr>
+            <p:nvPr/>
+          </p:nvSpPr>
+          <p:spPr>
+            <a:xfrm>
+              <a:off x="1718273" y="5514607"/>
+              <a:ext cx="1052982" cy="1052982"/>
+            </a:xfrm>
+            <a:prstGeom prst="rect">
+              <a:avLst/>
+            </a:prstGeom>
+            <a:noFill/>
+            <a:ln w="9525">
+              <a:solidFill>
+                <a:schemeClr val="tx1"/>
+              </a:solidFill>
+              <a:prstDash val="solid"/>
+            </a:ln>
+          </p:spPr>
+          <p:style>
+            <a:lnRef idx="2">
+              <a:schemeClr val="accent1">
+                <a:shade val="50000"/>
+              </a:schemeClr>
+            </a:lnRef>
+            <a:fillRef idx="1">
+              <a:schemeClr val="accent1"/>
+            </a:fillRef>
+            <a:effectRef idx="0">
+              <a:schemeClr val="accent1"/>
+            </a:effectRef>
+            <a:fontRef idx="minor">
+              <a:schemeClr val="lt1"/>
+            </a:fontRef>
+          </p:style>
+          <p:txBody>
+            <a:bodyPr rtlCol="0" anchor="ctr"/>
+            <a:lstStyle/>
+            <a:p>
+              <a:pPr algn="ctr"/>
+              <a:endParaRPr lang="en-US"/>
+            </a:p>
+          </p:txBody>
+        </p:sp>
+      </p:grpSp>
     </p:spTree>
     <p:extLst>
       <p:ext uri="{BB962C8B-B14F-4D97-AF65-F5344CB8AC3E}">

--- a/images/IOLabWebImages.pptx
+++ b/images/IOLabWebImages.pptx
@@ -12042,7 +12042,7 @@
         </p:nvSpPr>
         <p:spPr>
           <a:xfrm>
-            <a:off x="814026" y="5112066"/>
+            <a:off x="2295820" y="5866351"/>
             <a:ext cx="250611" cy="272424"/>
           </a:xfrm>
           <a:prstGeom prst="downArrow">
@@ -12096,7 +12096,7 @@
         </p:nvSpPr>
         <p:spPr>
           <a:xfrm rot="10800000">
-            <a:off x="1202937" y="5090255"/>
+            <a:off x="2684731" y="5844540"/>
             <a:ext cx="250611" cy="272424"/>
           </a:xfrm>
           <a:prstGeom prst="downArrow">
@@ -13614,7 +13614,7 @@
         </p:nvGrpSpPr>
         <p:grpSpPr>
           <a:xfrm>
-            <a:off x="1718273" y="5514607"/>
+            <a:off x="1733895" y="4229967"/>
             <a:ext cx="1066775" cy="1052982"/>
             <a:chOff x="1718273" y="5514607"/>
             <a:chExt cx="1066775" cy="1052982"/>
@@ -13712,6 +13712,247 @@
           </p:txBody>
         </p:sp>
       </p:grpSp>
+      <p:sp>
+        <p:nvSpPr>
+          <p:cNvPr id="220" name="Rectangle 219">
+            <a:extLst>
+              <a:ext uri="{FF2B5EF4-FFF2-40B4-BE49-F238E27FC236}">
+                <a16:creationId xmlns:a16="http://schemas.microsoft.com/office/drawing/2014/main" id="{F47EA395-93B4-4BFF-8646-2E06D48968B0}"/>
+              </a:ext>
+            </a:extLst>
+          </p:cNvPr>
+          <p:cNvSpPr>
+            <a:spLocks noChangeAspect="1"/>
+          </p:cNvSpPr>
+          <p:nvPr/>
+        </p:nvSpPr>
+        <p:spPr>
+          <a:xfrm>
+            <a:off x="562580" y="4236859"/>
+            <a:ext cx="1052982" cy="1052982"/>
+          </a:xfrm>
+          <a:prstGeom prst="rect">
+            <a:avLst/>
+          </a:prstGeom>
+          <a:noFill/>
+          <a:ln w="9525">
+            <a:solidFill>
+              <a:schemeClr val="tx1"/>
+            </a:solidFill>
+            <a:prstDash val="solid"/>
+          </a:ln>
+        </p:spPr>
+        <p:style>
+          <a:lnRef idx="2">
+            <a:schemeClr val="accent1">
+              <a:shade val="50000"/>
+            </a:schemeClr>
+          </a:lnRef>
+          <a:fillRef idx="1">
+            <a:schemeClr val="accent1"/>
+          </a:fillRef>
+          <a:effectRef idx="0">
+            <a:schemeClr val="accent1"/>
+          </a:effectRef>
+          <a:fontRef idx="minor">
+            <a:schemeClr val="lt1"/>
+          </a:fontRef>
+        </p:style>
+        <p:txBody>
+          <a:bodyPr rtlCol="0" anchor="ctr"/>
+          <a:lstStyle/>
+          <a:p>
+            <a:pPr algn="ctr"/>
+            <a:endParaRPr lang="en-US"/>
+          </a:p>
+        </p:txBody>
+      </p:sp>
+      <p:sp>
+        <p:nvSpPr>
+          <p:cNvPr id="74" name="Arc 73">
+            <a:extLst>
+              <a:ext uri="{FF2B5EF4-FFF2-40B4-BE49-F238E27FC236}">
+                <a16:creationId xmlns:a16="http://schemas.microsoft.com/office/drawing/2014/main" id="{878EA071-BA93-458C-A70F-871C1A4CF2A4}"/>
+              </a:ext>
+            </a:extLst>
+          </p:cNvPr>
+          <p:cNvSpPr/>
+          <p:nvPr/>
+        </p:nvSpPr>
+        <p:spPr>
+          <a:xfrm>
+            <a:off x="621069" y="4974590"/>
+            <a:ext cx="693007" cy="582748"/>
+          </a:xfrm>
+          <a:prstGeom prst="arc">
+            <a:avLst>
+              <a:gd name="adj1" fmla="val 13426432"/>
+              <a:gd name="adj2" fmla="val 18959805"/>
+            </a:avLst>
+          </a:prstGeom>
+          <a:ln w="76200">
+            <a:solidFill>
+              <a:srgbClr val="0000FF"/>
+            </a:solidFill>
+          </a:ln>
+        </p:spPr>
+        <p:style>
+          <a:lnRef idx="1">
+            <a:schemeClr val="accent1"/>
+          </a:lnRef>
+          <a:fillRef idx="0">
+            <a:schemeClr val="accent1"/>
+          </a:fillRef>
+          <a:effectRef idx="0">
+            <a:schemeClr val="accent1"/>
+          </a:effectRef>
+          <a:fontRef idx="minor">
+            <a:schemeClr val="tx1"/>
+          </a:fontRef>
+        </p:style>
+        <p:txBody>
+          <a:bodyPr rtlCol="0" anchor="ctr"/>
+          <a:lstStyle/>
+          <a:p>
+            <a:pPr algn="ctr"/>
+            <a:endParaRPr lang="en-US"/>
+          </a:p>
+        </p:txBody>
+      </p:sp>
+      <p:cxnSp>
+        <p:nvCxnSpPr>
+          <p:cNvPr id="78" name="Straight Connector 77">
+            <a:extLst>
+              <a:ext uri="{FF2B5EF4-FFF2-40B4-BE49-F238E27FC236}">
+                <a16:creationId xmlns:a16="http://schemas.microsoft.com/office/drawing/2014/main" id="{B723E155-7616-413B-8575-8907B414C07D}"/>
+              </a:ext>
+            </a:extLst>
+          </p:cNvPr>
+          <p:cNvCxnSpPr/>
+          <p:nvPr/>
+        </p:nvCxnSpPr>
+        <p:spPr>
+          <a:xfrm>
+            <a:off x="852744" y="4601244"/>
+            <a:ext cx="0" cy="396612"/>
+          </a:xfrm>
+          <a:prstGeom prst="line">
+            <a:avLst/>
+          </a:prstGeom>
+          <a:ln w="76200">
+            <a:solidFill>
+              <a:srgbClr val="0000FF"/>
+            </a:solidFill>
+          </a:ln>
+        </p:spPr>
+        <p:style>
+          <a:lnRef idx="1">
+            <a:schemeClr val="accent1"/>
+          </a:lnRef>
+          <a:fillRef idx="0">
+            <a:schemeClr val="accent1"/>
+          </a:fillRef>
+          <a:effectRef idx="0">
+            <a:schemeClr val="accent1"/>
+          </a:effectRef>
+          <a:fontRef idx="minor">
+            <a:schemeClr val="tx1"/>
+          </a:fontRef>
+        </p:style>
+      </p:cxnSp>
+      <p:cxnSp>
+        <p:nvCxnSpPr>
+          <p:cNvPr id="222" name="Straight Connector 221">
+            <a:extLst>
+              <a:ext uri="{FF2B5EF4-FFF2-40B4-BE49-F238E27FC236}">
+                <a16:creationId xmlns:a16="http://schemas.microsoft.com/office/drawing/2014/main" id="{9CFA4817-DE54-4B0E-BD37-691EC29EE38D}"/>
+              </a:ext>
+            </a:extLst>
+          </p:cNvPr>
+          <p:cNvCxnSpPr/>
+          <p:nvPr/>
+        </p:nvCxnSpPr>
+        <p:spPr>
+          <a:xfrm>
+            <a:off x="1089071" y="4610506"/>
+            <a:ext cx="0" cy="396612"/>
+          </a:xfrm>
+          <a:prstGeom prst="line">
+            <a:avLst/>
+          </a:prstGeom>
+          <a:ln w="76200">
+            <a:solidFill>
+              <a:srgbClr val="0000FF"/>
+            </a:solidFill>
+          </a:ln>
+        </p:spPr>
+        <p:style>
+          <a:lnRef idx="1">
+            <a:schemeClr val="accent1"/>
+          </a:lnRef>
+          <a:fillRef idx="0">
+            <a:schemeClr val="accent1"/>
+          </a:fillRef>
+          <a:effectRef idx="0">
+            <a:schemeClr val="accent1"/>
+          </a:effectRef>
+          <a:fontRef idx="minor">
+            <a:schemeClr val="tx1"/>
+          </a:fontRef>
+        </p:style>
+      </p:cxnSp>
+      <p:sp>
+        <p:nvSpPr>
+          <p:cNvPr id="223" name="Arc 222">
+            <a:extLst>
+              <a:ext uri="{FF2B5EF4-FFF2-40B4-BE49-F238E27FC236}">
+                <a16:creationId xmlns:a16="http://schemas.microsoft.com/office/drawing/2014/main" id="{B14F8EE0-9F34-450B-8A46-C735EB548A69}"/>
+              </a:ext>
+            </a:extLst>
+          </p:cNvPr>
+          <p:cNvSpPr/>
+          <p:nvPr/>
+        </p:nvSpPr>
+        <p:spPr>
+          <a:xfrm rot="10800000">
+            <a:off x="615142" y="4029005"/>
+            <a:ext cx="693007" cy="582748"/>
+          </a:xfrm>
+          <a:prstGeom prst="arc">
+            <a:avLst>
+              <a:gd name="adj1" fmla="val 13426432"/>
+              <a:gd name="adj2" fmla="val 18959805"/>
+            </a:avLst>
+          </a:prstGeom>
+          <a:ln w="76200">
+            <a:solidFill>
+              <a:srgbClr val="0000FF"/>
+            </a:solidFill>
+          </a:ln>
+        </p:spPr>
+        <p:style>
+          <a:lnRef idx="1">
+            <a:schemeClr val="accent1"/>
+          </a:lnRef>
+          <a:fillRef idx="0">
+            <a:schemeClr val="accent1"/>
+          </a:fillRef>
+          <a:effectRef idx="0">
+            <a:schemeClr val="accent1"/>
+          </a:effectRef>
+          <a:fontRef idx="minor">
+            <a:schemeClr val="tx1"/>
+          </a:fontRef>
+        </p:style>
+        <p:txBody>
+          <a:bodyPr rtlCol="0" anchor="ctr"/>
+          <a:lstStyle/>
+          <a:p>
+            <a:pPr algn="ctr"/>
+            <a:endParaRPr lang="en-US"/>
+          </a:p>
+        </p:txBody>
+      </p:sp>
     </p:spTree>
     <p:extLst>
       <p:ext uri="{BB962C8B-B14F-4D97-AF65-F5344CB8AC3E}">

--- a/images/IOLabWebImages.pptx
+++ b/images/IOLabWebImages.pptx
@@ -270,7 +270,7 @@
           <a:p>
             <a:fld id="{3166A43E-CA75-4AF3-8026-58F4B8954506}" type="datetimeFigureOut">
               <a:rPr lang="en-US" smtClean="0"/>
-              <a:t>5/20/2021</a:t>
+              <a:t>6/1/2021</a:t>
             </a:fld>
             <a:endParaRPr lang="en-US"/>
           </a:p>
@@ -468,7 +468,7 @@
           <a:p>
             <a:fld id="{3166A43E-CA75-4AF3-8026-58F4B8954506}" type="datetimeFigureOut">
               <a:rPr lang="en-US" smtClean="0"/>
-              <a:t>5/20/2021</a:t>
+              <a:t>6/1/2021</a:t>
             </a:fld>
             <a:endParaRPr lang="en-US"/>
           </a:p>
@@ -676,7 +676,7 @@
           <a:p>
             <a:fld id="{3166A43E-CA75-4AF3-8026-58F4B8954506}" type="datetimeFigureOut">
               <a:rPr lang="en-US" smtClean="0"/>
-              <a:t>5/20/2021</a:t>
+              <a:t>6/1/2021</a:t>
             </a:fld>
             <a:endParaRPr lang="en-US"/>
           </a:p>
@@ -874,7 +874,7 @@
           <a:p>
             <a:fld id="{3166A43E-CA75-4AF3-8026-58F4B8954506}" type="datetimeFigureOut">
               <a:rPr lang="en-US" smtClean="0"/>
-              <a:t>5/20/2021</a:t>
+              <a:t>6/1/2021</a:t>
             </a:fld>
             <a:endParaRPr lang="en-US"/>
           </a:p>
@@ -1149,7 +1149,7 @@
           <a:p>
             <a:fld id="{3166A43E-CA75-4AF3-8026-58F4B8954506}" type="datetimeFigureOut">
               <a:rPr lang="en-US" smtClean="0"/>
-              <a:t>5/20/2021</a:t>
+              <a:t>6/1/2021</a:t>
             </a:fld>
             <a:endParaRPr lang="en-US"/>
           </a:p>
@@ -1414,7 +1414,7 @@
           <a:p>
             <a:fld id="{3166A43E-CA75-4AF3-8026-58F4B8954506}" type="datetimeFigureOut">
               <a:rPr lang="en-US" smtClean="0"/>
-              <a:t>5/20/2021</a:t>
+              <a:t>6/1/2021</a:t>
             </a:fld>
             <a:endParaRPr lang="en-US"/>
           </a:p>
@@ -1826,7 +1826,7 @@
           <a:p>
             <a:fld id="{3166A43E-CA75-4AF3-8026-58F4B8954506}" type="datetimeFigureOut">
               <a:rPr lang="en-US" smtClean="0"/>
-              <a:t>5/20/2021</a:t>
+              <a:t>6/1/2021</a:t>
             </a:fld>
             <a:endParaRPr lang="en-US"/>
           </a:p>
@@ -1967,7 +1967,7 @@
           <a:p>
             <a:fld id="{3166A43E-CA75-4AF3-8026-58F4B8954506}" type="datetimeFigureOut">
               <a:rPr lang="en-US" smtClean="0"/>
-              <a:t>5/20/2021</a:t>
+              <a:t>6/1/2021</a:t>
             </a:fld>
             <a:endParaRPr lang="en-US"/>
           </a:p>
@@ -2080,7 +2080,7 @@
           <a:p>
             <a:fld id="{3166A43E-CA75-4AF3-8026-58F4B8954506}" type="datetimeFigureOut">
               <a:rPr lang="en-US" smtClean="0"/>
-              <a:t>5/20/2021</a:t>
+              <a:t>6/1/2021</a:t>
             </a:fld>
             <a:endParaRPr lang="en-US"/>
           </a:p>
@@ -2391,7 +2391,7 @@
           <a:p>
             <a:fld id="{3166A43E-CA75-4AF3-8026-58F4B8954506}" type="datetimeFigureOut">
               <a:rPr lang="en-US" smtClean="0"/>
-              <a:t>5/20/2021</a:t>
+              <a:t>6/1/2021</a:t>
             </a:fld>
             <a:endParaRPr lang="en-US"/>
           </a:p>
@@ -2679,7 +2679,7 @@
           <a:p>
             <a:fld id="{3166A43E-CA75-4AF3-8026-58F4B8954506}" type="datetimeFigureOut">
               <a:rPr lang="en-US" smtClean="0"/>
-              <a:t>5/20/2021</a:t>
+              <a:t>6/1/2021</a:t>
             </a:fld>
             <a:endParaRPr lang="en-US"/>
           </a:p>
@@ -2920,7 +2920,7 @@
           <a:p>
             <a:fld id="{3166A43E-CA75-4AF3-8026-58F4B8954506}" type="datetimeFigureOut">
               <a:rPr lang="en-US" smtClean="0"/>
-              <a:t>5/20/2021</a:t>
+              <a:t>6/1/2021</a:t>
             </a:fld>
             <a:endParaRPr lang="en-US"/>
           </a:p>
@@ -11373,7 +11373,7 @@
         </p:nvSpPr>
         <p:spPr>
           <a:xfrm>
-            <a:off x="10136250" y="5019309"/>
+            <a:off x="8711012" y="4462420"/>
             <a:ext cx="1065150" cy="627387"/>
           </a:xfrm>
           <a:prstGeom prst="wave">
@@ -11425,7 +11425,7 @@
         </p:nvSpPr>
         <p:spPr>
           <a:xfrm>
-            <a:off x="10136250" y="5019308"/>
+            <a:off x="8711012" y="4462419"/>
             <a:ext cx="1148071" cy="584775"/>
           </a:xfrm>
           <a:prstGeom prst="rect">
@@ -13953,6 +13953,1207 @@
           </a:p>
         </p:txBody>
       </p:sp>
+      <p:graphicFrame>
+        <p:nvGraphicFramePr>
+          <p:cNvPr id="77" name="Table 104">
+            <a:extLst>
+              <a:ext uri="{FF2B5EF4-FFF2-40B4-BE49-F238E27FC236}">
+                <a16:creationId xmlns:a16="http://schemas.microsoft.com/office/drawing/2014/main" id="{B6F577D4-3ABD-4805-A07C-1324ABF9F3E1}"/>
+              </a:ext>
+            </a:extLst>
+          </p:cNvPr>
+          <p:cNvGraphicFramePr>
+            <a:graphicFrameLocks noGrp="1"/>
+          </p:cNvGraphicFramePr>
+          <p:nvPr>
+            <p:extLst>
+              <p:ext uri="{D42A27DB-BD31-4B8C-83A1-F6EECF244321}">
+                <p14:modId xmlns:p14="http://schemas.microsoft.com/office/powerpoint/2010/main" val="3337914363"/>
+              </p:ext>
+            </p:extLst>
+          </p:nvPr>
+        </p:nvGraphicFramePr>
+        <p:xfrm>
+          <a:off x="10379195" y="3398231"/>
+          <a:ext cx="1245388" cy="1463040"/>
+        </p:xfrm>
+        <a:graphic>
+          <a:graphicData uri="http://schemas.openxmlformats.org/drawingml/2006/table">
+            <a:tbl>
+              <a:tblPr firstRow="1" bandRow="1">
+                <a:tableStyleId>{5C22544A-7EE6-4342-B048-85BDC9FD1C3A}</a:tableStyleId>
+              </a:tblPr>
+              <a:tblGrid>
+                <a:gridCol w="311347">
+                  <a:extLst>
+                    <a:ext uri="{9D8B030D-6E8A-4147-A177-3AD203B41FA5}">
+                      <a16:colId xmlns:a16="http://schemas.microsoft.com/office/drawing/2014/main" val="890593017"/>
+                    </a:ext>
+                  </a:extLst>
+                </a:gridCol>
+                <a:gridCol w="311347">
+                  <a:extLst>
+                    <a:ext uri="{9D8B030D-6E8A-4147-A177-3AD203B41FA5}">
+                      <a16:colId xmlns:a16="http://schemas.microsoft.com/office/drawing/2014/main" val="4122902293"/>
+                    </a:ext>
+                  </a:extLst>
+                </a:gridCol>
+                <a:gridCol w="311347">
+                  <a:extLst>
+                    <a:ext uri="{9D8B030D-6E8A-4147-A177-3AD203B41FA5}">
+                      <a16:colId xmlns:a16="http://schemas.microsoft.com/office/drawing/2014/main" val="3574240457"/>
+                    </a:ext>
+                  </a:extLst>
+                </a:gridCol>
+                <a:gridCol w="311347">
+                  <a:extLst>
+                    <a:ext uri="{9D8B030D-6E8A-4147-A177-3AD203B41FA5}">
+                      <a16:colId xmlns:a16="http://schemas.microsoft.com/office/drawing/2014/main" val="1073489684"/>
+                    </a:ext>
+                  </a:extLst>
+                </a:gridCol>
+              </a:tblGrid>
+              <a:tr h="336808">
+                <a:tc>
+                  <a:txBody>
+                    <a:bodyPr/>
+                    <a:lstStyle/>
+                    <a:p>
+                      <a:endParaRPr lang="en-US" dirty="0"/>
+                    </a:p>
+                  </a:txBody>
+                  <a:tcPr>
+                    <a:solidFill>
+                      <a:schemeClr val="accent1">
+                        <a:lumMod val="40000"/>
+                        <a:lumOff val="60000"/>
+                      </a:schemeClr>
+                    </a:solidFill>
+                  </a:tcPr>
+                </a:tc>
+                <a:tc>
+                  <a:txBody>
+                    <a:bodyPr/>
+                    <a:lstStyle/>
+                    <a:p>
+                      <a:endParaRPr lang="en-US" dirty="0"/>
+                    </a:p>
+                  </a:txBody>
+                  <a:tcPr>
+                    <a:solidFill>
+                      <a:schemeClr val="accent1">
+                        <a:lumMod val="40000"/>
+                        <a:lumOff val="60000"/>
+                      </a:schemeClr>
+                    </a:solidFill>
+                  </a:tcPr>
+                </a:tc>
+                <a:tc>
+                  <a:txBody>
+                    <a:bodyPr/>
+                    <a:lstStyle/>
+                    <a:p>
+                      <a:endParaRPr lang="en-US" dirty="0"/>
+                    </a:p>
+                  </a:txBody>
+                  <a:tcPr>
+                    <a:solidFill>
+                      <a:schemeClr val="accent1">
+                        <a:lumMod val="40000"/>
+                        <a:lumOff val="60000"/>
+                      </a:schemeClr>
+                    </a:solidFill>
+                  </a:tcPr>
+                </a:tc>
+                <a:tc>
+                  <a:txBody>
+                    <a:bodyPr/>
+                    <a:lstStyle/>
+                    <a:p>
+                      <a:endParaRPr lang="en-US" dirty="0"/>
+                    </a:p>
+                  </a:txBody>
+                  <a:tcPr>
+                    <a:solidFill>
+                      <a:schemeClr val="accent1">
+                        <a:lumMod val="40000"/>
+                        <a:lumOff val="60000"/>
+                      </a:schemeClr>
+                    </a:solidFill>
+                  </a:tcPr>
+                </a:tc>
+                <a:extLst>
+                  <a:ext uri="{0D108BD9-81ED-4DB2-BD59-A6C34878D82A}">
+                    <a16:rowId xmlns:a16="http://schemas.microsoft.com/office/drawing/2014/main" val="2645972746"/>
+                  </a:ext>
+                </a:extLst>
+              </a:tr>
+              <a:tr h="336808">
+                <a:tc>
+                  <a:txBody>
+                    <a:bodyPr/>
+                    <a:lstStyle/>
+                    <a:p>
+                      <a:endParaRPr lang="en-US" dirty="0"/>
+                    </a:p>
+                  </a:txBody>
+                  <a:tcPr>
+                    <a:solidFill>
+                      <a:schemeClr val="accent1">
+                        <a:lumMod val="40000"/>
+                        <a:lumOff val="60000"/>
+                      </a:schemeClr>
+                    </a:solidFill>
+                  </a:tcPr>
+                </a:tc>
+                <a:tc>
+                  <a:txBody>
+                    <a:bodyPr/>
+                    <a:lstStyle/>
+                    <a:p>
+                      <a:endParaRPr lang="en-US" dirty="0"/>
+                    </a:p>
+                  </a:txBody>
+                  <a:tcPr>
+                    <a:solidFill>
+                      <a:schemeClr val="accent5">
+                        <a:lumMod val="20000"/>
+                        <a:lumOff val="80000"/>
+                      </a:schemeClr>
+                    </a:solidFill>
+                  </a:tcPr>
+                </a:tc>
+                <a:tc>
+                  <a:txBody>
+                    <a:bodyPr/>
+                    <a:lstStyle/>
+                    <a:p>
+                      <a:endParaRPr lang="en-US" dirty="0"/>
+                    </a:p>
+                  </a:txBody>
+                  <a:tcPr>
+                    <a:solidFill>
+                      <a:schemeClr val="accent5">
+                        <a:lumMod val="20000"/>
+                        <a:lumOff val="80000"/>
+                      </a:schemeClr>
+                    </a:solidFill>
+                  </a:tcPr>
+                </a:tc>
+                <a:tc>
+                  <a:txBody>
+                    <a:bodyPr/>
+                    <a:lstStyle/>
+                    <a:p>
+                      <a:endParaRPr lang="en-US" dirty="0"/>
+                    </a:p>
+                  </a:txBody>
+                  <a:tcPr>
+                    <a:solidFill>
+                      <a:schemeClr val="accent5">
+                        <a:lumMod val="20000"/>
+                        <a:lumOff val="80000"/>
+                      </a:schemeClr>
+                    </a:solidFill>
+                  </a:tcPr>
+                </a:tc>
+                <a:extLst>
+                  <a:ext uri="{0D108BD9-81ED-4DB2-BD59-A6C34878D82A}">
+                    <a16:rowId xmlns:a16="http://schemas.microsoft.com/office/drawing/2014/main" val="4144579689"/>
+                  </a:ext>
+                </a:extLst>
+              </a:tr>
+              <a:tr h="336808">
+                <a:tc>
+                  <a:txBody>
+                    <a:bodyPr/>
+                    <a:lstStyle/>
+                    <a:p>
+                      <a:endParaRPr lang="en-US"/>
+                    </a:p>
+                  </a:txBody>
+                  <a:tcPr>
+                    <a:solidFill>
+                      <a:schemeClr val="accent1">
+                        <a:lumMod val="40000"/>
+                        <a:lumOff val="60000"/>
+                      </a:schemeClr>
+                    </a:solidFill>
+                  </a:tcPr>
+                </a:tc>
+                <a:tc>
+                  <a:txBody>
+                    <a:bodyPr/>
+                    <a:lstStyle/>
+                    <a:p>
+                      <a:endParaRPr lang="en-US" dirty="0"/>
+                    </a:p>
+                  </a:txBody>
+                  <a:tcPr>
+                    <a:solidFill>
+                      <a:schemeClr val="accent5">
+                        <a:lumMod val="20000"/>
+                        <a:lumOff val="80000"/>
+                      </a:schemeClr>
+                    </a:solidFill>
+                  </a:tcPr>
+                </a:tc>
+                <a:tc>
+                  <a:txBody>
+                    <a:bodyPr/>
+                    <a:lstStyle/>
+                    <a:p>
+                      <a:endParaRPr lang="en-US" dirty="0"/>
+                    </a:p>
+                  </a:txBody>
+                  <a:tcPr>
+                    <a:solidFill>
+                      <a:schemeClr val="accent5">
+                        <a:lumMod val="20000"/>
+                        <a:lumOff val="80000"/>
+                      </a:schemeClr>
+                    </a:solidFill>
+                  </a:tcPr>
+                </a:tc>
+                <a:tc>
+                  <a:txBody>
+                    <a:bodyPr/>
+                    <a:lstStyle/>
+                    <a:p>
+                      <a:endParaRPr lang="en-US" dirty="0"/>
+                    </a:p>
+                  </a:txBody>
+                  <a:tcPr>
+                    <a:solidFill>
+                      <a:schemeClr val="accent5">
+                        <a:lumMod val="20000"/>
+                        <a:lumOff val="80000"/>
+                      </a:schemeClr>
+                    </a:solidFill>
+                  </a:tcPr>
+                </a:tc>
+                <a:extLst>
+                  <a:ext uri="{0D108BD9-81ED-4DB2-BD59-A6C34878D82A}">
+                    <a16:rowId xmlns:a16="http://schemas.microsoft.com/office/drawing/2014/main" val="4220159299"/>
+                  </a:ext>
+                </a:extLst>
+              </a:tr>
+              <a:tr h="336808">
+                <a:tc>
+                  <a:txBody>
+                    <a:bodyPr/>
+                    <a:lstStyle/>
+                    <a:p>
+                      <a:endParaRPr lang="en-US" dirty="0"/>
+                    </a:p>
+                  </a:txBody>
+                  <a:tcPr>
+                    <a:solidFill>
+                      <a:schemeClr val="accent1">
+                        <a:lumMod val="40000"/>
+                        <a:lumOff val="60000"/>
+                      </a:schemeClr>
+                    </a:solidFill>
+                  </a:tcPr>
+                </a:tc>
+                <a:tc>
+                  <a:txBody>
+                    <a:bodyPr/>
+                    <a:lstStyle/>
+                    <a:p>
+                      <a:endParaRPr lang="en-US" dirty="0"/>
+                    </a:p>
+                  </a:txBody>
+                  <a:tcPr>
+                    <a:solidFill>
+                      <a:schemeClr val="accent5">
+                        <a:lumMod val="20000"/>
+                        <a:lumOff val="80000"/>
+                      </a:schemeClr>
+                    </a:solidFill>
+                  </a:tcPr>
+                </a:tc>
+                <a:tc>
+                  <a:txBody>
+                    <a:bodyPr/>
+                    <a:lstStyle/>
+                    <a:p>
+                      <a:endParaRPr lang="en-US" dirty="0"/>
+                    </a:p>
+                  </a:txBody>
+                  <a:tcPr>
+                    <a:solidFill>
+                      <a:schemeClr val="accent5">
+                        <a:lumMod val="20000"/>
+                        <a:lumOff val="80000"/>
+                      </a:schemeClr>
+                    </a:solidFill>
+                  </a:tcPr>
+                </a:tc>
+                <a:tc>
+                  <a:txBody>
+                    <a:bodyPr/>
+                    <a:lstStyle/>
+                    <a:p>
+                      <a:endParaRPr lang="en-US" dirty="0"/>
+                    </a:p>
+                  </a:txBody>
+                  <a:tcPr>
+                    <a:solidFill>
+                      <a:schemeClr val="accent5">
+                        <a:lumMod val="20000"/>
+                        <a:lumOff val="80000"/>
+                      </a:schemeClr>
+                    </a:solidFill>
+                  </a:tcPr>
+                </a:tc>
+                <a:extLst>
+                  <a:ext uri="{0D108BD9-81ED-4DB2-BD59-A6C34878D82A}">
+                    <a16:rowId xmlns:a16="http://schemas.microsoft.com/office/drawing/2014/main" val="2450919753"/>
+                  </a:ext>
+                </a:extLst>
+              </a:tr>
+            </a:tbl>
+          </a:graphicData>
+        </a:graphic>
+      </p:graphicFrame>
+      <p:sp>
+        <p:nvSpPr>
+          <p:cNvPr id="221" name="Arrow: Down 220">
+            <a:extLst>
+              <a:ext uri="{FF2B5EF4-FFF2-40B4-BE49-F238E27FC236}">
+                <a16:creationId xmlns:a16="http://schemas.microsoft.com/office/drawing/2014/main" id="{7DDE6E4A-CA59-4C3E-BD2A-5503AC3FDD6B}"/>
+              </a:ext>
+            </a:extLst>
+          </p:cNvPr>
+          <p:cNvSpPr/>
+          <p:nvPr/>
+        </p:nvSpPr>
+        <p:spPr>
+          <a:xfrm>
+            <a:off x="10785118" y="4027873"/>
+            <a:ext cx="461539" cy="763625"/>
+          </a:xfrm>
+          <a:prstGeom prst="downArrow">
+            <a:avLst>
+              <a:gd name="adj1" fmla="val 39211"/>
+              <a:gd name="adj2" fmla="val 50000"/>
+            </a:avLst>
+          </a:prstGeom>
+          <a:ln>
+            <a:solidFill>
+              <a:schemeClr val="tx1"/>
+            </a:solidFill>
+          </a:ln>
+        </p:spPr>
+        <p:style>
+          <a:lnRef idx="2">
+            <a:schemeClr val="accent1">
+              <a:shade val="50000"/>
+            </a:schemeClr>
+          </a:lnRef>
+          <a:fillRef idx="1">
+            <a:schemeClr val="accent1"/>
+          </a:fillRef>
+          <a:effectRef idx="0">
+            <a:schemeClr val="accent1"/>
+          </a:effectRef>
+          <a:fontRef idx="minor">
+            <a:schemeClr val="lt1"/>
+          </a:fontRef>
+        </p:style>
+        <p:txBody>
+          <a:bodyPr rtlCol="0" anchor="ctr"/>
+          <a:lstStyle/>
+          <a:p>
+            <a:pPr algn="ctr"/>
+            <a:endParaRPr lang="en-US"/>
+          </a:p>
+        </p:txBody>
+      </p:sp>
+      <p:sp>
+        <p:nvSpPr>
+          <p:cNvPr id="224" name="Rectangle 223">
+            <a:extLst>
+              <a:ext uri="{FF2B5EF4-FFF2-40B4-BE49-F238E27FC236}">
+                <a16:creationId xmlns:a16="http://schemas.microsoft.com/office/drawing/2014/main" id="{718BD217-3A80-40ED-AD34-E2AFB184F73C}"/>
+              </a:ext>
+            </a:extLst>
+          </p:cNvPr>
+          <p:cNvSpPr>
+            <a:spLocks noChangeAspect="1"/>
+          </p:cNvSpPr>
+          <p:nvPr/>
+        </p:nvSpPr>
+        <p:spPr>
+          <a:xfrm>
+            <a:off x="10346438" y="3352800"/>
+            <a:ext cx="1314222" cy="1544094"/>
+          </a:xfrm>
+          <a:prstGeom prst="rect">
+            <a:avLst/>
+          </a:prstGeom>
+          <a:noFill/>
+          <a:ln w="19050">
+            <a:solidFill>
+              <a:schemeClr val="tx1"/>
+            </a:solidFill>
+            <a:prstDash val="solid"/>
+          </a:ln>
+        </p:spPr>
+        <p:style>
+          <a:lnRef idx="2">
+            <a:schemeClr val="accent1">
+              <a:shade val="50000"/>
+            </a:schemeClr>
+          </a:lnRef>
+          <a:fillRef idx="1">
+            <a:schemeClr val="accent1"/>
+          </a:fillRef>
+          <a:effectRef idx="0">
+            <a:schemeClr val="accent1"/>
+          </a:effectRef>
+          <a:fontRef idx="minor">
+            <a:schemeClr val="lt1"/>
+          </a:fontRef>
+        </p:style>
+        <p:txBody>
+          <a:bodyPr rtlCol="0" anchor="ctr"/>
+          <a:lstStyle/>
+          <a:p>
+            <a:pPr algn="ctr"/>
+            <a:endParaRPr lang="en-US"/>
+          </a:p>
+        </p:txBody>
+      </p:sp>
+      <p:graphicFrame>
+        <p:nvGraphicFramePr>
+          <p:cNvPr id="225" name="Table 104">
+            <a:extLst>
+              <a:ext uri="{FF2B5EF4-FFF2-40B4-BE49-F238E27FC236}">
+                <a16:creationId xmlns:a16="http://schemas.microsoft.com/office/drawing/2014/main" id="{A5A1C99C-2E2C-4D18-883A-A95A2A37BE91}"/>
+              </a:ext>
+            </a:extLst>
+          </p:cNvPr>
+          <p:cNvGraphicFramePr>
+            <a:graphicFrameLocks noGrp="1"/>
+          </p:cNvGraphicFramePr>
+          <p:nvPr>
+            <p:extLst>
+              <p:ext uri="{D42A27DB-BD31-4B8C-83A1-F6EECF244321}">
+                <p14:modId xmlns:p14="http://schemas.microsoft.com/office/powerpoint/2010/main" val="3000412699"/>
+              </p:ext>
+            </p:extLst>
+          </p:nvPr>
+        </p:nvGraphicFramePr>
+        <p:xfrm>
+          <a:off x="10379195" y="5136209"/>
+          <a:ext cx="1245388" cy="1463040"/>
+        </p:xfrm>
+        <a:graphic>
+          <a:graphicData uri="http://schemas.openxmlformats.org/drawingml/2006/table">
+            <a:tbl>
+              <a:tblPr firstRow="1" bandRow="1">
+                <a:tableStyleId>{5C22544A-7EE6-4342-B048-85BDC9FD1C3A}</a:tableStyleId>
+              </a:tblPr>
+              <a:tblGrid>
+                <a:gridCol w="311347">
+                  <a:extLst>
+                    <a:ext uri="{9D8B030D-6E8A-4147-A177-3AD203B41FA5}">
+                      <a16:colId xmlns:a16="http://schemas.microsoft.com/office/drawing/2014/main" val="890593017"/>
+                    </a:ext>
+                  </a:extLst>
+                </a:gridCol>
+                <a:gridCol w="311347">
+                  <a:extLst>
+                    <a:ext uri="{9D8B030D-6E8A-4147-A177-3AD203B41FA5}">
+                      <a16:colId xmlns:a16="http://schemas.microsoft.com/office/drawing/2014/main" val="4122902293"/>
+                    </a:ext>
+                  </a:extLst>
+                </a:gridCol>
+                <a:gridCol w="311347">
+                  <a:extLst>
+                    <a:ext uri="{9D8B030D-6E8A-4147-A177-3AD203B41FA5}">
+                      <a16:colId xmlns:a16="http://schemas.microsoft.com/office/drawing/2014/main" val="3574240457"/>
+                    </a:ext>
+                  </a:extLst>
+                </a:gridCol>
+                <a:gridCol w="311347">
+                  <a:extLst>
+                    <a:ext uri="{9D8B030D-6E8A-4147-A177-3AD203B41FA5}">
+                      <a16:colId xmlns:a16="http://schemas.microsoft.com/office/drawing/2014/main" val="1073489684"/>
+                    </a:ext>
+                  </a:extLst>
+                </a:gridCol>
+              </a:tblGrid>
+              <a:tr h="336808">
+                <a:tc>
+                  <a:txBody>
+                    <a:bodyPr/>
+                    <a:lstStyle/>
+                    <a:p>
+                      <a:endParaRPr lang="en-US" dirty="0"/>
+                    </a:p>
+                  </a:txBody>
+                  <a:tcPr>
+                    <a:solidFill>
+                      <a:schemeClr val="accent1">
+                        <a:lumMod val="40000"/>
+                        <a:lumOff val="60000"/>
+                      </a:schemeClr>
+                    </a:solidFill>
+                  </a:tcPr>
+                </a:tc>
+                <a:tc>
+                  <a:txBody>
+                    <a:bodyPr/>
+                    <a:lstStyle/>
+                    <a:p>
+                      <a:endParaRPr lang="en-US" dirty="0"/>
+                    </a:p>
+                  </a:txBody>
+                  <a:tcPr>
+                    <a:solidFill>
+                      <a:schemeClr val="accent1">
+                        <a:lumMod val="40000"/>
+                        <a:lumOff val="60000"/>
+                      </a:schemeClr>
+                    </a:solidFill>
+                  </a:tcPr>
+                </a:tc>
+                <a:tc>
+                  <a:txBody>
+                    <a:bodyPr/>
+                    <a:lstStyle/>
+                    <a:p>
+                      <a:endParaRPr lang="en-US" dirty="0"/>
+                    </a:p>
+                  </a:txBody>
+                  <a:tcPr>
+                    <a:solidFill>
+                      <a:schemeClr val="accent1">
+                        <a:lumMod val="40000"/>
+                        <a:lumOff val="60000"/>
+                      </a:schemeClr>
+                    </a:solidFill>
+                  </a:tcPr>
+                </a:tc>
+                <a:tc>
+                  <a:txBody>
+                    <a:bodyPr/>
+                    <a:lstStyle/>
+                    <a:p>
+                      <a:endParaRPr lang="en-US" dirty="0"/>
+                    </a:p>
+                  </a:txBody>
+                  <a:tcPr>
+                    <a:solidFill>
+                      <a:schemeClr val="accent1">
+                        <a:lumMod val="40000"/>
+                        <a:lumOff val="60000"/>
+                      </a:schemeClr>
+                    </a:solidFill>
+                  </a:tcPr>
+                </a:tc>
+                <a:extLst>
+                  <a:ext uri="{0D108BD9-81ED-4DB2-BD59-A6C34878D82A}">
+                    <a16:rowId xmlns:a16="http://schemas.microsoft.com/office/drawing/2014/main" val="2645972746"/>
+                  </a:ext>
+                </a:extLst>
+              </a:tr>
+              <a:tr h="336808">
+                <a:tc>
+                  <a:txBody>
+                    <a:bodyPr/>
+                    <a:lstStyle/>
+                    <a:p>
+                      <a:endParaRPr lang="en-US" dirty="0"/>
+                    </a:p>
+                  </a:txBody>
+                  <a:tcPr>
+                    <a:solidFill>
+                      <a:schemeClr val="accent1">
+                        <a:lumMod val="40000"/>
+                        <a:lumOff val="60000"/>
+                      </a:schemeClr>
+                    </a:solidFill>
+                  </a:tcPr>
+                </a:tc>
+                <a:tc>
+                  <a:txBody>
+                    <a:bodyPr/>
+                    <a:lstStyle/>
+                    <a:p>
+                      <a:endParaRPr lang="en-US" dirty="0"/>
+                    </a:p>
+                  </a:txBody>
+                  <a:tcPr>
+                    <a:solidFill>
+                      <a:schemeClr val="accent5">
+                        <a:lumMod val="20000"/>
+                        <a:lumOff val="80000"/>
+                      </a:schemeClr>
+                    </a:solidFill>
+                  </a:tcPr>
+                </a:tc>
+                <a:tc>
+                  <a:txBody>
+                    <a:bodyPr/>
+                    <a:lstStyle/>
+                    <a:p>
+                      <a:endParaRPr lang="en-US" dirty="0"/>
+                    </a:p>
+                  </a:txBody>
+                  <a:tcPr>
+                    <a:solidFill>
+                      <a:schemeClr val="accent5">
+                        <a:lumMod val="20000"/>
+                        <a:lumOff val="80000"/>
+                      </a:schemeClr>
+                    </a:solidFill>
+                  </a:tcPr>
+                </a:tc>
+                <a:tc>
+                  <a:txBody>
+                    <a:bodyPr/>
+                    <a:lstStyle/>
+                    <a:p>
+                      <a:endParaRPr lang="en-US" dirty="0"/>
+                    </a:p>
+                  </a:txBody>
+                  <a:tcPr>
+                    <a:solidFill>
+                      <a:schemeClr val="accent5">
+                        <a:lumMod val="20000"/>
+                        <a:lumOff val="80000"/>
+                      </a:schemeClr>
+                    </a:solidFill>
+                  </a:tcPr>
+                </a:tc>
+                <a:extLst>
+                  <a:ext uri="{0D108BD9-81ED-4DB2-BD59-A6C34878D82A}">
+                    <a16:rowId xmlns:a16="http://schemas.microsoft.com/office/drawing/2014/main" val="4144579689"/>
+                  </a:ext>
+                </a:extLst>
+              </a:tr>
+              <a:tr h="336808">
+                <a:tc>
+                  <a:txBody>
+                    <a:bodyPr/>
+                    <a:lstStyle/>
+                    <a:p>
+                      <a:endParaRPr lang="en-US"/>
+                    </a:p>
+                  </a:txBody>
+                  <a:tcPr>
+                    <a:solidFill>
+                      <a:schemeClr val="accent1">
+                        <a:lumMod val="40000"/>
+                        <a:lumOff val="60000"/>
+                      </a:schemeClr>
+                    </a:solidFill>
+                  </a:tcPr>
+                </a:tc>
+                <a:tc>
+                  <a:txBody>
+                    <a:bodyPr/>
+                    <a:lstStyle/>
+                    <a:p>
+                      <a:endParaRPr lang="en-US" dirty="0"/>
+                    </a:p>
+                  </a:txBody>
+                  <a:tcPr>
+                    <a:solidFill>
+                      <a:schemeClr val="accent5">
+                        <a:lumMod val="20000"/>
+                        <a:lumOff val="80000"/>
+                      </a:schemeClr>
+                    </a:solidFill>
+                  </a:tcPr>
+                </a:tc>
+                <a:tc>
+                  <a:txBody>
+                    <a:bodyPr/>
+                    <a:lstStyle/>
+                    <a:p>
+                      <a:endParaRPr lang="en-US" dirty="0"/>
+                    </a:p>
+                  </a:txBody>
+                  <a:tcPr>
+                    <a:solidFill>
+                      <a:schemeClr val="accent5">
+                        <a:lumMod val="20000"/>
+                        <a:lumOff val="80000"/>
+                      </a:schemeClr>
+                    </a:solidFill>
+                  </a:tcPr>
+                </a:tc>
+                <a:tc>
+                  <a:txBody>
+                    <a:bodyPr/>
+                    <a:lstStyle/>
+                    <a:p>
+                      <a:endParaRPr lang="en-US" dirty="0"/>
+                    </a:p>
+                  </a:txBody>
+                  <a:tcPr>
+                    <a:solidFill>
+                      <a:schemeClr val="accent5">
+                        <a:lumMod val="20000"/>
+                        <a:lumOff val="80000"/>
+                      </a:schemeClr>
+                    </a:solidFill>
+                  </a:tcPr>
+                </a:tc>
+                <a:extLst>
+                  <a:ext uri="{0D108BD9-81ED-4DB2-BD59-A6C34878D82A}">
+                    <a16:rowId xmlns:a16="http://schemas.microsoft.com/office/drawing/2014/main" val="4220159299"/>
+                  </a:ext>
+                </a:extLst>
+              </a:tr>
+              <a:tr h="336808">
+                <a:tc>
+                  <a:txBody>
+                    <a:bodyPr/>
+                    <a:lstStyle/>
+                    <a:p>
+                      <a:endParaRPr lang="en-US" dirty="0"/>
+                    </a:p>
+                  </a:txBody>
+                  <a:tcPr>
+                    <a:solidFill>
+                      <a:schemeClr val="accent1">
+                        <a:lumMod val="40000"/>
+                        <a:lumOff val="60000"/>
+                      </a:schemeClr>
+                    </a:solidFill>
+                  </a:tcPr>
+                </a:tc>
+                <a:tc>
+                  <a:txBody>
+                    <a:bodyPr/>
+                    <a:lstStyle/>
+                    <a:p>
+                      <a:endParaRPr lang="en-US" dirty="0"/>
+                    </a:p>
+                  </a:txBody>
+                  <a:tcPr>
+                    <a:solidFill>
+                      <a:schemeClr val="accent5">
+                        <a:lumMod val="20000"/>
+                        <a:lumOff val="80000"/>
+                      </a:schemeClr>
+                    </a:solidFill>
+                  </a:tcPr>
+                </a:tc>
+                <a:tc>
+                  <a:txBody>
+                    <a:bodyPr/>
+                    <a:lstStyle/>
+                    <a:p>
+                      <a:endParaRPr lang="en-US" dirty="0"/>
+                    </a:p>
+                  </a:txBody>
+                  <a:tcPr>
+                    <a:solidFill>
+                      <a:schemeClr val="accent5">
+                        <a:lumMod val="20000"/>
+                        <a:lumOff val="80000"/>
+                      </a:schemeClr>
+                    </a:solidFill>
+                  </a:tcPr>
+                </a:tc>
+                <a:tc>
+                  <a:txBody>
+                    <a:bodyPr/>
+                    <a:lstStyle/>
+                    <a:p>
+                      <a:endParaRPr lang="en-US" dirty="0"/>
+                    </a:p>
+                  </a:txBody>
+                  <a:tcPr>
+                    <a:solidFill>
+                      <a:schemeClr val="accent5">
+                        <a:lumMod val="20000"/>
+                        <a:lumOff val="80000"/>
+                      </a:schemeClr>
+                    </a:solidFill>
+                  </a:tcPr>
+                </a:tc>
+                <a:extLst>
+                  <a:ext uri="{0D108BD9-81ED-4DB2-BD59-A6C34878D82A}">
+                    <a16:rowId xmlns:a16="http://schemas.microsoft.com/office/drawing/2014/main" val="2450919753"/>
+                  </a:ext>
+                </a:extLst>
+              </a:tr>
+            </a:tbl>
+          </a:graphicData>
+        </a:graphic>
+      </p:graphicFrame>
+      <p:sp>
+        <p:nvSpPr>
+          <p:cNvPr id="227" name="Rectangle 226">
+            <a:extLst>
+              <a:ext uri="{FF2B5EF4-FFF2-40B4-BE49-F238E27FC236}">
+                <a16:creationId xmlns:a16="http://schemas.microsoft.com/office/drawing/2014/main" id="{897504D0-3A46-42DA-8C35-02FDEB6205CC}"/>
+              </a:ext>
+            </a:extLst>
+          </p:cNvPr>
+          <p:cNvSpPr>
+            <a:spLocks noChangeAspect="1"/>
+          </p:cNvSpPr>
+          <p:nvPr/>
+        </p:nvSpPr>
+        <p:spPr>
+          <a:xfrm>
+            <a:off x="10346438" y="5090778"/>
+            <a:ext cx="1314222" cy="1544094"/>
+          </a:xfrm>
+          <a:prstGeom prst="rect">
+            <a:avLst/>
+          </a:prstGeom>
+          <a:noFill/>
+          <a:ln w="28575">
+            <a:solidFill>
+              <a:schemeClr val="tx1"/>
+            </a:solidFill>
+            <a:prstDash val="solid"/>
+          </a:ln>
+        </p:spPr>
+        <p:style>
+          <a:lnRef idx="2">
+            <a:schemeClr val="accent1">
+              <a:shade val="50000"/>
+            </a:schemeClr>
+          </a:lnRef>
+          <a:fillRef idx="1">
+            <a:schemeClr val="accent1"/>
+          </a:fillRef>
+          <a:effectRef idx="0">
+            <a:schemeClr val="accent1"/>
+          </a:effectRef>
+          <a:fontRef idx="minor">
+            <a:schemeClr val="lt1"/>
+          </a:fontRef>
+        </p:style>
+        <p:txBody>
+          <a:bodyPr rtlCol="0" anchor="ctr"/>
+          <a:lstStyle/>
+          <a:p>
+            <a:pPr algn="ctr"/>
+            <a:endParaRPr lang="en-US"/>
+          </a:p>
+        </p:txBody>
+      </p:sp>
+      <p:cxnSp>
+        <p:nvCxnSpPr>
+          <p:cNvPr id="229" name="Straight Connector 228">
+            <a:extLst>
+              <a:ext uri="{FF2B5EF4-FFF2-40B4-BE49-F238E27FC236}">
+                <a16:creationId xmlns:a16="http://schemas.microsoft.com/office/drawing/2014/main" id="{4734DF2A-2BB0-451A-9732-13D05637BFFC}"/>
+              </a:ext>
+            </a:extLst>
+          </p:cNvPr>
+          <p:cNvCxnSpPr/>
+          <p:nvPr/>
+        </p:nvCxnSpPr>
+        <p:spPr>
+          <a:xfrm>
+            <a:off x="10688735" y="5093240"/>
+            <a:ext cx="0" cy="1537669"/>
+          </a:xfrm>
+          <a:prstGeom prst="line">
+            <a:avLst/>
+          </a:prstGeom>
+          <a:ln w="28575">
+            <a:solidFill>
+              <a:schemeClr val="tx1"/>
+            </a:solidFill>
+          </a:ln>
+        </p:spPr>
+        <p:style>
+          <a:lnRef idx="1">
+            <a:schemeClr val="accent1"/>
+          </a:lnRef>
+          <a:fillRef idx="0">
+            <a:schemeClr val="accent1"/>
+          </a:fillRef>
+          <a:effectRef idx="0">
+            <a:schemeClr val="accent1"/>
+          </a:effectRef>
+          <a:fontRef idx="minor">
+            <a:schemeClr val="tx1"/>
+          </a:fontRef>
+        </p:style>
+      </p:cxnSp>
+      <p:cxnSp>
+        <p:nvCxnSpPr>
+          <p:cNvPr id="230" name="Straight Connector 229">
+            <a:extLst>
+              <a:ext uri="{FF2B5EF4-FFF2-40B4-BE49-F238E27FC236}">
+                <a16:creationId xmlns:a16="http://schemas.microsoft.com/office/drawing/2014/main" id="{3B51BD3A-9A99-4E93-A12A-C0C86ED8BC8D}"/>
+              </a:ext>
+            </a:extLst>
+          </p:cNvPr>
+          <p:cNvCxnSpPr/>
+          <p:nvPr/>
+        </p:nvCxnSpPr>
+        <p:spPr>
+          <a:xfrm>
+            <a:off x="11007530" y="5093240"/>
+            <a:ext cx="0" cy="1537669"/>
+          </a:xfrm>
+          <a:prstGeom prst="line">
+            <a:avLst/>
+          </a:prstGeom>
+          <a:ln w="28575">
+            <a:solidFill>
+              <a:schemeClr val="tx1"/>
+            </a:solidFill>
+          </a:ln>
+        </p:spPr>
+        <p:style>
+          <a:lnRef idx="1">
+            <a:schemeClr val="accent1"/>
+          </a:lnRef>
+          <a:fillRef idx="0">
+            <a:schemeClr val="accent1"/>
+          </a:fillRef>
+          <a:effectRef idx="0">
+            <a:schemeClr val="accent1"/>
+          </a:effectRef>
+          <a:fontRef idx="minor">
+            <a:schemeClr val="tx1"/>
+          </a:fontRef>
+        </p:style>
+      </p:cxnSp>
+      <p:cxnSp>
+        <p:nvCxnSpPr>
+          <p:cNvPr id="231" name="Straight Connector 230">
+            <a:extLst>
+              <a:ext uri="{FF2B5EF4-FFF2-40B4-BE49-F238E27FC236}">
+                <a16:creationId xmlns:a16="http://schemas.microsoft.com/office/drawing/2014/main" id="{4E709922-BA78-4363-96F6-B3820F759F23}"/>
+              </a:ext>
+            </a:extLst>
+          </p:cNvPr>
+          <p:cNvCxnSpPr/>
+          <p:nvPr/>
+        </p:nvCxnSpPr>
+        <p:spPr>
+          <a:xfrm>
+            <a:off x="11316100" y="5093240"/>
+            <a:ext cx="0" cy="1537669"/>
+          </a:xfrm>
+          <a:prstGeom prst="line">
+            <a:avLst/>
+          </a:prstGeom>
+          <a:ln w="28575">
+            <a:solidFill>
+              <a:schemeClr val="tx1"/>
+            </a:solidFill>
+          </a:ln>
+        </p:spPr>
+        <p:style>
+          <a:lnRef idx="1">
+            <a:schemeClr val="accent1"/>
+          </a:lnRef>
+          <a:fillRef idx="0">
+            <a:schemeClr val="accent1"/>
+          </a:fillRef>
+          <a:effectRef idx="0">
+            <a:schemeClr val="accent1"/>
+          </a:effectRef>
+          <a:fontRef idx="minor">
+            <a:schemeClr val="tx1"/>
+          </a:fontRef>
+        </p:style>
+      </p:cxnSp>
+      <p:cxnSp>
+        <p:nvCxnSpPr>
+          <p:cNvPr id="232" name="Straight Connector 231">
+            <a:extLst>
+              <a:ext uri="{FF2B5EF4-FFF2-40B4-BE49-F238E27FC236}">
+                <a16:creationId xmlns:a16="http://schemas.microsoft.com/office/drawing/2014/main" id="{3CDA26ED-8848-421D-9606-7F2312930EBB}"/>
+              </a:ext>
+            </a:extLst>
+          </p:cNvPr>
+          <p:cNvCxnSpPr>
+            <a:cxnSpLocks/>
+          </p:cNvCxnSpPr>
+          <p:nvPr/>
+        </p:nvCxnSpPr>
+        <p:spPr>
+          <a:xfrm flipH="1">
+            <a:off x="10343118" y="5534325"/>
+            <a:ext cx="1317543" cy="0"/>
+          </a:xfrm>
+          <a:prstGeom prst="line">
+            <a:avLst/>
+          </a:prstGeom>
+          <a:ln w="28575">
+            <a:solidFill>
+              <a:schemeClr val="tx1"/>
+            </a:solidFill>
+          </a:ln>
+        </p:spPr>
+        <p:style>
+          <a:lnRef idx="1">
+            <a:schemeClr val="accent1"/>
+          </a:lnRef>
+          <a:fillRef idx="0">
+            <a:schemeClr val="accent1"/>
+          </a:fillRef>
+          <a:effectRef idx="0">
+            <a:schemeClr val="accent1"/>
+          </a:effectRef>
+          <a:fontRef idx="minor">
+            <a:schemeClr val="tx1"/>
+          </a:fontRef>
+        </p:style>
+      </p:cxnSp>
+      <p:cxnSp>
+        <p:nvCxnSpPr>
+          <p:cNvPr id="235" name="Straight Connector 234">
+            <a:extLst>
+              <a:ext uri="{FF2B5EF4-FFF2-40B4-BE49-F238E27FC236}">
+                <a16:creationId xmlns:a16="http://schemas.microsoft.com/office/drawing/2014/main" id="{A9375E17-654C-4200-9041-09C84424BD72}"/>
+              </a:ext>
+            </a:extLst>
+          </p:cNvPr>
+          <p:cNvCxnSpPr>
+            <a:cxnSpLocks/>
+          </p:cNvCxnSpPr>
+          <p:nvPr/>
+        </p:nvCxnSpPr>
+        <p:spPr>
+          <a:xfrm flipH="1">
+            <a:off x="10342942" y="5867400"/>
+            <a:ext cx="1317543" cy="0"/>
+          </a:xfrm>
+          <a:prstGeom prst="line">
+            <a:avLst/>
+          </a:prstGeom>
+          <a:ln w="28575">
+            <a:solidFill>
+              <a:schemeClr val="tx1"/>
+            </a:solidFill>
+          </a:ln>
+        </p:spPr>
+        <p:style>
+          <a:lnRef idx="1">
+            <a:schemeClr val="accent1"/>
+          </a:lnRef>
+          <a:fillRef idx="0">
+            <a:schemeClr val="accent1"/>
+          </a:fillRef>
+          <a:effectRef idx="0">
+            <a:schemeClr val="accent1"/>
+          </a:effectRef>
+          <a:fontRef idx="minor">
+            <a:schemeClr val="tx1"/>
+          </a:fontRef>
+        </p:style>
+      </p:cxnSp>
+      <p:cxnSp>
+        <p:nvCxnSpPr>
+          <p:cNvPr id="236" name="Straight Connector 235">
+            <a:extLst>
+              <a:ext uri="{FF2B5EF4-FFF2-40B4-BE49-F238E27FC236}">
+                <a16:creationId xmlns:a16="http://schemas.microsoft.com/office/drawing/2014/main" id="{71C9BB45-2DCA-4FA3-909D-A3D3C06BCB55}"/>
+              </a:ext>
+            </a:extLst>
+          </p:cNvPr>
+          <p:cNvCxnSpPr>
+            <a:cxnSpLocks/>
+          </p:cNvCxnSpPr>
+          <p:nvPr/>
+        </p:nvCxnSpPr>
+        <p:spPr>
+          <a:xfrm flipH="1">
+            <a:off x="10344350" y="6229550"/>
+            <a:ext cx="1317543" cy="0"/>
+          </a:xfrm>
+          <a:prstGeom prst="line">
+            <a:avLst/>
+          </a:prstGeom>
+          <a:ln w="28575">
+            <a:solidFill>
+              <a:schemeClr val="tx1"/>
+            </a:solidFill>
+          </a:ln>
+        </p:spPr>
+        <p:style>
+          <a:lnRef idx="1">
+            <a:schemeClr val="accent1"/>
+          </a:lnRef>
+          <a:fillRef idx="0">
+            <a:schemeClr val="accent1"/>
+          </a:fillRef>
+          <a:effectRef idx="0">
+            <a:schemeClr val="accent1"/>
+          </a:effectRef>
+          <a:fontRef idx="minor">
+            <a:schemeClr val="tx1"/>
+          </a:fontRef>
+        </p:style>
+      </p:cxnSp>
+      <p:sp>
+        <p:nvSpPr>
+          <p:cNvPr id="226" name="Arrow: Down 225">
+            <a:extLst>
+              <a:ext uri="{FF2B5EF4-FFF2-40B4-BE49-F238E27FC236}">
+                <a16:creationId xmlns:a16="http://schemas.microsoft.com/office/drawing/2014/main" id="{1B5FAFCA-EECE-4ED8-AA9D-50C9C242C1D7}"/>
+              </a:ext>
+            </a:extLst>
+          </p:cNvPr>
+          <p:cNvSpPr/>
+          <p:nvPr/>
+        </p:nvSpPr>
+        <p:spPr>
+          <a:xfrm>
+            <a:off x="10619275" y="5421140"/>
+            <a:ext cx="776509" cy="1081524"/>
+          </a:xfrm>
+          <a:prstGeom prst="downArrow">
+            <a:avLst>
+              <a:gd name="adj1" fmla="val 48157"/>
+              <a:gd name="adj2" fmla="val 50497"/>
+            </a:avLst>
+          </a:prstGeom>
+          <a:solidFill>
+            <a:srgbClr val="00B0F0"/>
+          </a:solidFill>
+          <a:ln w="38100">
+            <a:solidFill>
+              <a:schemeClr val="tx1"/>
+            </a:solidFill>
+          </a:ln>
+        </p:spPr>
+        <p:style>
+          <a:lnRef idx="2">
+            <a:schemeClr val="accent1">
+              <a:shade val="50000"/>
+            </a:schemeClr>
+          </a:lnRef>
+          <a:fillRef idx="1">
+            <a:schemeClr val="accent1"/>
+          </a:fillRef>
+          <a:effectRef idx="0">
+            <a:schemeClr val="accent1"/>
+          </a:effectRef>
+          <a:fontRef idx="minor">
+            <a:schemeClr val="lt1"/>
+          </a:fontRef>
+        </p:style>
+        <p:txBody>
+          <a:bodyPr rtlCol="0" anchor="ctr"/>
+          <a:lstStyle/>
+          <a:p>
+            <a:pPr algn="ctr"/>
+            <a:endParaRPr lang="en-US"/>
+          </a:p>
+        </p:txBody>
+      </p:sp>
     </p:spTree>
     <p:extLst>
       <p:ext uri="{BB962C8B-B14F-4D97-AF65-F5344CB8AC3E}">

--- a/images/IOLabWebImages.pptx
+++ b/images/IOLabWebImages.pptx
@@ -123,6 +123,32 @@
 </p:presentation>
 </file>
 
+<file path=ppt/commentAuthors.xml><?xml version="1.0" encoding="utf-8"?>
+<p:cmAuthorLst xmlns:a="http://schemas.openxmlformats.org/drawingml/2006/main" xmlns:r="http://schemas.openxmlformats.org/officeDocument/2006/relationships" xmlns:p="http://schemas.openxmlformats.org/presentationml/2006/main">
+  <p:cmAuthor id="1" name="Mats Selen" initials="MS" lastIdx="1" clrIdx="0">
+    <p:extLst>
+      <p:ext uri="{19B8F6BF-5375-455C-9EA6-DF929625EA0E}">
+        <p15:presenceInfo xmlns:p15="http://schemas.microsoft.com/office/powerpoint/2012/main" userId="2288025b29f1d4cb" providerId="Windows Live"/>
+      </p:ext>
+    </p:extLst>
+  </p:cmAuthor>
+</p:cmAuthorLst>
+</file>
+
+<file path=ppt/comments/comment1.xml><?xml version="1.0" encoding="utf-8"?>
+<p:cmLst xmlns:a="http://schemas.openxmlformats.org/drawingml/2006/main" xmlns:r="http://schemas.openxmlformats.org/officeDocument/2006/relationships" xmlns:p="http://schemas.openxmlformats.org/presentationml/2006/main">
+  <p:cm authorId="1" dt="2021-07-14T11:30:40.695" idx="1">
+    <p:pos x="10" y="10"/>
+    <p:text/>
+    <p:extLst>
+      <p:ext uri="{C676402C-5697-4E1C-873F-D02D1690AC5C}">
+        <p15:threadingInfo xmlns:p15="http://schemas.microsoft.com/office/powerpoint/2012/main" timeZoneBias="300"/>
+      </p:ext>
+    </p:extLst>
+  </p:cm>
+</p:cmLst>
+</file>
+
 <file path=ppt/slideLayouts/slideLayout1.xml><?xml version="1.0" encoding="utf-8"?>
 <p:sldLayout xmlns:a="http://schemas.openxmlformats.org/drawingml/2006/main" xmlns:r="http://schemas.openxmlformats.org/officeDocument/2006/relationships" xmlns:p="http://schemas.openxmlformats.org/presentationml/2006/main" type="title" preserve="1">
   <p:cSld name="Title Slide">
@@ -270,7 +296,7 @@
           <a:p>
             <a:fld id="{3166A43E-CA75-4AF3-8026-58F4B8954506}" type="datetimeFigureOut">
               <a:rPr lang="en-US" smtClean="0"/>
-              <a:t>6/1/2021</a:t>
+              <a:t>7/14/2021</a:t>
             </a:fld>
             <a:endParaRPr lang="en-US"/>
           </a:p>
@@ -468,7 +494,7 @@
           <a:p>
             <a:fld id="{3166A43E-CA75-4AF3-8026-58F4B8954506}" type="datetimeFigureOut">
               <a:rPr lang="en-US" smtClean="0"/>
-              <a:t>6/1/2021</a:t>
+              <a:t>7/14/2021</a:t>
             </a:fld>
             <a:endParaRPr lang="en-US"/>
           </a:p>
@@ -676,7 +702,7 @@
           <a:p>
             <a:fld id="{3166A43E-CA75-4AF3-8026-58F4B8954506}" type="datetimeFigureOut">
               <a:rPr lang="en-US" smtClean="0"/>
-              <a:t>6/1/2021</a:t>
+              <a:t>7/14/2021</a:t>
             </a:fld>
             <a:endParaRPr lang="en-US"/>
           </a:p>
@@ -874,7 +900,7 @@
           <a:p>
             <a:fld id="{3166A43E-CA75-4AF3-8026-58F4B8954506}" type="datetimeFigureOut">
               <a:rPr lang="en-US" smtClean="0"/>
-              <a:t>6/1/2021</a:t>
+              <a:t>7/14/2021</a:t>
             </a:fld>
             <a:endParaRPr lang="en-US"/>
           </a:p>
@@ -1149,7 +1175,7 @@
           <a:p>
             <a:fld id="{3166A43E-CA75-4AF3-8026-58F4B8954506}" type="datetimeFigureOut">
               <a:rPr lang="en-US" smtClean="0"/>
-              <a:t>6/1/2021</a:t>
+              <a:t>7/14/2021</a:t>
             </a:fld>
             <a:endParaRPr lang="en-US"/>
           </a:p>
@@ -1414,7 +1440,7 @@
           <a:p>
             <a:fld id="{3166A43E-CA75-4AF3-8026-58F4B8954506}" type="datetimeFigureOut">
               <a:rPr lang="en-US" smtClean="0"/>
-              <a:t>6/1/2021</a:t>
+              <a:t>7/14/2021</a:t>
             </a:fld>
             <a:endParaRPr lang="en-US"/>
           </a:p>
@@ -1826,7 +1852,7 @@
           <a:p>
             <a:fld id="{3166A43E-CA75-4AF3-8026-58F4B8954506}" type="datetimeFigureOut">
               <a:rPr lang="en-US" smtClean="0"/>
-              <a:t>6/1/2021</a:t>
+              <a:t>7/14/2021</a:t>
             </a:fld>
             <a:endParaRPr lang="en-US"/>
           </a:p>
@@ -1967,7 +1993,7 @@
           <a:p>
             <a:fld id="{3166A43E-CA75-4AF3-8026-58F4B8954506}" type="datetimeFigureOut">
               <a:rPr lang="en-US" smtClean="0"/>
-              <a:t>6/1/2021</a:t>
+              <a:t>7/14/2021</a:t>
             </a:fld>
             <a:endParaRPr lang="en-US"/>
           </a:p>
@@ -2080,7 +2106,7 @@
           <a:p>
             <a:fld id="{3166A43E-CA75-4AF3-8026-58F4B8954506}" type="datetimeFigureOut">
               <a:rPr lang="en-US" smtClean="0"/>
-              <a:t>6/1/2021</a:t>
+              <a:t>7/14/2021</a:t>
             </a:fld>
             <a:endParaRPr lang="en-US"/>
           </a:p>
@@ -2391,7 +2417,7 @@
           <a:p>
             <a:fld id="{3166A43E-CA75-4AF3-8026-58F4B8954506}" type="datetimeFigureOut">
               <a:rPr lang="en-US" smtClean="0"/>
-              <a:t>6/1/2021</a:t>
+              <a:t>7/14/2021</a:t>
             </a:fld>
             <a:endParaRPr lang="en-US"/>
           </a:p>
@@ -2679,7 +2705,7 @@
           <a:p>
             <a:fld id="{3166A43E-CA75-4AF3-8026-58F4B8954506}" type="datetimeFigureOut">
               <a:rPr lang="en-US" smtClean="0"/>
-              <a:t>6/1/2021</a:t>
+              <a:t>7/14/2021</a:t>
             </a:fld>
             <a:endParaRPr lang="en-US"/>
           </a:p>
@@ -2920,7 +2946,7 @@
           <a:p>
             <a:fld id="{3166A43E-CA75-4AF3-8026-58F4B8954506}" type="datetimeFigureOut">
               <a:rPr lang="en-US" smtClean="0"/>
-              <a:t>6/1/2021</a:t>
+              <a:t>7/14/2021</a:t>
             </a:fld>
             <a:endParaRPr lang="en-US"/>
           </a:p>
@@ -15154,6 +15180,128 @@
           </a:p>
         </p:txBody>
       </p:sp>
+      <p:pic>
+        <p:nvPicPr>
+          <p:cNvPr id="234" name="Picture 233">
+            <a:extLst>
+              <a:ext uri="{FF2B5EF4-FFF2-40B4-BE49-F238E27FC236}">
+                <a16:creationId xmlns:a16="http://schemas.microsoft.com/office/drawing/2014/main" id="{7A2079EF-0A1C-4868-9E06-884FA6FCE2FE}"/>
+              </a:ext>
+            </a:extLst>
+          </p:cNvPr>
+          <p:cNvPicPr>
+            <a:picLocks noChangeAspect="1"/>
+          </p:cNvPicPr>
+          <p:nvPr/>
+        </p:nvPicPr>
+        <p:blipFill rotWithShape="1">
+          <a:blip r:embed="rId7"/>
+          <a:srcRect b="5803"/>
+          <a:stretch/>
+        </p:blipFill>
+        <p:spPr>
+          <a:xfrm>
+            <a:off x="832834" y="5606887"/>
+            <a:ext cx="390525" cy="394778"/>
+          </a:xfrm>
+          <a:prstGeom prst="rect">
+            <a:avLst/>
+          </a:prstGeom>
+        </p:spPr>
+      </p:pic>
+      <p:sp>
+        <p:nvSpPr>
+          <p:cNvPr id="237" name="Oval 236">
+            <a:extLst>
+              <a:ext uri="{FF2B5EF4-FFF2-40B4-BE49-F238E27FC236}">
+                <a16:creationId xmlns:a16="http://schemas.microsoft.com/office/drawing/2014/main" id="{49EC891B-8235-47FA-A857-29124D147C52}"/>
+              </a:ext>
+            </a:extLst>
+          </p:cNvPr>
+          <p:cNvSpPr/>
+          <p:nvPr/>
+        </p:nvSpPr>
+        <p:spPr>
+          <a:xfrm>
+            <a:off x="862432" y="5639830"/>
+            <a:ext cx="334542" cy="334542"/>
+          </a:xfrm>
+          <a:prstGeom prst="ellipse">
+            <a:avLst/>
+          </a:prstGeom>
+          <a:noFill/>
+          <a:ln w="28575">
+            <a:solidFill>
+              <a:schemeClr val="bg1"/>
+            </a:solidFill>
+          </a:ln>
+        </p:spPr>
+        <p:style>
+          <a:lnRef idx="2">
+            <a:schemeClr val="accent1">
+              <a:shade val="50000"/>
+            </a:schemeClr>
+          </a:lnRef>
+          <a:fillRef idx="1">
+            <a:schemeClr val="accent1"/>
+          </a:fillRef>
+          <a:effectRef idx="0">
+            <a:schemeClr val="accent1"/>
+          </a:effectRef>
+          <a:fontRef idx="minor">
+            <a:schemeClr val="lt1"/>
+          </a:fontRef>
+        </p:style>
+        <p:txBody>
+          <a:bodyPr rtlCol="0" anchor="ctr"/>
+          <a:lstStyle/>
+          <a:p>
+            <a:pPr algn="ctr"/>
+            <a:endParaRPr lang="en-US"/>
+          </a:p>
+        </p:txBody>
+      </p:sp>
+      <p:sp>
+        <p:nvSpPr>
+          <p:cNvPr id="238" name="TextBox 237">
+            <a:extLst>
+              <a:ext uri="{FF2B5EF4-FFF2-40B4-BE49-F238E27FC236}">
+                <a16:creationId xmlns:a16="http://schemas.microsoft.com/office/drawing/2014/main" id="{AA906853-BB80-4C64-9CAF-D07103DD4E2E}"/>
+              </a:ext>
+            </a:extLst>
+          </p:cNvPr>
+          <p:cNvSpPr txBox="1"/>
+          <p:nvPr/>
+        </p:nvSpPr>
+        <p:spPr>
+          <a:xfrm>
+            <a:off x="842156" y="5579043"/>
+            <a:ext cx="334542" cy="461665"/>
+          </a:xfrm>
+          <a:prstGeom prst="rect">
+            <a:avLst/>
+          </a:prstGeom>
+          <a:noFill/>
+        </p:spPr>
+        <p:txBody>
+          <a:bodyPr wrap="square" rtlCol="0">
+            <a:spAutoFit/>
+          </a:bodyPr>
+          <a:lstStyle/>
+          <a:p>
+            <a:r>
+              <a:rPr lang="en-US" sz="2400" b="1" dirty="0">
+                <a:solidFill>
+                  <a:schemeClr val="bg1"/>
+                </a:solidFill>
+                <a:latin typeface="Arial" panose="020B0604020202020204" pitchFamily="34" charset="0"/>
+                <a:cs typeface="Arial" panose="020B0604020202020204" pitchFamily="34" charset="0"/>
+              </a:rPr>
+              <a:t>?</a:t>
+            </a:r>
+          </a:p>
+        </p:txBody>
+      </p:sp>
     </p:spTree>
     <p:extLst>
       <p:ext uri="{BB962C8B-B14F-4D97-AF65-F5344CB8AC3E}">
